--- a/lectures/lecture-19/Lecture-Live/Lecture 19 - Lecture.pptx
+++ b/lectures/lecture-19/Lecture-Live/Lecture 19 - Lecture.pptx
@@ -150,6 +150,2223 @@
     </p:ext>
   </p:extLst>
 </p:presentation>
+</file>
+
+<file path=ppt/ink/ink1.xml><?xml version="1.0" encoding="utf-8"?>
+<inkml:ink xmlns:inkml="http://www.w3.org/2003/InkML">
+  <inkml:definitions>
+    <inkml:context xml:id="ctx0">
+      <inkml:inkSource xml:id="inkSrc0">
+        <inkml:traceFormat>
+          <inkml:channel name="X" type="integer" min="-2.14748E9" max="2.14748E9" units="cm"/>
+          <inkml:channel name="Y" type="integer" min="-2.14748E9" max="2.14748E9" units="cm"/>
+          <inkml:channel name="F" type="integer" max="32767" units="dev"/>
+          <inkml:channel name="OA" type="integer" max="360" units="deg"/>
+          <inkml:channel name="OE" type="integer" max="90" units="deg"/>
+        </inkml:traceFormat>
+        <inkml:channelProperties>
+          <inkml:channelProperty channel="X" name="resolution" value="1000" units="1/cm"/>
+          <inkml:channelProperty channel="Y" name="resolution" value="1000" units="1/cm"/>
+          <inkml:channelProperty channel="F" name="resolution" value="0" units="1/dev"/>
+          <inkml:channelProperty channel="OA" name="resolution" value="1000" units="1/deg"/>
+          <inkml:channelProperty channel="OE" name="resolution" value="1000" units="1/deg"/>
+        </inkml:channelProperties>
+      </inkml:inkSource>
+      <inkml:timestamp xml:id="ts0" timeString="2021-05-12T19:00:31.207"/>
+    </inkml:context>
+    <inkml:brush xml:id="br0">
+      <inkml:brushProperty name="width" value="0.05" units="cm"/>
+      <inkml:brushProperty name="height" value="0.05" units="cm"/>
+      <inkml:brushProperty name="color" value="#FF0066"/>
+    </inkml:brush>
+  </inkml:definitions>
+  <inkml:trace contextRef="#ctx0" brushRef="#br0">58 1 3680 0 0,'0'0'284'0'0,"-1"0"-187"0"0,1 1 77 0 0,-1 0 0 0 0,0-1 0 0 0,1 1 0 0 0,-1-1 0 0 0,1 1 0 0 0,-1-1 0 0 0,0 0 0 0 0,0 1-1 0 0,1-1 1 0 0,-1 0 0 0 0,0 1 0 0 0,0-1 0 0 0,1 0 0 0 0,-1 0 0 0 0,0 0 0 0 0,0 0 0 0 0,0 0 0 0 0,0 0 0 0 0,1 0 0 0 0,-1 0-1 0 0,0 0 1 0 0,0 0 0 0 0,0 0 0 0 0,1 0 0 0 0,-1-1 0 0 0,0 1 0 0 0,0 0 0 0 0,0-1 0 0 0,-1 1 663 0 0,1-1-483 0 0,0 1-1 0 0,1 0 0 0 0,-1 0 0 0 0,0 0 0 0 0,0 0 1 0 0,0 0-1 0 0,0 0 0 0 0,1 0 0 0 0,-1 0 0 0 0,0 0 1 0 0,0 0-1 0 0,0 1 0 0 0,1-1 0 0 0,-1 0 1 0 0,0 0-1 0 0,0 1 0 0 0,1-1 0 0 0,-2 1 0 0 0,-7 7 1801 0 0,8-7-1990 0 0,0 0 0 0 0,1-1 0 0 0,-1 1 0 0 0,1 0 0 0 0,-1 0-1 0 0,1 0 1 0 0,-1-1 0 0 0,1 1 0 0 0,-1 0 0 0 0,1 0 0 0 0,0 0-1 0 0,-1 0 1 0 0,1 0 0 0 0,0 0 0 0 0,0 0 0 0 0,0 0 0 0 0,0 0-1 0 0,0 0 1 0 0,0-1 0 0 0,0 1 0 0 0,0 0 0 0 0,0 0 0 0 0,0 0-1 0 0,1 2 1 0 0,5 7 637 0 0,-6-9-758 0 0,1 1 0 0 0,-1-1 1 0 0,1 0-1 0 0,0 0 0 0 0,-1 0 0 0 0,1 0 0 0 0,0 0 0 0 0,0 0 0 0 0,0 0 1 0 0,0 0-1 0 0,-1 0 0 0 0,1 0 0 0 0,1 0 0 0 0,-1-1 0 0 0,0 1 0 0 0,0 0 0 0 0,2 0 1 0 0,12 4 225 0 0,0-1 1 0 0,0-1 0 0 0,22 2 0 0 0,7 1-197 0 0,-27-4 343 0 0,0 0 0 0 0,25-2 0 0 0,9 1 245 0 0,273 0 487 0 0,-262-3-967 0 0,72-3 215 0 0,153-3 227 0 0,-249 7-302 0 0,30 1 207 0 0,36-3-172 0 0,-43 6-159 0 0,96 2 318 0 0,-146-6-411 0 0,0 0 0 0 0,-1-1 0 0 0,1 0 0 0 0,-1-1 0 0 0,20-8 0 0 0,-17 6-32 0 0,4-2 25 0 0,-11 4-63 0 0,0 0-1 0 0,0 1 0 0 0,0 0 1 0 0,8-2-1 0 0,-12 4-27 0 0,1-3-16 0 0,2-3-21 0 0,-4 6-149 0 0,0-6-1796 0 0</inkml:trace>
+</inkml:ink>
+</file>
+
+<file path=ppt/ink/ink10.xml><?xml version="1.0" encoding="utf-8"?>
+<inkml:ink xmlns:inkml="http://www.w3.org/2003/InkML">
+  <inkml:definitions>
+    <inkml:context xml:id="ctx0">
+      <inkml:inkSource xml:id="inkSrc0">
+        <inkml:traceFormat>
+          <inkml:channel name="X" type="integer" min="-2.14748E9" max="2.14748E9" units="cm"/>
+          <inkml:channel name="Y" type="integer" min="-2.14748E9" max="2.14748E9" units="cm"/>
+          <inkml:channel name="F" type="integer" max="32767" units="dev"/>
+          <inkml:channel name="OA" type="integer" max="360" units="deg"/>
+          <inkml:channel name="OE" type="integer" max="90" units="deg"/>
+        </inkml:traceFormat>
+        <inkml:channelProperties>
+          <inkml:channelProperty channel="X" name="resolution" value="1000" units="1/cm"/>
+          <inkml:channelProperty channel="Y" name="resolution" value="1000" units="1/cm"/>
+          <inkml:channelProperty channel="F" name="resolution" value="0" units="1/dev"/>
+          <inkml:channelProperty channel="OA" name="resolution" value="1000" units="1/deg"/>
+          <inkml:channelProperty channel="OE" name="resolution" value="1000" units="1/deg"/>
+        </inkml:channelProperties>
+      </inkml:inkSource>
+      <inkml:timestamp xml:id="ts0" timeString="2021-05-12T19:30:39.924"/>
+    </inkml:context>
+    <inkml:brush xml:id="br0">
+      <inkml:brushProperty name="width" value="0.05" units="cm"/>
+      <inkml:brushProperty name="height" value="0.05" units="cm"/>
+      <inkml:brushProperty name="color" value="#FF0066"/>
+    </inkml:brush>
+  </inkml:definitions>
+  <inkml:trace contextRef="#ctx0" brushRef="#br0">305 0 11976 0 0,'-5'2'260'0'0,"0"0"0"0"0,0-1 0 0 0,0 0 0 0 0,0 0 0 0 0,0 0 0 0 0,-1-1 0 0 0,-8 0 0 0 0,7 0 511 0 0,1 0 0 0 0,-1 0 0 0 0,1 1 0 0 0,-12 2 0 0 0,10 0-348 0 0,0 1 0 0 0,-1 0 0 0 0,2 0 0 0 0,-1 0 0 0 0,0 1 0 0 0,-9 8 0 0 0,-38 38 498 0 0,46-41-689 0 0,1 0 1 0 0,1 1 0 0 0,-1 0 0 0 0,-8 19 0 0 0,1-4 111 0 0,11-18-248 0 0,0 0 0 0 0,0 1 0 0 0,1-1 0 0 0,0 0 0 0 0,1 1 0 0 0,-1 0 0 0 0,2 0 0 0 0,-1-1 1 0 0,1 1-1 0 0,1 0 0 0 0,0 13 0 0 0,0-18-92 0 0,1-1 0 0 0,0 1 0 0 0,0-1 1 0 0,0 1-1 0 0,1-1 0 0 0,-1 0 0 0 0,1 0 0 0 0,-1 1 0 0 0,1-1 1 0 0,0 0-1 0 0,1-1 0 0 0,-1 1 0 0 0,0 0 0 0 0,1 0 0 0 0,-1-1 1 0 0,1 0-1 0 0,0 1 0 0 0,0-1 0 0 0,0 0 0 0 0,0 0 0 0 0,0-1 0 0 0,6 3 1 0 0,-1-1-167 0 0,-1-1 0 0 0,1 0 1 0 0,-1-1-1 0 0,1 0 0 0 0,0 0 0 0 0,0 0 1 0 0,0-1-1 0 0,-1 0 0 0 0,12-2 1 0 0,7-3-1032 0 0,1 0 1 0 0,-1-2 0 0 0,48-19-1 0 0,-34 10-419 0 0</inkml:trace>
+</inkml:ink>
+</file>
+
+<file path=ppt/ink/ink11.xml><?xml version="1.0" encoding="utf-8"?>
+<inkml:ink xmlns:inkml="http://www.w3.org/2003/InkML">
+  <inkml:definitions>
+    <inkml:context xml:id="ctx0">
+      <inkml:inkSource xml:id="inkSrc0">
+        <inkml:traceFormat>
+          <inkml:channel name="X" type="integer" min="-2.14748E9" max="2.14748E9" units="cm"/>
+          <inkml:channel name="Y" type="integer" min="-2.14748E9" max="2.14748E9" units="cm"/>
+          <inkml:channel name="F" type="integer" max="32767" units="dev"/>
+          <inkml:channel name="OA" type="integer" max="360" units="deg"/>
+          <inkml:channel name="OE" type="integer" max="90" units="deg"/>
+        </inkml:traceFormat>
+        <inkml:channelProperties>
+          <inkml:channelProperty channel="X" name="resolution" value="1000" units="1/cm"/>
+          <inkml:channelProperty channel="Y" name="resolution" value="1000" units="1/cm"/>
+          <inkml:channelProperty channel="F" name="resolution" value="0" units="1/dev"/>
+          <inkml:channelProperty channel="OA" name="resolution" value="1000" units="1/deg"/>
+          <inkml:channelProperty channel="OE" name="resolution" value="1000" units="1/deg"/>
+        </inkml:channelProperties>
+      </inkml:inkSource>
+      <inkml:timestamp xml:id="ts0" timeString="2021-05-12T19:30:40.269"/>
+    </inkml:context>
+    <inkml:brush xml:id="br0">
+      <inkml:brushProperty name="width" value="0.05" units="cm"/>
+      <inkml:brushProperty name="height" value="0.05" units="cm"/>
+      <inkml:brushProperty name="color" value="#FF0066"/>
+    </inkml:brush>
+  </inkml:definitions>
+  <inkml:trace contextRef="#ctx0" brushRef="#br0">298 6 3680 0 0,'-1'-1'284'0'0,"-3"0"-68"0"0,1 0 0 0 0,-1 0 1 0 0,1 0-1 0 0,-1 1 0 0 0,0-1 0 0 0,0 1 1 0 0,-4 0-1 0 0,2 1 851 0 0,0-1 0 0 0,0 2 0 0 0,0-1 0 0 0,-1 1-1 0 0,1-1 1 0 0,-8 5 0 0 0,2 0 1275 0 0,1 0 1 0 0,-15 10-1 0 0,-1 5-1397 0 0,11-6-206 0 0,2 0-1 0 0,0 1 1 0 0,1 0 0 0 0,-12 19-1 0 0,13-17-251 0 0,6-10-263 0 0,1 1 1 0 0,0 0-1 0 0,0 0 0 0 0,1 0 1 0 0,0 0-1 0 0,-5 16 0 0 0,9-22-151 0 0,-1 0 0 0 0,0 0 0 0 0,1 0 0 0 0,-1-1 0 0 0,1 1 0 0 0,0 0 0 0 0,0 0 0 0 0,0 0 0 0 0,0 0 0 0 0,1-1 0 0 0,-1 1 0 0 0,1 0 0 0 0,0 0 0 0 0,-1 0 0 0 0,1-1 1 0 0,0 1-1 0 0,1 0 0 0 0,-1-1 0 0 0,0 1 0 0 0,1-1 0 0 0,0 0 0 0 0,-1 1 0 0 0,1-1 0 0 0,0 0 0 0 0,0 0 0 0 0,0 0 0 0 0,0 0 0 0 0,4 2 0 0 0,-4-3-37 0 0,0-1 1 0 0,0 1-1 0 0,1 0 1 0 0,-1-1-1 0 0,0 1 1 0 0,0-1-1 0 0,1 1 1 0 0,-1-1-1 0 0,0 0 1 0 0,1 0-1 0 0,-1 0 1 0 0,0-1-1 0 0,1 1 1 0 0,-1 0-1 0 0,4-2 1 0 0,2-1 63 0 0,1 1 0 0 0,15-9 0 0 0,-12 4-50 0 0,0 0 1 0 0,-1 0-1 0 0,0-2 0 0 0,0 1 1 0 0,15-16-1 0 0,43-57-390 0 0,-29 32-606 0 0,-6 4-1393 0 0,-17 25 319 0 0</inkml:trace>
+</inkml:ink>
+</file>
+
+<file path=ppt/ink/ink12.xml><?xml version="1.0" encoding="utf-8"?>
+<inkml:ink xmlns:inkml="http://www.w3.org/2003/InkML">
+  <inkml:definitions>
+    <inkml:context xml:id="ctx0">
+      <inkml:inkSource xml:id="inkSrc0">
+        <inkml:traceFormat>
+          <inkml:channel name="X" type="integer" min="-2.14748E9" max="2.14748E9" units="cm"/>
+          <inkml:channel name="Y" type="integer" min="-2.14748E9" max="2.14748E9" units="cm"/>
+          <inkml:channel name="F" type="integer" max="32767" units="dev"/>
+          <inkml:channel name="OA" type="integer" max="360" units="deg"/>
+          <inkml:channel name="OE" type="integer" max="90" units="deg"/>
+        </inkml:traceFormat>
+        <inkml:channelProperties>
+          <inkml:channelProperty channel="X" name="resolution" value="1000" units="1/cm"/>
+          <inkml:channelProperty channel="Y" name="resolution" value="1000" units="1/cm"/>
+          <inkml:channelProperty channel="F" name="resolution" value="0" units="1/dev"/>
+          <inkml:channelProperty channel="OA" name="resolution" value="1000" units="1/deg"/>
+          <inkml:channelProperty channel="OE" name="resolution" value="1000" units="1/deg"/>
+        </inkml:channelProperties>
+      </inkml:inkSource>
+      <inkml:timestamp xml:id="ts0" timeString="2021-05-12T19:30:41.050"/>
+    </inkml:context>
+    <inkml:brush xml:id="br0">
+      <inkml:brushProperty name="width" value="0.05" units="cm"/>
+      <inkml:brushProperty name="height" value="0.05" units="cm"/>
+      <inkml:brushProperty name="color" value="#FF0066"/>
+    </inkml:brush>
+  </inkml:definitions>
+  <inkml:trace contextRef="#ctx0" brushRef="#br0">33 235 7056 0 0,'-16'2'322'0'0,"13"-2"-7"0"0,2 1-204 0 0,-12 7 9971 0 0,18-13-8473 0 0,34-45 1763 0 0,11-17-1633 0 0,-27 35-1123 0 0,25-35 383 0 0,-43 59-927 0 0,-4 6-53 0 0,0 1-1 0 0,0-1 0 0 0,0 1 0 0 0,0-1 1 0 0,0 1-1 0 0,1-1 0 0 0,-1 1 1 0 0,3-2-1 0 0,-4 3-18 0 0,0-1 0 0 0,1 1 1 0 0,-1 0-1 0 0,0 0 0 0 0,1 0 1 0 0,-1 0-1 0 0,0 0 0 0 0,1 0 1 0 0,-1-1-1 0 0,0 1 0 0 0,1 0 0 0 0,-1 0 1 0 0,0 0-1 0 0,0 0 0 0 0,1 0 1 0 0,-1 0-1 0 0,0 0 0 0 0,1 0 1 0 0,-1 1-1 0 0,0-1 0 0 0,1 0 1 0 0,-1 0-1 0 0,0 0 0 0 0,1 0 0 0 0,-1 0 1 0 0,0 0-1 0 0,0 1 0 0 0,1-1 1 0 0,-1 0-1 0 0,0 0 0 0 0,0 0 1 0 0,1 1-1 0 0,-1-1 0 0 0,0 0 0 0 0,0 0 1 0 0,1 1-1 0 0,-1-1 0 0 0,0 0 1 0 0,0 1-1 0 0,0-1 0 0 0,0 0 1 0 0,0 0-1 0 0,1 1 0 0 0,0 2 0 0 0,0-1 0 0 0,0 1 0 0 0,0 0 0 0 0,0-1 0 0 0,0 1 0 0 0,0 0 0 0 0,-1-1 0 0 0,0 1 0 0 0,1 0 0 0 0,-1 5 0 0 0,-3 31 0 0 0,1-26 0 0 0,1-4 0 0 0,0 1 0 0 0,0-1 0 0 0,0 1 0 0 0,1-1 0 0 0,0 0 0 0 0,0 1 0 0 0,4 14 0 0 0,-4-23 0 0 0,0 0 0 0 0,1 0 0 0 0,-1-1 0 0 0,0 1 0 0 0,1 0 0 0 0,-1 0 0 0 0,1 0 0 0 0,-1-1 0 0 0,1 1 0 0 0,0 0 0 0 0,-1-1 0 0 0,1 1 0 0 0,0 0 0 0 0,-1-1 0 0 0,1 1 0 0 0,0-1 0 0 0,0 1 0 0 0,0-1 0 0 0,-1 1 0 0 0,1-1 0 0 0,0 0 0 0 0,0 1 0 0 0,0-1 0 0 0,0 0 0 0 0,0 0 0 0 0,0 0 0 0 0,0 0 0 0 0,-1 1 0 0 0,1-1 0 0 0,0-1 0 0 0,0 1 0 0 0,0 0 0 0 0,0 0 0 0 0,1 0 0 0 0,2-1 0 0 0,1 0 0 0 0,1 0 0 0 0,-1 0 0 0 0,0-1 0 0 0,0 0 0 0 0,-1 0 0 0 0,1 0 0 0 0,0-1 0 0 0,-1 1 0 0 0,7-6 0 0 0,7-3 0 0 0,9-5 0 0 0,-7 4 0 0 0,20-10 0 0 0,-33 19 0 0 0,0 1 0 0 0,-1 0 0 0 0,1-1 0 0 0,0 2 0 0 0,0-1 0 0 0,0 1 0 0 0,12 0 0 0 0,-17 1 0 0 0,1 0 0 0 0,0 0 0 0 0,-1 0 0 0 0,1 1 0 0 0,0-1 0 0 0,-1 1 1 0 0,1 0-1 0 0,-1 0 0 0 0,1 0 0 0 0,-1 0 0 0 0,1 0 0 0 0,-1 0 0 0 0,0 1 0 0 0,0-1 0 0 0,1 1 0 0 0,1 2 0 0 0,-1-1 0 0 0,-1 0 0 0 0,1 0-1 0 0,-1 0 1 0 0,0 1 0 0 0,1-1 0 0 0,-2 1 0 0 0,1 0-1 0 0,0-1 1 0 0,1 8 0 0 0,0 0 2 0 0,-1 1 0 0 0,0 0 0 0 0,-1-1 0 0 0,0 1 0 0 0,-1 0 0 0 0,-2 17 1 0 0,-1-12 43 0 0,0 0 1 0 0,-1-1 0 0 0,-10 29 0 0 0,-25 44 123 0 0,34-79-153 0 0,-51 93 432 0 0,48-89-395 0 0,8-14-47 0 0,0 1 0 0 0,-1 0 1 0 0,1-1-1 0 0,0 1 0 0 0,-1-1 0 0 0,1 1 1 0 0,0 0-1 0 0,-1-1 0 0 0,1 1 1 0 0,-1-1-1 0 0,1 1 0 0 0,-1-1 0 0 0,1 1 1 0 0,-1-1-1 0 0,0 0 0 0 0,1 1 0 0 0,-1-1 1 0 0,1 1-1 0 0,-1-1 0 0 0,0 0 0 0 0,1 0 1 0 0,-1 1-1 0 0,0-1 0 0 0,1 0 1 0 0,-1 0-1 0 0,0 0 0 0 0,0 0 0 0 0,1 0 1 0 0,-1 0-1 0 0,0 0 0 0 0,1 0 0 0 0,-1 0 1 0 0,0 0-1 0 0,0 0 0 0 0,1-1 1 0 0,-1 1-1 0 0,0 0 0 0 0,1 0 0 0 0,-1-1 1 0 0,1 1-1 0 0,-1 0 0 0 0,0-1 0 0 0,1 1 1 0 0,-1-1-1 0 0,0 0 0 0 0,0 0 3 0 0,-1 0 0 0 0,1-1 0 0 0,0 1-1 0 0,0-1 1 0 0,0 1 0 0 0,0-1 0 0 0,0 0 0 0 0,0 0 0 0 0,0 1-1 0 0,0-1 1 0 0,1 0 0 0 0,-1 0 0 0 0,1 0 0 0 0,-1 0 0 0 0,1 1-1 0 0,0-3 1 0 0,1-15 3 0 0,2 1 1 0 0,0 0-1 0 0,1 0 0 0 0,1 0 1 0 0,8-21-1 0 0,-1 10 177 0 0,1 0-1 0 0,2 0 1 0 0,33-49-1 0 0,69-70 709 0 0,-104 135-614 0 0,22-21 0 0 0,-31 31-234 0 0,-1 0 0 0 0,1 1 0 0 0,-1-1 0 0 0,1 1 0 0 0,0 0 0 0 0,0 0 0 0 0,0 0 1 0 0,0 0-1 0 0,0 1 0 0 0,1-1 0 0 0,-1 1 0 0 0,9-1 0 0 0,-12 2-38 0 0,1 0 0 0 0,-1 0 1 0 0,1 1-1 0 0,-1-1 1 0 0,0 0-1 0 0,1 1 0 0 0,-1-1 1 0 0,1 1-1 0 0,-1-1 0 0 0,0 1 1 0 0,0-1-1 0 0,1 1 0 0 0,-1 0 1 0 0,0 0-1 0 0,0 0 0 0 0,0 0 1 0 0,0 0-1 0 0,0 0 1 0 0,0 0-1 0 0,0 0 0 0 0,0 0 1 0 0,0 0-1 0 0,0 0 0 0 0,-1 1 1 0 0,1-1-1 0 0,-1 0 0 0 0,1 1 1 0 0,-1-1-1 0 0,1 0 1 0 0,-1 1-1 0 0,1 1 0 0 0,0 3 53 0 0,0-1 0 0 0,-1 1-1 0 0,0 0 1 0 0,0-1-1 0 0,0 1 1 0 0,-1 8 0 0 0,-3 5-61 0 0,0 1 0 0 0,-11 31 1 0 0,12-42-202 0 0,-1 1 1 0 0,-1-1 0 0 0,1 0-1 0 0,-1 0 1 0 0,-1-1 0 0 0,0 1 0 0 0,-8 7-1 0 0,7-8-598 0 0,6-6 600 0 0,-1 0-1 0 0,0 0 0 0 0,0 0 1 0 0,0 0-1 0 0,0-1 0 0 0,0 1 1 0 0,-5 2-1 0 0,6-3-1006 0 0,-1 0 1 0 0,0-1-1 0 0,0 1 0 0 0,0-1 0 0 0,-1 0 1 0 0,1 1-1 0 0,-4-1 0 0 0</inkml:trace>
+</inkml:ink>
+</file>
+
+<file path=ppt/ink/ink13.xml><?xml version="1.0" encoding="utf-8"?>
+<inkml:ink xmlns:inkml="http://www.w3.org/2003/InkML">
+  <inkml:definitions>
+    <inkml:context xml:id="ctx0">
+      <inkml:inkSource xml:id="inkSrc0">
+        <inkml:traceFormat>
+          <inkml:channel name="X" type="integer" min="-2.14748E9" max="2.14748E9" units="cm"/>
+          <inkml:channel name="Y" type="integer" min="-2.14748E9" max="2.14748E9" units="cm"/>
+          <inkml:channel name="F" type="integer" max="32767" units="dev"/>
+          <inkml:channel name="OA" type="integer" max="360" units="deg"/>
+          <inkml:channel name="OE" type="integer" max="90" units="deg"/>
+        </inkml:traceFormat>
+        <inkml:channelProperties>
+          <inkml:channelProperty channel="X" name="resolution" value="1000" units="1/cm"/>
+          <inkml:channelProperty channel="Y" name="resolution" value="1000" units="1/cm"/>
+          <inkml:channelProperty channel="F" name="resolution" value="0" units="1/dev"/>
+          <inkml:channelProperty channel="OA" name="resolution" value="1000" units="1/deg"/>
+          <inkml:channelProperty channel="OE" name="resolution" value="1000" units="1/deg"/>
+        </inkml:channelProperties>
+      </inkml:inkSource>
+      <inkml:timestamp xml:id="ts0" timeString="2021-05-12T19:30:41.444"/>
+    </inkml:context>
+    <inkml:brush xml:id="br0">
+      <inkml:brushProperty name="width" value="0.05" units="cm"/>
+      <inkml:brushProperty name="height" value="0.05" units="cm"/>
+      <inkml:brushProperty name="color" value="#FF0066"/>
+    </inkml:brush>
+  </inkml:definitions>
+  <inkml:trace contextRef="#ctx0" brushRef="#br0">22 69 11976 0 0,'-1'-1'118'0'0,"0"-1"0"0"0,1 1 0 0 0,-1 0 0 0 0,0 0 0 0 0,0 0 1 0 0,1-1-1 0 0,-1 1 0 0 0,0 0 0 0 0,1-1 0 0 0,0 1 0 0 0,-1-1 1 0 0,1 1-1 0 0,0 0 0 0 0,-1-1 0 0 0,1 1 0 0 0,0-1 0 0 0,0 1 0 0 0,0-1 1 0 0,1 1-1 0 0,-1-1 0 0 0,1-2 0 0 0,-1 0 486 0 0,1 0-1 0 0,0-1 1 0 0,0 1-1 0 0,0 0 0 0 0,1 0 1 0 0,3-6 2971 0 0,-4 11-3213 0 0,1 4-273 0 0,0 0 1 0 0,1 0-1 0 0,-2 0 0 0 0,1 0 1 0 0,-1 1-1 0 0,1-1 1 0 0,-1 0-1 0 0,-1 1 1 0 0,1-1-1 0 0,-1 0 1 0 0,0 8-1 0 0,-6 42 191 0 0,-23 97 1 0 0,27-141-193 0 0,1-4-149 0 0,0 1 0 0 0,0 14 1 0 0,0 3-2439 0 0</inkml:trace>
+</inkml:ink>
+</file>
+
+<file path=ppt/ink/ink14.xml><?xml version="1.0" encoding="utf-8"?>
+<inkml:ink xmlns:inkml="http://www.w3.org/2003/InkML">
+  <inkml:definitions>
+    <inkml:context xml:id="ctx0">
+      <inkml:inkSource xml:id="inkSrc0">
+        <inkml:traceFormat>
+          <inkml:channel name="X" type="integer" min="-2.14748E9" max="2.14748E9" units="cm"/>
+          <inkml:channel name="Y" type="integer" min="-2.14748E9" max="2.14748E9" units="cm"/>
+          <inkml:channel name="F" type="integer" max="32767" units="dev"/>
+          <inkml:channel name="OA" type="integer" max="360" units="deg"/>
+          <inkml:channel name="OE" type="integer" max="90" units="deg"/>
+        </inkml:traceFormat>
+        <inkml:channelProperties>
+          <inkml:channelProperty channel="X" name="resolution" value="1000" units="1/cm"/>
+          <inkml:channelProperty channel="Y" name="resolution" value="1000" units="1/cm"/>
+          <inkml:channelProperty channel="F" name="resolution" value="0" units="1/dev"/>
+          <inkml:channelProperty channel="OA" name="resolution" value="1000" units="1/deg"/>
+          <inkml:channelProperty channel="OE" name="resolution" value="1000" units="1/deg"/>
+        </inkml:channelProperties>
+      </inkml:inkSource>
+      <inkml:timestamp xml:id="ts0" timeString="2021-05-12T19:30:41.914"/>
+    </inkml:context>
+    <inkml:brush xml:id="br0">
+      <inkml:brushProperty name="width" value="0.05" units="cm"/>
+      <inkml:brushProperty name="height" value="0.05" units="cm"/>
+      <inkml:brushProperty name="color" value="#FF0066"/>
+    </inkml:brush>
+  </inkml:definitions>
+  <inkml:trace contextRef="#ctx0" brushRef="#br0">33 2 19207 0 0,'-1'0'59'0'0,"1"0"0"0"0,0 0 0 0 0,0 0 0 0 0,0-1 0 0 0,-1 1 0 0 0,1 0 0 0 0,0 0 0 0 0,0 0 0 0 0,0 0 0 0 0,-1 0 0 0 0,1 0 0 0 0,0-1-1 0 0,0 1 1 0 0,-1 0 0 0 0,1 0 0 0 0,0 0 0 0 0,0 0 0 0 0,-1 0 0 0 0,1 0 0 0 0,0 0 0 0 0,0 0 0 0 0,-1 0 0 0 0,1 0 0 0 0,0 0 0 0 0,0 0-1 0 0,-1 0 1 0 0,1 0 0 0 0,0 1 0 0 0,0-1 0 0 0,-1 0 0 0 0,1 0 0 0 0,0 0 0 0 0,0 0 0 0 0,0 0 0 0 0,-1 0 0 0 0,1 1 0 0 0,0-1 0 0 0,0 0-1 0 0,-6 8-369 0 0,5-7 443 0 0,-1 5-56 0 0,0-1 0 0 0,0 1 0 0 0,0-1 0 0 0,1 1 0 0 0,0 0 0 0 0,-1 10 0 0 0,-1 4 371 0 0,2-4-189 0 0,0 0 0 0 0,2 0 0 0 0,-1 1 0 0 0,4 18 0 0 0,0-2-111 0 0,20 147 521 0 0,-18-143-439 0 0,2 0 0 0 0,14 42 0 0 0,-18-67-179 0 0,1 0 0 0 0,0 0 0 0 0,1-1 0 0 0,0 1 0 0 0,1-1 0 0 0,0-1 0 0 0,1 1 0 0 0,0-1 0 0 0,1-1 0 0 0,10 11 0 0 0,-12-15-39 0 0,0 0 0 0 0,1-1 0 0 0,-1 1 1 0 0,1-1-1 0 0,-1-1 0 0 0,1 0 0 0 0,0 0 0 0 0,1 0 0 0 0,-1-1 0 0 0,0 0 0 0 0,1-1 0 0 0,9 1 0 0 0,-11-1 107 0 0,0-1-1 0 0,0 0 0 0 0,0-1 1 0 0,0 1-1 0 0,0-2 0 0 0,-1 1 1 0 0,1 0-1 0 0,0-1 0 0 0,0-1 1 0 0,-1 1-1 0 0,1-1 0 0 0,-1 0 1 0 0,0 0-1 0 0,0-1 0 0 0,6-4 0 0 0,-5 3-60 0 0,-1-1 0 0 0,0 0-1 0 0,0 0 1 0 0,0-1 0 0 0,0 0-1 0 0,7-12 1 0 0,-12 17-9 0 0,1-1 1 0 0,-1 0-1 0 0,0 0 0 0 0,0-1 1 0 0,0 1-1 0 0,0 0 0 0 0,0 0 1 0 0,0 0-1 0 0,-1-1 0 0 0,0 1 1 0 0,0 0-1 0 0,0 0 1 0 0,0-1-1 0 0,0 1 0 0 0,-1 0 1 0 0,1 0-1 0 0,-1-1 0 0 0,0 1 1 0 0,0 0-1 0 0,-2-5 0 0 0,2 7-40 0 0,1-1 0 0 0,-1 1 0 0 0,0 0 0 0 0,0-1 0 0 0,0 1 0 0 0,0 0 0 0 0,0 0 0 0 0,0 0 1 0 0,0 0-1 0 0,0 0 0 0 0,0 0 0 0 0,0 0 0 0 0,-1 0 0 0 0,1 0 0 0 0,0 1 0 0 0,-1-1 0 0 0,1 0 0 0 0,0 1 0 0 0,-3-1 0 0 0,2 0 8 0 0,-1 1 0 0 0,1 0 0 0 0,-1 0 0 0 0,0 0 1 0 0,1 0-1 0 0,-1 0 0 0 0,0 0 0 0 0,1 1 0 0 0,-1-1 1 0 0,-3 2-1 0 0,0 0 6 0 0,0 1 1 0 0,0 0 0 0 0,0 0 0 0 0,0 0-1 0 0,0 0 1 0 0,1 1 0 0 0,-1 0-1 0 0,-4 5 1 0 0,-5 6-43 0 0,-20 20-113 0 0,33-33 122 0 0,0 1 0 0 0,1-1 1 0 0,-1 1-1 0 0,1-1 0 0 0,-1 1 1 0 0,1-1-1 0 0,0 1 0 0 0,0 0 1 0 0,0-1-1 0 0,0 1 0 0 0,0 0 1 0 0,1 0-1 0 0,-1 3 0 0 0,1-5-59 0 0,1 0 0 0 0,-1-1 0 0 0,1 1 0 0 0,0-1 0 0 0,-1 1 0 0 0,1 0 0 0 0,0-1 0 0 0,-1 1-1 0 0,1-1 1 0 0,0 1 0 0 0,-1-1 0 0 0,1 0 0 0 0,0 1 0 0 0,0-1 0 0 0,0 0 0 0 0,0 0 0 0 0,-1 1-1 0 0,3-1 1 0 0,0 1-338 0 0,0 0 177 0 0,1 0 0 0 0,-1 0 0 0 0,1 0-1 0 0,-1-1 1 0 0,1 0 0 0 0,-1 1-1 0 0,1-1 1 0 0,-1 0 0 0 0,1-1-1 0 0,0 1 1 0 0,5-2 0 0 0,43-14-1128 0 0,-37 10 619 0 0,2 0-468 0 0,0-2-1 0 0,24-15 1 0 0,8-3-359 0 0,-47 24 1541 0 0,1 1-1 0 0,-1 0 1 0 0,1 0-1 0 0,-1 0 0 0 0,1 1 1 0 0,-1-1-1 0 0,1 1 1 0 0,0-1-1 0 0,-1 1 1 0 0,1 0-1 0 0,0 0 1 0 0,-1 0-1 0 0,4 1 1 0 0,-4-1 77 0 0,-1 1 1 0 0,1-1-1 0 0,-1 1 1 0 0,1 0 0 0 0,-1-1-1 0 0,0 1 1 0 0,1 0-1 0 0,-1 0 1 0 0,0 0 0 0 0,0 0-1 0 0,0 0 1 0 0,0 0-1 0 0,0 0 1 0 0,0 1 0 0 0,0-1-1 0 0,0 0 1 0 0,0 1 0 0 0,0-1-1 0 0,-1 0 1 0 0,1 1-1 0 0,-1-1 1 0 0,1 1 0 0 0,-1-1-1 0 0,1 3 1 0 0,1 9 631 0 0,-1-1 1 0 0,-1 1-1 0 0,0 0 1 0 0,-2 17-1 0 0,-6 11 1201 0 0,6-30-1064 0 0,0-1 0 0 0,-2 22 2658 0 0,7-48-2374 0 0,1-8-921 0 0,1 1 0 0 0,0-1 1 0 0,2 1-1 0 0,14-32 0 0 0,-15 41-353 0 0,2-1 0 0 0,0 1 0 0 0,0 0 0 0 0,2 0 0 0 0,-1 1 0 0 0,2 1 0 0 0,17-18 0 0 0,-23 26-405 0 0,0 0 0 0 0,0 0-1 0 0,1 1 1 0 0,7-4 0 0 0,11-4-6532 0 0,-4 5-1326 0 0</inkml:trace>
+</inkml:ink>
+</file>
+
+<file path=ppt/ink/ink15.xml><?xml version="1.0" encoding="utf-8"?>
+<inkml:ink xmlns:inkml="http://www.w3.org/2003/InkML">
+  <inkml:definitions>
+    <inkml:context xml:id="ctx0">
+      <inkml:inkSource xml:id="inkSrc0">
+        <inkml:traceFormat>
+          <inkml:channel name="X" type="integer" min="-2.14748E9" max="2.14748E9" units="cm"/>
+          <inkml:channel name="Y" type="integer" min="-2.14748E9" max="2.14748E9" units="cm"/>
+          <inkml:channel name="F" type="integer" max="32767" units="dev"/>
+          <inkml:channel name="OA" type="integer" max="360" units="deg"/>
+          <inkml:channel name="OE" type="integer" max="90" units="deg"/>
+        </inkml:traceFormat>
+        <inkml:channelProperties>
+          <inkml:channelProperty channel="X" name="resolution" value="1000" units="1/cm"/>
+          <inkml:channelProperty channel="Y" name="resolution" value="1000" units="1/cm"/>
+          <inkml:channelProperty channel="F" name="resolution" value="0" units="1/dev"/>
+          <inkml:channelProperty channel="OA" name="resolution" value="1000" units="1/deg"/>
+          <inkml:channelProperty channel="OE" name="resolution" value="1000" units="1/deg"/>
+        </inkml:channelProperties>
+      </inkml:inkSource>
+      <inkml:timestamp xml:id="ts0" timeString="2021-05-12T19:30:43.161"/>
+    </inkml:context>
+    <inkml:brush xml:id="br0">
+      <inkml:brushProperty name="width" value="0.05" units="cm"/>
+      <inkml:brushProperty name="height" value="0.05" units="cm"/>
+      <inkml:brushProperty name="color" value="#FF0066"/>
+    </inkml:brush>
+  </inkml:definitions>
+  <inkml:trace contextRef="#ctx0" brushRef="#br0">0 210 18167 0 0,'0'0'830'0'0,"4"3"276"0"0,-1-2-1092 0 0,1 0-1 0 0,0 0 1 0 0,-1 0-1 0 0,1-1 1 0 0,0 1 0 0 0,-1-1-1 0 0,1 0 1 0 0,7-1-1 0 0,32-5 176 0 0,-33 5-153 0 0,9-3 216 0 0,1-1 0 0 0,-1-1 1 0 0,0 0-1 0 0,0-1 0 0 0,22-13 0 0 0,-28 13-83 0 0,-1 0 1 0 0,0-1-1 0 0,0-1 0 0 0,-1 1 1 0 0,0-2-1 0 0,0 0 1 0 0,-1 0-1 0 0,10-14 0 0 0,-18 20-169 0 0,0 1-1 0 0,0-1 1 0 0,0 0-1 0 0,0 1 0 0 0,1-6 1 0 0,-3 7 98 0 0,1 1 0 0 0,-1-1 1 0 0,0 0-1 0 0,1 1 1 0 0,-1-1-1 0 0,0 0 0 0 0,0 1 1 0 0,0-1-1 0 0,0 0 0 0 0,0 1 1 0 0,0-1-1 0 0,0 0 1 0 0,-1 1-1 0 0,0-4 0 0 0,0 4-78 0 0,1 1 0 0 0,-1-1 0 0 0,0 0 0 0 0,1 1 0 0 0,-1-1 0 0 0,0 0 0 0 0,0 1-1 0 0,0-1 1 0 0,1 1 0 0 0,-1-1 0 0 0,0 1 0 0 0,0-1 0 0 0,0 1 0 0 0,0 0 0 0 0,0 0 0 0 0,0-1 0 0 0,0 1 0 0 0,0 0-1 0 0,0 0 1 0 0,0 0 0 0 0,0 0 0 0 0,0 0 0 0 0,0 0 0 0 0,0 0 0 0 0,0 0 0 0 0,0 1 0 0 0,0-1 0 0 0,0 0-1 0 0,1 0 1 0 0,-1 1 0 0 0,0-1 0 0 0,0 1 0 0 0,0-1 0 0 0,-1 2 0 0 0,-5 1 98 0 0,1 1 0 0 0,0 0 0 0 0,-7 6 1 0 0,0 1 63 0 0,1 0 1 0 0,0 1 0 0 0,1 1 0 0 0,0 0 0 0 0,1 0 0 0 0,1 1-1 0 0,-9 17 1 0 0,16-28-187 0 0,1 0 0 0 0,0 0-1 0 0,-1 0 1 0 0,1 0 0 0 0,0 0 0 0 0,0 0-1 0 0,1 0 1 0 0,-1 1 0 0 0,1-1 0 0 0,-1 0-1 0 0,1 1 1 0 0,0-1 0 0 0,0 0 0 0 0,1 1-1 0 0,-1-1 1 0 0,1 0 0 0 0,-1 0 0 0 0,1 1-1 0 0,2 3 1 0 0,-2-4-13 0 0,1 0-1 0 0,0-1 1 0 0,-1 1 0 0 0,1-1-1 0 0,0 1 1 0 0,0-1-1 0 0,0 0 1 0 0,1 0-1 0 0,-1 0 1 0 0,0 0 0 0 0,1 0-1 0 0,0-1 1 0 0,-1 1-1 0 0,1-1 1 0 0,0 0 0 0 0,0 0-1 0 0,-1 1 1 0 0,1-2-1 0 0,0 1 1 0 0,0 0 0 0 0,4 0-1 0 0,1 0-506 0 0,0-1 0 0 0,1 0 0 0 0,-1 0-1 0 0,0-1 1 0 0,0 0 0 0 0,0 0 0 0 0,0-1 0 0 0,0 0 0 0 0,0-1-1 0 0,-1 1 1 0 0,1-1 0 0 0,7-5 0 0 0,1-1-1588 0 0,0 0-1 0 0,0-2 1 0 0,-1 0 0 0 0,16-15 0 0 0,23-22 7380 0 0,-53 48-5096 0 0,6 3 1826 0 0,7 7-405 0 0,-6 2 102 0 0,0 1-1 0 0,12 25 0 0 0,-14-14-572 0 0,-3-10-796 0 0,0-4-600 0 0,0-3 1790 0 0,6-16-469 0 0,-4 2-1036 0 0,0-1 1 0 0,-1 0-1 0 0,6-13 0 0 0,-1 0 253 0 0,-1 6-7 0 0,1-1-1 0 0,0 1 1 0 0,18-22-1 0 0,-23 32-235 0 0,0 1 1 0 0,1-1-1 0 0,0 1 0 0 0,-1 0 0 0 0,1 1 1 0 0,6-4-1 0 0,-8 5 20 0 0,0 1 1 0 0,0 0-1 0 0,0-1 0 0 0,0 1 0 0 0,0 0 0 0 0,0 1 1 0 0,0-1-1 0 0,0 1 0 0 0,0-1 0 0 0,1 1 1 0 0,-1 0-1 0 0,5 0 0 0 0,-5 1-38 0 0,1 0 0 0 0,-1 0 0 0 0,0 1-1 0 0,1-1 1 0 0,-1 1 0 0 0,0-1 0 0 0,0 1 0 0 0,0 0 0 0 0,0 0 0 0 0,0 1-1 0 0,-1-1 1 0 0,1 0 0 0 0,0 1 0 0 0,-1 0 0 0 0,0-1 0 0 0,0 1-1 0 0,0 0 1 0 0,0 0 0 0 0,0 0 0 0 0,1 4 0 0 0,1 2-58 0 0,0 0-1 0 0,0 0 1 0 0,-1 0 0 0 0,-1 0 0 0 0,0 1 0 0 0,2 12-1 0 0,-1 67 363 0 0,-3-88-283 0 0,0 0-113 0 0,-1-1-59 0 0,1 0 144 0 0,-1-1 0 0 0,1 1 1 0 0,-1-1-1 0 0,1 1 0 0 0,-1-1 0 0 0,1 1 0 0 0,0-1 1 0 0,-1 1-1 0 0,1-1 0 0 0,0 1 0 0 0,-1-1 0 0 0,1 1 1 0 0,0-1-1 0 0,0 1 0 0 0,-1-1 0 0 0,1 0 0 0 0,0 1 1 0 0,0-1-1 0 0,0 0 0 0 0,0 1 0 0 0,0-1 0 0 0,0 1 1 0 0,0-1-1 0 0,0 0 0 0 0,0 1 0 0 0,0-1 1 0 0,0 0-1 0 0,0 1 0 0 0,1-2 0 0 0,2-20 351 0 0,0 15-335 0 0,-1 0 0 0 0,1 0-1 0 0,0 0 1 0 0,1 0 0 0 0,-1 1-1 0 0,7-9 1 0 0,31-35-435 0 0,-31 38-24 0 0,-4 6-268 0 0,1 0-1 0 0,-1 0 1 0 0,1 0-1 0 0,0 1 1 0 0,1 0-1 0 0,14-8 1 0 0,51-17-6078 0 0,-56 24 4987 0 0,-1 0 197 0 0,-8 3 1030 0 0,0 0-1 0 0,0 0 1 0 0,13-9 4182 0 0,-40 18 1132 0 0,13-2-4365 0 0,0 1 0 0 0,0-1 0 0 0,1 1 0 0 0,0 1 0 0 0,-1-1 0 0 0,2 1 0 0 0,-1 0 0 0 0,1 0 0 0 0,0 0 0 0 0,0 1 0 0 0,1-1 0 0 0,-1 1 0 0 0,-1 8 0 0 0,4-12-345 0 0,1 0-1 0 0,-1 0 0 0 0,1 1 1 0 0,0-1-1 0 0,0 0 0 0 0,1 7 1 0 0,-1-10-24 0 0,3 8-1 0 0,-2-7 5 0 0,0 0-1 0 0,1 0 1 0 0,-1 0-1 0 0,0 0 1 0 0,0 0-1 0 0,1 0 0 0 0,-1 0 1 0 0,1 0-1 0 0,-1 0 1 0 0,0-1-1 0 0,1 1 1 0 0,-1-1-1 0 0,1 1 1 0 0,0-1-1 0 0,-1 0 1 0 0,1 1-1 0 0,-1-1 0 0 0,4 0 1 0 0,-2 0-36 0 0,0-1 0 0 0,-1 1 0 0 0,1-1 0 0 0,0 0 0 0 0,0 0 0 0 0,-1 0 0 0 0,1 0 0 0 0,-1 0-1 0 0,1-1 1 0 0,2-1 0 0 0,2-3-397 0 0,1 0-1 0 0,-1 0 0 0 0,0-1 0 0 0,0 0 1 0 0,6-9-1 0 0,1-3-1220 0 0,-7 9 635 0 0,0 1 0 0 0,13-13 0 0 0,-20 22 1052 0 0,0-1 0 0 0,1 1 0 0 0,-1-1 0 0 0,0 1 0 0 0,1 0 0 0 0,-1-1 0 0 0,1 1 0 0 0,-1 0 0 0 0,0-1 0 0 0,1 1 0 0 0,-1 0 0 0 0,1 0 0 0 0,-1 0 0 0 0,1-1 0 0 0,-1 1 0 0 0,1 0 0 0 0,0 0 0 0 0,-1 0 0 0 0,1 0 0 0 0,-1 0 0 0 0,2 0 0 0 0,-2 0 51 0 0,1 1-1 0 0,0-1 0 0 0,-1 1 0 0 0,1-1 1 0 0,-1 1-1 0 0,1 0 0 0 0,-1-1 0 0 0,1 1 1 0 0,-1 0-1 0 0,1-1 0 0 0,-1 1 1 0 0,0 0-1 0 0,1 0 0 0 0,-1 1 0 0 0,3 8 339 0 0,0 0 0 0 0,-1 1-1 0 0,0-1 1 0 0,-1 1-1 0 0,0-1 1 0 0,-2 20 0 0 0,1-20-120 0 0,-1 35 592 0 0,0 24 260 0 0,1-26 1825 0 0,1-43-2929 0 0,0-1 0 0 0,-1 0 0 0 0,1 0 0 0 0,0 1 1 0 0,-1-1-1 0 0,1 0 0 0 0,0 0 0 0 0,-1 0 0 0 0,0 0 0 0 0,1 0 0 0 0,-1 0 0 0 0,1 0 0 0 0,-1 1 0 0 0,0-1 0 0 0,0 0 1 0 0,1-1-1 0 0,-1 1 0 0 0,0-1 0 0 0,0-1 18 0 0,5-14-73 0 0,0 1 0 0 0,0 0 0 0 0,2 0 0 0 0,0 1 0 0 0,1 0 0 0 0,0 0 0 0 0,1 1 0 0 0,1 0 0 0 0,0 0 0 0 0,1 1 0 0 0,1 1 0 0 0,22-20 0 0 0,-30 28-57 0 0,1 1 0 0 0,-1-1 0 0 0,1 1 0 0 0,0 1 1 0 0,0-1-1 0 0,0 1 0 0 0,0-1 0 0 0,1 1 0 0 0,-1 1 0 0 0,1-1 0 0 0,-1 1 0 0 0,1 0 0 0 0,-1 0 0 0 0,1 1 1 0 0,0 0-1 0 0,-1 0 0 0 0,1 0 0 0 0,0 1 0 0 0,-1-1 0 0 0,1 1 0 0 0,8 3 0 0 0,-11-2-279 0 0,1-1 0 0 0,-1 1 0 0 0,0 0 0 0 0,0 0 1 0 0,0 0-1 0 0,0 0 0 0 0,3 4 0 0 0,-4-4 73 0 0,11 8-1271 0 0</inkml:trace>
+</inkml:ink>
+</file>
+
+<file path=ppt/ink/ink16.xml><?xml version="1.0" encoding="utf-8"?>
+<inkml:ink xmlns:inkml="http://www.w3.org/2003/InkML">
+  <inkml:definitions>
+    <inkml:context xml:id="ctx0">
+      <inkml:inkSource xml:id="inkSrc0">
+        <inkml:traceFormat>
+          <inkml:channel name="X" type="integer" min="-2.14748E9" max="2.14748E9" units="cm"/>
+          <inkml:channel name="Y" type="integer" min="-2.14748E9" max="2.14748E9" units="cm"/>
+          <inkml:channel name="F" type="integer" max="32767" units="dev"/>
+          <inkml:channel name="OA" type="integer" max="360" units="deg"/>
+          <inkml:channel name="OE" type="integer" max="90" units="deg"/>
+        </inkml:traceFormat>
+        <inkml:channelProperties>
+          <inkml:channelProperty channel="X" name="resolution" value="1000" units="1/cm"/>
+          <inkml:channelProperty channel="Y" name="resolution" value="1000" units="1/cm"/>
+          <inkml:channelProperty channel="F" name="resolution" value="0" units="1/dev"/>
+          <inkml:channelProperty channel="OA" name="resolution" value="1000" units="1/deg"/>
+          <inkml:channelProperty channel="OE" name="resolution" value="1000" units="1/deg"/>
+        </inkml:channelProperties>
+      </inkml:inkSource>
+      <inkml:timestamp xml:id="ts0" timeString="2021-05-12T19:30:47.574"/>
+    </inkml:context>
+    <inkml:brush xml:id="br0">
+      <inkml:brushProperty name="width" value="0.05" units="cm"/>
+      <inkml:brushProperty name="height" value="0.05" units="cm"/>
+      <inkml:brushProperty name="color" value="#FF0066"/>
+    </inkml:brush>
+  </inkml:definitions>
+  <inkml:trace contextRef="#ctx0" brushRef="#br0">10 49 3680 0 0,'-9'-22'15440'0'0,"16"22"-13323"0"0,189 38 437 0 0,-128-26-2032 0 0,107 6-1 0 0,-17-2-60 0 0,38 7-199 0 0,-39-6-252 0 0,-59-3 259 0 0,51-1-330 0 0,-93-8-144 0 0,15 1 1136 0 0,-57-9 18 0 0,-14 3-944 0 0,1-1 1 0 0,-1 1-1 0 0,0 0 1 0 0,0 0-1 0 0,0-1 1 0 0,0 1-1 0 0,1 0 1 0 0,-1 0 0 0 0,0-1-1 0 0,0 1 1 0 0,0 0-1 0 0,0 0 1 0 0,0-1-1 0 0,0 1 1 0 0,0 0-1 0 0,0-1 1 0 0,0 1-1 0 0,0 0 1 0 0,0 0-1 0 0,0-1 1 0 0,0 1-1 0 0,0 0 1 0 0,0-1-1 0 0,0 1 1 0 0,0 0-1 0 0,0 0 1 0 0,0-1-1 0 0,-1 1 1 0 0,1 0-1 0 0,0 0 1 0 0,0-1 0 0 0,0 1-1 0 0,0 0 1 0 0,-1 0-1 0 0,1-1 1 0 0,0 1-1 0 0,0 0 1 0 0,-1 0-1 0 0,-7-10 24 0 0,0 4-23 0 0,-1 0 0 0 0,1 1 0 0 0,-2 0 0 0 0,-17-8 0 0 0,-19-9 142 0 0,0-6 147 0 0,-67-30 0 0 0,106 55-69 0 0,0 0 0 0 0,0-1-1 0 0,1 0 1 0 0,-7-5 0 0 0,46 15-186 0 0,62 9-40 0 0,124 2 0 0 0,-210-16 0 0 0,8 0 184 0 0,32 9 1 0 0,-35-7-130 0 0,-13-1-40 0 0,-1-1 0 0 0,1 0 1 0 0,-1 1-1 0 0,0-1 0 0 0,0 0 0 0 0,0 1 0 0 0,1-1 1 0 0,-1 0-1 0 0,-1 1 0 0 0,1-1 0 0 0,0 0 0 0 0,0 2 0 0 0,-1-1 2 0 0,0 0-1 0 0,1-1 1 0 0,-1 1-1 0 0,0-1 1 0 0,0 1-1 0 0,0-1 0 0 0,0 1 1 0 0,0-1-1 0 0,0 0 1 0 0,0 0-1 0 0,-1 1 0 0 0,1-1 1 0 0,0 0-1 0 0,-1 0 1 0 0,-1 1-1 0 0,-26 14 220 0 0,19-11-96 0 0,-50 30 235 0 0,-64 51-1 0 0,113-78-343 0 0,1-1-901 0 0,1 0 0 0 0,0 1 1 0 0,1 1-1 0 0,-11 12 0 0 0</inkml:trace>
+</inkml:ink>
+</file>
+
+<file path=ppt/ink/ink17.xml><?xml version="1.0" encoding="utf-8"?>
+<inkml:ink xmlns:inkml="http://www.w3.org/2003/InkML">
+  <inkml:definitions>
+    <inkml:context xml:id="ctx0">
+      <inkml:inkSource xml:id="inkSrc0">
+        <inkml:traceFormat>
+          <inkml:channel name="X" type="integer" min="-2.14748E9" max="2.14748E9" units="cm"/>
+          <inkml:channel name="Y" type="integer" min="-2.14748E9" max="2.14748E9" units="cm"/>
+          <inkml:channel name="F" type="integer" max="32767" units="dev"/>
+          <inkml:channel name="OA" type="integer" max="360" units="deg"/>
+          <inkml:channel name="OE" type="integer" max="90" units="deg"/>
+        </inkml:traceFormat>
+        <inkml:channelProperties>
+          <inkml:channelProperty channel="X" name="resolution" value="1000" units="1/cm"/>
+          <inkml:channelProperty channel="Y" name="resolution" value="1000" units="1/cm"/>
+          <inkml:channelProperty channel="F" name="resolution" value="0" units="1/dev"/>
+          <inkml:channelProperty channel="OA" name="resolution" value="1000" units="1/deg"/>
+          <inkml:channelProperty channel="OE" name="resolution" value="1000" units="1/deg"/>
+        </inkml:channelProperties>
+      </inkml:inkSource>
+      <inkml:timestamp xml:id="ts0" timeString="2021-05-12T19:32:33.309"/>
+    </inkml:context>
+    <inkml:brush xml:id="br0">
+      <inkml:brushProperty name="width" value="0.05" units="cm"/>
+      <inkml:brushProperty name="height" value="0.05" units="cm"/>
+      <inkml:brushProperty name="color" value="#FF0066"/>
+    </inkml:brush>
+  </inkml:definitions>
+  <inkml:trace contextRef="#ctx0" brushRef="#br0">511 134 12552 0 0,'0'0'6102'0'0,"-11"0"-5830"0"0,6-1-123 0 0,1 0 1 0 0,0 0-1 0 0,0 0 0 0 0,0 0 1 0 0,0-1-1 0 0,0 1 0 0 0,0-1 1 0 0,1 0-1 0 0,-1-1 0 0 0,0 1 1 0 0,1-1-1 0 0,-5-3 0 0 0,-13-10 805 0 0,17 12-624 0 0,-1 0 0 0 0,0 1 0 0 0,0-1 0 0 0,-1 1 0 0 0,1 0 0 0 0,-1 0 0 0 0,-11-4 0 0 0,8 4-177 0 0,1-1 0 0 0,-13-8 1 0 0,-6-11 196 0 0,15 15-124 0 0,11 7-218 0 0,0 0 1 0 0,0 0 0 0 0,0 0-1 0 0,-1 0 1 0 0,1 1-1 0 0,0-1 1 0 0,-1 0 0 0 0,1 1-1 0 0,0-1 1 0 0,-1 1-1 0 0,1-1 1 0 0,-1 1 0 0 0,1-1-1 0 0,-1 1 1 0 0,0 0-1 0 0,1 0 1 0 0,-1 0 0 0 0,1 0-1 0 0,-1 0 1 0 0,1 0-1 0 0,-2 1 1 0 0,-7 0 84 0 0,7-1-41 0 0,1 0-1 0 0,-1 0 1 0 0,1 1-1 0 0,0-1 0 0 0,-1 1 1 0 0,1 0-1 0 0,0-1 1 0 0,-1 1-1 0 0,1 0 1 0 0,0 0-1 0 0,0 0 1 0 0,0 1-1 0 0,0-1 1 0 0,-2 2-1 0 0,-4 3 140 0 0,0-1 0 0 0,0 1 0 0 0,0-2 0 0 0,-9 5 0 0 0,0 0-498 0 0,-13 14 307 0 0,14-14 130 0 0,1 2-1 0 0,-18 16 0 0 0,27-20-64 0 0,0-1-1 0 0,0 1 1 0 0,0 0-1 0 0,1 0 1 0 0,0 1-1 0 0,1-1 1 0 0,-5 9-1 0 0,8-12-64 0 0,-1 0 0 0 0,1 0 0 0 0,0 0 0 0 0,0 0 0 0 0,0 0 0 0 0,1 0 0 0 0,-1 0 0 0 0,1 0 0 0 0,0 0 0 0 0,0 0 0 0 0,0 0 0 0 0,2 7 0 0 0,1 3 0 0 0,0 0 0 0 0,8 16 0 0 0,-11-29 0 0 0,3 7 9 0 0,1-1 0 0 0,0 0 0 0 0,0 0-1 0 0,1-1 1 0 0,0 1 0 0 0,0-1 0 0 0,7 7 0 0 0,14 17-63 0 0,-6-13-301 0 0,-8-7 269 0 0,-4-4 98 0 0,1 0-1 0 0,0 0 1 0 0,0 0 0 0 0,1-1-1 0 0,12 5 1 0 0,52 13 1047 0 0,-60-20-880 0 0,0 0 0 0 0,18 0 0 0 0,5 0-514 0 0,-29-2 416 0 0,0-1 1 0 0,0 0-1 0 0,0 0 0 0 0,0-1 1 0 0,0 0-1 0 0,0 0 1 0 0,-1-1-1 0 0,1 0 1 0 0,0 0-1 0 0,-1-1 0 0 0,0 0 1 0 0,1-1-1 0 0,-1 1 1 0 0,-1-1-1 0 0,13-9 0 0 0,-13 7-11 0 0,0 0-1 0 0,-1-1 0 0 0,0 1 0 0 0,0-1 1 0 0,-1 0-1 0 0,0 0 0 0 0,0 0 0 0 0,-1-1 1 0 0,1 0-1 0 0,2-11 0 0 0,-2 4 15 0 0,-1 0 0 0 0,0 0 0 0 0,-1 0 0 0 0,1-26 0 0 0,-9-41 209 0 0,5 72-284 0 0,-1-4 31 0 0,-1 1 0 0 0,-1 0 0 0 0,0 0 0 0 0,-1 0 0 0 0,-7-14 0 0 0,9 20-22 0 0,-1-1 0 0 0,0 2 1 0 0,-1-1-1 0 0,0 0 0 0 0,0 1 0 0 0,-10-10 0 0 0,13 14-15 0 0,0 0 1 0 0,-1 0 0 0 0,1 0-1 0 0,-1 1 1 0 0,0-1 0 0 0,0 1-1 0 0,1-1 1 0 0,-1 1-1 0 0,0 0 1 0 0,0 0 0 0 0,0 0-1 0 0,0 1 1 0 0,0-1 0 0 0,-1 1-1 0 0,1 0 1 0 0,0-1-1 0 0,0 2 1 0 0,0-1 0 0 0,0 0-1 0 0,-4 1 1 0 0,-3 2-524 0 0,0 0 0 0 0,0 1 0 0 0,1 0 0 0 0,-17 9 0 0 0,17-8-1280 0 0</inkml:trace>
+</inkml:ink>
+</file>
+
+<file path=ppt/ink/ink18.xml><?xml version="1.0" encoding="utf-8"?>
+<inkml:ink xmlns:inkml="http://www.w3.org/2003/InkML">
+  <inkml:definitions>
+    <inkml:context xml:id="ctx0">
+      <inkml:inkSource xml:id="inkSrc0">
+        <inkml:traceFormat>
+          <inkml:channel name="X" type="integer" min="-2.14748E9" max="2.14748E9" units="cm"/>
+          <inkml:channel name="Y" type="integer" min="-2.14748E9" max="2.14748E9" units="cm"/>
+          <inkml:channel name="F" type="integer" max="32767" units="dev"/>
+          <inkml:channel name="OA" type="integer" max="360" units="deg"/>
+          <inkml:channel name="OE" type="integer" max="90" units="deg"/>
+        </inkml:traceFormat>
+        <inkml:channelProperties>
+          <inkml:channelProperty channel="X" name="resolution" value="1000" units="1/cm"/>
+          <inkml:channelProperty channel="Y" name="resolution" value="1000" units="1/cm"/>
+          <inkml:channelProperty channel="F" name="resolution" value="0" units="1/dev"/>
+          <inkml:channelProperty channel="OA" name="resolution" value="1000" units="1/deg"/>
+          <inkml:channelProperty channel="OE" name="resolution" value="1000" units="1/deg"/>
+        </inkml:channelProperties>
+      </inkml:inkSource>
+      <inkml:timestamp xml:id="ts0" timeString="2021-05-12T19:32:38.759"/>
+    </inkml:context>
+    <inkml:brush xml:id="br0">
+      <inkml:brushProperty name="width" value="0.05" units="cm"/>
+      <inkml:brushProperty name="height" value="0.05" units="cm"/>
+      <inkml:brushProperty name="color" value="#FF0066"/>
+    </inkml:brush>
+  </inkml:definitions>
+  <inkml:trace contextRef="#ctx0" brushRef="#br0">438 113 8664 0 0,'0'0'3856'0'0,"0"-7"-2208"0"0,0 4-1436 0 0,0 0 1 0 0,-1 0 0 0 0,1 0 0 0 0,-1 0 0 0 0,0 0 0 0 0,0 0 0 0 0,0 0-1 0 0,0 1 1 0 0,0-1 0 0 0,-1 0 0 0 0,1 1 0 0 0,-1-1 0 0 0,0 1 0 0 0,1 0 0 0 0,-1-1-1 0 0,0 1 1 0 0,-1 0 0 0 0,1 0 0 0 0,0 0 0 0 0,0 1 0 0 0,-1-1 0 0 0,-2-1-1 0 0,2 1 16 0 0,-1 1 0 0 0,1 0 0 0 0,-1 0 0 0 0,1 0 0 0 0,0 0 0 0 0,-5 0 0 0 0,-5-2 144 0 0,3 1-70 0 0,-5-3 226 0 0,12 4-444 0 0,0-1 1 0 0,0 1 0 0 0,-1 0 0 0 0,1 0 0 0 0,0 1-1 0 0,-1-1 1 0 0,1 1 0 0 0,-5-1 0 0 0,-15-3 145 0 0,-32-8 394 0 0,26 7-435 0 0,26 4-127 0 0,0 1-1 0 0,0 0 1 0 0,0 0-1 0 0,0 0 0 0 0,0 1 1 0 0,0-1-1 0 0,0 1 1 0 0,0-1-1 0 0,0 1 1 0 0,-4 2-1 0 0,-28 15 890 0 0,30-14-904 0 0,1 0 1 0 0,0 0-1 0 0,0 1 1 0 0,0-1-1 0 0,1 1 1 0 0,0 0-1 0 0,0 0 1 0 0,0 0-1 0 0,-3 8 1 0 0,-12 18 241 0 0,8-13-226 0 0,1 0 1 0 0,0 0-1 0 0,1 1 1 0 0,-6 21-1 0 0,10-24 137 0 0,0 1 0 0 0,1-1 0 0 0,1 0 0 0 0,-1 31 0 0 0,4-40-163 0 0,0 0-1 0 0,1 0 0 0 0,2 9 1 0 0,-1-5-111 0 0,0-3 97 0 0,1 0 0 0 0,0 0 0 0 0,0 0 0 0 0,1 0-1 0 0,-1-1 1 0 0,10 10 0 0 0,-10-11 9 0 0,0 0-3 0 0,1 0 0 0 0,-1-1-1 0 0,1 0 1 0 0,9 8 0 0 0,34 26 55 0 0,-28-26-10 0 0,2 0-1 0 0,0-1 1 0 0,35 14 0 0 0,-31-15-10 0 0,-18-7-117 0 0,1-1 0 0 0,-1 0 0 0 0,15 3 0 0 0,-15-4 134 0 0,-1 0 1 0 0,1-1-1 0 0,0 0 1 0 0,0 0-1 0 0,0-1 1 0 0,0 0-1 0 0,0 0 0 0 0,0-1 1 0 0,0 0-1 0 0,10-3 1 0 0,-7 0 118 0 0,1 0 0 0 0,-1-1 0 0 0,16-9 1 0 0,-22 12-141 0 0,0-1 0 0 0,-1-1 1 0 0,0 1-1 0 0,0 0 1 0 0,0-1-1 0 0,0 0 0 0 0,-1 0 1 0 0,1 0-1 0 0,-1-1 1 0 0,4-7-1 0 0,6-13 245 0 0,-1-1-1 0 0,13-45 1 0 0,-20 56-213 0 0,-2 0 1 0 0,0-1-1 0 0,-1 1 0 0 0,-1-1 0 0 0,0 1 1 0 0,-2-23-1 0 0,-2 21-37 0 0,0 1 0 0 0,-1-1 0 0 0,-1 1 0 0 0,0 0 0 0 0,-1 0 0 0 0,-1 1 0 0 0,-10-18 0 0 0,13 27-83 0 0,1 1 0 0 0,-1 0 0 0 0,-1 0 0 0 0,1 0 0 0 0,0 0 1 0 0,-1 0-1 0 0,0 1 0 0 0,0 0 0 0 0,-1 0 0 0 0,1 1 0 0 0,-1-1 0 0 0,0 1 0 0 0,0 0 0 0 0,-12-4 0 0 0,10 5-40 0 0,0-1 1 0 0,-1 1-1 0 0,1 1 0 0 0,-1 0 0 0 0,0 0 0 0 0,1 0 0 0 0,-1 1 0 0 0,0 1 0 0 0,1-1 1 0 0,-17 4-1 0 0,10 3-837 0 0,3-1-1901 0 0</inkml:trace>
+</inkml:ink>
+</file>
+
+<file path=ppt/ink/ink19.xml><?xml version="1.0" encoding="utf-8"?>
+<inkml:ink xmlns:inkml="http://www.w3.org/2003/InkML">
+  <inkml:definitions>
+    <inkml:context xml:id="ctx0">
+      <inkml:inkSource xml:id="inkSrc0">
+        <inkml:traceFormat>
+          <inkml:channel name="X" type="integer" min="-2.14748E9" max="2.14748E9" units="cm"/>
+          <inkml:channel name="Y" type="integer" min="-2.14748E9" max="2.14748E9" units="cm"/>
+          <inkml:channel name="F" type="integer" max="32767" units="dev"/>
+          <inkml:channel name="OA" type="integer" max="360" units="deg"/>
+          <inkml:channel name="OE" type="integer" max="90" units="deg"/>
+        </inkml:traceFormat>
+        <inkml:channelProperties>
+          <inkml:channelProperty channel="X" name="resolution" value="1000" units="1/cm"/>
+          <inkml:channelProperty channel="Y" name="resolution" value="1000" units="1/cm"/>
+          <inkml:channelProperty channel="F" name="resolution" value="0" units="1/dev"/>
+          <inkml:channelProperty channel="OA" name="resolution" value="1000" units="1/deg"/>
+          <inkml:channelProperty channel="OE" name="resolution" value="1000" units="1/deg"/>
+        </inkml:channelProperties>
+      </inkml:inkSource>
+      <inkml:timestamp xml:id="ts0" timeString="2021-05-12T19:32:51.917"/>
+    </inkml:context>
+    <inkml:brush xml:id="br0">
+      <inkml:brushProperty name="width" value="0.05" units="cm"/>
+      <inkml:brushProperty name="height" value="0.05" units="cm"/>
+      <inkml:brushProperty name="color" value="#FF0066"/>
+    </inkml:brush>
+  </inkml:definitions>
+  <inkml:trace contextRef="#ctx0" brushRef="#br0">0 107 11056 0 0,'0'0'505'0'0,"1"-8"190"0"0,2 6-193 0 0,-1 0 0 0 0,0 0 0 0 0,1 1 0 0 0,-1-1 1 0 0,1 1-1 0 0,-1-1 0 0 0,1 1 0 0 0,0 0 0 0 0,3-2 0 0 0,29-7 4916 0 0,143-37-2578 0 0,-152 37-2799 0 0,-21 8-49 0 0,-1 0-1 0 0,1 0 1 0 0,0 1-1 0 0,10-2 1 0 0,-9 2-710 0 0,9-1 845 0 0,-6 1-7597 0 0</inkml:trace>
+</inkml:ink>
+</file>
+
+<file path=ppt/ink/ink2.xml><?xml version="1.0" encoding="utf-8"?>
+<inkml:ink xmlns:inkml="http://www.w3.org/2003/InkML">
+  <inkml:definitions>
+    <inkml:context xml:id="ctx0">
+      <inkml:inkSource xml:id="inkSrc0">
+        <inkml:traceFormat>
+          <inkml:channel name="X" type="integer" min="-2.14748E9" max="2.14748E9" units="cm"/>
+          <inkml:channel name="Y" type="integer" min="-2.14748E9" max="2.14748E9" units="cm"/>
+          <inkml:channel name="F" type="integer" max="32767" units="dev"/>
+          <inkml:channel name="OA" type="integer" max="360" units="deg"/>
+          <inkml:channel name="OE" type="integer" max="90" units="deg"/>
+        </inkml:traceFormat>
+        <inkml:channelProperties>
+          <inkml:channelProperty channel="X" name="resolution" value="1000" units="1/cm"/>
+          <inkml:channelProperty channel="Y" name="resolution" value="1000" units="1/cm"/>
+          <inkml:channelProperty channel="F" name="resolution" value="0" units="1/dev"/>
+          <inkml:channelProperty channel="OA" name="resolution" value="1000" units="1/deg"/>
+          <inkml:channelProperty channel="OE" name="resolution" value="1000" units="1/deg"/>
+        </inkml:channelProperties>
+      </inkml:inkSource>
+      <inkml:timestamp xml:id="ts0" timeString="2021-05-12T19:00:34.242"/>
+    </inkml:context>
+    <inkml:brush xml:id="br0">
+      <inkml:brushProperty name="width" value="0.05" units="cm"/>
+      <inkml:brushProperty name="height" value="0.05" units="cm"/>
+      <inkml:brushProperty name="color" value="#FF0066"/>
+    </inkml:brush>
+  </inkml:definitions>
+  <inkml:trace contextRef="#ctx0" brushRef="#br0">266 0 2760 0 0,'-4'2'352'0'0,"-7"1"849"0"0,-28 9 4680 0 0,-20 1-1621 0 0,33-10-2351 0 0,20-3-1409 0 0,0 1 0 0 0,1 0 0 0 0,-1 0 0 0 0,0 0 0 0 0,1 1 0 0 0,-1-1 0 0 0,1 1 0 0 0,-11 6 0 0 0,3-2 123 0 0,12-6-592 0 0,-1 1 0 0 0,0-1-1 0 0,1 1 1 0 0,-1 0-1 0 0,0 0 1 0 0,1 0-1 0 0,-1 0 1 0 0,1 0-1 0 0,0 0 1 0 0,-1 0-1 0 0,1 0 1 0 0,0 1-1 0 0,-2 0 1 0 0,-7 7 819 0 0,9-7-779 0 0,-1-1 0 0 0,0 0 0 0 0,1 0 0 0 0,-1 1 0 0 0,1-1 0 0 0,-1 1 0 0 0,1-1 0 0 0,0 1 0 0 0,-1-1 0 0 0,0 4 0 0 0,1-4-25 0 0,1-1 0 0 0,-1 1 1 0 0,1 0-1 0 0,0 0 0 0 0,0-1 1 0 0,-1 1-1 0 0,1 0 0 0 0,0 0 1 0 0,0 0-1 0 0,0-1 0 0 0,0 1 1 0 0,0 0-1 0 0,0 0 0 0 0,0 0 1 0 0,0-1-1 0 0,0 1 0 0 0,0 0 0 0 0,0 0 1 0 0,1-1-1 0 0,-1 1 0 0 0,0 0 1 0 0,0 0-1 0 0,2 1 0 0 0,-1 0 15 0 0,0 0-1 0 0,1 0 1 0 0,0-1-1 0 0,-1 1 1 0 0,1 0-1 0 0,0-1 0 0 0,0 1 1 0 0,2 1-1 0 0,3 1 42 0 0,0 0 1 0 0,1-1-1 0 0,-1 1 0 0 0,9 1 0 0 0,33 7 543 0 0,0-2 0 0 0,68 5 0 0 0,-39-7-632 0 0,13 1 686 0 0,180-5-1 0 0,88-39 1060 0 0,-296 28-1521 0 0,20-3 340 0 0,-77 10-590 0 0,-2 0 25 0 0,-3 0 128 0 0,-1-1-73 0 0,3-3-42 0 0,-3 2 23 0 0,-3-7 979 0 0</inkml:trace>
+</inkml:ink>
+</file>
+
+<file path=ppt/ink/ink20.xml><?xml version="1.0" encoding="utf-8"?>
+<inkml:ink xmlns:inkml="http://www.w3.org/2003/InkML">
+  <inkml:definitions>
+    <inkml:context xml:id="ctx0">
+      <inkml:inkSource xml:id="inkSrc0">
+        <inkml:traceFormat>
+          <inkml:channel name="X" type="integer" min="-2.14748E9" max="2.14748E9" units="cm"/>
+          <inkml:channel name="Y" type="integer" min="-2.14748E9" max="2.14748E9" units="cm"/>
+          <inkml:channel name="F" type="integer" max="32767" units="dev"/>
+          <inkml:channel name="OA" type="integer" max="360" units="deg"/>
+          <inkml:channel name="OE" type="integer" max="90" units="deg"/>
+        </inkml:traceFormat>
+        <inkml:channelProperties>
+          <inkml:channelProperty channel="X" name="resolution" value="1000" units="1/cm"/>
+          <inkml:channelProperty channel="Y" name="resolution" value="1000" units="1/cm"/>
+          <inkml:channelProperty channel="F" name="resolution" value="0" units="1/dev"/>
+          <inkml:channelProperty channel="OA" name="resolution" value="1000" units="1/deg"/>
+          <inkml:channelProperty channel="OE" name="resolution" value="1000" units="1/deg"/>
+        </inkml:channelProperties>
+      </inkml:inkSource>
+      <inkml:timestamp xml:id="ts0" timeString="2021-05-12T19:32:52.261"/>
+    </inkml:context>
+    <inkml:brush xml:id="br0">
+      <inkml:brushProperty name="width" value="0.05" units="cm"/>
+      <inkml:brushProperty name="height" value="0.05" units="cm"/>
+      <inkml:brushProperty name="color" value="#FF0066"/>
+    </inkml:brush>
+  </inkml:definitions>
+  <inkml:trace contextRef="#ctx0" brushRef="#br0">267 1 4608 0 0,'-19'13'-85'0'0,"17"-11"1000"0"0,-1 1 0 0 0,1-1 0 0 0,0 1 0 0 0,0-1 0 0 0,0 1 0 0 0,0 0 0 0 0,0 0 0 0 0,1 0 0 0 0,-1 0 0 0 0,1 0 0 0 0,0 0 0 0 0,0 0 0 0 0,0 0 0 0 0,0 0 0 0 0,0 5 0 0 0,1 55 1996 0 0,-11 242-458 0 0,-1-204-2275 0 0,-50 325 446 0 0,4-183 258 0 0,17-82-32 0 0,34-135-712 0 0,0 1 29 0 0,-13 57 437 0 0,19-76-513 0 0,0 1 1 0 0,0 0-1 0 0,1 0 1 0 0,0-1-1 0 0,0 1 1 0 0,1 0-1 0 0,2 11 1 0 0,-2-18-67 0 0,0 0 1 0 0,-1 0-1 0 0,1 0 0 0 0,0 0 1 0 0,0 0-1 0 0,0 0 1 0 0,0-1-1 0 0,0 1 0 0 0,0 0 1 0 0,1-1-1 0 0,-1 1 1 0 0,1-1-1 0 0,-1 1 0 0 0,1-1 1 0 0,-1 0-1 0 0,1 1 1 0 0,0-1-1 0 0,0 0 0 0 0,-1 0 1 0 0,1 0-1 0 0,0 0 1 0 0,0-1-1 0 0,0 1 0 0 0,0 0 1 0 0,0-1-1 0 0,0 0 1 0 0,0 1-1 0 0,5-1 1 0 0,3 0 47 0 0,0 0 1 0 0,1-1-1 0 0,-1-1 1 0 0,17-3 0 0 0,-10 1-10 0 0,10-1-290 0 0,1 1 1 0 0,-1 1-1 0 0,1 2 1 0 0,0 1-1 0 0,-1 1 1 0 0,1 1-1 0 0,-1 1 0 0 0,1 2 1 0 0,30 9-1 0 0,45 24-4251 0 0,-70-24 2530 0 0</inkml:trace>
+</inkml:ink>
+</file>
+
+<file path=ppt/ink/ink21.xml><?xml version="1.0" encoding="utf-8"?>
+<inkml:ink xmlns:inkml="http://www.w3.org/2003/InkML">
+  <inkml:definitions>
+    <inkml:context xml:id="ctx0">
+      <inkml:inkSource xml:id="inkSrc0">
+        <inkml:traceFormat>
+          <inkml:channel name="X" type="integer" min="-2.14748E9" max="2.14748E9" units="cm"/>
+          <inkml:channel name="Y" type="integer" min="-2.14748E9" max="2.14748E9" units="cm"/>
+          <inkml:channel name="F" type="integer" max="32767" units="dev"/>
+          <inkml:channel name="OA" type="integer" max="360" units="deg"/>
+          <inkml:channel name="OE" type="integer" max="90" units="deg"/>
+        </inkml:traceFormat>
+        <inkml:channelProperties>
+          <inkml:channelProperty channel="X" name="resolution" value="1000" units="1/cm"/>
+          <inkml:channelProperty channel="Y" name="resolution" value="1000" units="1/cm"/>
+          <inkml:channelProperty channel="F" name="resolution" value="0" units="1/dev"/>
+          <inkml:channelProperty channel="OA" name="resolution" value="1000" units="1/deg"/>
+          <inkml:channelProperty channel="OE" name="resolution" value="1000" units="1/deg"/>
+        </inkml:channelProperties>
+      </inkml:inkSource>
+      <inkml:timestamp xml:id="ts0" timeString="2021-05-12T19:32:54.676"/>
+    </inkml:context>
+    <inkml:brush xml:id="br0">
+      <inkml:brushProperty name="width" value="0.05" units="cm"/>
+      <inkml:brushProperty name="height" value="0.05" units="cm"/>
+      <inkml:brushProperty name="color" value="#FF0066"/>
+    </inkml:brush>
+  </inkml:definitions>
+  <inkml:trace contextRef="#ctx0" brushRef="#br0">160 1 4832 0 0,'0'0'223'0'0,"-10"8"26"0"0,2-5 358 0 0,-5 4 3583 0 0,-16-1-2617 0 0,20-6-845 0 0,1 1 0 0 0,0 0-1 0 0,0 0 1 0 0,0 1-1 0 0,0 0 1 0 0,-13 6-1 0 0,18-7-298 0 0,0 0-1 0 0,-1 0 0 0 0,1 0 0 0 0,0 0 0 0 0,-1-1 1 0 0,-5 1 1739 0 0,10-1-1948 0 0,8 2 47 0 0,0-2 1 0 0,0 1-1 0 0,0-1 1 0 0,13-2-1 0 0,9 1 120 0 0,90 6-313 0 0,36-1-46 0 0,45-7-28 0 0,14 20 290 0 0,-56-2 54 0 0,53 8 426 0 0,2 1-166 0 0,-19-9-604 0 0,115 3 0 0 0,-31-10 1332 0 0,-95 10-608 0 0,-165-16-712 0 0,-1-1-1 0 0,1 0 1 0 0,-1-1-1 0 0,1-2 0 0 0,-1 0 1 0 0,0-1-1 0 0,0 0 1 0 0,0-2-1 0 0,23-8 1 0 0,-28 8 125 0 0,0-1 125 0 0,1 0-1 0 0,19-12 0 0 0,-12 7 479 0 0,-21 11-600 0 0</inkml:trace>
+</inkml:ink>
+</file>
+
+<file path=ppt/ink/ink22.xml><?xml version="1.0" encoding="utf-8"?>
+<inkml:ink xmlns:inkml="http://www.w3.org/2003/InkML">
+  <inkml:definitions>
+    <inkml:context xml:id="ctx0">
+      <inkml:inkSource xml:id="inkSrc0">
+        <inkml:traceFormat>
+          <inkml:channel name="X" type="integer" min="-2.14748E9" max="2.14748E9" units="cm"/>
+          <inkml:channel name="Y" type="integer" min="-2.14748E9" max="2.14748E9" units="cm"/>
+          <inkml:channel name="F" type="integer" max="32767" units="dev"/>
+          <inkml:channel name="OA" type="integer" max="360" units="deg"/>
+          <inkml:channel name="OE" type="integer" max="90" units="deg"/>
+        </inkml:traceFormat>
+        <inkml:channelProperties>
+          <inkml:channelProperty channel="X" name="resolution" value="1000" units="1/cm"/>
+          <inkml:channelProperty channel="Y" name="resolution" value="1000" units="1/cm"/>
+          <inkml:channelProperty channel="F" name="resolution" value="0" units="1/dev"/>
+          <inkml:channelProperty channel="OA" name="resolution" value="1000" units="1/deg"/>
+          <inkml:channelProperty channel="OE" name="resolution" value="1000" units="1/deg"/>
+        </inkml:channelProperties>
+      </inkml:inkSource>
+      <inkml:timestamp xml:id="ts0" timeString="2021-05-12T19:33:34.266"/>
+    </inkml:context>
+    <inkml:brush xml:id="br0">
+      <inkml:brushProperty name="width" value="0.05" units="cm"/>
+      <inkml:brushProperty name="height" value="0.05" units="cm"/>
+      <inkml:brushProperty name="color" value="#FF0066"/>
+    </inkml:brush>
+  </inkml:definitions>
+  <inkml:trace contextRef="#ctx0" brushRef="#br0">1 651 6912 0 0,'0'0'2089'0'0,"2"-13"2552"0"0,0 5-3893 0 0,0 0 1 0 0,1 0-1 0 0,0 0 0 0 0,0 1 0 0 0,0-1 0 0 0,1 1 1 0 0,1 0-1 0 0,6-10 0 0 0,50-53 295 0 0,-35 42-319 0 0,2-3-410 0 0,2 2 0 0 0,1 1 0 0 0,40-28 0 0 0,-55 46-201 0 0,1 0-1 0 0,0 2 0 0 0,23-9 1 0 0,9-4 143 0 0,-30 12-209 0 0,0 1 0 0 0,1 1 0 0 0,0 1 0 0 0,0 1 0 0 0,0 0 1 0 0,1 2-1 0 0,0 0 0 0 0,0 1 0 0 0,0 1 0 0 0,-1 1 1 0 0,1 1-1 0 0,29 5 0 0 0,-36-4 117 0 0,-1 0 1 0 0,24-2 0 0 0,-22 0 110 0 0,-25-12-187 0 0,3 6-88 0 0,-1 0 0 0 0,0 1-1 0 0,0 0 1 0 0,-10-4 0 0 0,-7-5 40 0 0,-79-53 1017 0 0,73 47-1098 0 0,31 19 44 0 0,0 1 0 0 0,0 0 0 0 0,-1 0 0 0 0,1 0 0 0 0,0-1 1 0 0,0 1-1 0 0,0 0 0 0 0,0 0 0 0 0,-1 0 0 0 0,1-1 0 0 0,0 1 0 0 0,0 0 0 0 0,0 0 1 0 0,0-1-1 0 0,0 1 0 0 0,0 0 0 0 0,0 0 0 0 0,0-1 0 0 0,0 1 0 0 0,0 0 0 0 0,0 0 0 0 0,0-1 1 0 0,0 1-1 0 0,0 0 0 0 0,0 0 0 0 0,0-1 0 0 0,0 1 0 0 0,0 0 0 0 0,0 0 0 0 0,0-1 1 0 0,0 1-1 0 0,0 0 0 0 0,1 0 0 0 0,-1 0 0 0 0,0-1 0 0 0,0 1 0 0 0,0 0 0 0 0,0 0 0 0 0,1-1 1 0 0,6-5 24 0 0,3 0-16 0 0,1 1 0 0 0,-1 0 0 0 0,1 0 0 0 0,1 1 0 0 0,15-3 0 0 0,61-8 44 0 0,-73 13-45 0 0,-3 0 4 0 0,0 0-1 0 0,0 1 0 0 0,0 1 1 0 0,14 1-1 0 0,-25-1-4 0 0,0 0 0 0 0,-1 0 0 0 0,1 0 0 0 0,0 1 0 0 0,0-1 0 0 0,0 0 0 0 0,-1 0 0 0 0,1 1 0 0 0,0-1 0 0 0,-1 0 0 0 0,1 1 0 0 0,0-1 0 0 0,-1 1 0 0 0,1-1 0 0 0,0 1 0 0 0,-1-1 0 0 0,1 1 0 0 0,-1-1 0 0 0,1 1 0 0 0,-1-1 0 0 0,1 1 0 0 0,-1 0 0 0 0,0-1 0 0 0,1 2 0 0 0,0 0 7 0 0,-1-1 0 0 0,0 0 1 0 0,0 1-1 0 0,0-1 1 0 0,0 0-1 0 0,0 1 1 0 0,0-1-1 0 0,0 0 0 0 0,-1 1 1 0 0,1-1-1 0 0,0 0 1 0 0,-1 1-1 0 0,0 0 1 0 0,-1 3-3 0 0,0 0 1 0 0,-1 0-1 0 0,0 0 1 0 0,0-1-1 0 0,0 1 1 0 0,-5 4-1 0 0,-98 93-15 0 0,58-55 36 0 0,-33 36-1881 0 0,68-69-648 0 0,3-2-6025 0 0</inkml:trace>
+</inkml:ink>
+</file>
+
+<file path=ppt/ink/ink23.xml><?xml version="1.0" encoding="utf-8"?>
+<inkml:ink xmlns:inkml="http://www.w3.org/2003/InkML">
+  <inkml:definitions>
+    <inkml:context xml:id="ctx0">
+      <inkml:inkSource xml:id="inkSrc0">
+        <inkml:traceFormat>
+          <inkml:channel name="X" type="integer" min="-2.14748E9" max="2.14748E9" units="cm"/>
+          <inkml:channel name="Y" type="integer" min="-2.14748E9" max="2.14748E9" units="cm"/>
+          <inkml:channel name="F" type="integer" max="32767" units="dev"/>
+          <inkml:channel name="OA" type="integer" max="360" units="deg"/>
+          <inkml:channel name="OE" type="integer" max="90" units="deg"/>
+        </inkml:traceFormat>
+        <inkml:channelProperties>
+          <inkml:channelProperty channel="X" name="resolution" value="1000" units="1/cm"/>
+          <inkml:channelProperty channel="Y" name="resolution" value="1000" units="1/cm"/>
+          <inkml:channelProperty channel="F" name="resolution" value="0" units="1/dev"/>
+          <inkml:channelProperty channel="OA" name="resolution" value="1000" units="1/deg"/>
+          <inkml:channelProperty channel="OE" name="resolution" value="1000" units="1/deg"/>
+        </inkml:channelProperties>
+      </inkml:inkSource>
+      <inkml:timestamp xml:id="ts0" timeString="2021-05-12T19:33:35.058"/>
+    </inkml:context>
+    <inkml:brush xml:id="br0">
+      <inkml:brushProperty name="width" value="0.05" units="cm"/>
+      <inkml:brushProperty name="height" value="0.05" units="cm"/>
+      <inkml:brushProperty name="color" value="#FF0066"/>
+    </inkml:brush>
+  </inkml:definitions>
+  <inkml:trace contextRef="#ctx0" brushRef="#br0">10 193 11952 0 0,'0'0'1082'0'0,"-4"-6"-868"0"0,3 4 5 0 0,0 0-1 0 0,1 1 1 0 0,-1-1 0 0 0,0 0 0 0 0,1 0 0 0 0,-1 0 0 0 0,1 1 0 0 0,0-1 0 0 0,-1 0 0 0 0,1 0 0 0 0,0 0-1 0 0,0 0 1 0 0,0 0 0 0 0,0 0 0 0 0,1 0 0 0 0,-1 1 0 0 0,0-1 0 0 0,1 0 0 0 0,-1 0 0 0 0,1 0 0 0 0,0 0 0 0 0,0 1-1 0 0,0-1 1 0 0,-1 0 0 0 0,2 1 0 0 0,-1-1 0 0 0,1-1 0 0 0,4-3 215 0 0,-1 0 0 0 0,1 1 1 0 0,1-1-1 0 0,12-7 0 0 0,-3 1-21 0 0,-3 1-225 0 0,2 1 0 0 0,-1 0 1 0 0,1 0-1 0 0,1 2 0 0 0,-1 0 0 0 0,1 1 1 0 0,1 0-1 0 0,28-7 0 0 0,-44 14-185 0 0,1 0 0 0 0,-1-1 0 0 0,0 1 0 0 0,1 0 0 0 0,-1 0 0 0 0,0 0 0 0 0,1 0-1 0 0,-1 0 1 0 0,1 0 0 0 0,-1 0 0 0 0,0 0 0 0 0,1 0 0 0 0,-1 1 0 0 0,0-1 0 0 0,1 1-1 0 0,-1-1 1 0 0,0 1 0 0 0,0-1 0 0 0,1 1 0 0 0,-1 0 0 0 0,0-1 0 0 0,0 1 0 0 0,0 0 0 0 0,0 0-1 0 0,0 0 1 0 0,0 0 0 0 0,0 0 0 0 0,0 0 0 0 0,0 0 0 0 0,-1 1 0 0 0,1-1 0 0 0,0 0 0 0 0,-1 0-1 0 0,1 0 1 0 0,-1 1 0 0 0,1-1 0 0 0,-1 0 0 0 0,1 1 0 0 0,-1-1 0 0 0,0 0 0 0 0,0 1 0 0 0,0-1-1 0 0,0 1 1 0 0,0-1 0 0 0,0 0 0 0 0,0 1 0 0 0,0-1 0 0 0,-1 1 0 0 0,1-1 0 0 0,0 0 0 0 0,-1 0-1 0 0,1 1 1 0 0,-2 1 0 0 0,-13 32 474 0 0,-1 1 1 0 0,-38 57-1 0 0,51-88-425 0 0,-17 27 34 0 0,-22 54-1 0 0,41-85-265 0 0,1 1 0 0 0,0 0 1 0 0,0 0-1 0 0,0-1 0 0 0,0 1 1 0 0,0 0-1 0 0,0 0 0 0 0,0-1 0 0 0,0 1 1 0 0,1 0-1 0 0,-1 0 0 0 0,1-1 1 0 0,-1 1-1 0 0,1 0 0 0 0,1 1 0 0 0,-1 0-140 0 0,2 3-863 0 0</inkml:trace>
+</inkml:ink>
+</file>
+
+<file path=ppt/ink/ink24.xml><?xml version="1.0" encoding="utf-8"?>
+<inkml:ink xmlns:inkml="http://www.w3.org/2003/InkML">
+  <inkml:definitions>
+    <inkml:context xml:id="ctx0">
+      <inkml:inkSource xml:id="inkSrc0">
+        <inkml:traceFormat>
+          <inkml:channel name="X" type="integer" min="-2.14748E9" max="2.14748E9" units="cm"/>
+          <inkml:channel name="Y" type="integer" min="-2.14748E9" max="2.14748E9" units="cm"/>
+          <inkml:channel name="F" type="integer" max="32767" units="dev"/>
+          <inkml:channel name="OA" type="integer" max="360" units="deg"/>
+          <inkml:channel name="OE" type="integer" max="90" units="deg"/>
+        </inkml:traceFormat>
+        <inkml:channelProperties>
+          <inkml:channelProperty channel="X" name="resolution" value="1000" units="1/cm"/>
+          <inkml:channelProperty channel="Y" name="resolution" value="1000" units="1/cm"/>
+          <inkml:channelProperty channel="F" name="resolution" value="0" units="1/dev"/>
+          <inkml:channelProperty channel="OA" name="resolution" value="1000" units="1/deg"/>
+          <inkml:channelProperty channel="OE" name="resolution" value="1000" units="1/deg"/>
+        </inkml:channelProperties>
+      </inkml:inkSource>
+      <inkml:timestamp xml:id="ts0" timeString="2021-05-12T19:33:35.431"/>
+    </inkml:context>
+    <inkml:brush xml:id="br0">
+      <inkml:brushProperty name="width" value="0.05" units="cm"/>
+      <inkml:brushProperty name="height" value="0.05" units="cm"/>
+      <inkml:brushProperty name="color" value="#FF0066"/>
+    </inkml:brush>
+  </inkml:definitions>
+  <inkml:trace contextRef="#ctx0" brushRef="#br0">59 1 5984 0 0,'0'0'4'0'0,"-2"2"50"0"0,0 0 0 0 0,-1 1-1 0 0,1-2 1 0 0,-1 1 0 0 0,0 0-1 0 0,1 0 1 0 0,-1-1-1 0 0,0 0 1 0 0,0 1 0 0 0,0-1-1 0 0,-4 1 1 0 0,4-1 1278 0 0,1-1 0 0 0,0 1 1 0 0,-1 0-1 0 0,-10 7 9792 0 0,14-9-11107 0 0,-1 0 0 0 0,0 1 0 0 0,0-1 0 0 0,0 1 0 0 0,0-1 0 0 0,0 1 0 0 0,1-1 0 0 0,-1 0 0 0 0,0 1 0 0 0,0-1 0 0 0,1 1 0 0 0,-1-1 0 0 0,0 1 0 0 0,1-1 0 0 0,-1 1 0 0 0,1 0 0 0 0,-1-1 0 0 0,1 1 0 0 0,-1-1 0 0 0,1 1 0 0 0,10-6-1718 0 0,-2 2-3111 0 0,4-5-2461 0 0</inkml:trace>
+</inkml:ink>
+</file>
+
+<file path=ppt/ink/ink25.xml><?xml version="1.0" encoding="utf-8"?>
+<inkml:ink xmlns:inkml="http://www.w3.org/2003/InkML">
+  <inkml:definitions>
+    <inkml:context xml:id="ctx0">
+      <inkml:inkSource xml:id="inkSrc0">
+        <inkml:traceFormat>
+          <inkml:channel name="X" type="integer" min="-2.14748E9" max="2.14748E9" units="cm"/>
+          <inkml:channel name="Y" type="integer" min="-2.14748E9" max="2.14748E9" units="cm"/>
+          <inkml:channel name="F" type="integer" max="32767" units="dev"/>
+          <inkml:channel name="OA" type="integer" max="360" units="deg"/>
+          <inkml:channel name="OE" type="integer" max="90" units="deg"/>
+        </inkml:traceFormat>
+        <inkml:channelProperties>
+          <inkml:channelProperty channel="X" name="resolution" value="1000" units="1/cm"/>
+          <inkml:channelProperty channel="Y" name="resolution" value="1000" units="1/cm"/>
+          <inkml:channelProperty channel="F" name="resolution" value="0" units="1/dev"/>
+          <inkml:channelProperty channel="OA" name="resolution" value="1000" units="1/deg"/>
+          <inkml:channelProperty channel="OE" name="resolution" value="1000" units="1/deg"/>
+        </inkml:channelProperties>
+      </inkml:inkSource>
+      <inkml:timestamp xml:id="ts0" timeString="2021-05-12T19:33:35.818"/>
+    </inkml:context>
+    <inkml:brush xml:id="br0">
+      <inkml:brushProperty name="width" value="0.05" units="cm"/>
+      <inkml:brushProperty name="height" value="0.05" units="cm"/>
+      <inkml:brushProperty name="color" value="#FF0066"/>
+    </inkml:brush>
+  </inkml:definitions>
+  <inkml:trace contextRef="#ctx0" brushRef="#br0">0 335 3224 0 0,'11'-7'8926'0'0,"-6"3"-7954"0"0,0 0 1 0 0,0 1-1 0 0,0-1 0 0 0,1 1 0 0 0,7-4 0 0 0,17-9 74 0 0,-14 4-621 0 0,6-3 7 0 0,-1-1 1 0 0,-1-1-1 0 0,0-1 0 0 0,23-27 0 0 0,-15 13-125 0 0,-17 21-204 0 0,13-18 0 0 0,-21 25-86 0 0,-1 0-1 0 0,1 0 1 0 0,-1 0-1 0 0,0 0 1 0 0,0-1-1 0 0,0 1 1 0 0,-1-1-1 0 0,2-8 1 0 0,-2 11-7 0 0,-1 1 0 0 0,0-1 0 0 0,0 0 0 0 0,0 1 0 0 0,0-1 1 0 0,0 1-1 0 0,0-1 0 0 0,-1 1 0 0 0,1-1 0 0 0,-1 1 0 0 0,1-1 1 0 0,-1 1-1 0 0,1-1 0 0 0,-1 1 0 0 0,0 0 0 0 0,1-1 0 0 0,-1 1 1 0 0,0 0-1 0 0,0-1 0 0 0,0 1 0 0 0,0 0 0 0 0,0 0 0 0 0,0 0 0 0 0,-1 0 1 0 0,1 0-1 0 0,0 0 0 0 0,0 0 0 0 0,-1 1 0 0 0,1-1 0 0 0,-1 0 1 0 0,1 1-1 0 0,0-1 0 0 0,-1 1 0 0 0,1-1 0 0 0,-3 1 0 0 0,1-1 22 0 0,-1 0-1 0 0,1 1 0 0 0,-1 0 1 0 0,1 0-1 0 0,-1 0 0 0 0,0 0 1 0 0,1 0-1 0 0,-1 1 1 0 0,1-1-1 0 0,-1 1 0 0 0,1 0 1 0 0,-1 0-1 0 0,1 0 0 0 0,-6 4 1 0 0,-4 2 186 0 0,1 1 0 0 0,0 1 1 0 0,1 0-1 0 0,0 0 1 0 0,0 1-1 0 0,-16 20 0 0 0,23-24-138 0 0,-1 1 0 0 0,1-1-1 0 0,1 1 1 0 0,-1-1-1 0 0,1 1 1 0 0,1 0 0 0 0,-1 0-1 0 0,1 0 1 0 0,0 0 0 0 0,1 1-1 0 0,-1-1 1 0 0,1 1-1 0 0,1-1 1 0 0,0 1 0 0 0,0 7-1 0 0,1-11-85 0 0,-1 0 0 0 0,1-1 0 0 0,0 1 0 0 0,0-1 0 0 0,1 1 0 0 0,-1-1 0 0 0,1 0 1 0 0,-1 1-1 0 0,1-1 0 0 0,0 0 0 0 0,0 0 0 0 0,0 0 0 0 0,1 0 0 0 0,-1-1 0 0 0,1 1 0 0 0,0-1 0 0 0,-1 1 0 0 0,1-1 0 0 0,0 0 0 0 0,0 0 0 0 0,1 0 0 0 0,5 2 0 0 0,-2-1 5 0 0,1 0 0 0 0,0 0 0 0 0,-1-1 0 0 0,1 0 0 0 0,0 0 0 0 0,0-1 0 0 0,1 0-1 0 0,-1-1 1 0 0,11 0 0 0 0,0-2-626 0 0,-1-1 0 0 0,0-1 0 0 0,0 0 1 0 0,-1-2-1 0 0,1 0 0 0 0,-1 0 0 0 0,0-2 0 0 0,-1 0 0 0 0,21-14 0 0 0,-13 5-1064 0 0</inkml:trace>
+</inkml:ink>
+</file>
+
+<file path=ppt/ink/ink26.xml><?xml version="1.0" encoding="utf-8"?>
+<inkml:ink xmlns:inkml="http://www.w3.org/2003/InkML">
+  <inkml:definitions>
+    <inkml:context xml:id="ctx0">
+      <inkml:inkSource xml:id="inkSrc0">
+        <inkml:traceFormat>
+          <inkml:channel name="X" type="integer" min="-2.14748E9" max="2.14748E9" units="cm"/>
+          <inkml:channel name="Y" type="integer" min="-2.14748E9" max="2.14748E9" units="cm"/>
+          <inkml:channel name="F" type="integer" max="32767" units="dev"/>
+          <inkml:channel name="OA" type="integer" max="360" units="deg"/>
+          <inkml:channel name="OE" type="integer" max="90" units="deg"/>
+        </inkml:traceFormat>
+        <inkml:channelProperties>
+          <inkml:channelProperty channel="X" name="resolution" value="1000" units="1/cm"/>
+          <inkml:channelProperty channel="Y" name="resolution" value="1000" units="1/cm"/>
+          <inkml:channelProperty channel="F" name="resolution" value="0" units="1/dev"/>
+          <inkml:channelProperty channel="OA" name="resolution" value="1000" units="1/deg"/>
+          <inkml:channelProperty channel="OE" name="resolution" value="1000" units="1/deg"/>
+        </inkml:channelProperties>
+      </inkml:inkSource>
+      <inkml:timestamp xml:id="ts0" timeString="2021-05-12T19:33:36.145"/>
+    </inkml:context>
+    <inkml:brush xml:id="br0">
+      <inkml:brushProperty name="width" value="0.05" units="cm"/>
+      <inkml:brushProperty name="height" value="0.05" units="cm"/>
+      <inkml:brushProperty name="color" value="#FF0066"/>
+    </inkml:brush>
+  </inkml:definitions>
+  <inkml:trace contextRef="#ctx0" brushRef="#br0">15 6 13616 0 0,'0'0'1238'0'0,"-1"1"-1020"0"0,-1 0-328 0 0,-9 4 3855 0 0,12 4-965 0 0,-1-7-3050 0 0,2 3 572 0 0,0 0 1 0 0,0 1 0 0 0,0-1-1 0 0,1 0 1 0 0,-1 0 0 0 0,1-1 0 0 0,1 1-1 0 0,3 5 1 0 0,6 4 156 0 0,16 14 0 0 0,-17-17-357 0 0,-1 0 1 0 0,13 17-1 0 0,-11-11-15 0 0,16 17 1 0 0,-24-29-375 0 0,1 1 1 0 0,0-1-1 0 0,0 0 0 0 0,1 0 0 0 0,-1-1 1 0 0,9 5-1 0 0,-13-8 79 0 0,-1-1 0 0 0,0 1 0 0 0,1-1-1 0 0,-1 1 1 0 0,0-1 0 0 0,1 1 0 0 0,-1-1 0 0 0,1 0 0 0 0,-1 0 0 0 0,1 0-1 0 0,-1 1 1 0 0,0-1 0 0 0,1-1 0 0 0,-1 1 0 0 0,1 0 0 0 0,-1 0 0 0 0,2-1-1 0 0,6-4-1411 0 0</inkml:trace>
+  <inkml:trace contextRef="#ctx0" brushRef="#br0" timeOffset="1">327 6 2760 0 0,'-13'-3'205'0'0,"12"3"-140"0"0,-1-1-1 0 0,1 1 1 0 0,-1-1-1 0 0,0 1 1 0 0,1 0 0 0 0,-1-1-1 0 0,0 1 1 0 0,-2 0 0 0 0,-2 2 1868 0 0,-1-1 0 0 0,1 1 0 0 0,0 0 0 0 0,0 0 0 0 0,-6 3 0 0 0,-14 8 2243 0 0,20-10-4184 0 0,-4 3 392 0 0,-1 1 0 0 0,1 0 1 0 0,1 0-1 0 0,-1 1 0 0 0,1 1 0 0 0,-9 10 1 0 0,-45 60 51 0 0,40-47-300 0 0,14-21-123 0 0,1 1 0 0 0,0 0 0 0 0,1 0 0 0 0,-11 26-1 0 0,16-35-27 0 0,1 0-105 0 0,0 1 0 0 0,0-1 0 0 0,0 0-1 0 0,0 0 1 0 0,0 0 0 0 0,0 6-1 0 0,1-8 86 0 0,0-1-1 0 0,0 0 0 0 0,0 1 0 0 0,0-1 0 0 0,0 0 1 0 0,1 1-1 0 0,-1-1 0 0 0,0 1 0 0 0,0-1 0 0 0,0 0 1 0 0,0 1-1 0 0,0-1 0 0 0,1 0 0 0 0,-1 1 0 0 0,0-1 0 0 0,0 0 1 0 0,1 0-1 0 0,-1 1 0 0 0,0-1 0 0 0,0 0 0 0 0,1 0 1 0 0,-1 1-1 0 0,0-1 0 0 0,1 0 0 0 0,0 0 0 0 0,0 1-63 0 0,0-1 0 0 0,0 0-1 0 0,0 0 1 0 0,0 0-1 0 0,1 0 1 0 0,-1 0 0 0 0,0 0-1 0 0,0 0 1 0 0,0 0 0 0 0,1-1-1 0 0,-1 1 1 0 0,2-1-1 0 0,13-5-4809 0 0,3-2-1413 0 0</inkml:trace>
+</inkml:ink>
+</file>
+
+<file path=ppt/ink/ink27.xml><?xml version="1.0" encoding="utf-8"?>
+<inkml:ink xmlns:inkml="http://www.w3.org/2003/InkML">
+  <inkml:definitions>
+    <inkml:context xml:id="ctx0">
+      <inkml:inkSource xml:id="inkSrc0">
+        <inkml:traceFormat>
+          <inkml:channel name="X" type="integer" min="-2.14748E9" max="2.14748E9" units="cm"/>
+          <inkml:channel name="Y" type="integer" min="-2.14748E9" max="2.14748E9" units="cm"/>
+          <inkml:channel name="F" type="integer" max="32767" units="dev"/>
+          <inkml:channel name="OA" type="integer" max="360" units="deg"/>
+          <inkml:channel name="OE" type="integer" max="90" units="deg"/>
+        </inkml:traceFormat>
+        <inkml:channelProperties>
+          <inkml:channelProperty channel="X" name="resolution" value="1000" units="1/cm"/>
+          <inkml:channelProperty channel="Y" name="resolution" value="1000" units="1/cm"/>
+          <inkml:channelProperty channel="F" name="resolution" value="0" units="1/dev"/>
+          <inkml:channelProperty channel="OA" name="resolution" value="1000" units="1/deg"/>
+          <inkml:channelProperty channel="OE" name="resolution" value="1000" units="1/deg"/>
+        </inkml:channelProperties>
+      </inkml:inkSource>
+      <inkml:timestamp xml:id="ts0" timeString="2021-05-12T19:33:36.551"/>
+    </inkml:context>
+    <inkml:brush xml:id="br0">
+      <inkml:brushProperty name="width" value="0.05" units="cm"/>
+      <inkml:brushProperty name="height" value="0.05" units="cm"/>
+      <inkml:brushProperty name="color" value="#FF0066"/>
+    </inkml:brush>
+  </inkml:definitions>
+  <inkml:trace contextRef="#ctx0" brushRef="#br0">72 57 8288 0 0,'3'-40'960'0'0,"-3"23"10759"0"0,0 19-10833 0 0,-1 3-660 0 0,0 0 0 0 0,0 0 0 0 0,0 0 0 0 0,1 0 0 0 0,0 1 0 0 0,0 5 0 0 0,0 14-7 0 0,-1 18-69 0 0,1 0-1 0 0,2 1 1 0 0,2-1 0 0 0,2 0 0 0 0,17 61 0 0 0,-14-75-1330 0 0,16 37 1 0 0,-19-56-840 0 0</inkml:trace>
+  <inkml:trace contextRef="#ctx0" brushRef="#br0" timeOffset="1">6 355 9672 0 0,'-1'0'79'0'0,"1"-1"0"0"0,-1 1 0 0 0,1-1 0 0 0,0 1 0 0 0,-1 0 0 0 0,1-1-1 0 0,0 1 1 0 0,-1-1 0 0 0,1 1 0 0 0,0-1 0 0 0,-1 1 0 0 0,1-1 0 0 0,0 1 0 0 0,0-1 0 0 0,0 1 0 0 0,0-1 0 0 0,-1 1 0 0 0,1-1 0 0 0,0 1 0 0 0,0-1 0 0 0,0 1 0 0 0,0-1 0 0 0,0 1 0 0 0,0-1 0 0 0,0 1 0 0 0,1-1 0 0 0,-1 1 0 0 0,0-1 0 0 0,0 0 0 0 0,0 1 0 0 0,0-1 0 0 0,1 1 0 0 0,-1 0 0 0 0,0-1 0 0 0,1 1 0 0 0,-1-1-1 0 0,0 1 1 0 0,1-1 0 0 0,-1 1 0 0 0,0 0 0 0 0,1-1 0 0 0,-1 1 0 0 0,1-1 0 0 0,8-2 2292 0 0,0 0-1 0 0,1 1 1 0 0,13-2-1 0 0,55 0-1975 0 0,-29 3-7 0 0,-3 1-1705 0 0,1-1-5393 0 0,-23-2 78 0 0</inkml:trace>
+</inkml:ink>
+</file>
+
+<file path=ppt/ink/ink28.xml><?xml version="1.0" encoding="utf-8"?>
+<inkml:ink xmlns:inkml="http://www.w3.org/2003/InkML">
+  <inkml:definitions>
+    <inkml:context xml:id="ctx0">
+      <inkml:inkSource xml:id="inkSrc0">
+        <inkml:traceFormat>
+          <inkml:channel name="X" type="integer" min="-2.14748E9" max="2.14748E9" units="cm"/>
+          <inkml:channel name="Y" type="integer" min="-2.14748E9" max="2.14748E9" units="cm"/>
+          <inkml:channel name="F" type="integer" max="32767" units="dev"/>
+          <inkml:channel name="OA" type="integer" max="360" units="deg"/>
+          <inkml:channel name="OE" type="integer" max="90" units="deg"/>
+        </inkml:traceFormat>
+        <inkml:channelProperties>
+          <inkml:channelProperty channel="X" name="resolution" value="1000" units="1/cm"/>
+          <inkml:channelProperty channel="Y" name="resolution" value="1000" units="1/cm"/>
+          <inkml:channelProperty channel="F" name="resolution" value="0" units="1/dev"/>
+          <inkml:channelProperty channel="OA" name="resolution" value="1000" units="1/deg"/>
+          <inkml:channelProperty channel="OE" name="resolution" value="1000" units="1/deg"/>
+        </inkml:channelProperties>
+      </inkml:inkSource>
+      <inkml:timestamp xml:id="ts0" timeString="2021-05-12T19:33:36.879"/>
+    </inkml:context>
+    <inkml:brush xml:id="br0">
+      <inkml:brushProperty name="width" value="0.05" units="cm"/>
+      <inkml:brushProperty name="height" value="0.05" units="cm"/>
+      <inkml:brushProperty name="color" value="#FF0066"/>
+    </inkml:brush>
+  </inkml:definitions>
+  <inkml:trace contextRef="#ctx0" brushRef="#br0">80 135 3224 0 0,'1'1'3963'0'0,"5"1"-1814"0"0,-5-1-1630 0 0,1-1 0 0 0,-1 0 0 0 0,1 0 0 0 0,-1 0 1 0 0,0 0-1 0 0,1 0 0 0 0,-1 0 0 0 0,0 0 0 0 0,1-1 0 0 0,-1 1 1 0 0,3-1-1 0 0,14-10 2382 0 0,-11 4-2292 0 0,-1 0 1 0 0,10-11-1 0 0,-13 15-283 0 0,-1 0-238 0 0,0-1 1 0 0,0 1-1 0 0,0 0 1 0 0,0-1-1 0 0,0 1 0 0 0,-1-1 1 0 0,1 0-1 0 0,-1 0 1 0 0,0 1-1 0 0,0-1 1 0 0,-1 0-1 0 0,1 0 1 0 0,-1 0-1 0 0,0 0 1 0 0,0 0-1 0 0,0 0 1 0 0,0 0-1 0 0,-1 0 1 0 0,-1-4-1 0 0,2 7-73 0 0,0 1-1 0 0,0-1 1 0 0,-1 0 0 0 0,1 1-1 0 0,0-1 1 0 0,-1 0-1 0 0,1 1 1 0 0,-1-1 0 0 0,1 1-1 0 0,-1-1 1 0 0,1 1 0 0 0,-1-1-1 0 0,0 1 1 0 0,1-1-1 0 0,-1 1 1 0 0,0-1 0 0 0,1 1-1 0 0,-1 0 1 0 0,0-1 0 0 0,1 1-1 0 0,-1 0 1 0 0,-1-1-1 0 0,0 1 24 0 0,0 0-1 0 0,0 0 0 0 0,1 0 0 0 0,-1 0 0 0 0,0 1 0 0 0,0-1 0 0 0,0 0 0 0 0,1 1 0 0 0,-4 0 0 0 0,1 1 55 0 0,-1 0 1 0 0,1 0-1 0 0,0 0 1 0 0,0 1 0 0 0,0-1-1 0 0,-6 6 1 0 0,-2 4 95 0 0,1 0 0 0 0,0 1 1 0 0,1 0-1 0 0,0 1 1 0 0,1 0-1 0 0,0 1 0 0 0,1 0 1 0 0,1 0-1 0 0,-5 17 1 0 0,11-29-176 0 0,0-1 1 0 0,1 1 0 0 0,-1 0 0 0 0,1 0 0 0 0,-1 0 0 0 0,1 0 0 0 0,0 0 0 0 0,1 0 0 0 0,-1 0 0 0 0,0 0 0 0 0,1 0 0 0 0,0 0 0 0 0,-1 0-1 0 0,1 0 1 0 0,2 3 0 0 0,-2-4-61 0 0,0 0-1 0 0,0-1 1 0 0,0 1 0 0 0,0 0-1 0 0,0 0 1 0 0,1 0-1 0 0,-1-1 1 0 0,1 1-1 0 0,-1-1 1 0 0,1 1 0 0 0,0-1-1 0 0,0 1 1 0 0,-1-1-1 0 0,1 0 1 0 0,0 0-1 0 0,0 0 1 0 0,0 0 0 0 0,0 0-1 0 0,1-1 1 0 0,1 1-1 0 0,22 3-2734 0 0,-9-3-2811 0 0,-3-1-1527 0 0</inkml:trace>
+</inkml:ink>
+</file>
+
+<file path=ppt/ink/ink29.xml><?xml version="1.0" encoding="utf-8"?>
+<inkml:ink xmlns:inkml="http://www.w3.org/2003/InkML">
+  <inkml:definitions>
+    <inkml:context xml:id="ctx0">
+      <inkml:inkSource xml:id="inkSrc0">
+        <inkml:traceFormat>
+          <inkml:channel name="X" type="integer" min="-2.14748E9" max="2.14748E9" units="cm"/>
+          <inkml:channel name="Y" type="integer" min="-2.14748E9" max="2.14748E9" units="cm"/>
+          <inkml:channel name="F" type="integer" max="32767" units="dev"/>
+          <inkml:channel name="OA" type="integer" max="360" units="deg"/>
+          <inkml:channel name="OE" type="integer" max="90" units="deg"/>
+        </inkml:traceFormat>
+        <inkml:channelProperties>
+          <inkml:channelProperty channel="X" name="resolution" value="1000" units="1/cm"/>
+          <inkml:channelProperty channel="Y" name="resolution" value="1000" units="1/cm"/>
+          <inkml:channelProperty channel="F" name="resolution" value="0" units="1/dev"/>
+          <inkml:channelProperty channel="OA" name="resolution" value="1000" units="1/deg"/>
+          <inkml:channelProperty channel="OE" name="resolution" value="1000" units="1/deg"/>
+        </inkml:channelProperties>
+      </inkml:inkSource>
+      <inkml:timestamp xml:id="ts0" timeString="2021-05-12T19:33:37.285"/>
+    </inkml:context>
+    <inkml:brush xml:id="br0">
+      <inkml:brushProperty name="width" value="0.05" units="cm"/>
+      <inkml:brushProperty name="height" value="0.05" units="cm"/>
+      <inkml:brushProperty name="color" value="#FF0066"/>
+    </inkml:brush>
+  </inkml:definitions>
+  <inkml:trace contextRef="#ctx0" brushRef="#br0">0 566 3224 0 0,'0'0'12422'0'0,"7"-12"-9446"0"0,22-48-106 0 0,9-27-435 0 0,-21 48-1314 0 0,-13 30-1056 0 0,0 1 0 0 0,-1 0 0 0 0,1-1 0 0 0,-1 0-1 0 0,-1 0 1 0 0,0 0 0 0 0,2-18 0 0 0,-7 34-65 0 0,2-6 0 0 0,0 0 0 0 0,0 0 0 0 0,1 1 0 0 0,-1-1 0 0 0,0 0 0 0 0,1 0 0 0 0,-1 1 0 0 0,1-1 0 0 0,0 1 0 0 0,-1-1 0 0 0,1 2 0 0 0,-1 18 0 0 0,0-16 0 0 0,1 0 0 0 0,-1 0 0 0 0,1 0 0 0 0,1 0 0 0 0,-1 0 0 0 0,2 8 0 0 0,-1-10 0 0 0,0 1 0 0 0,0-1 1 0 0,0 0-1 0 0,1 0 0 0 0,-1 1 0 0 0,1-1 0 0 0,0 0 0 0 0,0 0 0 0 0,3 3 1 0 0,-4-4-2 0 0,1-1 0 0 0,0 0 0 0 0,-1 1 0 0 0,1-1 0 0 0,0 0 0 0 0,0 0 0 0 0,0 0 0 0 0,0 0 0 0 0,0 0 0 0 0,1 0 0 0 0,-1-1 0 0 0,0 1 0 0 0,0-1 0 0 0,0 1 0 0 0,3-1 0 0 0,4 0-121 0 0,-1 0 1 0 0,0 0-1 0 0,0-1 1 0 0,0 0-1 0 0,0 0 1 0 0,0-1-1 0 0,0 0 1 0 0,0-1 0 0 0,-1 0-1 0 0,1 0 1 0 0,11-7-1 0 0,-5 1-642 0 0,1-1-1 0 0,-1 0 1 0 0,-1-1-1 0 0,16-16 1 0 0,-24 24 88 0 0,-3 4 233 0 0,-5 7 320 0 0,-4 6 387 0 0,0 0 0 0 0,0 1 0 0 0,2 0 0 0 0,-1 0 0 0 0,2 0 0 0 0,0 1 0 0 0,-2 26 0 0 0,6-38-93 0 0,-1 0-1 0 0,1 0 0 0 0,1 1 0 0 0,-1-1 1 0 0,1 0-1 0 0,-1 0 0 0 0,1 0 0 0 0,2 6 0 0 0,-2-6 26 0 0,0-3-126 0 0,0-1-1 0 0,0 1 0 0 0,0-1 0 0 0,0 1 1 0 0,0 0-1 0 0,0-1 0 0 0,0 0 0 0 0,0 1 0 0 0,0-1 1 0 0,1 0-1 0 0,-1 1 0 0 0,0-1 0 0 0,0 0 1 0 0,2 0-1 0 0,1 0 3 0 0,0-1 0 0 0,0 0 1 0 0,0 0-1 0 0,0 0 0 0 0,-1 0 0 0 0,1-1 0 0 0,0 1 1 0 0,-1-1-1 0 0,1 0 0 0 0,-1 0 0 0 0,0 0 1 0 0,1-1-1 0 0,4-4 0 0 0,3-4 115 0 0,0 0 1 0 0,10-15-1 0 0,-1 2-179 0 0,-2-2-1 0 0,0 0 0 0 0,-2-1 1 0 0,-1 0-1 0 0,22-55 0 0 0,-25 46 65 0 0,14-44-216 0 0,-23 70 317 0 0,-1 0 1 0 0,-1-1 0 0 0,0 0-1 0 0,0 1 1 0 0,-2-21 0 0 0,1 28-58 0 0,-1 0 0 0 0,0-1 0 0 0,0 1 0 0 0,1 0-1 0 0,-2 0 1 0 0,1 0 0 0 0,0-1 0 0 0,-1 1 0 0 0,-1-3 0 0 0,2 5-94 0 0,1 1 0 0 0,-1-1 0 0 0,1 0 0 0 0,-1 1 0 0 0,1-1 0 0 0,-1 1 0 0 0,0-1-1 0 0,1 1 1 0 0,-1-1 0 0 0,0 1 0 0 0,1-1 0 0 0,-1 1 0 0 0,0-1 0 0 0,0 1-1 0 0,1 0 1 0 0,-1-1 0 0 0,0 1 0 0 0,0 0 0 0 0,0 0 0 0 0,1 0 0 0 0,-1 0 0 0 0,0-1-1 0 0,0 1 1 0 0,0 0 0 0 0,0 0 0 0 0,1 1 0 0 0,-1-1 0 0 0,0 0 0 0 0,0 0-1 0 0,0 0 1 0 0,1 0 0 0 0,-1 1 0 0 0,0-1 0 0 0,0 0 0 0 0,1 1 0 0 0,-1-1 0 0 0,0 1-1 0 0,0-1 1 0 0,0 2 0 0 0,-8 5-52 0 0,1 1 0 0 0,0 0 0 0 0,1 0-1 0 0,-1 1 1 0 0,2 0 0 0 0,-1 0 0 0 0,1 1 0 0 0,1-1-1 0 0,0 2 1 0 0,-6 15 0 0 0,1 4-244 0 0,0 0 1 0 0,-6 47-1 0 0,14-64-118 0 0,0 0 1 0 0,1 0-1 0 0,1 0 0 0 0,0 0 1 0 0,1 0-1 0 0,0 0 0 0 0,6 23 0 0 0,-4-24-1951 0 0,1-1-1 0 0,7 17 0 0 0,3-3-5077 0 0</inkml:trace>
+</inkml:ink>
+</file>
+
+<file path=ppt/ink/ink3.xml><?xml version="1.0" encoding="utf-8"?>
+<inkml:ink xmlns:inkml="http://www.w3.org/2003/InkML">
+  <inkml:definitions>
+    <inkml:context xml:id="ctx0">
+      <inkml:inkSource xml:id="inkSrc0">
+        <inkml:traceFormat>
+          <inkml:channel name="X" type="integer" min="-2.14748E9" max="2.14748E9" units="cm"/>
+          <inkml:channel name="Y" type="integer" min="-2.14748E9" max="2.14748E9" units="cm"/>
+          <inkml:channel name="F" type="integer" max="32767" units="dev"/>
+          <inkml:channel name="OA" type="integer" max="360" units="deg"/>
+          <inkml:channel name="OE" type="integer" max="90" units="deg"/>
+        </inkml:traceFormat>
+        <inkml:channelProperties>
+          <inkml:channelProperty channel="X" name="resolution" value="1000" units="1/cm"/>
+          <inkml:channelProperty channel="Y" name="resolution" value="1000" units="1/cm"/>
+          <inkml:channelProperty channel="F" name="resolution" value="0" units="1/dev"/>
+          <inkml:channelProperty channel="OA" name="resolution" value="1000" units="1/deg"/>
+          <inkml:channelProperty channel="OE" name="resolution" value="1000" units="1/deg"/>
+        </inkml:channelProperties>
+      </inkml:inkSource>
+      <inkml:timestamp xml:id="ts0" timeString="2021-05-12T19:00:36.710"/>
+    </inkml:context>
+    <inkml:brush xml:id="br0">
+      <inkml:brushProperty name="width" value="0.05" units="cm"/>
+      <inkml:brushProperty name="height" value="0.05" units="cm"/>
+      <inkml:brushProperty name="color" value="#FF0066"/>
+    </inkml:brush>
+  </inkml:definitions>
+  <inkml:trace contextRef="#ctx0" brushRef="#br0">130 19 3224 0 0,'-14'2'312'0'0,"-27"8"3610"0"0,27-8-733 0 0,10-1-2752 0 0,0 0 0 0 0,1-1 0 0 0,-1 0 0 0 0,0 0 0 0 0,0 0 0 0 0,0 0 0 0 0,-3-1 1 0 0,1 0 16 0 0,5 1-298 0 0,0-1 1 0 0,0 1 0 0 0,0 0-1 0 0,0 0 1 0 0,0-1 0 0 0,1 1-1 0 0,-1 0 1 0 0,0-1 0 0 0,0 1-1 0 0,0-1 1 0 0,0 1 0 0 0,1-1-1 0 0,-1 1 1 0 0,0-1 0 0 0,0 1-1 0 0,1-1 1 0 0,-1 0 0 0 0,0 0-1 0 0,1 1 1 0 0,-2-3-1 0 0,2 3-8 0 0,0 0 0 0 0,-1 0 0 0 0,1-1 0 0 0,0 1 0 0 0,0 0 0 0 0,0-1 0 0 0,-1 1 0 0 0,1 0 0 0 0,0 0 0 0 0,0-1 0 0 0,0 1 0 0 0,0 0 0 0 0,-1-1 0 0 0,1 1 0 0 0,0 0 0 0 0,0-1 0 0 0,0 1 0 0 0,0 0 0 0 0,0-1 0 0 0,0 1 0 0 0,0 0 0 0 0,0-1 0 0 0,0 1 0 0 0,0 0 0 0 0,0-1 0 0 0,0 1 0 0 0,0 0 0 0 0,0-1 0 0 0,1 1 0 0 0,-1 0 0 0 0,0-1 0 0 0,0 1 0 0 0,0-1 0 0 0,1 1-39 0 0,0-1 1 0 0,0 0 0 0 0,0 1-1 0 0,0-1 1 0 0,-1 1 0 0 0,1-1-1 0 0,0 1 1 0 0,0-1 0 0 0,0 1-1 0 0,0 0 1 0 0,2-1 0 0 0,29-2 230 0 0,-15 4-95 0 0,-1 1-1 0 0,24 5 0 0 0,20 2 119 0 0,150 10 581 0 0,-57-6-303 0 0,94 4 429 0 0,-93-11-459 0 0,-1 0-118 0 0,-85-5-280 0 0,59-1 214 0 0,-16-1 8 0 0,8 1 332 0 0,-8-5-299 0 0,-104 4-417 0 0,1 1 0 0 0,0-2-1 0 0,11-2 1 0 0,-13 4-5 0 0,1-2 228 0 0,-7 1-146 0 0,1 1-75 0 0,-1-1-56 0 0,1 1-1 0 0,-1-1 1 0 0,0 1 0 0 0,0-1-1 0 0,1 1 1 0 0,-1-1-1 0 0,0 1 1 0 0,0-1-1 0 0,1 0 1 0 0,-1 1-1 0 0,0-1 1 0 0,0 1-1 0 0,0-1 1 0 0,0 0 0 0 0,0 1-1 0 0,0-1 1 0 0,0 1-1 0 0,0-1 1 0 0,0 0-1 0 0,0 1 1 0 0,-1-1-1 0 0,1 1 1 0 0,0-2 0 0 0,-7-12-729 0 0,6 13 518 0 0,-6-16-2388 0 0</inkml:trace>
+</inkml:ink>
+</file>
+
+<file path=ppt/ink/ink30.xml><?xml version="1.0" encoding="utf-8"?>
+<inkml:ink xmlns:inkml="http://www.w3.org/2003/InkML">
+  <inkml:definitions>
+    <inkml:context xml:id="ctx0">
+      <inkml:inkSource xml:id="inkSrc0">
+        <inkml:traceFormat>
+          <inkml:channel name="X" type="integer" min="-2.14748E9" max="2.14748E9" units="cm"/>
+          <inkml:channel name="Y" type="integer" min="-2.14748E9" max="2.14748E9" units="cm"/>
+          <inkml:channel name="F" type="integer" max="32767" units="dev"/>
+          <inkml:channel name="OA" type="integer" max="360" units="deg"/>
+          <inkml:channel name="OE" type="integer" max="90" units="deg"/>
+        </inkml:traceFormat>
+        <inkml:channelProperties>
+          <inkml:channelProperty channel="X" name="resolution" value="1000" units="1/cm"/>
+          <inkml:channelProperty channel="Y" name="resolution" value="1000" units="1/cm"/>
+          <inkml:channelProperty channel="F" name="resolution" value="0" units="1/dev"/>
+          <inkml:channelProperty channel="OA" name="resolution" value="1000" units="1/deg"/>
+          <inkml:channelProperty channel="OE" name="resolution" value="1000" units="1/deg"/>
+        </inkml:channelProperties>
+      </inkml:inkSource>
+      <inkml:timestamp xml:id="ts0" timeString="2021-05-12T19:33:38.049"/>
+    </inkml:context>
+    <inkml:brush xml:id="br0">
+      <inkml:brushProperty name="width" value="0.05" units="cm"/>
+      <inkml:brushProperty name="height" value="0.05" units="cm"/>
+      <inkml:brushProperty name="color" value="#FF0066"/>
+    </inkml:brush>
+  </inkml:definitions>
+  <inkml:trace contextRef="#ctx0" brushRef="#br0">1 780 10224 0 0,'0'0'2033'0'0,"12"-9"-1290"0"0,-9 6-493 0 0,0 0 1 0 0,0-1-1 0 0,0 1 1 0 0,0-1-1 0 0,-1 0 1 0 0,0 0-1 0 0,0 0 1 0 0,0 0-1 0 0,2-5 1 0 0,11-43 1826 0 0,-7 18-1149 0 0,3-1-318 0 0,1-7 186 0 0,22-49 1 0 0,47-124 828 0 0,-39 92-676 0 0,-9 43-149 0 0,-16 48-394 0 0,-16 30-383 0 0,0 0 0 0 0,0 0 0 0 0,0 0 0 0 0,0 1 0 0 0,1-1 0 0 0,-1 0 0 0 0,1 1 1 0 0,-1-1-1 0 0,1 1 0 0 0,0 0 0 0 0,0 0 0 0 0,-1 0 0 0 0,1-1 0 0 0,4 0 0 0 0,-5 2-17 0 0,0 0-1 0 0,1 0 1 0 0,-1 0-1 0 0,0 0 1 0 0,0 0 0 0 0,0 1-1 0 0,1-1 1 0 0,-1 0-1 0 0,0 1 1 0 0,0-1-1 0 0,0 1 1 0 0,0-1-1 0 0,0 1 1 0 0,0 0-1 0 0,0-1 1 0 0,0 1 0 0 0,0 0-1 0 0,0 0 1 0 0,0 0-1 0 0,0-1 1 0 0,-1 1-1 0 0,1 0 1 0 0,1 2-1 0 0,1 1-2 0 0,-1 0-1 0 0,1 1 0 0 0,-1-1 0 0 0,3 7 0 0 0,10 28-1 0 0,12 31-55 0 0,-3 0 17 0 0,21 74 166 0 0,-36-108-62 0 0,-1 0 0 0 0,3 39 0 0 0,-7-35-67 0 0,-1-17 6 0 0,0 41-1 0 0,-3-35 19 0 0,0-17-322 0 0,-1 0 1 0 0,0 1-1 0 0,-4 22 0 0 0,1-26-1535 0 0,-3-3-3564 0 0,-6-3-1856 0 0</inkml:trace>
+</inkml:ink>
+</file>
+
+<file path=ppt/ink/ink31.xml><?xml version="1.0" encoding="utf-8"?>
+<inkml:ink xmlns:inkml="http://www.w3.org/2003/InkML">
+  <inkml:definitions>
+    <inkml:context xml:id="ctx0">
+      <inkml:inkSource xml:id="inkSrc0">
+        <inkml:traceFormat>
+          <inkml:channel name="X" type="integer" min="-2.14748E9" max="2.14748E9" units="cm"/>
+          <inkml:channel name="Y" type="integer" min="-2.14748E9" max="2.14748E9" units="cm"/>
+          <inkml:channel name="F" type="integer" max="32767" units="dev"/>
+          <inkml:channel name="OA" type="integer" max="360" units="deg"/>
+          <inkml:channel name="OE" type="integer" max="90" units="deg"/>
+        </inkml:traceFormat>
+        <inkml:channelProperties>
+          <inkml:channelProperty channel="X" name="resolution" value="1000" units="1/cm"/>
+          <inkml:channelProperty channel="Y" name="resolution" value="1000" units="1/cm"/>
+          <inkml:channelProperty channel="F" name="resolution" value="0" units="1/dev"/>
+          <inkml:channelProperty channel="OA" name="resolution" value="1000" units="1/deg"/>
+          <inkml:channelProperty channel="OE" name="resolution" value="1000" units="1/deg"/>
+        </inkml:channelProperties>
+      </inkml:inkSource>
+      <inkml:timestamp xml:id="ts0" timeString="2021-05-12T19:33:38.410"/>
+    </inkml:context>
+    <inkml:brush xml:id="br0">
+      <inkml:brushProperty name="width" value="0.05" units="cm"/>
+      <inkml:brushProperty name="height" value="0.05" units="cm"/>
+      <inkml:brushProperty name="color" value="#FF0066"/>
+    </inkml:brush>
+  </inkml:definitions>
+  <inkml:trace contextRef="#ctx0" brushRef="#br0">3 113 5064 0 0,'-3'-10'8748'0'0,"11"6"-6077"0"0,32-16 3503 0 0,55-22-4057 0 0,-74 35-2009 0 0,0 0-1 0 0,1 1 1 0 0,40-4 0 0 0,-33 6-2020 0 0,37 1 1 0 0,-51 3 136 0 0</inkml:trace>
+</inkml:ink>
+</file>
+
+<file path=ppt/ink/ink32.xml><?xml version="1.0" encoding="utf-8"?>
+<inkml:ink xmlns:inkml="http://www.w3.org/2003/InkML">
+  <inkml:definitions>
+    <inkml:context xml:id="ctx0">
+      <inkml:inkSource xml:id="inkSrc0">
+        <inkml:traceFormat>
+          <inkml:channel name="X" type="integer" min="-2.14748E9" max="2.14748E9" units="cm"/>
+          <inkml:channel name="Y" type="integer" min="-2.14748E9" max="2.14748E9" units="cm"/>
+          <inkml:channel name="F" type="integer" max="32767" units="dev"/>
+          <inkml:channel name="OA" type="integer" max="360" units="deg"/>
+          <inkml:channel name="OE" type="integer" max="90" units="deg"/>
+        </inkml:traceFormat>
+        <inkml:channelProperties>
+          <inkml:channelProperty channel="X" name="resolution" value="1000" units="1/cm"/>
+          <inkml:channelProperty channel="Y" name="resolution" value="1000" units="1/cm"/>
+          <inkml:channelProperty channel="F" name="resolution" value="0" units="1/dev"/>
+          <inkml:channelProperty channel="OA" name="resolution" value="1000" units="1/deg"/>
+          <inkml:channelProperty channel="OE" name="resolution" value="1000" units="1/deg"/>
+        </inkml:channelProperties>
+      </inkml:inkSource>
+      <inkml:timestamp xml:id="ts0" timeString="2021-05-12T19:33:38.816"/>
+    </inkml:context>
+    <inkml:brush xml:id="br0">
+      <inkml:brushProperty name="width" value="0.05" units="cm"/>
+      <inkml:brushProperty name="height" value="0.05" units="cm"/>
+      <inkml:brushProperty name="color" value="#FF0066"/>
+    </inkml:brush>
+  </inkml:definitions>
+  <inkml:trace contextRef="#ctx0" brushRef="#br0">0 429 13504 0 0,'0'0'2740'0'0,"4"-9"-898"0"0,6-13-713 0 0,-8 19-956 0 0,-1-1 1 0 0,1 1-1 0 0,-1-1 0 0 0,1 1 1 0 0,0-6-1 0 0,-1 6-80 0 0,0 1 0 0 0,0-1-1 0 0,0 1 1 0 0,0-1-1 0 0,0 1 1 0 0,2-3-1 0 0,5-10 292 0 0,3-14 315 0 0,13-39 352 0 0,-20 50-773 0 0,2-2 227 0 0,0 0 0 0 0,14-31 0 0 0,-12 131-416 0 0,-7-66-89 0 0,-1 1 0 0 0,4 15 0 0 0,-3-24 0 0 0,1 0 0 0 0,-1-1 0 0 0,1 1 0 0 0,0 0 0 0 0,0-1 0 0 0,1 1 0 0 0,5 9 0 0 0,-7-14 16 0 0,0 0-1 0 0,0 0 0 0 0,0 1 1 0 0,0-1-1 0 0,0 0 0 0 0,0 0 1 0 0,0 0-1 0 0,0 0 0 0 0,0 0 1 0 0,0 0-1 0 0,1 0 1 0 0,-1 0-1 0 0,0-1 0 0 0,1 1 1 0 0,-1 0-1 0 0,0-1 0 0 0,1 1 1 0 0,-1-1-1 0 0,1 0 0 0 0,-1 1 1 0 0,1-1-1 0 0,-1 0 1 0 0,1 0-1 0 0,-1 0 0 0 0,1 0 1 0 0,0 0-1 0 0,-1 0 0 0 0,1 0 1 0 0,-1-1-1 0 0,0 1 0 0 0,1-1 1 0 0,-1 1-1 0 0,1-1 1 0 0,-1 1-1 0 0,3-2 0 0 0,2-2 76 0 0,-1 0 0 0 0,0-1-1 0 0,0 1 1 0 0,0-1 0 0 0,0 0-1 0 0,7-11 1 0 0,15-22-212 0 0,21-43 0 0 0,0 0-3119 0 0,-24 43-1218 0 0,-11 21-2373 0 0</inkml:trace>
+  <inkml:trace contextRef="#ctx0" brushRef="#br0" timeOffset="1">495 0 16384 0 0,'-3'7'801'0'0,"-5"13"-42"0"0,-2 5-58 0 0,-26 45 0 0 0,26-53-57 0 0,1 0 0 0 0,-6 19 0 0 0,13-27-1212 0 0,10-12-5290 0 0,4-6-530 0 0</inkml:trace>
+</inkml:ink>
+</file>
+
+<file path=ppt/ink/ink33.xml><?xml version="1.0" encoding="utf-8"?>
+<inkml:ink xmlns:inkml="http://www.w3.org/2003/InkML">
+  <inkml:definitions>
+    <inkml:context xml:id="ctx0">
+      <inkml:inkSource xml:id="inkSrc0">
+        <inkml:traceFormat>
+          <inkml:channel name="X" type="integer" min="-2.14748E9" max="2.14748E9" units="cm"/>
+          <inkml:channel name="Y" type="integer" min="-2.14748E9" max="2.14748E9" units="cm"/>
+          <inkml:channel name="F" type="integer" max="32767" units="dev"/>
+          <inkml:channel name="OA" type="integer" max="360" units="deg"/>
+          <inkml:channel name="OE" type="integer" max="90" units="deg"/>
+        </inkml:traceFormat>
+        <inkml:channelProperties>
+          <inkml:channelProperty channel="X" name="resolution" value="1000" units="1/cm"/>
+          <inkml:channelProperty channel="Y" name="resolution" value="1000" units="1/cm"/>
+          <inkml:channelProperty channel="F" name="resolution" value="0" units="1/dev"/>
+          <inkml:channelProperty channel="OA" name="resolution" value="1000" units="1/deg"/>
+          <inkml:channelProperty channel="OE" name="resolution" value="1000" units="1/deg"/>
+        </inkml:channelProperties>
+      </inkml:inkSource>
+      <inkml:timestamp xml:id="ts0" timeString="2021-05-12T19:33:39.189"/>
+    </inkml:context>
+    <inkml:brush xml:id="br0">
+      <inkml:brushProperty name="width" value="0.05" units="cm"/>
+      <inkml:brushProperty name="height" value="0.05" units="cm"/>
+      <inkml:brushProperty name="color" value="#FF0066"/>
+    </inkml:brush>
+  </inkml:definitions>
+  <inkml:trace contextRef="#ctx0" brushRef="#br0">10 30 16040 0 0,'8'-15'1567'0'0,"-8"7"-1399"0"0,2 1 592 0 0,-4 14-352 0 0,2 4 0 0 0,-4-2-408 0 0,4 6 0 0 0,-4 5 0 0 0,1 1-72 0 0,0 3-984 0 0,3-1-200 0 0,-4 3-39 0 0</inkml:trace>
+</inkml:ink>
+</file>
+
+<file path=ppt/ink/ink34.xml><?xml version="1.0" encoding="utf-8"?>
+<inkml:ink xmlns:inkml="http://www.w3.org/2003/InkML">
+  <inkml:definitions>
+    <inkml:context xml:id="ctx0">
+      <inkml:inkSource xml:id="inkSrc0">
+        <inkml:traceFormat>
+          <inkml:channel name="X" type="integer" min="-2.14748E9" max="2.14748E9" units="cm"/>
+          <inkml:channel name="Y" type="integer" min="-2.14748E9" max="2.14748E9" units="cm"/>
+          <inkml:channel name="F" type="integer" max="32767" units="dev"/>
+          <inkml:channel name="OA" type="integer" max="360" units="deg"/>
+          <inkml:channel name="OE" type="integer" max="90" units="deg"/>
+        </inkml:traceFormat>
+        <inkml:channelProperties>
+          <inkml:channelProperty channel="X" name="resolution" value="1000" units="1/cm"/>
+          <inkml:channelProperty channel="Y" name="resolution" value="1000" units="1/cm"/>
+          <inkml:channelProperty channel="F" name="resolution" value="0" units="1/dev"/>
+          <inkml:channelProperty channel="OA" name="resolution" value="1000" units="1/deg"/>
+          <inkml:channelProperty channel="OE" name="resolution" value="1000" units="1/deg"/>
+        </inkml:channelProperties>
+      </inkml:inkSource>
+      <inkml:timestamp xml:id="ts0" timeString="2021-05-12T19:33:39.568"/>
+    </inkml:context>
+    <inkml:brush xml:id="br0">
+      <inkml:brushProperty name="width" value="0.05" units="cm"/>
+      <inkml:brushProperty name="height" value="0.05" units="cm"/>
+      <inkml:brushProperty name="color" value="#FF0066"/>
+    </inkml:brush>
+  </inkml:definitions>
+  <inkml:trace contextRef="#ctx0" brushRef="#br0">8 305 12032 0 0,'0'0'69'0'0,"0"0"1"0"0,0 0 0 0 0,-1 0 0 0 0,1 0 0 0 0,0 0 0 0 0,-1 0-1 0 0,1 0 1 0 0,0 0 0 0 0,0 0 0 0 0,-1 0 0 0 0,1 0 0 0 0,0-1-1 0 0,0 1 1 0 0,-1 0 0 0 0,1 0 0 0 0,0 0 0 0 0,-1 0 0 0 0,1 0-1 0 0,0 0 1 0 0,0-1 0 0 0,0 1 0 0 0,-1 0 0 0 0,1 0 0 0 0,0 0-1 0 0,0-1 1 0 0,0 1 0 0 0,-1 0 0 0 0,1 0 0 0 0,0-1 0 0 0,0 1-1 0 0,0 0 1 0 0,0 0 0 0 0,0-1 0 0 0,1-12 3346 0 0,0 10-3347 0 0,4-20 1600 0 0,-2 13-1019 0 0,-1 0-1 0 0,1-12 1 0 0,-1 4-174 0 0,1 1 0 0 0,1-1 1 0 0,0 1-1 0 0,2 0 0 0 0,-1 1 1 0 0,2-1-1 0 0,15-26 0 0 0,15-7-228 0 0,-36 50-248 0 0,-1-1 0 0 0,0 1 0 0 0,1-1 0 0 0,-1 1 0 0 0,0 0 0 0 0,1-1 0 0 0,-1 1 0 0 0,1 0 0 0 0,-1-1 0 0 0,1 1 0 0 0,-1 0 0 0 0,1-1 0 0 0,-1 1 0 0 0,1 0 0 0 0,-1 0 0 0 0,1 0 0 0 0,-1 0 0 0 0,1-1 0 0 0,0 1 0 0 0,-1 0 0 0 0,1 0 0 0 0,-1 0 0 0 0,1 0 0 0 0,0 0 0 0 0,10 2 0 0 0,-9 2 0 0 0,-2-3 0 0 0,3 5 52 0 0,-1 0 1 0 0,1 1-1 0 0,-1-1 0 0 0,0 0 0 0 0,-1 1 0 0 0,0 0 0 0 0,1 11 1 0 0,1 3 252 0 0,-2-10-425 0 0,2 8-246 0 0,-3-18 379 0 0,1-1 0 0 0,-1 1 0 0 0,0-1 0 0 0,0 1 0 0 0,0-1 0 0 0,1 0-1 0 0,-1 1 1 0 0,0-1 0 0 0,0 1 0 0 0,1-1 0 0 0,-1 1 0 0 0,0-1 0 0 0,1 0 0 0 0,-1 1 0 0 0,1-1 0 0 0,-1 0-1 0 0,0 1 1 0 0,1-1 0 0 0,-1 0 0 0 0,1 0 0 0 0,-1 0 0 0 0,1 1 0 0 0,-1-1 0 0 0,1 0 0 0 0,-1 0 0 0 0,1 0 0 0 0,-1 0-1 0 0,1 0 1 0 0,0 0 0 0 0,0 0 14 0 0,0 0 1 0 0,0-1-1 0 0,0 0 0 0 0,0 1 0 0 0,0-1 1 0 0,0 1-1 0 0,0-1 0 0 0,0 0 0 0 0,0 0 1 0 0,0 0-1 0 0,0 0 0 0 0,1-1 4 0 0,5-4-28 0 0,-3 3 66 0 0,0 0 0 0 0,-1-1 0 0 0,1 1 0 0 0,-1-1 0 0 0,1 0 0 0 0,-1 0 0 0 0,5-9 1 0 0,-5 8-41 0 0,0 0 1 0 0,0 1 0 0 0,1-1 0 0 0,-1 1 0 0 0,1 0 0 0 0,0 0 0 0 0,0 0 0 0 0,1 1 0 0 0,-1-1 0 0 0,1 1 0 0 0,0 0-1 0 0,0 0 1 0 0,0 1 0 0 0,0 0 0 0 0,9-4 0 0 0,-12 6-5 0 0,-1 0 0 0 0,1 0 0 0 0,-1 0 0 0 0,1 0 0 0 0,0 0 0 0 0,-1 0 0 0 0,1 0 0 0 0,-1 0 0 0 0,1 0 0 0 0,-1 1 0 0 0,1-1 1 0 0,-1 1-1 0 0,1-1 0 0 0,-1 1 0 0 0,1 0 0 0 0,-1-1 0 0 0,0 1 0 0 0,1 0 0 0 0,-1 0 0 0 0,0 0 0 0 0,0 0 0 0 0,0 0 0 0 0,0 0 0 0 0,0 0 0 0 0,0 0 0 0 0,0 1 0 0 0,0-1 0 0 0,0 0 0 0 0,0 1 0 0 0,-1-1 0 0 0,1 0 0 0 0,0 3 0 0 0,8 9-27 0 0,-4-7 69 0 0,1 1-557 0 0,1 1-1 0 0,1-1 0 0 0,-1-1 0 0 0,10 7 1 0 0,-15-12 239 0 0,0 0 1 0 0,0 1-1 0 0,0-1 1 0 0,0 0 0 0 0,1 0-1 0 0,-1-1 1 0 0,1 1-1 0 0,-1 0 1 0 0,0-1-1 0 0,1 1 1 0 0,-1-1 0 0 0,1 0-1 0 0,-1 0 1 0 0,1 0-1 0 0,-1 0 1 0 0,1 0-1 0 0,-1 0 1 0 0,1-1 0 0 0,-1 1-1 0 0,1-1 1 0 0,3-1-1 0 0,-3 0-125 0 0,1 1 1 0 0,0-1-1 0 0,-1 1 0 0 0,1-1 0 0 0,-1 0 0 0 0,0 0 0 0 0,1-1 0 0 0,-1 1 0 0 0,0-1 0 0 0,-1 0 1 0 0,1 1-1 0 0,0-1 0 0 0,2-4 0 0 0,4-4-7 0 0,-9 11 403 0 0,0 0 0 0 0,0-1 0 0 0,0 1 0 0 0,0 0 0 0 0,0 0 0 0 0,0-1 0 0 0,0 1-1 0 0,1 0 1 0 0,-1-1 0 0 0,0 1 0 0 0,0 0 0 0 0,0-1 0 0 0,0 1 0 0 0,0 0 0 0 0,0-1 0 0 0,0 1 0 0 0,-1 0-1 0 0,1 0 1 0 0,0-1 0 0 0,0 1 0 0 0,0 0 0 0 0,0-1 0 0 0,0 1 0 0 0,0 0 0 0 0,-1 0 0 0 0,1-1 0 0 0,0 1-1 0 0,0 0 1 0 0,0 0 0 0 0,-1-1 0 0 0,1 1 0 0 0,0 0 0 0 0,0 0 0 0 0,-1 0 0 0 0,1-1 0 0 0,0 1 0 0 0,0 0 0 0 0,-1 0-1 0 0,1 0 1 0 0,0 0 0 0 0,0 0 0 0 0,-1 0 0 0 0,0-1 0 0 0,-13 0 2424 0 0,12 1-2189 0 0,0 1 0 0 0,0 1 0 0 0,0-1 0 0 0,0 0 0 0 0,0 0 0 0 0,0 1 0 0 0,0-1-1 0 0,0 1 1 0 0,0 0 0 0 0,0 0 0 0 0,1-1 0 0 0,-1 1 0 0 0,-1 3 0 0 0,-17 30 1335 0 0,15-26-1050 0 0,4-6-391 0 0,0 0 1 0 0,0 0-1 0 0,0 0 1 0 0,0-1 0 0 0,1 1-1 0 0,-1 0 1 0 0,1 0-1 0 0,0 0 1 0 0,-1 5 0 0 0,1-7-69 0 0,2-1-42 0 0,-1 0 0 0 0,0 0 0 0 0,0 1-1 0 0,0-1 1 0 0,0 0 0 0 0,0 1 0 0 0,0-1 0 0 0,0 1 0 0 0,0-1 0 0 0,0 1 0 0 0,1 0-1 0 0,-1 0-6 0 0,-1-1-1 0 0,1 1 1 0 0,0-1-1 0 0,0 1 1 0 0,-1-1-1 0 0,1 0 1 0 0,0 1-1 0 0,0-1 1 0 0,0 0-1 0 0,0 1 1 0 0,-1-1-1 0 0,1 0 1 0 0,0 0-1 0 0,0 0 1 0 0,0 0-1 0 0,0 0 1 0 0,0 0-1 0 0,0 0 1 0 0,-1 0-1 0 0,1 0 1 0 0,0-1-1 0 0,1 1 1 0 0,7-4 14 0 0,-1-1 0 0 0,0 1 0 0 0,0-1 0 0 0,0-1 0 0 0,0 1 0 0 0,-1-1 0 0 0,0-1 0 0 0,-1 0 0 0 0,1 1 0 0 0,-1-2 0 0 0,6-8 0 0 0,10-13-1790 0 0,-17 25 193 0 0,-2 1 339 0 0,-1-2-2760 0 0,0-2 2221 0 0</inkml:trace>
+</inkml:ink>
+</file>
+
+<file path=ppt/ink/ink35.xml><?xml version="1.0" encoding="utf-8"?>
+<inkml:ink xmlns:inkml="http://www.w3.org/2003/InkML">
+  <inkml:definitions>
+    <inkml:context xml:id="ctx0">
+      <inkml:inkSource xml:id="inkSrc0">
+        <inkml:traceFormat>
+          <inkml:channel name="X" type="integer" min="-2.14748E9" max="2.14748E9" units="cm"/>
+          <inkml:channel name="Y" type="integer" min="-2.14748E9" max="2.14748E9" units="cm"/>
+          <inkml:channel name="F" type="integer" max="32767" units="dev"/>
+          <inkml:channel name="OA" type="integer" max="360" units="deg"/>
+          <inkml:channel name="OE" type="integer" max="90" units="deg"/>
+        </inkml:traceFormat>
+        <inkml:channelProperties>
+          <inkml:channelProperty channel="X" name="resolution" value="1000" units="1/cm"/>
+          <inkml:channelProperty channel="Y" name="resolution" value="1000" units="1/cm"/>
+          <inkml:channelProperty channel="F" name="resolution" value="0" units="1/dev"/>
+          <inkml:channelProperty channel="OA" name="resolution" value="1000" units="1/deg"/>
+          <inkml:channelProperty channel="OE" name="resolution" value="1000" units="1/deg"/>
+        </inkml:channelProperties>
+      </inkml:inkSource>
+      <inkml:timestamp xml:id="ts0" timeString="2021-05-12T19:33:39.932"/>
+    </inkml:context>
+    <inkml:brush xml:id="br0">
+      <inkml:brushProperty name="width" value="0.05" units="cm"/>
+      <inkml:brushProperty name="height" value="0.05" units="cm"/>
+      <inkml:brushProperty name="color" value="#FF0066"/>
+    </inkml:brush>
+  </inkml:definitions>
+  <inkml:trace contextRef="#ctx0" brushRef="#br0">0 64 6912 0 0,'2'-5'-10'0'0,"18"-32"3347"0"0,-4 17 4887 0 0,-15 20-8131 0 0,-1 0 0 0 0,0 0 0 0 0,0-1 0 0 0,1 1 0 0 0,-1 0 0 0 0,0 0-1 0 0,1 0 1 0 0,-1 0 0 0 0,0 0 0 0 0,1 0 0 0 0,-1 0 0 0 0,0 0-1 0 0,1 0 1 0 0,-1 0 0 0 0,0 0 0 0 0,1 0 0 0 0,-1 0 0 0 0,0 0-1 0 0,1 0 1 0 0,-1 0 0 0 0,0 1 0 0 0,1-1 0 0 0,-1 0 0 0 0,0 0 0 0 0,1 0-1 0 0,-1 0 1 0 0,0 1 0 0 0,0-1 0 0 0,1 0 0 0 0,-1 0 0 0 0,0 0-1 0 0,0 1 1 0 0,1-1 0 0 0,-1 0 0 0 0,0 1 0 0 0,0-1 0 0 0,0 1-1 0 0,7 9 1178 0 0,-4 4-567 0 0,0 1 1 0 0,-2-1 0 0 0,1 0-1 0 0,-2 22 1 0 0,1 7-302 0 0,-3 36 246 0 0,1-26 67 0 0,5 121 404 0 0,-3-159-1729 0 0,1 0 0 0 0,0 0-1 0 0,1 0 1 0 0,1 0 0 0 0,9 23 0 0 0,18 29-7855 0 0</inkml:trace>
+</inkml:ink>
+</file>
+
+<file path=ppt/ink/ink36.xml><?xml version="1.0" encoding="utf-8"?>
+<inkml:ink xmlns:inkml="http://www.w3.org/2003/InkML">
+  <inkml:definitions>
+    <inkml:context xml:id="ctx0">
+      <inkml:inkSource xml:id="inkSrc0">
+        <inkml:traceFormat>
+          <inkml:channel name="X" type="integer" min="-2.14748E9" max="2.14748E9" units="cm"/>
+          <inkml:channel name="Y" type="integer" min="-2.14748E9" max="2.14748E9" units="cm"/>
+          <inkml:channel name="F" type="integer" max="32767" units="dev"/>
+          <inkml:channel name="OA" type="integer" max="360" units="deg"/>
+          <inkml:channel name="OE" type="integer" max="90" units="deg"/>
+        </inkml:traceFormat>
+        <inkml:channelProperties>
+          <inkml:channelProperty channel="X" name="resolution" value="1000" units="1/cm"/>
+          <inkml:channelProperty channel="Y" name="resolution" value="1000" units="1/cm"/>
+          <inkml:channelProperty channel="F" name="resolution" value="0" units="1/dev"/>
+          <inkml:channelProperty channel="OA" name="resolution" value="1000" units="1/deg"/>
+          <inkml:channelProperty channel="OE" name="resolution" value="1000" units="1/deg"/>
+        </inkml:channelProperties>
+      </inkml:inkSource>
+      <inkml:timestamp xml:id="ts0" timeString="2021-05-12T19:33:49.364"/>
+    </inkml:context>
+    <inkml:brush xml:id="br0">
+      <inkml:brushProperty name="width" value="0.05" units="cm"/>
+      <inkml:brushProperty name="height" value="0.05" units="cm"/>
+      <inkml:brushProperty name="color" value="#FF0066"/>
+    </inkml:brush>
+  </inkml:definitions>
+  <inkml:trace contextRef="#ctx0" brushRef="#br0">0 149 1840 0 0,'0'0'4938'0'0,"4"-6"-1771"0"0,-4 5-3096 0 0,24-9 3712 0 0,-20 8-3572 0 0,0 1 1 0 0,1 0 0 0 0,-1 0 0 0 0,1 0-1 0 0,-1 0 1 0 0,9 1 0 0 0,-7 0-83 0 0,-3-1-60 0 0,0 1-1 0 0,-1 0 0 0 0,1 0 0 0 0,0 1 0 0 0,-1-1 0 0 0,1 0 0 0 0,0 1 0 0 0,3 1 1 0 0,-4-2-57 0 0,-1 1 0 0 0,0-1 0 0 0,1 0 0 0 0,-1 1 0 0 0,0-1 0 0 0,1 0 0 0 0,-1 0 0 0 0,1 0 0 0 0,-1 0 0 0 0,0 0 1 0 0,3-1-1 0 0,5 1-13 0 0,7 2 13 0 0,-10 0 51 0 0,-1-2 0 0 0,1 1 1 0 0,-1-1-1 0 0,0 1 0 0 0,9-2 1 0 0,2 0 190 0 0,28 1 1 0 0,12-1 75 0 0,20-3 366 0 0,-14 1-482 0 0,11-3-100 0 0,-1 3-1 0 0,107 9 1 0 0,-118-2-69 0 0,0-3 1 0 0,78-9-1 0 0,-51 2 24 0 0,240-9 123 0 0,47 15 72 0 0,-190 3-34 0 0,46 3-108 0 0,-32 5-266 0 0,-36-11 144 0 0,-61-2 0 0 0,-45 2 0 0 0,198-2 0 0 0,-3-2 0 0 0,47-1 0 0 0,100 3 129 0 0,-211 3 94 0 0,474-6-144 0 0,-438-2-136 0 0,-1-1 331 0 0,61-6 211 0 0,-3-1-138 0 0,-73 5-96 0 0,-57 1 68 0 0,-89 7 12 0 0,145-10-321 0 0,-183 7-1102 0 0,-1-2-3802 0 0,0-2-1942 0 0</inkml:trace>
+</inkml:ink>
+</file>
+
+<file path=ppt/ink/ink37.xml><?xml version="1.0" encoding="utf-8"?>
+<inkml:ink xmlns:inkml="http://www.w3.org/2003/InkML">
+  <inkml:definitions>
+    <inkml:context xml:id="ctx0">
+      <inkml:inkSource xml:id="inkSrc0">
+        <inkml:traceFormat>
+          <inkml:channel name="X" type="integer" min="-2.14748E9" max="2.14748E9" units="cm"/>
+          <inkml:channel name="Y" type="integer" min="-2.14748E9" max="2.14748E9" units="cm"/>
+          <inkml:channel name="F" type="integer" max="32767" units="dev"/>
+          <inkml:channel name="OA" type="integer" max="360" units="deg"/>
+          <inkml:channel name="OE" type="integer" max="90" units="deg"/>
+        </inkml:traceFormat>
+        <inkml:channelProperties>
+          <inkml:channelProperty channel="X" name="resolution" value="1000" units="1/cm"/>
+          <inkml:channelProperty channel="Y" name="resolution" value="1000" units="1/cm"/>
+          <inkml:channelProperty channel="F" name="resolution" value="0" units="1/dev"/>
+          <inkml:channelProperty channel="OA" name="resolution" value="1000" units="1/deg"/>
+          <inkml:channelProperty channel="OE" name="resolution" value="1000" units="1/deg"/>
+        </inkml:channelProperties>
+      </inkml:inkSource>
+      <inkml:timestamp xml:id="ts0" timeString="2021-05-12T19:33:54.927"/>
+    </inkml:context>
+    <inkml:brush xml:id="br0">
+      <inkml:brushProperty name="width" value="0.05" units="cm"/>
+      <inkml:brushProperty name="height" value="0.05" units="cm"/>
+      <inkml:brushProperty name="color" value="#FF0066"/>
+    </inkml:brush>
+  </inkml:definitions>
+  <inkml:trace contextRef="#ctx0" brushRef="#br0">47 189 1840 0 0,'0'1'83'0'0,"-1"0"-63"0"0,1 0 0 0 0,-1 0 0 0 0,1-1 0 0 0,-1 1 0 0 0,1 0 0 0 0,-1 0 0 0 0,0-1 0 0 0,1 1 0 0 0,-1 0 0 0 0,0-1 0 0 0,0 1-1 0 0,-1 0 1 0 0,1-1 343 0 0,0 0 0 0 0,0 0 0 0 0,0 0 0 0 0,0 0 0 0 0,0 0 0 0 0,0 0 0 0 0,0 0 0 0 0,0 0 0 0 0,0 0 0 0 0,1-1 0 0 0,-1 1 0 0 0,0 0 0 0 0,0 0-1 0 0,0-1 1 0 0,0 1 0 0 0,0-1 0 0 0,1 1 0 0 0,-1-1 0 0 0,0 1 0 0 0,0-1 0 0 0,-1-1 0 0 0,-2-1-581 0 0,2-1 838 0 0,2 3-607 0 0,0 1 1 0 0,0 0-1 0 0,0 0 0 0 0,0 0 0 0 0,0 0 1 0 0,0-1-1 0 0,0 1 0 0 0,0 0 1 0 0,0 0-1 0 0,0 0 0 0 0,0-1 0 0 0,0 1 1 0 0,0 0-1 0 0,0 0 0 0 0,-1 0 1 0 0,1 0-1 0 0,0-1 0 0 0,0 1 0 0 0,0 0 1 0 0,0 0-1 0 0,0 0 0 0 0,0 0 1 0 0,-1-1-1 0 0,1 1 0 0 0,0 0 1 0 0,0 0-1 0 0,0 0 0 0 0,0 0 0 0 0,-1 0 1 0 0,0-1-123 0 0,1 1 163 0 0,-1 0 1 0 0,1 0 0 0 0,0 0-1 0 0,0 0 1 0 0,-1-1-1 0 0,1 1 1 0 0,0 0 0 0 0,0 0-1 0 0,-1 0 1 0 0,1 0-1 0 0,0-1 1 0 0,0 1 0 0 0,-1 0-1 0 0,1 0 1 0 0,0 0 0 0 0,0-1-1 0 0,0 1 1 0 0,0 0-1 0 0,-1 0 1 0 0,1-1 0 0 0,0 1-1 0 0,0 0 1 0 0,0-1-1 0 0,0 1 1 0 0,0 0 0 0 0,0 0-1 0 0,0-1 1 0 0,0-1 1789 0 0,0-8 3491 0 0,0 8-5204 0 0,0 1 0 0 0,1 0 0 0 0,-1-1 0 0 0,0 1 0 0 0,1 0 0 0 0,0-1 0 0 0,-1 1 0 0 0,1 0-1 0 0,0 0 1 0 0,-1 0 0 0 0,3-2 0 0 0,2-4 138 0 0,-5 5-9 0 0,2 1-192 0 0,4-2 77 0 0,0-1 0 0 0,1 1 0 0 0,9-3 0 0 0,-8 5-114 0 0,-5 1-18 0 0,-1 0-1 0 0,1-1 1 0 0,-1 1 0 0 0,1-1 0 0 0,-1 0-1 0 0,0 0 1 0 0,1 0 0 0 0,3-2 0 0 0,10-3 63 0 0,37-9 152 0 0,-45 13-156 0 0,1 0 0 0 0,13 0 0 0 0,11-4 146 0 0,-19 4-100 0 0,1 0-1 0 0,-1 1 0 0 0,1 0 1 0 0,22 3-1 0 0,-1-1-2 0 0,-28-1-78 0 0,1 0 0 0 0,-1 0 1 0 0,0 1-1 0 0,1 1 0 0 0,8 1 1 0 0,29 6 133 0 0,-9-3 52 0 0,10 3-111 0 0,58 5 0 0 0,-41-11-71 0 0,46 7 54 0 0,-78-7-69 0 0,1-1 0 0 0,32-2 1 0 0,-26 0 12 0 0,143-6-29 0 0,-43 12-5 0 0,62-2 65 0 0,64-10 47 0 0,-55 15-53 0 0,-11-13-64 0 0,-77 10-31 0 0,4 0-2 0 0,289-8 33 0 0,-201-9 7 0 0,-149 7 46 0 0,78-6 71 0 0,249-13 493 0 0,-141 5-90 0 0,-71 0-49 0 0,-134 13-392 0 0,-30 2-17 0 0,26 0 0 0 0,-38 3-61 0 0,0 0 0 0 0,0 0 1 0 0,0 0-1 0 0,0-1 1 0 0,0 1-1 0 0,0-1 0 0 0,-1 0 1 0 0,1-1-1 0 0,0 1 1 0 0,0-1-1 0 0,-1 1 1 0 0,1-1-1 0 0,-1 0 0 0 0,0 0 1 0 0,1-1-1 0 0,-1 1 1 0 0,0-1-1 0 0,3-2 1 0 0,-6 4-355 0 0,0-1 14 0 0,0 1 0 0 0,0-1 0 0 0,0 1 0 0 0,0-1 0 0 0,-1 1-1 0 0,1 0 1 0 0,-1-1 0 0 0,1 1 0 0 0,-2-3 0 0 0,2 3-73 0 0,-1 1 0 0 0,1-1 0 0 0,-1 1 0 0 0,1-1 0 0 0,-1 1 0 0 0,1-1 0 0 0,-1 1 0 0 0,0 0 0 0 0,1-1 0 0 0,-1 1 0 0 0,1-1-1 0 0,-1 1 1 0 0,0 0 0 0 0,0 0 0 0 0,1-1 0 0 0,-1 1 0 0 0,0 0 0 0 0,-1 0 0 0 0,-8-1-6525 0 0</inkml:trace>
+</inkml:ink>
+</file>
+
+<file path=ppt/ink/ink38.xml><?xml version="1.0" encoding="utf-8"?>
+<inkml:ink xmlns:inkml="http://www.w3.org/2003/InkML">
+  <inkml:definitions>
+    <inkml:context xml:id="ctx0">
+      <inkml:inkSource xml:id="inkSrc0">
+        <inkml:traceFormat>
+          <inkml:channel name="X" type="integer" min="-2.14748E9" max="2.14748E9" units="cm"/>
+          <inkml:channel name="Y" type="integer" min="-2.14748E9" max="2.14748E9" units="cm"/>
+          <inkml:channel name="F" type="integer" max="32767" units="dev"/>
+          <inkml:channel name="OA" type="integer" max="360" units="deg"/>
+          <inkml:channel name="OE" type="integer" max="90" units="deg"/>
+        </inkml:traceFormat>
+        <inkml:channelProperties>
+          <inkml:channelProperty channel="X" name="resolution" value="1000" units="1/cm"/>
+          <inkml:channelProperty channel="Y" name="resolution" value="1000" units="1/cm"/>
+          <inkml:channelProperty channel="F" name="resolution" value="0" units="1/dev"/>
+          <inkml:channelProperty channel="OA" name="resolution" value="1000" units="1/deg"/>
+          <inkml:channelProperty channel="OE" name="resolution" value="1000" units="1/deg"/>
+        </inkml:channelProperties>
+      </inkml:inkSource>
+      <inkml:timestamp xml:id="ts0" timeString="2021-05-12T19:33:56.252"/>
+    </inkml:context>
+    <inkml:brush xml:id="br0">
+      <inkml:brushProperty name="width" value="0.05" units="cm"/>
+      <inkml:brushProperty name="height" value="0.05" units="cm"/>
+      <inkml:brushProperty name="color" value="#FF0066"/>
+    </inkml:brush>
+  </inkml:definitions>
+  <inkml:trace contextRef="#ctx0" brushRef="#br0">170 0 2760 0 0,'0'0'3961'0'0,"-7"6"-950"0"0,-38 17 713 0 0,28-16-2930 0 0,16-7-751 0 0,0 0 0 0 0,-1 0 1 0 0,1 1-1 0 0,-1-1 0 0 0,1 1 0 0 0,0-1 0 0 0,-1 1 0 0 0,1 0 0 0 0,0 0 1 0 0,0-1-1 0 0,-1 1 0 0 0,1 0 0 0 0,0 0 0 0 0,0 0 0 0 0,0 0 0 0 0,-1 2 1 0 0,-10 2 536 0 0,6-4-312 0 0,-20 14 1761 0 0,25-15-1755 0 0,0 1-175 0 0,0 0-1 0 0,1 0 0 0 0,-1 0 1 0 0,0 1-1 0 0,0-1 0 0 0,0-1 1 0 0,0 1-1 0 0,0 0 0 0 0,-2 1 1 0 0,-6 5 635 0 0,9-5-629 0 0,-1-1 0 0 0,0 1 0 0 0,0-1 0 0 0,0 0 0 0 0,0 1 0 0 0,0-1 0 0 0,0 0 0 0 0,-1 0 0 0 0,-1 2 0 0 0,2-3 207 0 0,1 1-278 0 0,0 1-1 0 0,0-1 1 0 0,1 0-1 0 0,-1 0 0 0 0,0 0 1 0 0,1 0-1 0 0,-1 0 1 0 0,1 1-1 0 0,-1-1 0 0 0,1 0 1 0 0,-1 0-1 0 0,1 0 1 0 0,0 0-1 0 0,0 0 0 0 0,-1 0 1 0 0,1-1-1 0 0,0 1 1 0 0,0 0-1 0 0,0 0 1 0 0,0-1-1 0 0,0 1 0 0 0,0 0 1 0 0,2 0-1 0 0,3 2-11 0 0,0-1 0 0 0,0 1 0 0 0,8 1 1 0 0,-5-2 33 0 0,9 3-25 0 0,2-1-1 0 0,-1-2 1 0 0,29 2-1 0 0,-2-1-24 0 0,8-1 66 0 0,-38-2-47 0 0,1 1 0 0 0,-1 0-1 0 0,18 5 1 0 0,-8-1 16 0 0,34 2 0 0 0,-17-2 13 0 0,170 9 268 0 0,175-29 430 0 0,-182 1-292 0 0,-90 8-248 0 0,133-8 260 0 0,-1 11-140 0 0,-135 5-192 0 0,-63-2-42 0 0,134 3 516 0 0,-124-1-447 0 0,49 5-51 0 0,-90-3 6 0 0,-13-3-85 0 0,0 1 0 0 0,0-2-1 0 0,10 2 1 0 0,25 1 182 0 0,-39-3 157 0 0</inkml:trace>
+</inkml:ink>
+</file>
+
+<file path=ppt/ink/ink39.xml><?xml version="1.0" encoding="utf-8"?>
+<inkml:ink xmlns:inkml="http://www.w3.org/2003/InkML">
+  <inkml:definitions>
+    <inkml:context xml:id="ctx0">
+      <inkml:inkSource xml:id="inkSrc0">
+        <inkml:traceFormat>
+          <inkml:channel name="X" type="integer" min="-2.14748E9" max="2.14748E9" units="cm"/>
+          <inkml:channel name="Y" type="integer" min="-2.14748E9" max="2.14748E9" units="cm"/>
+          <inkml:channel name="F" type="integer" max="32767" units="dev"/>
+          <inkml:channel name="OA" type="integer" max="360" units="deg"/>
+          <inkml:channel name="OE" type="integer" max="90" units="deg"/>
+        </inkml:traceFormat>
+        <inkml:channelProperties>
+          <inkml:channelProperty channel="X" name="resolution" value="1000" units="1/cm"/>
+          <inkml:channelProperty channel="Y" name="resolution" value="1000" units="1/cm"/>
+          <inkml:channelProperty channel="F" name="resolution" value="0" units="1/dev"/>
+          <inkml:channelProperty channel="OA" name="resolution" value="1000" units="1/deg"/>
+          <inkml:channelProperty channel="OE" name="resolution" value="1000" units="1/deg"/>
+        </inkml:channelProperties>
+      </inkml:inkSource>
+      <inkml:timestamp xml:id="ts0" timeString="2021-05-12T19:34:09.247"/>
+    </inkml:context>
+    <inkml:brush xml:id="br0">
+      <inkml:brushProperty name="width" value="0.05" units="cm"/>
+      <inkml:brushProperty name="height" value="0.05" units="cm"/>
+      <inkml:brushProperty name="color" value="#FF0066"/>
+    </inkml:brush>
+  </inkml:definitions>
+  <inkml:trace contextRef="#ctx0" brushRef="#br0">636 166 10136 0 0,'0'0'769'0'0,"1"-8"-472"0"0,0-7 270 0 0,-1 14 50 0 0,0-46 4290 0 0,0 46-4776 0 0,0 0 0 0 0,0-1 0 0 0,0 1 0 0 0,0 0 0 0 0,-1-1 0 0 0,1 1 0 0 0,-1 0 0 0 0,1-1 0 0 0,-1 1 0 0 0,1 0 0 0 0,-1 0 0 0 0,1 0 0 0 0,-1-1 0 0 0,0 1 0 0 0,0 0 0 0 0,0 0 0 0 0,0 0 1 0 0,0 0-1 0 0,0 0 0 0 0,0 1 0 0 0,0-1 0 0 0,0 0 0 0 0,0 0 0 0 0,-2 0 0 0 0,-2-1 104 0 0,0 0 0 0 0,0 0-1 0 0,0 0 1 0 0,-9-1 0 0 0,6 1 85 0 0,-13-2 31 0 0,-1 0 0 0 0,1 2 0 0 0,-28 0 0 0 0,26 1-261 0 0,-103 5 320 0 0,109-2-132 0 0,0 1 1 0 0,0 0 0 0 0,0 1 0 0 0,1 1-1 0 0,-22 9 1 0 0,27-8-210 0 0,0 0-1 0 0,0 1 0 0 0,1 0 1 0 0,0 1-1 0 0,0 0 0 0 0,1 1 1 0 0,0 0-1 0 0,1 1 0 0 0,-1 0 1 0 0,-6 12-1 0 0,8-11-68 0 0,1 1 0 0 0,0 0 0 0 0,1 1 0 0 0,0-1 0 0 0,-4 19 0 0 0,4-14 0 0 0,-7 25 0 0 0,-8 64 0 0 0,17-85 11 0 0,2 0 0 0 0,0 1-1 0 0,1-1 1 0 0,4 24 0 0 0,15 40 90 0 0,-16-73-56 0 0,0-1-1 0 0,1 0 1 0 0,0 0 0 0 0,11 18 0 0 0,28 39 152 0 0,-36-59-132 0 0,1-1-1 0 0,0 0 1 0 0,0-1 0 0 0,0 0-1 0 0,17 10 1 0 0,-17-11-20 0 0,7 2 45 0 0,0 0-1 0 0,1 0 0 0 0,0-1 0 0 0,18 4 1 0 0,-7-1 6 0 0,-11-5-139 0 0,-1 0 0 0 0,1 0 0 0 0,1-2 0 0 0,-1 0 0 0 0,0-1 0 0 0,19 1-1 0 0,-26-4 187 0 0,1 1 0 0 0,-1-1 0 0 0,0 0 0 0 0,0-1-1 0 0,0 0 1 0 0,0 0 0 0 0,0-1 0 0 0,0 0 0 0 0,-1-1-1 0 0,0 0 1 0 0,1 0 0 0 0,9-7 0 0 0,-9 4-44 0 0,0-1-1 0 0,-1 0 1 0 0,1 0 0 0 0,-1-1 0 0 0,-1 1 0 0 0,8-13 0 0 0,32-61 1381 0 0,-19 32-1628 0 0,-19 31 186 0 0,0-1 0 0 0,-2-1 0 0 0,0 1 1 0 0,7-37-1 0 0,3-9-32 0 0,-12 45-6 0 0,0-1 0 0 0,-1 1 0 0 0,1-23 0 0 0,-2-66 0 0 0,-5 98 0 0 0,1 1 0 0 0,-1-1 0 0 0,-1 1 0 0 0,0 0 0 0 0,-8-18 0 0 0,5 16 101 0 0,-1-1-1 0 0,-1 2 1 0 0,0-1-1 0 0,0 1 1 0 0,-2 0-1 0 0,-18-18 1 0 0,21 23-190 0 0,0 1 0 0 0,0 0 0 0 0,0 0-1 0 0,-1 1 1 0 0,0 0 0 0 0,-14-7 0 0 0,-32-16 1046 0 0,51 27-957 0 0,1 1 0 0 0,-1-1 0 0 0,0 1 0 0 0,1-1 0 0 0,-1 1 0 0 0,0 0 0 0 0,1 0 0 0 0,-1 0 0 0 0,0 0 0 0 0,1 1 0 0 0,-1-1-1 0 0,-3 2 1 0 0,-13 0-432 0 0,15 1-1899 0 0</inkml:trace>
+</inkml:ink>
+</file>
+
+<file path=ppt/ink/ink4.xml><?xml version="1.0" encoding="utf-8"?>
+<inkml:ink xmlns:inkml="http://www.w3.org/2003/InkML">
+  <inkml:definitions>
+    <inkml:context xml:id="ctx0">
+      <inkml:inkSource xml:id="inkSrc0">
+        <inkml:traceFormat>
+          <inkml:channel name="X" type="integer" min="-2.14748E9" max="2.14748E9" units="cm"/>
+          <inkml:channel name="Y" type="integer" min="-2.14748E9" max="2.14748E9" units="cm"/>
+          <inkml:channel name="F" type="integer" max="32767" units="dev"/>
+          <inkml:channel name="OA" type="integer" max="360" units="deg"/>
+          <inkml:channel name="OE" type="integer" max="90" units="deg"/>
+        </inkml:traceFormat>
+        <inkml:channelProperties>
+          <inkml:channelProperty channel="X" name="resolution" value="1000" units="1/cm"/>
+          <inkml:channelProperty channel="Y" name="resolution" value="1000" units="1/cm"/>
+          <inkml:channelProperty channel="F" name="resolution" value="0" units="1/dev"/>
+          <inkml:channelProperty channel="OA" name="resolution" value="1000" units="1/deg"/>
+          <inkml:channelProperty channel="OE" name="resolution" value="1000" units="1/deg"/>
+        </inkml:channelProperties>
+      </inkml:inkSource>
+      <inkml:timestamp xml:id="ts0" timeString="2021-05-12T19:00:38.749"/>
+    </inkml:context>
+    <inkml:brush xml:id="br0">
+      <inkml:brushProperty name="width" value="0.05" units="cm"/>
+      <inkml:brushProperty name="height" value="0.05" units="cm"/>
+      <inkml:brushProperty name="color" value="#FF0066"/>
+    </inkml:brush>
+  </inkml:definitions>
+  <inkml:trace contextRef="#ctx0" brushRef="#br0">1 203 11744 0 0,'0'-2'91'0'0,"0"-1"1"0"0,0 1 0 0 0,0-1 0 0 0,0 1-1 0 0,0-1 1 0 0,0 0 0 0 0,0 1 0 0 0,1-1 0 0 0,-1 1-1 0 0,1 0 1 0 0,0-1 0 0 0,0 1 0 0 0,0-1-1 0 0,0 1 1 0 0,0 0 0 0 0,0 0 0 0 0,1 0-1 0 0,1-2 1 0 0,3-4 113 0 0,1 1-1 0 0,0 0 1 0 0,11-9 0 0 0,-2 3 89 0 0,0 0 337 0 0,31-18 0 0 0,1-2-159 0 0,-18 15-594 0 0,-17 12-4185 0 0,-5 2-806 0 0</inkml:trace>
+</inkml:ink>
+</file>
+
+<file path=ppt/ink/ink40.xml><?xml version="1.0" encoding="utf-8"?>
+<inkml:ink xmlns:inkml="http://www.w3.org/2003/InkML">
+  <inkml:definitions>
+    <inkml:context xml:id="ctx0">
+      <inkml:inkSource xml:id="inkSrc0">
+        <inkml:traceFormat>
+          <inkml:channel name="X" type="integer" min="-2.14748E9" max="2.14748E9" units="cm"/>
+          <inkml:channel name="Y" type="integer" min="-2.14748E9" max="2.14748E9" units="cm"/>
+          <inkml:channel name="F" type="integer" max="32767" units="dev"/>
+          <inkml:channel name="OA" type="integer" max="360" units="deg"/>
+          <inkml:channel name="OE" type="integer" max="90" units="deg"/>
+        </inkml:traceFormat>
+        <inkml:channelProperties>
+          <inkml:channelProperty channel="X" name="resolution" value="1000" units="1/cm"/>
+          <inkml:channelProperty channel="Y" name="resolution" value="1000" units="1/cm"/>
+          <inkml:channelProperty channel="F" name="resolution" value="0" units="1/dev"/>
+          <inkml:channelProperty channel="OA" name="resolution" value="1000" units="1/deg"/>
+          <inkml:channelProperty channel="OE" name="resolution" value="1000" units="1/deg"/>
+        </inkml:channelProperties>
+      </inkml:inkSource>
+      <inkml:timestamp xml:id="ts0" timeString="2021-05-12T19:34:17.164"/>
+    </inkml:context>
+    <inkml:brush xml:id="br0">
+      <inkml:brushProperty name="width" value="0.05" units="cm"/>
+      <inkml:brushProperty name="height" value="0.05" units="cm"/>
+      <inkml:brushProperty name="color" value="#FF0066"/>
+    </inkml:brush>
+  </inkml:definitions>
+  <inkml:trace contextRef="#ctx0" brushRef="#br0">14 117 2304 0 0,'-13'-5'13756'0'0,"20"-4"-11873"0"0,5-1-530 0 0,0 0-1 0 0,16-9 1 0 0,-10 8-792 0 0,1 1 0 0 0,0 1 1 0 0,1 1-1 0 0,0 0 0 0 0,25-5 1 0 0,-39 12-534 0 0,0-1 0 0 0,1 2 1 0 0,-1-1-1 0 0,0 1 0 0 0,0-1 1 0 0,0 2-1 0 0,0-1 0 0 0,1 1 1 0 0,8 2-1 0 0,-13-3-10 0 0,0 1 0 0 0,0 0 0 0 0,0-1 0 0 0,0 1 0 0 0,0 0 0 0 0,-1 0 0 0 0,1 0 0 0 0,0 0 0 0 0,0 0 0 0 0,-1 1 0 0 0,1-1 0 0 0,-1 0 0 0 0,1 1 0 0 0,-1-1 0 0 0,0 1 0 0 0,0 0 0 0 0,0-1 0 0 0,1 1 0 0 0,-2 0 0 0 0,1 0 0 0 0,0-1 0 0 0,0 1 0 0 0,0 0-1 0 0,-1 0 1 0 0,1 0 0 0 0,-1 0 0 0 0,0 0 0 0 0,1 0 0 0 0,-1 0 0 0 0,0 0 0 0 0,0 0 0 0 0,0 0 0 0 0,-1 2 0 0 0,-1 8 116 0 0,-1 0 1 0 0,0-1-1 0 0,-1 0 0 0 0,0 0 0 0 0,-1 0 0 0 0,0 0 1 0 0,-1-1-1 0 0,-12 19 0 0 0,9-16-964 0 0,1 0 0 0 0,0 1 0 0 0,2 0 0 0 0,-8 21 0 0 0,7-9-7699 0 0</inkml:trace>
+</inkml:ink>
+</file>
+
+<file path=ppt/ink/ink41.xml><?xml version="1.0" encoding="utf-8"?>
+<inkml:ink xmlns:inkml="http://www.w3.org/2003/InkML">
+  <inkml:definitions>
+    <inkml:context xml:id="ctx0">
+      <inkml:inkSource xml:id="inkSrc0">
+        <inkml:traceFormat>
+          <inkml:channel name="X" type="integer" min="-2.14748E9" max="2.14748E9" units="cm"/>
+          <inkml:channel name="Y" type="integer" min="-2.14748E9" max="2.14748E9" units="cm"/>
+          <inkml:channel name="F" type="integer" max="32767" units="dev"/>
+          <inkml:channel name="OA" type="integer" max="360" units="deg"/>
+          <inkml:channel name="OE" type="integer" max="90" units="deg"/>
+        </inkml:traceFormat>
+        <inkml:channelProperties>
+          <inkml:channelProperty channel="X" name="resolution" value="1000" units="1/cm"/>
+          <inkml:channelProperty channel="Y" name="resolution" value="1000" units="1/cm"/>
+          <inkml:channelProperty channel="F" name="resolution" value="0" units="1/dev"/>
+          <inkml:channelProperty channel="OA" name="resolution" value="1000" units="1/deg"/>
+          <inkml:channelProperty channel="OE" name="resolution" value="1000" units="1/deg"/>
+        </inkml:channelProperties>
+      </inkml:inkSource>
+      <inkml:timestamp xml:id="ts0" timeString="2021-05-12T19:34:17.506"/>
+    </inkml:context>
+    <inkml:brush xml:id="br0">
+      <inkml:brushProperty name="width" value="0.05" units="cm"/>
+      <inkml:brushProperty name="height" value="0.05" units="cm"/>
+      <inkml:brushProperty name="color" value="#FF0066"/>
+    </inkml:brush>
+  </inkml:definitions>
+  <inkml:trace contextRef="#ctx0" brushRef="#br0">3 81 7832 0 0,'0'0'10487'0'0,"0"-5"-6999"0"0,-2-3-2600 0 0,2-1-528 0 0,5-1-104 0 0,4-1-16 0 0,0 1-176 0 0,3 1-64 0 0,4-1 0 0 0,-2 1-9423 0 0</inkml:trace>
+</inkml:ink>
+</file>
+
+<file path=ppt/ink/ink42.xml><?xml version="1.0" encoding="utf-8"?>
+<inkml:ink xmlns:inkml="http://www.w3.org/2003/InkML">
+  <inkml:definitions>
+    <inkml:context xml:id="ctx0">
+      <inkml:inkSource xml:id="inkSrc0">
+        <inkml:traceFormat>
+          <inkml:channel name="X" type="integer" min="-2.14748E9" max="2.14748E9" units="cm"/>
+          <inkml:channel name="Y" type="integer" min="-2.14748E9" max="2.14748E9" units="cm"/>
+          <inkml:channel name="F" type="integer" max="32767" units="dev"/>
+          <inkml:channel name="OA" type="integer" max="360" units="deg"/>
+          <inkml:channel name="OE" type="integer" max="90" units="deg"/>
+        </inkml:traceFormat>
+        <inkml:channelProperties>
+          <inkml:channelProperty channel="X" name="resolution" value="1000" units="1/cm"/>
+          <inkml:channelProperty channel="Y" name="resolution" value="1000" units="1/cm"/>
+          <inkml:channelProperty channel="F" name="resolution" value="0" units="1/dev"/>
+          <inkml:channelProperty channel="OA" name="resolution" value="1000" units="1/deg"/>
+          <inkml:channelProperty channel="OE" name="resolution" value="1000" units="1/deg"/>
+        </inkml:channelProperties>
+      </inkml:inkSource>
+      <inkml:timestamp xml:id="ts0" timeString="2021-05-12T19:34:18.021"/>
+    </inkml:context>
+    <inkml:brush xml:id="br0">
+      <inkml:brushProperty name="width" value="0.05" units="cm"/>
+      <inkml:brushProperty name="height" value="0.05" units="cm"/>
+      <inkml:brushProperty name="color" value="#FF0066"/>
+    </inkml:brush>
+  </inkml:definitions>
+  <inkml:trace contextRef="#ctx0" brushRef="#br0">0 238 9008 0 0,'0'0'2314'0'0,"2"0"-1579"0"0,3-1-405 0 0,1 0 0 0 0,-1 0 0 0 0,1 0 1 0 0,-1 0-1 0 0,0-1 0 0 0,0 0 0 0 0,8-4 0 0 0,37-22 1160 0 0,-41 23-1207 0 0,8-7 175 0 0,0 0-1 0 0,-1-1 0 0 0,-1-1 1 0 0,0 0-1 0 0,-1-1 0 0 0,21-31 1 0 0,-33 44-456 0 0,-1 0 0 0 0,1-1 0 0 0,-1 1 0 0 0,0 0 1 0 0,0-1-1 0 0,0 0 0 0 0,0 1 0 0 0,-1-1 0 0 0,1 1 1 0 0,0-1-1 0 0,-1 0 0 0 0,0 1 0 0 0,0-5 0 0 0,0 5 35 0 0,0 1 0 0 0,0 0 0 0 0,0 0 0 0 0,-1 0 0 0 0,1 0 0 0 0,0 0 0 0 0,0 0-1 0 0,-1 0 1 0 0,1 0 0 0 0,-1 1 0 0 0,1-1 0 0 0,-1 0 0 0 0,1 0 0 0 0,-1 0 0 0 0,0 0 0 0 0,1 0-1 0 0,-1 1 1 0 0,0-1 0 0 0,0 0 0 0 0,1 1 0 0 0,-1-1 0 0 0,0 0 0 0 0,0 1 0 0 0,0-1 0 0 0,0 1-1 0 0,0 0 1 0 0,0-1 0 0 0,0 1 0 0 0,0 0 0 0 0,0-1 0 0 0,0 1 0 0 0,0 0 0 0 0,0 0 0 0 0,0 0-1 0 0,-2 0 1 0 0,-5 0 129 0 0,0 1-1 0 0,0 0 0 0 0,0 1 1 0 0,0 0-1 0 0,0 0 0 0 0,0 0 1 0 0,1 1-1 0 0,-13 6 0 0 0,7-1 73 0 0,0 0 0 0 0,0 1 0 0 0,-19 15 0 0 0,22-15-51 0 0,0 1 0 0 0,0 0 1 0 0,-10 13-1 0 0,18-20-155 0 0,0 0 1 0 0,0 0-1 0 0,0 0 1 0 0,0 1-1 0 0,0-1 1 0 0,1 1-1 0 0,0-1 1 0 0,-1 1-1 0 0,1-1 1 0 0,1 1-1 0 0,-1 0 1 0 0,0 0-1 0 0,1-1 1 0 0,0 1 0 0 0,0 0-1 0 0,1 6 1 0 0,0-4-22 0 0,0 1 1 0 0,1-1 0 0 0,0 1 0 0 0,0-1 0 0 0,0 0 0 0 0,1 0 0 0 0,5 8 0 0 0,-5-10-4 0 0,0 0 0 0 0,0 0 0 0 0,0 0 0 0 0,0-1 0 0 0,1 0 0 0 0,0 0 0 0 0,0 0 0 0 0,0 0 0 0 0,0 0 0 0 0,0-1 1 0 0,5 2-1 0 0,0 1-8 0 0,1-1 0 0 0,0 0 0 0 0,-1-1 0 0 0,1 0 0 0 0,1 0 0 0 0,-1-1 0 0 0,0-1 0 0 0,0 0 0 0 0,1 0 0 0 0,-1-1 0 0 0,1 0 0 0 0,-1-1 0 0 0,21-4 0 0 0,-11 0-343 0 0,-1-1 0 0 0,1 0 1 0 0,-1-2-1 0 0,35-19 0 0 0,-16 8-1059 0 0,23-14-5563 0 0,-34 15 529 0 0</inkml:trace>
+</inkml:ink>
+</file>
+
+<file path=ppt/ink/ink43.xml><?xml version="1.0" encoding="utf-8"?>
+<inkml:ink xmlns:inkml="http://www.w3.org/2003/InkML">
+  <inkml:definitions>
+    <inkml:context xml:id="ctx0">
+      <inkml:inkSource xml:id="inkSrc0">
+        <inkml:traceFormat>
+          <inkml:channel name="X" type="integer" min="-2.14748E9" max="2.14748E9" units="cm"/>
+          <inkml:channel name="Y" type="integer" min="-2.14748E9" max="2.14748E9" units="cm"/>
+          <inkml:channel name="F" type="integer" max="32767" units="dev"/>
+          <inkml:channel name="OA" type="integer" max="360" units="deg"/>
+          <inkml:channel name="OE" type="integer" max="90" units="deg"/>
+        </inkml:traceFormat>
+        <inkml:channelProperties>
+          <inkml:channelProperty channel="X" name="resolution" value="1000" units="1/cm"/>
+          <inkml:channelProperty channel="Y" name="resolution" value="1000" units="1/cm"/>
+          <inkml:channelProperty channel="F" name="resolution" value="0" units="1/dev"/>
+          <inkml:channelProperty channel="OA" name="resolution" value="1000" units="1/deg"/>
+          <inkml:channelProperty channel="OE" name="resolution" value="1000" units="1/deg"/>
+        </inkml:channelProperties>
+      </inkml:inkSource>
+      <inkml:timestamp xml:id="ts0" timeString="2021-05-12T19:34:18.397"/>
+    </inkml:context>
+    <inkml:brush xml:id="br0">
+      <inkml:brushProperty name="width" value="0.05" units="cm"/>
+      <inkml:brushProperty name="height" value="0.05" units="cm"/>
+      <inkml:brushProperty name="color" value="#FF0066"/>
+    </inkml:brush>
+  </inkml:definitions>
+  <inkml:trace contextRef="#ctx0" brushRef="#br0">1 0 3224 0 0,'0'2'3121'0'0,"5"14"3083"0"0,-3-10-4958 0 0,0 1 0 0 0,0-1-1 0 0,0 0 1 0 0,6 10 0 0 0,9 13 277 0 0,2-2 1 0 0,43 48-1 0 0,-53-65-1547 0 0,2 0-1 0 0,-1-1 0 0 0,1 0 1 0 0,0-1-1 0 0,1 0 0 0 0,0 0 1 0 0,1-2-1 0 0,-1 1 1 0 0,20 5-1 0 0,-27-10-274 0 0,0 0-1 0 0,0-1 1 0 0,0 1-1 0 0,0-1 1 0 0,1-1 0 0 0,-1 1-1 0 0,0-1 1 0 0,1 1 0 0 0,-1-2-1 0 0,9 0 1 0 0,4-4-1615 0 0</inkml:trace>
+  <inkml:trace contextRef="#ctx0" brushRef="#br0" timeOffset="1">286 27 12440 0 0,'-10'3'638'0'0,"0"0"1"0"0,0 1-1 0 0,1 1 1 0 0,-1-1-1 0 0,1 1 1 0 0,0 1-1 0 0,0 0 1 0 0,1 0-1 0 0,0 1 1 0 0,0 0 0 0 0,-9 11-1 0 0,-6 8 519 0 0,2 2 0 0 0,-19 31 0 0 0,32-47-1523 0 0,7-10 373 0 0,0 0-1 0 0,0 0 1 0 0,0 0 0 0 0,0-1-1 0 0,1 1 1 0 0,-1 0-1 0 0,0 0 1 0 0,0 4-1 0 0,-7 20 29 0 0,29-26-698 0 0,-15-3 261 0 0,1-1 1 0 0,-1 0-1 0 0,0 0 0 0 0,0 0 1 0 0,-1-1-1 0 0,1 0 1 0 0,6-8-1 0 0,4-2-1078 0 0,7-7-3144 0 0,2-1-1137 0 0</inkml:trace>
+</inkml:ink>
+</file>
+
+<file path=ppt/ink/ink44.xml><?xml version="1.0" encoding="utf-8"?>
+<inkml:ink xmlns:inkml="http://www.w3.org/2003/InkML">
+  <inkml:definitions>
+    <inkml:context xml:id="ctx0">
+      <inkml:inkSource xml:id="inkSrc0">
+        <inkml:traceFormat>
+          <inkml:channel name="X" type="integer" min="-2.14748E9" max="2.14748E9" units="cm"/>
+          <inkml:channel name="Y" type="integer" min="-2.14748E9" max="2.14748E9" units="cm"/>
+          <inkml:channel name="F" type="integer" max="32767" units="dev"/>
+          <inkml:channel name="OA" type="integer" max="360" units="deg"/>
+          <inkml:channel name="OE" type="integer" max="90" units="deg"/>
+        </inkml:traceFormat>
+        <inkml:channelProperties>
+          <inkml:channelProperty channel="X" name="resolution" value="1000" units="1/cm"/>
+          <inkml:channelProperty channel="Y" name="resolution" value="1000" units="1/cm"/>
+          <inkml:channelProperty channel="F" name="resolution" value="0" units="1/dev"/>
+          <inkml:channelProperty channel="OA" name="resolution" value="1000" units="1/deg"/>
+          <inkml:channelProperty channel="OE" name="resolution" value="1000" units="1/deg"/>
+        </inkml:channelProperties>
+      </inkml:inkSource>
+      <inkml:timestamp xml:id="ts0" timeString="2021-05-12T19:34:18.741"/>
+    </inkml:context>
+    <inkml:brush xml:id="br0">
+      <inkml:brushProperty name="width" value="0.05" units="cm"/>
+      <inkml:brushProperty name="height" value="0.05" units="cm"/>
+      <inkml:brushProperty name="color" value="#FF0066"/>
+    </inkml:brush>
+  </inkml:definitions>
+  <inkml:trace contextRef="#ctx0" brushRef="#br0">10 60 4144 0 0,'3'-9'310'0'0,"1"0"1"0"0,7-13-1 0 0,-2 7 6146 0 0,-7 12-4505 0 0,-2 3-1850 0 0,0 0-1 0 0,0 0 1 0 0,0 0-1 0 0,1 0 1 0 0,-1 0 0 0 0,0-1-1 0 0,0 1 1 0 0,0 0-1 0 0,0 0 1 0 0,0 0-1 0 0,1 0 1 0 0,-1 0-1 0 0,0 0 1 0 0,0 0 0 0 0,0 0-1 0 0,0 0 1 0 0,1 0-1 0 0,-1 0 1 0 0,0-1-1 0 0,0 1 1 0 0,0 0-1 0 0,1 0 1 0 0,-1 0 0 0 0,0 0-1 0 0,0 0 1 0 0,0 1-1 0 0,0-1 1 0 0,1 0-1 0 0,-1 0 1 0 0,0 0-1 0 0,0 0 1 0 0,0 0 0 0 0,0 0-1 0 0,1 0 1 0 0,-1 0-1 0 0,0 0 1 0 0,0 0-1 0 0,0 0 1 0 0,0 1-1 0 0,1-1 1 0 0,-1 0 0 0 0,0 0-1 0 0,0 0 1 0 0,0 0-1 0 0,0 0 1 0 0,0 1-1 0 0,0-1 1 0 0,0 0-1 0 0,0 0 1 0 0,1 0 0 0 0,-1 0-1 0 0,0 1 1 0 0,0-1-1 0 0,0 0 1 0 0,0 0-1 0 0,0 0 1 0 0,0 1-1 0 0,0-1 1 0 0,5 13 713 0 0,-5-13-621 0 0,6 21 281 0 0,-2 0-1 0 0,0 0 1 0 0,-1 1 0 0 0,-1-1-1 0 0,-1 24 1 0 0,0-6-60 0 0,2 31-148 0 0,0 0-261 0 0,19 122-1 0 0,-15-168-1807 0 0,-3-17-76 0 0</inkml:trace>
+  <inkml:trace contextRef="#ctx0" brushRef="#br0" timeOffset="1">4 376 11976 0 0,'-3'0'1280'0'0,"12"-3"544"0"0,3 0 327 0 0,2 3 65 0 0,2-2 16 0 0,5-2-1760 0 0,0 8-352 0 0,0-4-120 0 0,2 2 72 0 0,-2 1-672 0 0,4 0-136 0 0,1 2-24 0 0,2 1-4743 0 0,-1-1-945 0 0</inkml:trace>
+</inkml:ink>
+</file>
+
+<file path=ppt/ink/ink45.xml><?xml version="1.0" encoding="utf-8"?>
+<inkml:ink xmlns:inkml="http://www.w3.org/2003/InkML">
+  <inkml:definitions>
+    <inkml:context xml:id="ctx0">
+      <inkml:inkSource xml:id="inkSrc0">
+        <inkml:traceFormat>
+          <inkml:channel name="X" type="integer" min="-2.14748E9" max="2.14748E9" units="cm"/>
+          <inkml:channel name="Y" type="integer" min="-2.14748E9" max="2.14748E9" units="cm"/>
+          <inkml:channel name="F" type="integer" max="32767" units="dev"/>
+          <inkml:channel name="OA" type="integer" max="360" units="deg"/>
+          <inkml:channel name="OE" type="integer" max="90" units="deg"/>
+        </inkml:traceFormat>
+        <inkml:channelProperties>
+          <inkml:channelProperty channel="X" name="resolution" value="1000" units="1/cm"/>
+          <inkml:channelProperty channel="Y" name="resolution" value="1000" units="1/cm"/>
+          <inkml:channelProperty channel="F" name="resolution" value="0" units="1/dev"/>
+          <inkml:channelProperty channel="OA" name="resolution" value="1000" units="1/deg"/>
+          <inkml:channelProperty channel="OE" name="resolution" value="1000" units="1/deg"/>
+        </inkml:channelProperties>
+      </inkml:inkSource>
+      <inkml:timestamp xml:id="ts0" timeString="2021-05-12T19:34:19.133"/>
+    </inkml:context>
+    <inkml:brush xml:id="br0">
+      <inkml:brushProperty name="width" value="0.05" units="cm"/>
+      <inkml:brushProperty name="height" value="0.05" units="cm"/>
+      <inkml:brushProperty name="color" value="#FF0066"/>
+    </inkml:brush>
+  </inkml:definitions>
+  <inkml:trace contextRef="#ctx0" brushRef="#br0">0 307 9672 0 0,'0'0'2298'0'0,"1"-2"-1651"0"0,-1 0 0 0 0,1 1 0 0 0,-1-1 0 0 0,1 0-1 0 0,0 1 1 0 0,-1-1 0 0 0,3-2 0 0 0,81-65 3439 0 0,-58 43-3382 0 0,46-55 0 0 0,-65 72-581 0 0,4-5 18 0 0,14-21-1 0 0,-23 31-93 0 0,1-1 0 0 0,-1 1 0 0 0,0 0 0 0 0,-1-1 0 0 0,1 1 0 0 0,-1-1 0 0 0,1 0 0 0 0,-2 0-1 0 0,1 1 1 0 0,0-6 0 0 0,-2 9 7 0 0,0 1 0 0 0,0 0-1 0 0,0-1 1 0 0,0 1-1 0 0,0 0 1 0 0,0 0 0 0 0,0 0-1 0 0,0 0 1 0 0,0 0 0 0 0,0 0-1 0 0,0 0 1 0 0,-2 1 0 0 0,-2 1 63 0 0,0 0-1 0 0,0 1 1 0 0,0-1 0 0 0,1 1 0 0 0,-1 0 0 0 0,1 1 0 0 0,-1-1 0 0 0,1 1 0 0 0,0-1 0 0 0,1 1 0 0 0,-1 1 0 0 0,1-1 0 0 0,-5 8 0 0 0,-3 6 98 0 0,0 1 0 0 0,-7 21 0 0 0,14-31-143 0 0,1-2-57 0 0,0-1 0 0 0,1 1 0 0 0,0 0 0 0 0,1 1 0 0 0,-1-1 0 0 0,1 0-1 0 0,1 0 1 0 0,-1 1 0 0 0,1-1 0 0 0,0 0 0 0 0,1 1 0 0 0,2 11 0 0 0,-2-15-128 0 0,0 0 0 0 0,0 0 0 0 0,1 0 1 0 0,0 0-1 0 0,-1 0 0 0 0,1-1 0 0 0,1 1 0 0 0,-1 0 0 0 0,0-1 1 0 0,1 0-1 0 0,0 1 0 0 0,0-1 0 0 0,0 0 0 0 0,0 0 1 0 0,0-1-1 0 0,0 1 0 0 0,1-1 0 0 0,-1 1 0 0 0,1-1 0 0 0,0 0 1 0 0,0-1-1 0 0,7 4 0 0 0,17 0-3950 0 0,-13-5-3420 0 0</inkml:trace>
+</inkml:ink>
+</file>
+
+<file path=ppt/ink/ink46.xml><?xml version="1.0" encoding="utf-8"?>
+<inkml:ink xmlns:inkml="http://www.w3.org/2003/InkML">
+  <inkml:definitions>
+    <inkml:context xml:id="ctx0">
+      <inkml:inkSource xml:id="inkSrc0">
+        <inkml:traceFormat>
+          <inkml:channel name="X" type="integer" min="-2.14748E9" max="2.14748E9" units="cm"/>
+          <inkml:channel name="Y" type="integer" min="-2.14748E9" max="2.14748E9" units="cm"/>
+          <inkml:channel name="F" type="integer" max="32767" units="dev"/>
+          <inkml:channel name="OA" type="integer" max="360" units="deg"/>
+          <inkml:channel name="OE" type="integer" max="90" units="deg"/>
+        </inkml:traceFormat>
+        <inkml:channelProperties>
+          <inkml:channelProperty channel="X" name="resolution" value="1000" units="1/cm"/>
+          <inkml:channelProperty channel="Y" name="resolution" value="1000" units="1/cm"/>
+          <inkml:channelProperty channel="F" name="resolution" value="0" units="1/dev"/>
+          <inkml:channelProperty channel="OA" name="resolution" value="1000" units="1/deg"/>
+          <inkml:channelProperty channel="OE" name="resolution" value="1000" units="1/deg"/>
+        </inkml:channelProperties>
+      </inkml:inkSource>
+      <inkml:timestamp xml:id="ts0" timeString="2021-05-12T19:34:19.500"/>
+    </inkml:context>
+    <inkml:brush xml:id="br0">
+      <inkml:brushProperty name="width" value="0.05" units="cm"/>
+      <inkml:brushProperty name="height" value="0.05" units="cm"/>
+      <inkml:brushProperty name="color" value="#FF0066"/>
+    </inkml:brush>
+  </inkml:definitions>
+  <inkml:trace contextRef="#ctx0" brushRef="#br0">1 291 2304 0 0,'0'0'11868'0'0,"11"-6"-10240"0"0,-3-3-494 0 0,0 0 1 0 0,10-14 0 0 0,-10 12-600 0 0,8-12 523 0 0,-1 0-1 0 0,14-27 0 0 0,-23 35-755 0 0,7-24 0 0 0,-9 26 170 0 0,0 1-1 0 0,0 0 1 0 0,10-17 0 0 0,-14 31-454 0 0,0 0 1 0 0,0 0-1 0 0,0 0 0 0 0,0 0 0 0 0,0 0 1 0 0,1 0-1 0 0,-1 0 0 0 0,1 3 1 0 0,1 6-19 0 0,-1-4 16 0 0,0 0 0 0 0,1-1 0 0 0,0 1-1 0 0,0 0 1 0 0,0-1 0 0 0,1 1 0 0 0,0-1 0 0 0,0 0-1 0 0,0 0 1 0 0,5 6 0 0 0,-5-8 5 0 0,0 0-1 0 0,0 0 1 0 0,0-1 0 0 0,1 0-1 0 0,-1 0 1 0 0,1 0-1 0 0,0 0 1 0 0,0 0 0 0 0,0-1-1 0 0,0 1 1 0 0,0-1 0 0 0,0 0-1 0 0,1 0 1 0 0,-1-1 0 0 0,9 2-1 0 0,-8-2 0 0 0,0-1 0 0 0,-1 0 0 0 0,1 0 0 0 0,0-1 0 0 0,-1 0 0 0 0,1 1 0 0 0,0-2 0 0 0,-1 1 0 0 0,0 0 0 0 0,1-1-1 0 0,-1 0 1 0 0,0 0 0 0 0,1 0 0 0 0,3-4 0 0 0,3-1-71 0 0,0-1 0 0 0,-1 0 0 0 0,18-19 0 0 0,9-16-944 0 0,-17 19-1696 0 0,1 1-4437 0 0,-9 12 488 0 0</inkml:trace>
+</inkml:ink>
+</file>
+
+<file path=ppt/ink/ink47.xml><?xml version="1.0" encoding="utf-8"?>
+<inkml:ink xmlns:inkml="http://www.w3.org/2003/InkML">
+  <inkml:definitions>
+    <inkml:context xml:id="ctx0">
+      <inkml:inkSource xml:id="inkSrc0">
+        <inkml:traceFormat>
+          <inkml:channel name="X" type="integer" min="-2.14748E9" max="2.14748E9" units="cm"/>
+          <inkml:channel name="Y" type="integer" min="-2.14748E9" max="2.14748E9" units="cm"/>
+          <inkml:channel name="F" type="integer" max="32767" units="dev"/>
+          <inkml:channel name="OA" type="integer" max="360" units="deg"/>
+          <inkml:channel name="OE" type="integer" max="90" units="deg"/>
+        </inkml:traceFormat>
+        <inkml:channelProperties>
+          <inkml:channelProperty channel="X" name="resolution" value="1000" units="1/cm"/>
+          <inkml:channelProperty channel="Y" name="resolution" value="1000" units="1/cm"/>
+          <inkml:channelProperty channel="F" name="resolution" value="0" units="1/dev"/>
+          <inkml:channelProperty channel="OA" name="resolution" value="1000" units="1/deg"/>
+          <inkml:channelProperty channel="OE" name="resolution" value="1000" units="1/deg"/>
+        </inkml:channelProperties>
+      </inkml:inkSource>
+      <inkml:timestamp xml:id="ts0" timeString="2021-05-12T19:34:19.844"/>
+    </inkml:context>
+    <inkml:brush xml:id="br0">
+      <inkml:brushProperty name="width" value="0.05" units="cm"/>
+      <inkml:brushProperty name="height" value="0.05" units="cm"/>
+      <inkml:brushProperty name="color" value="#FF0066"/>
+    </inkml:brush>
+  </inkml:definitions>
+  <inkml:trace contextRef="#ctx0" brushRef="#br0">46 317 2304 0 0,'-2'4'5'0'0,"-1"4"68"0"0,-1 1 0 0 0,-8 14 0 0 0,9-18 96 0 0,1 0-1 0 0,-1 0 1 0 0,1 0 0 0 0,0 1-1 0 0,0-1 1 0 0,-1 10-1 0 0,-3 34 7598 0 0,5-43-6857 0 0,1 0 1 0 0,0 0-1 0 0,0 0 0 0 0,1 0 0 0 0,0 0 0 0 0,3 12 1 0 0,-4-16-837 0 0,1-1 1 0 0,-1 0 0 0 0,1 0 0 0 0,-1 1-1 0 0,1-1 1 0 0,0 0 0 0 0,0 0 0 0 0,-1 0 0 0 0,1 0-1 0 0,0 0 1 0 0,0 0 0 0 0,0 0 0 0 0,0 0 0 0 0,0 0-1 0 0,1 0 1 0 0,-1 0 0 0 0,0-1 0 0 0,0 1-1 0 0,1 0 1 0 0,-1-1 0 0 0,0 1 0 0 0,0-1 0 0 0,1 1-1 0 0,-1-1 1 0 0,1 0 0 0 0,-1 0 0 0 0,0 0 0 0 0,1 1-1 0 0,-1-1 1 0 0,1-1 0 0 0,-1 1 0 0 0,0 0 0 0 0,1 0-1 0 0,-1 0 1 0 0,0-1 0 0 0,3 0 0 0 0,1-1 6 0 0,0 0 0 0 0,0 0 1 0 0,0 0-1 0 0,0-1 1 0 0,0 0-1 0 0,-1 0 0 0 0,1 0 1 0 0,6-7-1 0 0,32-36 457 0 0,-32 34-359 0 0,6-8 16 0 0,-1-1-1 0 0,-1-1 0 0 0,15-26 0 0 0,8-33 2 0 0,-29 60-35 0 0,-2 0 1 0 0,0-1-1 0 0,4-24 0 0 0,-10 35 44 0 0,1 1-1 0 0,-1 0 1 0 0,-1 0 0 0 0,0-1 0 0 0,-1 1 0 0 0,1 0-1 0 0,-2 0 1 0 0,0-1 0 0 0,-3-10 0 0 0,5 19-171 0 0,-1 1 0 0 0,1-1 0 0 0,-1 1 0 0 0,1 0 0 0 0,-1-1 0 0 0,0 1 0 0 0,0 0 0 0 0,1 0 0 0 0,-1-1 0 0 0,0 1 0 0 0,0 0 0 0 0,0 0 0 0 0,0 0 0 0 0,-1 0 0 0 0,1 0 0 0 0,0 0 0 0 0,0 0 0 0 0,0 1 0 0 0,-1-1 0 0 0,1 0 0 0 0,0 1 0 0 0,-1-1 0 0 0,1 1 0 0 0,-1-1 0 0 0,1 1 0 0 0,-1 0 0 0 0,1 0 0 0 0,-2-1 0 0 0,1 2-26 0 0,0-1-1 0 0,0 0 0 0 0,0 1 1 0 0,0-1-1 0 0,1 1 1 0 0,-1-1-1 0 0,0 1 1 0 0,0 0-1 0 0,1 0 1 0 0,-1 0-1 0 0,0 0 0 0 0,1 0 1 0 0,-1 0-1 0 0,1 0 1 0 0,0 0-1 0 0,-1 1 1 0 0,1-1-1 0 0,0 1 0 0 0,0-1 1 0 0,-1 1-1 0 0,1-1 1 0 0,-1 3-1 0 0,0 2-93 0 0,-1-1 0 0 0,1 0 0 0 0,0 1 0 0 0,0 0 0 0 0,0 0 0 0 0,1 0 0 0 0,0-1 0 0 0,0 1 0 0 0,0 0 0 0 0,1 0 0 0 0,0 0 0 0 0,0 0 0 0 0,1 0 0 0 0,0 0 0 0 0,0 0 0 0 0,2 7 0 0 0,-1-6-474 0 0,1 0 1 0 0,0 0 0 0 0,0-1-1 0 0,0 1 1 0 0,1-1 0 0 0,0 0-1 0 0,0 0 1 0 0,1 0 0 0 0,0-1-1 0 0,0 1 1 0 0,0-1 0 0 0,11 8-1 0 0,-1-3-1122 0 0</inkml:trace>
+</inkml:ink>
+</file>
+
+<file path=ppt/ink/ink48.xml><?xml version="1.0" encoding="utf-8"?>
+<inkml:ink xmlns:inkml="http://www.w3.org/2003/InkML">
+  <inkml:definitions>
+    <inkml:context xml:id="ctx0">
+      <inkml:inkSource xml:id="inkSrc0">
+        <inkml:traceFormat>
+          <inkml:channel name="X" type="integer" min="-2.14748E9" max="2.14748E9" units="cm"/>
+          <inkml:channel name="Y" type="integer" min="-2.14748E9" max="2.14748E9" units="cm"/>
+          <inkml:channel name="F" type="integer" max="32767" units="dev"/>
+          <inkml:channel name="OA" type="integer" max="360" units="deg"/>
+          <inkml:channel name="OE" type="integer" max="90" units="deg"/>
+        </inkml:traceFormat>
+        <inkml:channelProperties>
+          <inkml:channelProperty channel="X" name="resolution" value="1000" units="1/cm"/>
+          <inkml:channelProperty channel="Y" name="resolution" value="1000" units="1/cm"/>
+          <inkml:channelProperty channel="F" name="resolution" value="0" units="1/dev"/>
+          <inkml:channelProperty channel="OA" name="resolution" value="1000" units="1/deg"/>
+          <inkml:channelProperty channel="OE" name="resolution" value="1000" units="1/deg"/>
+        </inkml:channelProperties>
+      </inkml:inkSource>
+      <inkml:timestamp xml:id="ts0" timeString="2021-05-12T19:34:20.187"/>
+    </inkml:context>
+    <inkml:brush xml:id="br0">
+      <inkml:brushProperty name="width" value="0.05" units="cm"/>
+      <inkml:brushProperty name="height" value="0.05" units="cm"/>
+      <inkml:brushProperty name="color" value="#FF0066"/>
+    </inkml:brush>
+  </inkml:definitions>
+  <inkml:trace contextRef="#ctx0" brushRef="#br0">31 40 3224 0 0,'-30'-21'20846'0'0,"37"18"-19349"0"0,3 0-1072 0 0,1 0 0 0 0,-1 0 0 0 0,1 1 0 0 0,0 0 0 0 0,14-1 0 0 0,-21 3-350 0 0,1 0 1 0 0,0 1-1 0 0,0-1 1 0 0,-1 1-1 0 0,1 0 1 0 0,0 0-1 0 0,-1 0 1 0 0,1 0-1 0 0,-1 1 1 0 0,1 0-1 0 0,-1 0 1 0 0,0 0-1 0 0,0 0 0 0 0,0 1 1 0 0,4 3-1 0 0,-6-5-67 0 0,-1 1 0 0 0,1-1-1 0 0,-1 1 1 0 0,1 0-1 0 0,-1-1 1 0 0,0 1 0 0 0,0 0-1 0 0,0 0 1 0 0,0 0-1 0 0,0 0 1 0 0,0 0 0 0 0,0 0-1 0 0,-1 0 1 0 0,1 0-1 0 0,0 4 1 0 0,-1-1 6 0 0,0-1 0 0 0,0 0-1 0 0,-1 0 1 0 0,1 1 0 0 0,-1-1 0 0 0,0 0 0 0 0,-2 7-1 0 0,-3 4-341 0 0,-1 0 0 0 0,0 0 0 0 0,-13 17 0 0 0,15-23-173 0 0,-17 27-1827 0 0,10-19 544 0 0</inkml:trace>
+</inkml:ink>
+</file>
+
+<file path=ppt/ink/ink49.xml><?xml version="1.0" encoding="utf-8"?>
+<inkml:ink xmlns:inkml="http://www.w3.org/2003/InkML">
+  <inkml:definitions>
+    <inkml:context xml:id="ctx0">
+      <inkml:inkSource xml:id="inkSrc0">
+        <inkml:traceFormat>
+          <inkml:channel name="X" type="integer" min="-2.14748E9" max="2.14748E9" units="cm"/>
+          <inkml:channel name="Y" type="integer" min="-2.14748E9" max="2.14748E9" units="cm"/>
+          <inkml:channel name="F" type="integer" max="32767" units="dev"/>
+          <inkml:channel name="OA" type="integer" max="360" units="deg"/>
+          <inkml:channel name="OE" type="integer" max="90" units="deg"/>
+        </inkml:traceFormat>
+        <inkml:channelProperties>
+          <inkml:channelProperty channel="X" name="resolution" value="1000" units="1/cm"/>
+          <inkml:channelProperty channel="Y" name="resolution" value="1000" units="1/cm"/>
+          <inkml:channelProperty channel="F" name="resolution" value="0" units="1/dev"/>
+          <inkml:channelProperty channel="OA" name="resolution" value="1000" units="1/deg"/>
+          <inkml:channelProperty channel="OE" name="resolution" value="1000" units="1/deg"/>
+        </inkml:channelProperties>
+      </inkml:inkSource>
+      <inkml:timestamp xml:id="ts0" timeString="2021-05-12T19:34:21.233"/>
+    </inkml:context>
+    <inkml:brush xml:id="br0">
+      <inkml:brushProperty name="width" value="0.05" units="cm"/>
+      <inkml:brushProperty name="height" value="0.05" units="cm"/>
+      <inkml:brushProperty name="color" value="#FF0066"/>
+    </inkml:brush>
+  </inkml:definitions>
+  <inkml:trace contextRef="#ctx0" brushRef="#br0">100 53 3224 0 0,'0'-5'47'0'0,"2"-19"60"0"0,-1 1 12326 0 0,-5 28-11658 0 0,3-2-575 0 0,-1 1 1 0 0,1-1-1 0 0,-1 1 0 0 0,1 0 0 0 0,0-1 1 0 0,1 1-1 0 0,-1 0 0 0 0,1 0 0 0 0,-1 6 0 0 0,-1 11 266 0 0,-10 56 846 0 0,-18 85-47 0 0,-8 19-1329 0 0,32-131 179 0 0,6-46-257 0 0,0 1 0 0 0,0-1 0 0 0,0 0 0 0 0,0 0 0 0 0,1 1 0 0 0,0-1 0 0 0,0 0 0 0 0,0 0 0 0 0,3 8 0 0 0,2-15-2801 0 0</inkml:trace>
+</inkml:ink>
+</file>
+
+<file path=ppt/ink/ink5.xml><?xml version="1.0" encoding="utf-8"?>
+<inkml:ink xmlns:inkml="http://www.w3.org/2003/InkML">
+  <inkml:definitions>
+    <inkml:context xml:id="ctx0">
+      <inkml:inkSource xml:id="inkSrc0">
+        <inkml:traceFormat>
+          <inkml:channel name="X" type="integer" min="-2.14748E9" max="2.14748E9" units="cm"/>
+          <inkml:channel name="Y" type="integer" min="-2.14748E9" max="2.14748E9" units="cm"/>
+          <inkml:channel name="F" type="integer" max="32767" units="dev"/>
+          <inkml:channel name="OA" type="integer" max="360" units="deg"/>
+          <inkml:channel name="OE" type="integer" max="90" units="deg"/>
+        </inkml:traceFormat>
+        <inkml:channelProperties>
+          <inkml:channelProperty channel="X" name="resolution" value="1000" units="1/cm"/>
+          <inkml:channelProperty channel="Y" name="resolution" value="1000" units="1/cm"/>
+          <inkml:channelProperty channel="F" name="resolution" value="0" units="1/dev"/>
+          <inkml:channelProperty channel="OA" name="resolution" value="1000" units="1/deg"/>
+          <inkml:channelProperty channel="OE" name="resolution" value="1000" units="1/deg"/>
+        </inkml:channelProperties>
+      </inkml:inkSource>
+      <inkml:timestamp xml:id="ts0" timeString="2021-05-12T19:00:39.696"/>
+    </inkml:context>
+    <inkml:brush xml:id="br0">
+      <inkml:brushProperty name="width" value="0.05" units="cm"/>
+      <inkml:brushProperty name="height" value="0.05" units="cm"/>
+      <inkml:brushProperty name="color" value="#FF0066"/>
+    </inkml:brush>
+  </inkml:definitions>
+  <inkml:trace contextRef="#ctx0" brushRef="#br0">270 1 4608 0 0,'-13'19'-24'0'0,"9"-12"897"0"0,1-1-1 0 0,1 1 1 0 0,-1 0-1 0 0,1 0 1 0 0,0 0-1 0 0,1 0 1 0 0,-1 0 0 0 0,2 0-1 0 0,-1 0 1 0 0,1 12-1 0 0,-3 111 2149 0 0,19 275-1183 0 0,15-31-1016 0 0,-24-159-510 0 0,-7-187-304 0 0,-1 555 1111 0 0,-22-142-182 0 0,21-397-866 0 0,-17 142 233 0 0,7-68-143 0 0,4-21-92 0 0,-6 58 6 0 0,-4 45-34 0 0,8-61-18 0 0,-16 162 82 0 0,-7 74 173 0 0,3-16 76 0 0,9-79-63 0 0,6-131-70 0 0,-19 280 158 0 0,25-239-275 0 0,-3 180 159 0 0,11-240-156 0 0,3-38-32 0 0,4 57 52 0 0,25 53 73 0 0,-26-182-200 0 0,0 0 0 0 0,13 35 0 0 0,-15-51 6 0 0,-1-1-1 0 0,0 1 1 0 0,1-1 0 0 0,0 0-1 0 0,0 1 1 0 0,0-1-1 0 0,0 0 1 0 0,0-1-1 0 0,4 4 1 0 0,4 2 2 0 0,-9-6 55 0 0,1 0 0 0 0,0 0-1 0 0,0 0 1 0 0,1 0 0 0 0,-1-1 0 0 0,0 1-1 0 0,0-1 1 0 0,1 0 0 0 0,5 1 0 0 0,36 3 444 0 0,-15-2-319 0 0,9 3-141 0 0,-2 1 0 0 0,42 15 0 0 0,37 10 71 0 0,100 16-788 0 0,-204-46-643 0 0,22-1 0 0 0,11 1-2653 0 0,-28 1 2198 0 0</inkml:trace>
+</inkml:ink>
+</file>
+
+<file path=ppt/ink/ink50.xml><?xml version="1.0" encoding="utf-8"?>
+<inkml:ink xmlns:inkml="http://www.w3.org/2003/InkML">
+  <inkml:definitions>
+    <inkml:context xml:id="ctx0">
+      <inkml:inkSource xml:id="inkSrc0">
+        <inkml:traceFormat>
+          <inkml:channel name="X" type="integer" min="-2.14748E9" max="2.14748E9" units="cm"/>
+          <inkml:channel name="Y" type="integer" min="-2.14748E9" max="2.14748E9" units="cm"/>
+          <inkml:channel name="F" type="integer" max="32767" units="dev"/>
+          <inkml:channel name="OA" type="integer" max="360" units="deg"/>
+          <inkml:channel name="OE" type="integer" max="90" units="deg"/>
+        </inkml:traceFormat>
+        <inkml:channelProperties>
+          <inkml:channelProperty channel="X" name="resolution" value="1000" units="1/cm"/>
+          <inkml:channelProperty channel="Y" name="resolution" value="1000" units="1/cm"/>
+          <inkml:channelProperty channel="F" name="resolution" value="0" units="1/dev"/>
+          <inkml:channelProperty channel="OA" name="resolution" value="1000" units="1/deg"/>
+          <inkml:channelProperty channel="OE" name="resolution" value="1000" units="1/deg"/>
+        </inkml:channelProperties>
+      </inkml:inkSource>
+      <inkml:timestamp xml:id="ts0" timeString="2021-05-12T19:34:21.578"/>
+    </inkml:context>
+    <inkml:brush xml:id="br0">
+      <inkml:brushProperty name="width" value="0.05" units="cm"/>
+      <inkml:brushProperty name="height" value="0.05" units="cm"/>
+      <inkml:brushProperty name="color" value="#FF0066"/>
+    </inkml:brush>
+  </inkml:definitions>
+  <inkml:trace contextRef="#ctx0" brushRef="#br0">1 127 17359 0 0,'25'-31'1904'0'0,"-23"29"-1822"0"0,1 0 0 0 0,-1 0 0 0 0,1 1 0 0 0,0 0 0 0 0,-1-1 0 0 0,1 1 0 0 0,0 0 0 0 0,0 0 0 0 0,0 1 0 0 0,3-1 0 0 0,14-5 650 0 0,180-58 2397 0 0,-199 64-3126 0 0,15-3-19 0 0,0-1 0 0 0,0 2 1 0 0,1 0-1 0 0,-1 2 1 0 0,1-1-1 0 0,22 4 0 0 0,-35-3-134 0 0,0 1-1 0 0,-1 0 0 0 0,1 0 0 0 0,0 0 1 0 0,-1 0-1 0 0,1 1 0 0 0,-1-1 1 0 0,1 1-1 0 0,-1 0 0 0 0,0 0 0 0 0,4 3 1 0 0,-5-3-487 0 0,-1-1 1 0 0,1 1 0 0 0,0 0 0 0 0,-1 0 0 0 0,0-1-1 0 0,1 1 1 0 0,-1 0 0 0 0,0 0 0 0 0,0 0-1 0 0,0 0 1 0 0,0 0 0 0 0,0 4 0 0 0,0 7-5356 0 0</inkml:trace>
+</inkml:ink>
+</file>
+
+<file path=ppt/ink/ink51.xml><?xml version="1.0" encoding="utf-8"?>
+<inkml:ink xmlns:inkml="http://www.w3.org/2003/InkML">
+  <inkml:definitions>
+    <inkml:context xml:id="ctx0">
+      <inkml:inkSource xml:id="inkSrc0">
+        <inkml:traceFormat>
+          <inkml:channel name="X" type="integer" min="-2.14748E9" max="2.14748E9" units="cm"/>
+          <inkml:channel name="Y" type="integer" min="-2.14748E9" max="2.14748E9" units="cm"/>
+          <inkml:channel name="F" type="integer" max="32767" units="dev"/>
+          <inkml:channel name="OA" type="integer" max="360" units="deg"/>
+          <inkml:channel name="OE" type="integer" max="90" units="deg"/>
+        </inkml:traceFormat>
+        <inkml:channelProperties>
+          <inkml:channelProperty channel="X" name="resolution" value="1000" units="1/cm"/>
+          <inkml:channelProperty channel="Y" name="resolution" value="1000" units="1/cm"/>
+          <inkml:channelProperty channel="F" name="resolution" value="0" units="1/dev"/>
+          <inkml:channelProperty channel="OA" name="resolution" value="1000" units="1/deg"/>
+          <inkml:channelProperty channel="OE" name="resolution" value="1000" units="1/deg"/>
+        </inkml:channelProperties>
+      </inkml:inkSource>
+      <inkml:timestamp xml:id="ts0" timeString="2021-05-12T19:34:21.955"/>
+    </inkml:context>
+    <inkml:brush xml:id="br0">
+      <inkml:brushProperty name="width" value="0.05" units="cm"/>
+      <inkml:brushProperty name="height" value="0.05" units="cm"/>
+      <inkml:brushProperty name="color" value="#FF0066"/>
+    </inkml:brush>
+  </inkml:definitions>
+  <inkml:trace contextRef="#ctx0" brushRef="#br0">97 95 7832 0 0,'-3'1'152'0'0,"0"-1"0"0"0,0 1 0 0 0,1 0 0 0 0,-1-1 0 0 0,0 1 0 0 0,-5-1 4496 0 0,20-1-2299 0 0,-2-1-1863 0 0,-1-2 1 0 0,17-7-1 0 0,-13 6-276 0 0,36-18 356 0 0,-27 12-419 0 0,1 1 0 0 0,0 1 0 0 0,0 1 0 0 0,29-6 0 0 0,-49 14-160 0 0,0 0-1 0 0,0 0 0 0 0,0 0 0 0 0,0 0 0 0 0,6 1 0 0 0,-8-1-118 0 0,1 1 0 0 0,-1-1 0 0 0,0 0 0 0 0,0 1 0 0 0,0-1 0 0 0,0 0-1 0 0,0 1 1 0 0,0-1 0 0 0,0 1 0 0 0,0 0 0 0 0,0-1 0 0 0,0 1 0 0 0,0 0 0 0 0,0-1 0 0 0,-1 1 0 0 0,1 0-1 0 0,0 0 1 0 0,1 1 0 0 0,-1 6-1322 0 0</inkml:trace>
+  <inkml:trace contextRef="#ctx0" brushRef="#br0" timeOffset="1">25 329 3224 0 0,'-25'21'9210'0'0,"26"-20"-8833"0"0,1 0 0 0 0,-1 0-1 0 0,0-1 1 0 0,0 1 0 0 0,1 0 0 0 0,-1-1-1 0 0,0 1 1 0 0,1-1 0 0 0,-1 1 0 0 0,1-1-1 0 0,-1 0 1 0 0,1 1 0 0 0,-1-1 0 0 0,1 0-1 0 0,-1 0 1 0 0,3 0 0 0 0,25-4 181 0 0,-23 3 10 0 0,102-26 1031 0 0,12-2-148 0 0,-75 22-2934 0 0,-1 0-3356 0 0,-43 7 4789 0 0,29-5-7105 0 0</inkml:trace>
+</inkml:ink>
+</file>
+
+<file path=ppt/ink/ink52.xml><?xml version="1.0" encoding="utf-8"?>
+<inkml:ink xmlns:inkml="http://www.w3.org/2003/InkML">
+  <inkml:definitions>
+    <inkml:context xml:id="ctx0">
+      <inkml:inkSource xml:id="inkSrc0">
+        <inkml:traceFormat>
+          <inkml:channel name="X" type="integer" min="-2.14748E9" max="2.14748E9" units="cm"/>
+          <inkml:channel name="Y" type="integer" min="-2.14748E9" max="2.14748E9" units="cm"/>
+          <inkml:channel name="F" type="integer" max="32767" units="dev"/>
+          <inkml:channel name="OA" type="integer" max="360" units="deg"/>
+          <inkml:channel name="OE" type="integer" max="90" units="deg"/>
+        </inkml:traceFormat>
+        <inkml:channelProperties>
+          <inkml:channelProperty channel="X" name="resolution" value="1000" units="1/cm"/>
+          <inkml:channelProperty channel="Y" name="resolution" value="1000" units="1/cm"/>
+          <inkml:channelProperty channel="F" name="resolution" value="0" units="1/dev"/>
+          <inkml:channelProperty channel="OA" name="resolution" value="1000" units="1/deg"/>
+          <inkml:channelProperty channel="OE" name="resolution" value="1000" units="1/deg"/>
+        </inkml:channelProperties>
+      </inkml:inkSource>
+      <inkml:timestamp xml:id="ts0" timeString="2021-05-12T19:34:35.132"/>
+    </inkml:context>
+    <inkml:brush xml:id="br0">
+      <inkml:brushProperty name="width" value="0.05" units="cm"/>
+      <inkml:brushProperty name="height" value="0.05" units="cm"/>
+      <inkml:brushProperty name="color" value="#FF0066"/>
+    </inkml:brush>
+  </inkml:definitions>
+  <inkml:trace contextRef="#ctx0" brushRef="#br0">7 587 10800 0 0,'-6'14'7006'0'0,"7"-17"-6729"0"0,-1 1-1 0 0,0-1 1 0 0,1 1-1 0 0,-1-1 1 0 0,0 0-1 0 0,0 1 1 0 0,0-1-1 0 0,-1-2 0 0 0,0-9 285 0 0,19-98 1563 0 0,-15 90-1910 0 0,8-26-1 0 0,-2 11-148 0 0,3-15 123 0 0,2 0 0 0 0,23-52 0 0 0,-4 19 1220 0 0,-28 70-1286 0 0,2-6-110 0 0,-6 20-13 0 0,-1 0 1 0 0,0 1 0 0 0,1-1 0 0 0,-1 0 0 0 0,1 0 0 0 0,-1 1 0 0 0,1-1 0 0 0,0 0 0 0 0,-1 1 0 0 0,1-1 0 0 0,0 0 0 0 0,-1 1 0 0 0,1-1 0 0 0,0 1-1 0 0,0-1 1 0 0,0 1 0 0 0,1-1 0 0 0,-1 1 0 0 0,0-1 1 0 0,0 1-1 0 0,0 0 0 0 0,0 0 0 0 0,0 0 0 0 0,0 0 1 0 0,0 0-1 0 0,0 0 0 0 0,0 0 0 0 0,0 1 1 0 0,0-1-1 0 0,0 0 0 0 0,0 0 0 0 0,0 1 0 0 0,0-1 1 0 0,0 1-1 0 0,0-1 0 0 0,-1 1 0 0 0,1-1 0 0 0,0 1 1 0 0,0 0-1 0 0,0-1 0 0 0,-1 1 0 0 0,1 0 0 0 0,1 0 1 0 0,0 2 9 0 0,4 4 34 0 0,0 0 0 0 0,0 0-1 0 0,-1 0 1 0 0,0 1 0 0 0,0 0-1 0 0,-1 0 1 0 0,5 12 0 0 0,-5-10 14 0 0,6 13 104 0 0,-2 0 0 0 0,11 45 0 0 0,1 50 158 0 0,-1 69-370 0 0,-20-151-519 0 0,1-34 295 0 0,0 1-1 0 0,0-1 0 0 0,-1 1 0 0 0,0 0 0 0 0,1-1 1 0 0,-1 0-1 0 0,0 1 0 0 0,0-1 0 0 0,0 1 0 0 0,0-1 0 0 0,-3 4 1 0 0,-3-1-1248 0 0</inkml:trace>
+</inkml:ink>
+</file>
+
+<file path=ppt/ink/ink53.xml><?xml version="1.0" encoding="utf-8"?>
+<inkml:ink xmlns:inkml="http://www.w3.org/2003/InkML">
+  <inkml:definitions>
+    <inkml:context xml:id="ctx0">
+      <inkml:inkSource xml:id="inkSrc0">
+        <inkml:traceFormat>
+          <inkml:channel name="X" type="integer" min="-2.14748E9" max="2.14748E9" units="cm"/>
+          <inkml:channel name="Y" type="integer" min="-2.14748E9" max="2.14748E9" units="cm"/>
+          <inkml:channel name="F" type="integer" max="32767" units="dev"/>
+          <inkml:channel name="OA" type="integer" max="360" units="deg"/>
+          <inkml:channel name="OE" type="integer" max="90" units="deg"/>
+        </inkml:traceFormat>
+        <inkml:channelProperties>
+          <inkml:channelProperty channel="X" name="resolution" value="1000" units="1/cm"/>
+          <inkml:channelProperty channel="Y" name="resolution" value="1000" units="1/cm"/>
+          <inkml:channelProperty channel="F" name="resolution" value="0" units="1/dev"/>
+          <inkml:channelProperty channel="OA" name="resolution" value="1000" units="1/deg"/>
+          <inkml:channelProperty channel="OE" name="resolution" value="1000" units="1/deg"/>
+        </inkml:channelProperties>
+      </inkml:inkSource>
+      <inkml:timestamp xml:id="ts0" timeString="2021-05-12T19:34:35.487"/>
+    </inkml:context>
+    <inkml:brush xml:id="br0">
+      <inkml:brushProperty name="width" value="0.05" units="cm"/>
+      <inkml:brushProperty name="height" value="0.05" units="cm"/>
+      <inkml:brushProperty name="color" value="#FF0066"/>
+    </inkml:brush>
+  </inkml:definitions>
+  <inkml:trace contextRef="#ctx0" brushRef="#br0">0 67 5984 0 0,'1'0'5349'0'0,"5"-3"-2573"0"0,10-3 3854 0 0,-1 0-3794 0 0,-2 0-2740 0 0,1 1-1 0 0,18-4 1 0 0,4 1 562 0 0,34-8-178 0 0,-24 10-3463 0 0,-33 4 1413 0 0</inkml:trace>
+</inkml:ink>
+</file>
+
+<file path=ppt/ink/ink54.xml><?xml version="1.0" encoding="utf-8"?>
+<inkml:ink xmlns:inkml="http://www.w3.org/2003/InkML">
+  <inkml:definitions>
+    <inkml:context xml:id="ctx0">
+      <inkml:inkSource xml:id="inkSrc0">
+        <inkml:traceFormat>
+          <inkml:channel name="X" type="integer" min="-2.14748E9" max="2.14748E9" units="cm"/>
+          <inkml:channel name="Y" type="integer" min="-2.14748E9" max="2.14748E9" units="cm"/>
+          <inkml:channel name="F" type="integer" max="32767" units="dev"/>
+          <inkml:channel name="OA" type="integer" max="360" units="deg"/>
+          <inkml:channel name="OE" type="integer" max="90" units="deg"/>
+        </inkml:traceFormat>
+        <inkml:channelProperties>
+          <inkml:channelProperty channel="X" name="resolution" value="1000" units="1/cm"/>
+          <inkml:channelProperty channel="Y" name="resolution" value="1000" units="1/cm"/>
+          <inkml:channelProperty channel="F" name="resolution" value="0" units="1/dev"/>
+          <inkml:channelProperty channel="OA" name="resolution" value="1000" units="1/deg"/>
+          <inkml:channelProperty channel="OE" name="resolution" value="1000" units="1/deg"/>
+        </inkml:channelProperties>
+      </inkml:inkSource>
+      <inkml:timestamp xml:id="ts0" timeString="2021-05-12T19:34:35.833"/>
+    </inkml:context>
+    <inkml:brush xml:id="br0">
+      <inkml:brushProperty name="width" value="0.05" units="cm"/>
+      <inkml:brushProperty name="height" value="0.05" units="cm"/>
+      <inkml:brushProperty name="color" value="#FF0066"/>
+    </inkml:brush>
+  </inkml:definitions>
+  <inkml:trace contextRef="#ctx0" brushRef="#br0">0 473 4608 0 0,'0'0'9118'0'0,"9"-11"-7339"0"0,32-65 4147 0 0,5-6-3408 0 0,-39 70-2211 0 0,2 0 0 0 0,0 1 1 0 0,10-12-1 0 0,-18 22 2 0 0,7 9-221 0 0,3 21-65 0 0,-7-16-35 0 0,1 0 0 0 0,0 0 0 0 0,11 17 0 0 0,-14-27 27 0 0,0 0-1 0 0,0-1 1 0 0,0 1 0 0 0,0-1 0 0 0,0 1 0 0 0,0-1-1 0 0,1 0 1 0 0,0 1 0 0 0,-1-1 0 0 0,1-1 0 0 0,0 1-1 0 0,0 0 1 0 0,0-1 0 0 0,0 1 0 0 0,0-1 0 0 0,0 0-1 0 0,0 0 1 0 0,1 0 0 0 0,3 0 0 0 0,-4-1 38 0 0,0 0 0 0 0,0 0 1 0 0,0 0-1 0 0,-1-1 0 0 0,1 1 1 0 0,0-1-1 0 0,0 0 0 0 0,0 1 1 0 0,-1-1-1 0 0,1-1 0 0 0,-1 1 0 0 0,1 0 1 0 0,3-3-1 0 0,-1 1-175 0 0,0-1 0 0 0,0-1 0 0 0,0 1 0 0 0,8-10 0 0 0,16-22-2062 0 0,-17 14 113 0 0</inkml:trace>
+  <inkml:trace contextRef="#ctx0" brushRef="#br0" timeOffset="1">514 0 18343 0 0,'-13'8'1387'0'0,"9"-3"-1273"0"0,-1 0 1 0 0,1 1-1 0 0,0-1 1 0 0,0 1-1 0 0,0 0 1 0 0,1 0-1 0 0,0 0 0 0 0,-3 9 1 0 0,-15 57 1509 0 0,13-41-1019 0 0,6-25-523 0 0,-5 24 186 0 0,7-28-278 0 0,0 0-1 0 0,0-1 1 0 0,0 1-1 0 0,0 0 1 0 0,0 0-1 0 0,0 0 1 0 0,1-1-1 0 0,-1 1 1 0 0,0 0-1 0 0,1 0 1 0 0,0-1 0 0 0,-1 1-1 0 0,3 3 1 0 0,-2-5-178 0 0,-1 0 0 0 0,1 0-1 0 0,0 0 1 0 0,0-1 0 0 0,0 1 0 0 0,0 0 0 0 0,0 0 0 0 0,0-1 0 0 0,-1 1 0 0 0,1 0 0 0 0,0-1 0 0 0,1 0 0 0 0,7-6-1393 0 0</inkml:trace>
+</inkml:ink>
+</file>
+
+<file path=ppt/ink/ink55.xml><?xml version="1.0" encoding="utf-8"?>
+<inkml:ink xmlns:inkml="http://www.w3.org/2003/InkML">
+  <inkml:definitions>
+    <inkml:context xml:id="ctx0">
+      <inkml:inkSource xml:id="inkSrc0">
+        <inkml:traceFormat>
+          <inkml:channel name="X" type="integer" min="-2.14748E9" max="2.14748E9" units="cm"/>
+          <inkml:channel name="Y" type="integer" min="-2.14748E9" max="2.14748E9" units="cm"/>
+          <inkml:channel name="F" type="integer" max="32767" units="dev"/>
+          <inkml:channel name="OA" type="integer" max="360" units="deg"/>
+          <inkml:channel name="OE" type="integer" max="90" units="deg"/>
+        </inkml:traceFormat>
+        <inkml:channelProperties>
+          <inkml:channelProperty channel="X" name="resolution" value="1000" units="1/cm"/>
+          <inkml:channelProperty channel="Y" name="resolution" value="1000" units="1/cm"/>
+          <inkml:channelProperty channel="F" name="resolution" value="0" units="1/dev"/>
+          <inkml:channelProperty channel="OA" name="resolution" value="1000" units="1/deg"/>
+          <inkml:channelProperty channel="OE" name="resolution" value="1000" units="1/deg"/>
+        </inkml:channelProperties>
+      </inkml:inkSource>
+      <inkml:timestamp xml:id="ts0" timeString="2021-05-12T19:34:36.207"/>
+    </inkml:context>
+    <inkml:brush xml:id="br0">
+      <inkml:brushProperty name="width" value="0.05" units="cm"/>
+      <inkml:brushProperty name="height" value="0.05" units="cm"/>
+      <inkml:brushProperty name="color" value="#FF0066"/>
+    </inkml:brush>
+  </inkml:definitions>
+  <inkml:trace contextRef="#ctx0" brushRef="#br0">19 116 4144 0 0,'-4'-22'184'0'0,"2"12"40"0"0,2-3-224 0 0,0 0 0 0 0,-3-1 0 0 0,3 3 0 0 0,0 0 3008 0 0,0 1 568 0 0,0 5 104 0 0,0-1 919 0 0,-4 19-4599 0 0,2 1-384 0 0,2 2-96 0 0,-3 3-32 0 0,3 4-6751 0 0</inkml:trace>
+</inkml:ink>
+</file>
+
+<file path=ppt/ink/ink56.xml><?xml version="1.0" encoding="utf-8"?>
+<inkml:ink xmlns:inkml="http://www.w3.org/2003/InkML">
+  <inkml:definitions>
+    <inkml:context xml:id="ctx0">
+      <inkml:inkSource xml:id="inkSrc0">
+        <inkml:traceFormat>
+          <inkml:channel name="X" type="integer" min="-2.14748E9" max="2.14748E9" units="cm"/>
+          <inkml:channel name="Y" type="integer" min="-2.14748E9" max="2.14748E9" units="cm"/>
+          <inkml:channel name="F" type="integer" max="32767" units="dev"/>
+          <inkml:channel name="OA" type="integer" max="360" units="deg"/>
+          <inkml:channel name="OE" type="integer" max="90" units="deg"/>
+        </inkml:traceFormat>
+        <inkml:channelProperties>
+          <inkml:channelProperty channel="X" name="resolution" value="1000" units="1/cm"/>
+          <inkml:channelProperty channel="Y" name="resolution" value="1000" units="1/cm"/>
+          <inkml:channelProperty channel="F" name="resolution" value="0" units="1/dev"/>
+          <inkml:channelProperty channel="OA" name="resolution" value="1000" units="1/deg"/>
+          <inkml:channelProperty channel="OE" name="resolution" value="1000" units="1/deg"/>
+        </inkml:channelProperties>
+      </inkml:inkSource>
+      <inkml:timestamp xml:id="ts0" timeString="2021-05-12T19:34:36.549"/>
+    </inkml:context>
+    <inkml:brush xml:id="br0">
+      <inkml:brushProperty name="width" value="0.05" units="cm"/>
+      <inkml:brushProperty name="height" value="0.05" units="cm"/>
+      <inkml:brushProperty name="color" value="#FF0066"/>
+    </inkml:brush>
+  </inkml:definitions>
+  <inkml:trace contextRef="#ctx0" brushRef="#br0">1 295 11976 0 0,'0'4'143'0'0,"0"1"1"0"0,0-1 0 0 0,0 0 0 0 0,1 0-1 0 0,0 1 1 0 0,0-1 0 0 0,0 0-1 0 0,0 0 1 0 0,2 5 0 0 0,-2-8 587 0 0,3-1 860 0 0,-4 0-1523 0 0,0 0-1 0 0,1 0 1 0 0,-1 0-1 0 0,0 0 1 0 0,1 0-1 0 0,-1 0 1 0 0,1 0-1 0 0,-1 0 1 0 0,0 0-1 0 0,1 0 1 0 0,-1 0-1 0 0,0 0 0 0 0,1 0 1 0 0,-1 0-1 0 0,1-1 1 0 0,-1 1-1 0 0,0 0 1 0 0,0 0-1 0 0,1 0 1 0 0,-1-1-1 0 0,0 1 1 0 0,1 0-1 0 0,-1 0 1 0 0,0-1-1 0 0,0 1 1 0 0,1 0-1 0 0,-1-1 1 0 0,0 1-1 0 0,0 0 1 0 0,1-1-1 0 0,-1 1 1 0 0,0 0-1 0 0,0-1 1 0 0,0 1-1 0 0,0 0 1 0 0,0-1-1 0 0,0 1 1 0 0,0 0-1 0 0,0-1 1 0 0,0 0-1 0 0,22-75 4105 0 0,5-15-2645 0 0,30-39 527 0 0,-42 106-1663 0 0,-15 23-318 0 0,1 2-68 0 0,1 1 0 0 0,-1-1-1 0 0,0 1 1 0 0,0-1 0 0 0,0 1 0 0 0,-1 0-1 0 0,1-1 1 0 0,0 1 0 0 0,-1 0-1 0 0,1 0 1 0 0,-1-1 0 0 0,1 1 0 0 0,-1 2-1 0 0,1-2 2 0 0,11 72-6 0 0,-9-68 0 0 0,0-2 11 0 0,-3-4-8 0 0,0 1 1 0 0,1-1-1 0 0,-1 0 1 0 0,0 0-1 0 0,0 0 1 0 0,1 1-1 0 0,-1-1 1 0 0,1 0 0 0 0,-1 0-1 0 0,0 0 1 0 0,1 0-1 0 0,-1 0 1 0 0,0 0-1 0 0,1 0 1 0 0,-1 0-1 0 0,0 0 1 0 0,1 0-1 0 0,-1 0 1 0 0,1 0-1 0 0,-1 0 1 0 0,0 0-1 0 0,1 0 1 0 0,-1 0-1 0 0,0 0 1 0 0,1 0-1 0 0,-1-1 1 0 0,0 1-1 0 0,1 0 1 0 0,-1 0-1 0 0,0 0 1 0 0,1-1-1 0 0,10-6 181 0 0,-5 1 3 0 0,0-1-1 0 0,11-14 1 0 0,5-6 210 0 0,-18 22-352 0 0,2-1 23 0 0,0 0-1 0 0,0 0 0 0 0,0 0 0 0 0,1 1 0 0 0,7-5 0 0 0,-12 9-80 0 0,-1 0 0 0 0,0 1 0 0 0,0-1 0 0 0,1 1 0 0 0,-1-1 0 0 0,1 1 1 0 0,-1-1-1 0 0,0 1 0 0 0,1 0 0 0 0,-1-1 0 0 0,1 1 0 0 0,-1 0 0 0 0,1 0 0 0 0,-1 0 0 0 0,0 0 0 0 0,1 0 0 0 0,-1 1 0 0 0,1-1 0 0 0,-1 0 0 0 0,1 1 0 0 0,-1-1 0 0 0,0 1 0 0 0,1-1 0 0 0,-1 1 0 0 0,0-1 0 0 0,0 1 0 0 0,1 0 0 0 0,-1 0 0 0 0,0 0 0 0 0,0 0 0 0 0,0 0 0 0 0,0 0 0 0 0,0 0 0 0 0,0 0 0 0 0,0 0 0 0 0,1 3 0 0 0,2 2-689 0 0,1 0-1 0 0,0-1 1 0 0,0 1 0 0 0,0-1-1 0 0,1 0 1 0 0,9 6-1 0 0,-9-7-1617 0 0,0 0-1 0 0,0-1 0 0 0,12 5 1 0 0,-9-4-3672 0 0</inkml:trace>
+  <inkml:trace contextRef="#ctx0" brushRef="#br0" timeOffset="1">499 69 13824 0 0,'0'0'629'0'0,"-9"2"212"0"0,3 0-371 0 0,0 0 1 0 0,0 1-1 0 0,0-1 0 0 0,1 1 0 0 0,-1 1 0 0 0,1-1 1 0 0,-1 1-1 0 0,-7 7 0 0 0,9-8-84 0 0,1 0 0 0 0,-1 1 0 0 0,1-1-1 0 0,0 1 1 0 0,0 0 0 0 0,0 0 0 0 0,1 0 0 0 0,-1 1 0 0 0,1-1-1 0 0,0 1 1 0 0,0-1 0 0 0,-1 6 0 0 0,3-10-334 0 0,0 1-1 0 0,0-1 1 0 0,0 1 0 0 0,0-1 0 0 0,0 1-1 0 0,0 0 1 0 0,0-1 0 0 0,0 1 0 0 0,0-1-1 0 0,0 1 1 0 0,0-1 0 0 0,0 1 0 0 0,0 0-1 0 0,0-1 1 0 0,1 1 0 0 0,-1-1 0 0 0,0 1-1 0 0,0-1 1 0 0,1 1 0 0 0,-1-1 0 0 0,0 1 0 0 0,1-1-1 0 0,-1 1 1 0 0,0-1 0 0 0,1 0 0 0 0,-1 1-1 0 0,1 0 1 0 0,1-1-24 0 0,-1 1 1 0 0,0-1-1 0 0,0 1 1 0 0,0-1-1 0 0,1 0 0 0 0,-1 1 1 0 0,0-1-1 0 0,1 0 1 0 0,-1 0-1 0 0,0 0 0 0 0,3 0 1 0 0,0 0-45 0 0,-1-1-1 0 0,1 0 1 0 0,0 1 0 0 0,-1-1 0 0 0,1 0-1 0 0,-1-1 1 0 0,1 1 0 0 0,4-3 0 0 0,9-11-1400 0 0,0 0 1 0 0,-1-1-1 0 0,-1-1 1 0 0,0 0-1 0 0,21-34 1 0 0,-13 14-710 0 0</inkml:trace>
+</inkml:ink>
+</file>
+
+<file path=ppt/ink/ink57.xml><?xml version="1.0" encoding="utf-8"?>
+<inkml:ink xmlns:inkml="http://www.w3.org/2003/InkML">
+  <inkml:definitions>
+    <inkml:context xml:id="ctx0">
+      <inkml:inkSource xml:id="inkSrc0">
+        <inkml:traceFormat>
+          <inkml:channel name="X" type="integer" min="-2.14748E9" max="2.14748E9" units="cm"/>
+          <inkml:channel name="Y" type="integer" min="-2.14748E9" max="2.14748E9" units="cm"/>
+          <inkml:channel name="F" type="integer" max="32767" units="dev"/>
+          <inkml:channel name="OA" type="integer" max="360" units="deg"/>
+          <inkml:channel name="OE" type="integer" max="90" units="deg"/>
+        </inkml:traceFormat>
+        <inkml:channelProperties>
+          <inkml:channelProperty channel="X" name="resolution" value="1000" units="1/cm"/>
+          <inkml:channelProperty channel="Y" name="resolution" value="1000" units="1/cm"/>
+          <inkml:channelProperty channel="F" name="resolution" value="0" units="1/dev"/>
+          <inkml:channelProperty channel="OA" name="resolution" value="1000" units="1/deg"/>
+          <inkml:channelProperty channel="OE" name="resolution" value="1000" units="1/deg"/>
+        </inkml:channelProperties>
+      </inkml:inkSource>
+      <inkml:timestamp xml:id="ts0" timeString="2021-05-12T19:34:36.923"/>
+    </inkml:context>
+    <inkml:brush xml:id="br0">
+      <inkml:brushProperty name="width" value="0.05" units="cm"/>
+      <inkml:brushProperty name="height" value="0.05" units="cm"/>
+      <inkml:brushProperty name="color" value="#FF0066"/>
+    </inkml:brush>
+  </inkml:definitions>
+  <inkml:trace contextRef="#ctx0" brushRef="#br0">19 1 4608 0 0,'0'0'11912'0'0,"5"5"-9725"0"0,-4 0-1676 0 0,1 0 0 0 0,-1 0 0 0 0,0 0 0 0 0,-1 0 0 0 0,1 0 0 0 0,-1 0 0 0 0,0 0 0 0 0,0 0 1 0 0,-2 6-2 0 0,1 9 468 0 0,1-2 115 0 0,-6 28-1 0 0,0-1-502 0 0,1 9-597 0 0,-4 52 81 0 0,9-87-184 0 0,0 0-1 0 0,2 0 1 0 0,5 30-1 0 0,-5-36-179 0 0,7 26-1446 0 0,-2-13-4515 0 0,1-3-1891 0 0</inkml:trace>
+</inkml:ink>
+</file>
+
+<file path=ppt/ink/ink58.xml><?xml version="1.0" encoding="utf-8"?>
+<inkml:ink xmlns:inkml="http://www.w3.org/2003/InkML">
+  <inkml:definitions>
+    <inkml:context xml:id="ctx0">
+      <inkml:inkSource xml:id="inkSrc0">
+        <inkml:traceFormat>
+          <inkml:channel name="X" type="integer" min="-2.14748E9" max="2.14748E9" units="cm"/>
+          <inkml:channel name="Y" type="integer" min="-2.14748E9" max="2.14748E9" units="cm"/>
+          <inkml:channel name="F" type="integer" max="32767" units="dev"/>
+          <inkml:channel name="OA" type="integer" max="360" units="deg"/>
+          <inkml:channel name="OE" type="integer" max="90" units="deg"/>
+        </inkml:traceFormat>
+        <inkml:channelProperties>
+          <inkml:channelProperty channel="X" name="resolution" value="1000" units="1/cm"/>
+          <inkml:channelProperty channel="Y" name="resolution" value="1000" units="1/cm"/>
+          <inkml:channelProperty channel="F" name="resolution" value="0" units="1/dev"/>
+          <inkml:channelProperty channel="OA" name="resolution" value="1000" units="1/deg"/>
+          <inkml:channelProperty channel="OE" name="resolution" value="1000" units="1/deg"/>
+        </inkml:channelProperties>
+      </inkml:inkSource>
+      <inkml:timestamp xml:id="ts0" timeString="2021-05-12T19:34:37.797"/>
+    </inkml:context>
+    <inkml:brush xml:id="br0">
+      <inkml:brushProperty name="width" value="0.05" units="cm"/>
+      <inkml:brushProperty name="height" value="0.05" units="cm"/>
+      <inkml:brushProperty name="color" value="#FF0066"/>
+    </inkml:brush>
+  </inkml:definitions>
+  <inkml:trace contextRef="#ctx0" brushRef="#br0">32 98 13824 0 0,'0'0'3165'0'0,"0"9"-1377"0"0,-3 11-664 0 0,1 39 1 0 0,1-10-809 0 0,-16 131 185 0 0,11-120 71 0 0,4-48-241 0 0,1-17 147 0 0,3-19-71 0 0,10-90 255 0 0,-9 82-560 0 0,2 0 0 0 0,1 1 1 0 0,1 0-1 0 0,17-43 0 0 0,-20 65-44 0 0,0 0 0 0 0,0 0 0 0 0,1 1 0 0 0,0 0 1 0 0,1 0-1 0 0,-1 0 0 0 0,2 0 0 0 0,-1 1 0 0 0,1 0 0 0 0,0 0 0 0 0,0 1 0 0 0,1 0 0 0 0,0 0 0 0 0,0 1 0 0 0,0 0 1 0 0,1 1-1 0 0,-1-1 0 0 0,1 1 0 0 0,11-2 0 0 0,-12 3-54 0 0,1 1 0 0 0,-1 1 0 0 0,1 0 0 0 0,-1 0 1 0 0,1 0-1 0 0,-1 1 0 0 0,1 1 0 0 0,-1-1 0 0 0,1 1 0 0 0,-1 1 0 0 0,0 0 1 0 0,1 0-1 0 0,8 3 0 0 0,-13-3 53 0 0,1 1 0 0 0,0-1 0 0 0,-1 1 0 0 0,0-1 0 0 0,0 1 0 0 0,0 0 0 0 0,0 1 0 0 0,0-1 0 0 0,0 1 0 0 0,-1 0 0 0 0,0 0-1 0 0,0 0 1 0 0,0 0 0 0 0,0 0 0 0 0,0 1 0 0 0,-1-1 0 0 0,0 1 0 0 0,0 0 0 0 0,0-1 0 0 0,-1 1 0 0 0,1 0 0 0 0,-1 0 0 0 0,0 7 0 0 0,0 2 67 0 0,0 1 1 0 0,-1-1-1 0 0,-1 1 0 0 0,-1-1 0 0 0,0 1 0 0 0,-1-1 0 0 0,0 0 1 0 0,-1 0-1 0 0,-1 0 0 0 0,0 0 0 0 0,0-1 0 0 0,-2 0 1 0 0,-15 24-1 0 0,14-24-94 0 0,-1-2 0 0 0,0 1 0 0 0,0-2 0 0 0,-1 1 0 0 0,-1-1 1 0 0,0-1-1 0 0,0 1 0 0 0,-1-2 0 0 0,0 0 0 0 0,0 0 0 0 0,-1-1 0 0 0,0-1 0 0 0,0 0 1 0 0,-17 4-1 0 0,20-7-366 0 0,-1-2 1 0 0,0 1-1 0 0,0-2 1 0 0,-13 0 0 0 0,16 0-84 0 0,7 0 267 0 0,0 0 1 0 0,-1 0 0 0 0,1 0-1 0 0,0 0 1 0 0,0-1-1 0 0,-1 1 1 0 0,1 0-1 0 0,0-1 1 0 0,0 1-1 0 0,-1-1 1 0 0,0 0 0 0 0,2 0 66 0 0,0 1 0 0 0,-1 0 1 0 0,1-1-1 0 0,0 1 0 0 0,0 0 1 0 0,1 0-1 0 0,-1-1 1 0 0,0 1-1 0 0,0 0 0 0 0,0-1 1 0 0,0 1-1 0 0,0 0 0 0 0,0 0 1 0 0,0-1-1 0 0,0 1 0 0 0,0 0 1 0 0,1-1-1 0 0,-1 1 1 0 0,0 0-1 0 0,0 0 0 0 0,0 0 1 0 0,1-1-1 0 0,-1 1 0 0 0,0 0 1 0 0,0 0-1 0 0,1 0 1 0 0,-1-1-1 0 0,8-6-1091 0 0,0 1 270 0 0,1 0-1 0 0,-1 0 1 0 0,1 1-1 0 0,0 1 1 0 0,11-5 0 0 0,51-14-1187 0 0,-38 13 1534 0 0,126-38-2628 0 0,-108 31 2906 0 0,59-15 9089 0 0,-126 54-7127 0 0,0-7-350 0 0,0 1 0 0 0,-23 31 0 0 0,28-31-362 0 0,-11 23 1 0 0,18-30-642 0 0,3-7-243 0 0,0 0 0 0 0,1 0 0 0 0,-1 0-1 0 0,0 0 1 0 0,1 0 0 0 0,0 0 0 0 0,-1 0 0 0 0,1 0 0 0 0,0 0 0 0 0,1 5 0 0 0,-1 1 366 0 0,10-9-151 0 0,-1-2-288 0 0,-1 0 0 0 0,1 0 0 0 0,-1-1-1 0 0,0 0 1 0 0,0-1 0 0 0,-1 0 0 0 0,8-6 0 0 0,39-32-2074 0 0,-32 25-347 0 0,1 0 1 0 0,28-16-1 0 0,-28 22-4997 0 0</inkml:trace>
+</inkml:ink>
+</file>
+
+<file path=ppt/ink/ink59.xml><?xml version="1.0" encoding="utf-8"?>
+<inkml:ink xmlns:inkml="http://www.w3.org/2003/InkML">
+  <inkml:definitions>
+    <inkml:context xml:id="ctx0">
+      <inkml:inkSource xml:id="inkSrc0">
+        <inkml:traceFormat>
+          <inkml:channel name="X" type="integer" min="-2.14748E9" max="2.14748E9" units="cm"/>
+          <inkml:channel name="Y" type="integer" min="-2.14748E9" max="2.14748E9" units="cm"/>
+          <inkml:channel name="F" type="integer" max="32767" units="dev"/>
+          <inkml:channel name="OA" type="integer" max="360" units="deg"/>
+          <inkml:channel name="OE" type="integer" max="90" units="deg"/>
+        </inkml:traceFormat>
+        <inkml:channelProperties>
+          <inkml:channelProperty channel="X" name="resolution" value="1000" units="1/cm"/>
+          <inkml:channelProperty channel="Y" name="resolution" value="1000" units="1/cm"/>
+          <inkml:channelProperty channel="F" name="resolution" value="0" units="1/dev"/>
+          <inkml:channelProperty channel="OA" name="resolution" value="1000" units="1/deg"/>
+          <inkml:channelProperty channel="OE" name="resolution" value="1000" units="1/deg"/>
+        </inkml:channelProperties>
+      </inkml:inkSource>
+      <inkml:timestamp xml:id="ts0" timeString="2021-05-12T19:34:38.157"/>
+    </inkml:context>
+    <inkml:brush xml:id="br0">
+      <inkml:brushProperty name="width" value="0.05" units="cm"/>
+      <inkml:brushProperty name="height" value="0.05" units="cm"/>
+      <inkml:brushProperty name="color" value="#FF0066"/>
+    </inkml:brush>
+  </inkml:definitions>
+  <inkml:trace contextRef="#ctx0" brushRef="#br0">414 0 9216 0 0,'-8'1'1055'0'0,"1"0"0"0"0,-1 0 0 0 0,0 1 0 0 0,1 0 0 0 0,-9 3 1 0 0,-8 2 3586 0 0,14-4-4118 0 0,-1 0 1 0 0,1 0-1 0 0,-1 1 1 0 0,1 0-1 0 0,0 1 1 0 0,1 0-1 0 0,-1 0 1 0 0,1 1-1 0 0,0 0 1 0 0,1 1-1 0 0,-1 0 1 0 0,-12 15-1 0 0,20-21-506 0 0,0 0 1 0 0,1-1-1 0 0,-1 1 0 0 0,0 0 1 0 0,1 0-1 0 0,-1 0 0 0 0,1 0 0 0 0,-1 0 1 0 0,1 0-1 0 0,0 0 0 0 0,-1 0 0 0 0,1 0 1 0 0,0 0-1 0 0,0 0 0 0 0,0 0 0 0 0,0 0 1 0 0,0 0-1 0 0,0 0 0 0 0,0 0 1 0 0,0 0-1 0 0,0 0 0 0 0,0 0 0 0 0,1 0 1 0 0,-1 0-1 0 0,0 0 0 0 0,1 0 0 0 0,-1 0 1 0 0,0 0-1 0 0,1 0 0 0 0,0 0 0 0 0,-1-1 1 0 0,1 1-1 0 0,-1 0 0 0 0,1 0 1 0 0,1 1-1 0 0,0-1-20 0 0,0 1 0 0 0,-1-1 1 0 0,1 0-1 0 0,0 0 0 0 0,0 0 1 0 0,0 0-1 0 0,0 0 0 0 0,0 0 1 0 0,1-1-1 0 0,-1 1 0 0 0,0 0 1 0 0,0-1-1 0 0,0 0 0 0 0,0 0 1 0 0,5 0-1 0 0,6-2 114 0 0,-1 0 0 0 0,0-1 1 0 0,0-1-1 0 0,0 0 0 0 0,0 0 0 0 0,14-9 0 0 0,-12 6-13 0 0,0 1 0 0 0,0 1-1 0 0,28-8 1 0 0,-39 13-77 0 0,0-1 0 0 0,0 1 0 0 0,0 0 0 0 0,0 0 0 0 0,0 0 0 0 0,0 0 0 0 0,0 1 0 0 0,0-1 0 0 0,0 1-1 0 0,0 0 1 0 0,0 0 0 0 0,0 0 0 0 0,0 0 0 0 0,0 0 0 0 0,0 1 0 0 0,-1-1 0 0 0,1 1 0 0 0,-1 0 0 0 0,1-1 0 0 0,-1 1 0 0 0,0 0 0 0 0,1 1 0 0 0,-1-1 0 0 0,0 0 0 0 0,0 1 0 0 0,-1-1 0 0 0,1 1 0 0 0,0-1 0 0 0,-1 1 0 0 0,0 0 0 0 0,0 0 0 0 0,1 0 0 0 0,-2 0 0 0 0,1 0 0 0 0,0 0 0 0 0,0 0 0 0 0,-1 0 0 0 0,0 0 0 0 0,0 0 0 0 0,0 0-1 0 0,0 0 1 0 0,0 0 0 0 0,-1 3 0 0 0,-2 13 53 0 0,-1 0-1 0 0,-1 0 1 0 0,0-1-1 0 0,-14 30 1 0 0,6-21 30 0 0,-1 0-1 0 0,-21 30 1 0 0,23-42-212 0 0,1-1 0 0 0,-2 0 1 0 0,0-1-1 0 0,0 0 0 0 0,-1-1 0 0 0,-1-1 0 0 0,-20 13 0 0 0,16-13-119 0 0,-1 0 0 0 0,-1-1-1 0 0,1-1 1 0 0,-2-1-1 0 0,-32 8 1 0 0,52-16 185 0 0,-13 4-1063 0 0,-1 0 1 0 0,0-2-1 0 0,0 0 1 0 0,-24 0-1 0 0,22-4-732 0 0</inkml:trace>
+</inkml:ink>
+</file>
+
+<file path=ppt/ink/ink6.xml><?xml version="1.0" encoding="utf-8"?>
+<inkml:ink xmlns:inkml="http://www.w3.org/2003/InkML">
+  <inkml:definitions>
+    <inkml:context xml:id="ctx0">
+      <inkml:inkSource xml:id="inkSrc0">
+        <inkml:traceFormat>
+          <inkml:channel name="X" type="integer" min="-2.14748E9" max="2.14748E9" units="cm"/>
+          <inkml:channel name="Y" type="integer" min="-2.14748E9" max="2.14748E9" units="cm"/>
+          <inkml:channel name="F" type="integer" max="32767" units="dev"/>
+          <inkml:channel name="OA" type="integer" max="360" units="deg"/>
+          <inkml:channel name="OE" type="integer" max="90" units="deg"/>
+        </inkml:traceFormat>
+        <inkml:channelProperties>
+          <inkml:channelProperty channel="X" name="resolution" value="1000" units="1/cm"/>
+          <inkml:channelProperty channel="Y" name="resolution" value="1000" units="1/cm"/>
+          <inkml:channelProperty channel="F" name="resolution" value="0" units="1/dev"/>
+          <inkml:channelProperty channel="OA" name="resolution" value="1000" units="1/deg"/>
+          <inkml:channelProperty channel="OE" name="resolution" value="1000" units="1/deg"/>
+        </inkml:channelProperties>
+      </inkml:inkSource>
+      <inkml:timestamp xml:id="ts0" timeString="2021-05-12T19:00:45.984"/>
+    </inkml:context>
+    <inkml:brush xml:id="br0">
+      <inkml:brushProperty name="width" value="0.05" units="cm"/>
+      <inkml:brushProperty name="height" value="0.05" units="cm"/>
+      <inkml:brushProperty name="color" value="#FF0066"/>
+    </inkml:brush>
+  </inkml:definitions>
+  <inkml:trace contextRef="#ctx0" brushRef="#br0">248 61 3224 0 0,'-8'1'288'0'0,"-5"0"154"0"0,-8 4 12569 0 0,12-1-6658 0 0,32-5-4600 0 0,27-4 0 0 0,57-15-639 0 0,-72 12-949 0 0,-18 5-64 0 0,34-9 153 0 0,0 3 1 0 0,92-4-1 0 0,-141 13-250 0 0,1 0 0 0 0,-1 0 0 0 0,0 1 0 0 0,1-1 0 0 0,-1 1 0 0 0,1-1 0 0 0,-1 1 0 0 0,1 0-1 0 0,-1 0 1 0 0,0 0 0 0 0,0 0 0 0 0,0 1 0 0 0,0-1 0 0 0,1 1 0 0 0,-2-1 0 0 0,1 1 0 0 0,0 0 0 0 0,0-1 0 0 0,0 1 0 0 0,-1 0 0 0 0,1 0-1 0 0,-1 0 1 0 0,0 0 0 0 0,1 1 0 0 0,-1-1 0 0 0,0 0 0 0 0,0 1 0 0 0,-1-1 0 0 0,1 0 0 0 0,0 3 0 0 0,2 8 29 0 0,-1 0 0 0 0,0 0 0 0 0,-1 0 0 0 0,0 19 0 0 0,-4 23 134 0 0,-19 100 0 0 0,7-63-84 0 0,-38 259 562 0 0,45-288-603 0 0,-6 49 52 0 0,8-69-65 0 0,1 0 0 0 0,4 80 0 0 0,9-17 42 0 0,-4-74 93 0 0,0 16 469 0 0,-4-40-670 0 0,0 1-1 0 0,0 0 1 0 0,-1-1-1 0 0,-4 15 1 0 0,5-20 53 0 0,-1-1 1 0 0,0 0 0 0 0,0 0 0 0 0,0 0 0 0 0,0 0 0 0 0,0 0-1 0 0,0 0 1 0 0,0 0 0 0 0,-1-1 0 0 0,1 1 0 0 0,-1 0-1 0 0,1-1 1 0 0,-1 1 0 0 0,1-1 0 0 0,-1 1 0 0 0,0-1-1 0 0,0 0 1 0 0,0 0 0 0 0,0 0 0 0 0,0 0 0 0 0,0 0-1 0 0,0 0 1 0 0,-4 0 0 0 0,-38 7 380 0 0,-51 3 0 0 0,-8 0-202 0 0,51-1-129 0 0,-68 20-1 0 0,82-21-57 0 0,27-7-4 0 0,1 0 0 0 0,-1 1 0 0 0,-14 6 0 0 0,21-7-4 0 0,1-1 0 0 0,-1 0 0 0 0,1 0 0 0 0,-1 0 0 0 0,1 0 0 0 0,-5 0 0 0 0,-22 4 0 0 0,29-4-71 0 0,1-1 0 0 0,-1 0 0 0 0,0 0 0 0 0,0 1 0 0 0,1-1 0 0 0,-1 0 0 0 0,0 1 0 0 0,1-1 0 0 0,-1 0 0 0 0,0 1 1 0 0,1-1-1 0 0,-1 1 0 0 0,1 0 0 0 0,-1-1 0 0 0,0 1 0 0 0,1-1 0 0 0,0 1 0 0 0,-1 0 0 0 0,1-1 0 0 0,-1 1 0 0 0,1 0 0 0 0,0-1 0 0 0,-1 1 0 0 0,1 0 0 0 0,0 0 0 0 0,0-1 0 0 0,0 1 0 0 0,0 0 0 0 0,-1 0 0 0 0,1 0 0 0 0,0-1 1 0 0,0 1-1 0 0,1 0 0 0 0,-1 0 0 0 0,0-1 0 0 0,0 2 0 0 0,11 20-3205 0 0,-6-11 1460 0 0,2 0-27 0 0</inkml:trace>
+</inkml:ink>
+</file>
+
+<file path=ppt/ink/ink60.xml><?xml version="1.0" encoding="utf-8"?>
+<inkml:ink xmlns:inkml="http://www.w3.org/2003/InkML">
+  <inkml:definitions>
+    <inkml:context xml:id="ctx0">
+      <inkml:inkSource xml:id="inkSrc0">
+        <inkml:traceFormat>
+          <inkml:channel name="X" type="integer" min="-2.14748E9" max="2.14748E9" units="cm"/>
+          <inkml:channel name="Y" type="integer" min="-2.14748E9" max="2.14748E9" units="cm"/>
+          <inkml:channel name="F" type="integer" max="32767" units="dev"/>
+          <inkml:channel name="OA" type="integer" max="360" units="deg"/>
+          <inkml:channel name="OE" type="integer" max="90" units="deg"/>
+        </inkml:traceFormat>
+        <inkml:channelProperties>
+          <inkml:channelProperty channel="X" name="resolution" value="1000" units="1/cm"/>
+          <inkml:channelProperty channel="Y" name="resolution" value="1000" units="1/cm"/>
+          <inkml:channelProperty channel="F" name="resolution" value="0" units="1/dev"/>
+          <inkml:channelProperty channel="OA" name="resolution" value="1000" units="1/deg"/>
+          <inkml:channelProperty channel="OE" name="resolution" value="1000" units="1/deg"/>
+        </inkml:channelProperties>
+      </inkml:inkSource>
+      <inkml:timestamp xml:id="ts0" timeString="2021-05-12T19:34:38.930"/>
+    </inkml:context>
+    <inkml:brush xml:id="br0">
+      <inkml:brushProperty name="width" value="0.05" units="cm"/>
+      <inkml:brushProperty name="height" value="0.05" units="cm"/>
+      <inkml:brushProperty name="color" value="#FF0066"/>
+    </inkml:brush>
+  </inkml:definitions>
+  <inkml:trace contextRef="#ctx0" brushRef="#br0">18 169 18631 0 0,'-12'11'852'0'0,"8"-8"-20"0"0,2-3-502 0 0,21-8 355 0 0,-9 5-632 0 0,1 1 0 0 0,-1 0 1 0 0,1 1-1 0 0,-1 0 0 0 0,17 1 0 0 0,2 0 305 0 0,144-3 339 0 0,73-5-676 0 0,-236 8 17 0 0,-3-1 7 0 0,0 1 0 0 0,1-1-1 0 0,-1 0 1 0 0,0-1 0 0 0,10-3-1 0 0,-17 5-35 0 0,1 0 0 0 0,-1 0 0 0 0,1 0 0 0 0,-1-1 0 0 0,1 1 0 0 0,-1 0 0 0 0,0-1 0 0 0,1 1 0 0 0,-1 0 0 0 0,0-1 0 0 0,1 1 0 0 0,-1 0 0 0 0,0-1 0 0 0,1 1 0 0 0,-1 0 0 0 0,0-1 0 0 0,0 1 0 0 0,1-1 0 0 0,-1 1 0 0 0,0-1 0 0 0,0 1 0 0 0,0-1 0 0 0,0 1 0 0 0,0-1 0 0 0,0 1 0 0 0,1-1-1 0 0,-1 1 1 0 0,0-1 0 0 0,-1 1 0 0 0,1-1 0 0 0,0 1 0 0 0,0-1 0 0 0,0 1 0 0 0,0-1 0 0 0,0 1 0 0 0,0 0 0 0 0,0-1 0 0 0,-1 1 0 0 0,1-1 0 0 0,0 1 0 0 0,0-1 0 0 0,-1 1 0 0 0,1 0 0 0 0,0-1 0 0 0,-1 1 0 0 0,1-1 0 0 0,0 1 0 0 0,-1 0 0 0 0,1 0 0 0 0,-1-1 0 0 0,-19-14 165 0 0,8 8-103 0 0,0 0-9 0 0,-24-11 0 0 0,1 1-260 0 0,-11-3 540 0 0,5-1 935 0 0,41 21-1273 0 0,0 0 0 0 0,0 0 0 0 0,0-1 1 0 0,0 1-1 0 0,0 0 0 0 0,0 0 0 0 0,0 0 0 0 0,0 0 0 0 0,0 0 0 0 0,0 0 0 0 0,0-1 0 0 0,0 1 0 0 0,0 0 0 0 0,0 0 0 0 0,0 0 1 0 0,0 0-1 0 0,0 0 0 0 0,0-1 0 0 0,0 1 0 0 0,0 0 0 0 0,0 0 0 0 0,0 0 0 0 0,0 0 0 0 0,0 0 0 0 0,0 0 0 0 0,0-1 0 0 0,0 1 1 0 0,1 0-1 0 0,-1 0 0 0 0,0 0 0 0 0,0 0 0 0 0,0 0 0 0 0,0 0 0 0 0,0 0 0 0 0,0 0 0 0 0,0 0 0 0 0,1 0 0 0 0,-1-1 1 0 0,0 1-1 0 0,0 0 0 0 0,0 0 0 0 0,0 0 0 0 0,0 0 0 0 0,0 0 0 0 0,1 0 0 0 0,-1 0 0 0 0,6-3 60 0 0,11-1-37 0 0,0 1-1 0 0,0 1 1 0 0,0 0-1 0 0,0 1 1 0 0,0 1-1 0 0,0 1 1 0 0,0 0-1 0 0,0 1 1 0 0,26 8 0 0 0,-42-10-5 0 0,-1 0 0 0 0,1 0 0 0 0,-1 0 0 0 0,1 0 0 0 0,-1 1 0 0 0,1-1 0 0 0,-1 0 0 0 0,0 0 1 0 0,1 1-1 0 0,-1-1 0 0 0,1 0 0 0 0,-1 1 0 0 0,0-1 0 0 0,1 0 0 0 0,-1 1 0 0 0,0-1 0 0 0,1 1 1 0 0,-1-1-1 0 0,0 1 0 0 0,1-1 0 0 0,-1 1 0 0 0,0-1 0 0 0,0 1 0 0 0,0-1 0 0 0,0 1 1 0 0,1-1-1 0 0,-1 1 0 0 0,0-1 0 0 0,0 1 0 0 0,0-1 0 0 0,0 1 0 0 0,0-1 0 0 0,0 1 0 0 0,0-1 1 0 0,0 1-1 0 0,-1 0 0 0 0,1 1 32 0 0,-1 0-1 0 0,1 0 1 0 0,-1-1 0 0 0,0 1 0 0 0,1 0 0 0 0,-1-1 0 0 0,0 1-1 0 0,-2 2 1 0 0,-11 11 57 0 0,-2 1-1 0 0,0-2 0 0 0,-22 16 0 0 0,6-4-451 0 0,-43 27-2995 0 0,59-43 1308 0 0</inkml:trace>
+</inkml:ink>
+</file>
+
+<file path=ppt/ink/ink61.xml><?xml version="1.0" encoding="utf-8"?>
+<inkml:ink xmlns:inkml="http://www.w3.org/2003/InkML">
+  <inkml:definitions>
+    <inkml:context xml:id="ctx0">
+      <inkml:inkSource xml:id="inkSrc0">
+        <inkml:traceFormat>
+          <inkml:channel name="X" type="integer" min="-2.14748E9" max="2.14748E9" units="cm"/>
+          <inkml:channel name="Y" type="integer" min="-2.14748E9" max="2.14748E9" units="cm"/>
+          <inkml:channel name="F" type="integer" max="32767" units="dev"/>
+          <inkml:channel name="OA" type="integer" max="360" units="deg"/>
+          <inkml:channel name="OE" type="integer" max="90" units="deg"/>
+        </inkml:traceFormat>
+        <inkml:channelProperties>
+          <inkml:channelProperty channel="X" name="resolution" value="1000" units="1/cm"/>
+          <inkml:channelProperty channel="Y" name="resolution" value="1000" units="1/cm"/>
+          <inkml:channelProperty channel="F" name="resolution" value="0" units="1/dev"/>
+          <inkml:channelProperty channel="OA" name="resolution" value="1000" units="1/deg"/>
+          <inkml:channelProperty channel="OE" name="resolution" value="1000" units="1/deg"/>
+        </inkml:channelProperties>
+      </inkml:inkSource>
+      <inkml:timestamp xml:id="ts0" timeString="2021-05-12T19:34:40.016"/>
+    </inkml:context>
+    <inkml:brush xml:id="br0">
+      <inkml:brushProperty name="width" value="0.05" units="cm"/>
+      <inkml:brushProperty name="height" value="0.05" units="cm"/>
+      <inkml:brushProperty name="color" value="#FF0066"/>
+    </inkml:brush>
+  </inkml:definitions>
+  <inkml:trace contextRef="#ctx0" brushRef="#br0">531 52 13824 0 0,'0'-2'73'0'0,"1"1"0"0"0,0 0 0 0 0,-1-1 1 0 0,1 1-1 0 0,-1 0 0 0 0,0-1 0 0 0,1 1 1 0 0,-1 0-1 0 0,0-1 0 0 0,0 1 0 0 0,0-1 1 0 0,0 1-1 0 0,0 0 0 0 0,0-1 1 0 0,0 1-1 0 0,0-1 0 0 0,-1 1 0 0 0,1 0 1 0 0,-1-1-1 0 0,1 1 0 0 0,-1 0 0 0 0,1-1 1 0 0,-1 1-1 0 0,0 0 0 0 0,0-2 0 0 0,-1 2 71 0 0,1 0-1 0 0,0-1 0 0 0,-1 1 0 0 0,1 0 1 0 0,-1 0-1 0 0,0 0 0 0 0,1 0 0 0 0,-1 0 1 0 0,0 0-1 0 0,1 0 0 0 0,-1 1 0 0 0,0-1 1 0 0,0 1-1 0 0,0-1 0 0 0,0 1 0 0 0,0 0 1 0 0,0 0-1 0 0,-2-1 0 0 0,-7 2 239 0 0,1 0 0 0 0,0 1 0 0 0,0 0 0 0 0,-1 0 1 0 0,1 1-1 0 0,-14 6 0 0 0,-1 2 243 0 0,-29 17 0 0 0,25-12-154 0 0,1 1-1 0 0,1 1 0 0 0,0 2 1 0 0,-45 43-1 0 0,52-42-101 0 0,1 2 0 0 0,2 0 0 0 0,-22 35 1 0 0,31-43-267 0 0,1-1 0 0 0,0 1 0 0 0,1 0 0 0 0,1 1 0 0 0,0-1 0 0 0,1 1 0 0 0,-3 24 1 0 0,6-34-95 0 0,1 0 1 0 0,0 0 0 0 0,0 0 0 0 0,0-1 0 0 0,1 1 0 0 0,0 0-1 0 0,0 0 1 0 0,1-1 0 0 0,0 1 0 0 0,0-1 0 0 0,3 7 0 0 0,-3-8-9 0 0,0-1 1 0 0,0 0 0 0 0,0 0 0 0 0,0 0 0 0 0,1 0 0 0 0,-1 0 0 0 0,1 0 0 0 0,0-1 0 0 0,0 1 0 0 0,0-1 0 0 0,0 0 0 0 0,0 0 0 0 0,0 0 0 0 0,1 0 0 0 0,-1 0 0 0 0,1-1 0 0 0,6 2 0 0 0,1 0-100 0 0,1-1-1 0 0,0-1 1 0 0,0 0 0 0 0,0-1 0 0 0,0 0-1 0 0,-1-1 1 0 0,20-3 0 0 0,80-25-1981 0 0,-78 19 1393 0 0,93-35-5318 0 0,-89 29-647 0 0</inkml:trace>
+</inkml:ink>
+</file>
+
+<file path=ppt/ink/ink62.xml><?xml version="1.0" encoding="utf-8"?>
+<inkml:ink xmlns:inkml="http://www.w3.org/2003/InkML">
+  <inkml:definitions>
+    <inkml:context xml:id="ctx0">
+      <inkml:inkSource xml:id="inkSrc0">
+        <inkml:traceFormat>
+          <inkml:channel name="X" type="integer" min="-2.14748E9" max="2.14748E9" units="cm"/>
+          <inkml:channel name="Y" type="integer" min="-2.14748E9" max="2.14748E9" units="cm"/>
+          <inkml:channel name="F" type="integer" max="32767" units="dev"/>
+          <inkml:channel name="OA" type="integer" max="360" units="deg"/>
+          <inkml:channel name="OE" type="integer" max="90" units="deg"/>
+        </inkml:traceFormat>
+        <inkml:channelProperties>
+          <inkml:channelProperty channel="X" name="resolution" value="1000" units="1/cm"/>
+          <inkml:channelProperty channel="Y" name="resolution" value="1000" units="1/cm"/>
+          <inkml:channelProperty channel="F" name="resolution" value="0" units="1/dev"/>
+          <inkml:channelProperty channel="OA" name="resolution" value="1000" units="1/deg"/>
+          <inkml:channelProperty channel="OE" name="resolution" value="1000" units="1/deg"/>
+        </inkml:channelProperties>
+      </inkml:inkSource>
+      <inkml:timestamp xml:id="ts0" timeString="2021-05-12T19:34:40.388"/>
+    </inkml:context>
+    <inkml:brush xml:id="br0">
+      <inkml:brushProperty name="width" value="0.05" units="cm"/>
+      <inkml:brushProperty name="height" value="0.05" units="cm"/>
+      <inkml:brushProperty name="color" value="#FF0066"/>
+    </inkml:brush>
+  </inkml:definitions>
+  <inkml:trace contextRef="#ctx0" brushRef="#br0">212 0 3224 0 0,'-7'0'616'0'0,"0"1"-1"0"0,0 0 1 0 0,0 0 0 0 0,-9 2 0 0 0,6 0 1250 0 0,0 1 1 0 0,1 0 0 0 0,-1 0-1 0 0,-13 10 1 0 0,9-5 1990 0 0,-27 24 0 0 0,10-2-3656 0 0,29-29-85 0 0,0 0 1 0 0,0 1-1 0 0,1-1 0 0 0,-1 1 0 0 0,1 0 0 0 0,-1 0 0 0 0,1-1 1 0 0,-1 5-1 0 0,-2 1 254 0 0,4-7-88 0 0,2 0-62 0 0,1 1-166 0 0,0-1 0 0 0,0 0 0 0 0,1 0 0 0 0,-1 0 1 0 0,1 0-1 0 0,-1 0 0 0 0,1-1 0 0 0,-1 1 1 0 0,1-1-1 0 0,-1 0 0 0 0,1 0 0 0 0,0-1 1 0 0,-1 1-1 0 0,1-1 0 0 0,-1 1 0 0 0,1-1 0 0 0,-1 0 1 0 0,0-1-1 0 0,1 1 0 0 0,5-4 0 0 0,5-3 76 0 0,0-1 0 0 0,0 0 0 0 0,15-15 0 0 0,-15 13-17 0 0,2-2 30 0 0,-9 6-51 0 0,1 1 0 0 0,0-1-1 0 0,0 2 1 0 0,0-1-1 0 0,1 1 1 0 0,8-4-1 0 0,-15 9-67 0 0,0-1-1 0 0,0 1 0 0 0,0-1 0 0 0,1 1 1 0 0,-1-1-1 0 0,0 1 0 0 0,0 0 1 0 0,0 0-1 0 0,0 0 0 0 0,0 0 0 0 0,0 1 1 0 0,0-1-1 0 0,0 1 0 0 0,2 0 0 0 0,-1 0 1 0 0,-1 0-1 0 0,1 0 1 0 0,-1 1-1 0 0,0-1 1 0 0,0 1-1 0 0,0 0 1 0 0,0 0-1 0 0,0-1 0 0 0,0 1 1 0 0,-1 0-1 0 0,1 0 1 0 0,-1 1-1 0 0,3 3 1 0 0,2 6 50 0 0,0 1 0 0 0,-2-1 0 0 0,1 1 1 0 0,-1 0-1 0 0,-1 0 0 0 0,2 19 0 0 0,2 4 45 0 0,-7-35-138 0 0,0-1 0 0 0,0 0 0 0 0,0 0 0 0 0,0 0 0 0 0,0 0 0 0 0,0 1 0 0 0,0-1 0 0 0,0 0 0 0 0,1 0 0 0 0,-1 0 0 0 0,0 0 0 0 0,0 0 0 0 0,0 1 0 0 0,0-1 0 0 0,0 0 0 0 0,0 0 0 0 0,1 0 0 0 0,-1 0 0 0 0,0 0 0 0 0,0 0 0 0 0,0 0 0 0 0,0 0 0 0 0,0 1 0 0 0,1-1 0 0 0,-1 0 0 0 0,0 0 0 0 0,0 0 0 0 0,0 0-1 0 0,0 0 1 0 0,1 0 0 0 0,-1 0 0 0 0,0 0 0 0 0,0 0 0 0 0,0 0 0 0 0,0 0 0 0 0,1 0 0 0 0,-1 0 0 0 0,0 0 0 0 0,0 0 0 0 0,0 0 0 0 0,0 0 0 0 0,1-1 0 0 0,-1 1 0 0 0,0 0 0 0 0,0 0 0 0 0,0 0 0 0 0,0 0 0 0 0,0 0 0 0 0,1 0 0 0 0,11-11-889 0 0,11-16-679 0 0,11-44-2807 0 0,-31 65 3587 0 0,11-26-6862 0 0</inkml:trace>
+</inkml:ink>
+</file>
+
+<file path=ppt/ink/ink63.xml><?xml version="1.0" encoding="utf-8"?>
+<inkml:ink xmlns:inkml="http://www.w3.org/2003/InkML">
+  <inkml:definitions>
+    <inkml:context xml:id="ctx0">
+      <inkml:inkSource xml:id="inkSrc0">
+        <inkml:traceFormat>
+          <inkml:channel name="X" type="integer" min="-2.14748E9" max="2.14748E9" units="cm"/>
+          <inkml:channel name="Y" type="integer" min="-2.14748E9" max="2.14748E9" units="cm"/>
+          <inkml:channel name="F" type="integer" max="32767" units="dev"/>
+          <inkml:channel name="OA" type="integer" max="360" units="deg"/>
+          <inkml:channel name="OE" type="integer" max="90" units="deg"/>
+        </inkml:traceFormat>
+        <inkml:channelProperties>
+          <inkml:channelProperty channel="X" name="resolution" value="1000" units="1/cm"/>
+          <inkml:channelProperty channel="Y" name="resolution" value="1000" units="1/cm"/>
+          <inkml:channelProperty channel="F" name="resolution" value="0" units="1/dev"/>
+          <inkml:channelProperty channel="OA" name="resolution" value="1000" units="1/deg"/>
+          <inkml:channelProperty channel="OE" name="resolution" value="1000" units="1/deg"/>
+        </inkml:channelProperties>
+      </inkml:inkSource>
+      <inkml:timestamp xml:id="ts0" timeString="2021-05-12T19:34:40.717"/>
+    </inkml:context>
+    <inkml:brush xml:id="br0">
+      <inkml:brushProperty name="width" value="0.05" units="cm"/>
+      <inkml:brushProperty name="height" value="0.05" units="cm"/>
+      <inkml:brushProperty name="color" value="#FF0066"/>
+    </inkml:brush>
+  </inkml:definitions>
+  <inkml:trace contextRef="#ctx0" brushRef="#br0">148 1 8752 0 0,'0'0'793'0'0,"5"6"-634"0"0,0 3 1315 0 0,0 1 1 0 0,-1 0-1 0 0,0 0 1 0 0,-1 0-1 0 0,5 20 1 0 0,0 3 1680 0 0,1 1-2343 0 0,9 65 0 0 0,-6 37 1123 0 0,-8-73-1016 0 0,19 100 0 0 0,-19-146-1105 0 0,-1-4-386 0 0,0-1 1 0 0,-1 1 0 0 0,1 15-1 0 0</inkml:trace>
+  <inkml:trace contextRef="#ctx0" brushRef="#br0" timeOffset="1">1 476 11520 0 0,'0'0'120'0'0,"0"-1"0"0"0,0 1 0 0 0,0-1 0 0 0,0 1 0 0 0,1 0 0 0 0,-1-1 0 0 0,0 1 1 0 0,0-1-1 0 0,1 1 0 0 0,-1 0 0 0 0,0 0 0 0 0,1-1 0 0 0,-1 1 0 0 0,0 0 0 0 0,1-1 0 0 0,-1 1 1 0 0,0 0-1 0 0,1 0 0 0 0,-1 0 0 0 0,1-1 0 0 0,-1 1 0 0 0,0 0 0 0 0,1 0 0 0 0,-1 0 0 0 0,1 0 1 0 0,-1 0-1 0 0,0 0 0 0 0,1 0 0 0 0,-1 0 0 0 0,1 0 0 0 0,24-4 2541 0 0,-14 2-987 0 0,26-4 1190 0 0,27-7-2287 0 0,11-4-334 0 0,9-2-48 0 0,-72 15-693 0 0,0 0 1 0 0,0-1-1 0 0,-1 0 0 0 0,21-13 1 0 0,-9 2-7072 0 0</inkml:trace>
+</inkml:ink>
+</file>
+
+<file path=ppt/ink/ink64.xml><?xml version="1.0" encoding="utf-8"?>
+<inkml:ink xmlns:inkml="http://www.w3.org/2003/InkML">
+  <inkml:definitions>
+    <inkml:context xml:id="ctx0">
+      <inkml:inkSource xml:id="inkSrc0">
+        <inkml:traceFormat>
+          <inkml:channel name="X" type="integer" min="-2.14748E9" max="2.14748E9" units="cm"/>
+          <inkml:channel name="Y" type="integer" min="-2.14748E9" max="2.14748E9" units="cm"/>
+          <inkml:channel name="F" type="integer" max="32767" units="dev"/>
+          <inkml:channel name="OA" type="integer" max="360" units="deg"/>
+          <inkml:channel name="OE" type="integer" max="90" units="deg"/>
+        </inkml:traceFormat>
+        <inkml:channelProperties>
+          <inkml:channelProperty channel="X" name="resolution" value="1000" units="1/cm"/>
+          <inkml:channelProperty channel="Y" name="resolution" value="1000" units="1/cm"/>
+          <inkml:channelProperty channel="F" name="resolution" value="0" units="1/dev"/>
+          <inkml:channelProperty channel="OA" name="resolution" value="1000" units="1/deg"/>
+          <inkml:channelProperty channel="OE" name="resolution" value="1000" units="1/deg"/>
+        </inkml:channelProperties>
+      </inkml:inkSource>
+      <inkml:timestamp xml:id="ts0" timeString="2021-05-12T19:34:41.373"/>
+    </inkml:context>
+    <inkml:brush xml:id="br0">
+      <inkml:brushProperty name="width" value="0.05" units="cm"/>
+      <inkml:brushProperty name="height" value="0.05" units="cm"/>
+      <inkml:brushProperty name="color" value="#FF0066"/>
+    </inkml:brush>
+  </inkml:definitions>
+  <inkml:trace contextRef="#ctx0" brushRef="#br0">10 668 21047 0 0,'0'0'480'0'0,"-1"-1"-327"0"0,1 1 0 0 0,-1-1-1 0 0,0 0 1 0 0,0 1 0 0 0,0-1-1 0 0,0 0 1 0 0,0 0 0 0 0,1 0-1 0 0,-1 0 1 0 0,0 0 0 0 0,0-1-1 0 0,2-2-104 0 0,1 0 0 0 0,-1 0 0 0 0,1 0 0 0 0,0 1 0 0 0,0-1 0 0 0,1 1 0 0 0,-1-1 0 0 0,1 1 0 0 0,3-4 0 0 0,41-40 419 0 0,95-72 0 0 0,-82 72-345 0 0,86-63 156 0 0,-41 32-44 0 0,45-25-562 0 0,-132 89 312 0 0,-11 10 26 0 0,-1-1-1 0 0,1 0 0 0 0,-1 0 1 0 0,0-1-1 0 0,-1 0 0 0 0,1 0 1 0 0,8-13-1 0 0,-13 19-6 0 0,-1-1 0 0 0,0 1 0 0 0,0 0 0 0 0,1-1 0 0 0,-1 1 1 0 0,0-1-1 0 0,0 1 0 0 0,0-1 0 0 0,0 1 0 0 0,0-1 0 0 0,1 1 0 0 0,-1-1 0 0 0,0 1 1 0 0,0-1-1 0 0,0 1 0 0 0,0-1 0 0 0,0 1 0 0 0,0-1 0 0 0,-1 1 0 0 0,1 0 0 0 0,0-1 0 0 0,0 1 1 0 0,0-1-1 0 0,0 1 0 0 0,-1-1 0 0 0,1 1 0 0 0,0-1 0 0 0,0 1 0 0 0,-1 0 0 0 0,1-1 1 0 0,-1 0 5 0 0,-1 0 0 0 0,1 0 1 0 0,0 0-1 0 0,0 1 0 0 0,-1-1 1 0 0,1 0-1 0 0,0 1 0 0 0,-1-1 1 0 0,1 1-1 0 0,-2-1 0 0 0,-5 0 19 0 0,1 0 1 0 0,-1 0-1 0 0,-7 0 0 0 0,-8 2-1 0 0,-1 0-1 0 0,-42 9 1 0 0,52-7 22 0 0,0 1 1 0 0,0 0 0 0 0,0 1-1 0 0,1 1 1 0 0,-23 13-1 0 0,24-9 515 0 0,11-9-77 0 0,1-1-460 0 0,1 1-1 0 0,-1-1 1 0 0,0 1 0 0 0,0-1-1 0 0,0 1 1 0 0,0-1 0 0 0,0 1 0 0 0,1-1-1 0 0,-1 1 1 0 0,0-1 0 0 0,0 1 0 0 0,1-1-1 0 0,-1 0 1 0 0,0 1 0 0 0,0-1-1 0 0,1 1 1 0 0,-1-1 0 0 0,1 0 0 0 0,-1 1-1 0 0,0-1 1 0 0,1 0 0 0 0,0 1-1 0 0,6-1 23 0 0,-1 1-1 0 0,1-1 0 0 0,0-1 1 0 0,0 1-1 0 0,0-1 0 0 0,-1 0 0 0 0,13-4 1 0 0,46-20 703 0 0,-22 7-104 0 0,-12 3-306 0 0,-21 10-327 0 0,0 0 0 0 0,1 0 1 0 0,21-5-1 0 0,-32 10-11 0 0,0 0 0 0 0,1 0 0 0 0,-1 0 1 0 0,0 0-1 0 0,1 1 0 0 0,-1-1 0 0 0,0 0 0 0 0,0 0 1 0 0,1 0-1 0 0,-1 1 0 0 0,0-1 0 0 0,0 0 0 0 0,1 1 1 0 0,-1-1-1 0 0,0 0 0 0 0,0 0 0 0 0,0 1 0 0 0,0-1 1 0 0,1 0-1 0 0,-1 1 0 0 0,0-1 0 0 0,0 0 0 0 0,0 1 1 0 0,0-1-1 0 0,0 0 0 0 0,0 1 0 0 0,0 0 0 0 0,2 9 17 0 0,-3-4-7 0 0,1 0-1 0 0,-1 1 0 0 0,0-1 0 0 0,-1 0 0 0 0,1 0 0 0 0,-1 0 0 0 0,-4 8 1 0 0,-23 40 10 0 0,10-20-124 0 0,18-33 86 0 0,-30 60-959 0 0,9-20-3905 0 0,15-27-3987 0 0</inkml:trace>
+</inkml:ink>
+</file>
+
+<file path=ppt/ink/ink65.xml><?xml version="1.0" encoding="utf-8"?>
+<inkml:ink xmlns:inkml="http://www.w3.org/2003/InkML">
+  <inkml:definitions>
+    <inkml:context xml:id="ctx0">
+      <inkml:inkSource xml:id="inkSrc0">
+        <inkml:traceFormat>
+          <inkml:channel name="X" type="integer" min="-2.14748E9" max="2.14748E9" units="cm"/>
+          <inkml:channel name="Y" type="integer" min="-2.14748E9" max="2.14748E9" units="cm"/>
+          <inkml:channel name="F" type="integer" max="32767" units="dev"/>
+          <inkml:channel name="OA" type="integer" max="360" units="deg"/>
+          <inkml:channel name="OE" type="integer" max="90" units="deg"/>
+        </inkml:traceFormat>
+        <inkml:channelProperties>
+          <inkml:channelProperty channel="X" name="resolution" value="1000" units="1/cm"/>
+          <inkml:channelProperty channel="Y" name="resolution" value="1000" units="1/cm"/>
+          <inkml:channelProperty channel="F" name="resolution" value="0" units="1/dev"/>
+          <inkml:channelProperty channel="OA" name="resolution" value="1000" units="1/deg"/>
+          <inkml:channelProperty channel="OE" name="resolution" value="1000" units="1/deg"/>
+        </inkml:channelProperties>
+      </inkml:inkSource>
+      <inkml:timestamp xml:id="ts0" timeString="2021-05-12T19:34:50.634"/>
+    </inkml:context>
+    <inkml:brush xml:id="br0">
+      <inkml:brushProperty name="width" value="0.05" units="cm"/>
+      <inkml:brushProperty name="height" value="0.05" units="cm"/>
+      <inkml:brushProperty name="color" value="#FF0066"/>
+    </inkml:brush>
+  </inkml:definitions>
+  <inkml:trace contextRef="#ctx0" brushRef="#br0">508 130 10136 0 0,'0'0'2424'0'0,"-7"-20"-63"0"0,6 12-1506 0 0,0 0 1 0 0,0 0-1 0 0,-1 1 1 0 0,0-1 0 0 0,-5-10-1 0 0,7 17-446 0 0,0 0-336 0 0,0 1-1 0 0,-1-1 1 0 0,1 0-1 0 0,0 1 0 0 0,-1-1 1 0 0,1 0-1 0 0,0 1 1 0 0,-1-1-1 0 0,1 1 0 0 0,0-1 1 0 0,-1 0-1 0 0,1 1 0 0 0,-1-1 1 0 0,1 1-1 0 0,-1-1 1 0 0,0 1-1 0 0,1 0 0 0 0,-1-1 1 0 0,1 1-1 0 0,-2-1 1 0 0,-14-7 438 0 0,12 7-279 0 0,-1-2-117 0 0,2 2-51 0 0,0 0 0 0 0,1 0-1 0 0,-1-1 1 0 0,0 2 0 0 0,1-1 0 0 0,-1 0-1 0 0,0 1 1 0 0,0-1 0 0 0,-3 1-1 0 0,-5-1-22 0 0,0 0 0 0 0,-11-2 0 0 0,-7-2 680 0 0,-79-5 1345 0 0,99 10-1970 0 0,0 1 0 0 0,0-1 1 0 0,0 1-1 0 0,0 1 1 0 0,-15 4-1 0 0,14-2-28 0 0,0 0 0 0 0,0 1 1 0 0,1 1-1 0 0,0-1 0 0 0,0 2 0 0 0,0-1 0 0 0,1 1 0 0 0,0 1 0 0 0,0-1 0 0 0,-7 11 0 0 0,9-11-19 0 0,2 0 0 0 0,-1 1 0 0 0,1 0 0 0 0,-6 14 0 0 0,-6 11 120 0 0,12-26-137 0 0,1 0 0 0 0,0 1 0 0 0,1-1 1 0 0,0 1-1 0 0,0-1 0 0 0,0 1 0 0 0,1 0 0 0 0,0 0 1 0 0,0 0-1 0 0,1 0 0 0 0,0 0 0 0 0,2 12 0 0 0,-1-6 26 0 0,3 12 42 0 0,4 2-20 0 0,-4-15-30 0 0,0 0 1 0 0,1 0 0 0 0,12 22-1 0 0,-13-27-31 0 0,1 0 0 0 0,1 0 0 0 0,-1-1 0 0 0,1 0 0 0 0,1 0 0 0 0,-1 0 0 0 0,1-1 0 0 0,0 0 0 0 0,1 0 0 0 0,-1-1 0 0 0,1 0 0 0 0,0 0 0 0 0,0-1 0 0 0,1 0-1 0 0,0 0 1 0 0,-1-1 0 0 0,1 0 0 0 0,0-1 0 0 0,11 2 0 0 0,6-1 62 0 0,1-1 1 0 0,-1-1-1 0 0,1-2 0 0 0,0 0 0 0 0,-1-2 0 0 0,0-1 1 0 0,1-1-1 0 0,-1-1 0 0 0,-1-1 0 0 0,0-1 1 0 0,0-2-1 0 0,25-12 0 0 0,-41 17-27 0 0,0-1-1 0 0,0 1 1 0 0,0-1-1 0 0,-1-1 1 0 0,1 0-1 0 0,-2 0 1 0 0,1 0-1 0 0,-1-1 1 0 0,0 0-1 0 0,-1-1 1 0 0,1 1-1 0 0,-2-1 1 0 0,1-1-1 0 0,-1 1 1 0 0,-1-1-1 0 0,0 0 1 0 0,0 0-1 0 0,-1 0 1 0 0,0 0-1 0 0,-1 0 1 0 0,0-1-1 0 0,0-13 1 0 0,-1 17-16 0 0,-2-1 1 0 0,1 1-1 0 0,-1-1 1 0 0,0 1-1 0 0,-1 0 1 0 0,1 0-1 0 0,-6-13 1 0 0,2 7 24 0 0,-1 0 0 0 0,0 1 1 0 0,-10-15-1 0 0,10 19-44 0 0,0 0 0 0 0,-1 0 0 0 0,0 1-1 0 0,0-1 1 0 0,-1 2 0 0 0,-16-12 0 0 0,10 9 8 0 0,-1 1 0 0 0,-1 0 0 0 0,-21-8 0 0 0,-20-2-187 0 0,53 18-123 0 0,-1-1 0 0 0,0 0 0 0 0,1 1 0 0 0,-1 0 1 0 0,-6 1-1 0 0,9-1-420 0 0,0 0 0 0 0,0 1 1 0 0,0-1-1 0 0,0 1 1 0 0,0-1-1 0 0,0 1 0 0 0,-3 1 1 0 0,2 1-1292 0 0</inkml:trace>
+</inkml:ink>
+</file>
+
+<file path=ppt/ink/ink66.xml><?xml version="1.0" encoding="utf-8"?>
+<inkml:ink xmlns:inkml="http://www.w3.org/2003/InkML">
+  <inkml:definitions>
+    <inkml:context xml:id="ctx0">
+      <inkml:inkSource xml:id="inkSrc0">
+        <inkml:traceFormat>
+          <inkml:channel name="X" type="integer" min="-2.14748E9" max="2.14748E9" units="cm"/>
+          <inkml:channel name="Y" type="integer" min="-2.14748E9" max="2.14748E9" units="cm"/>
+          <inkml:channel name="F" type="integer" max="32767" units="dev"/>
+          <inkml:channel name="OA" type="integer" max="360" units="deg"/>
+          <inkml:channel name="OE" type="integer" max="90" units="deg"/>
+        </inkml:traceFormat>
+        <inkml:channelProperties>
+          <inkml:channelProperty channel="X" name="resolution" value="1000" units="1/cm"/>
+          <inkml:channelProperty channel="Y" name="resolution" value="1000" units="1/cm"/>
+          <inkml:channelProperty channel="F" name="resolution" value="0" units="1/dev"/>
+          <inkml:channelProperty channel="OA" name="resolution" value="1000" units="1/deg"/>
+          <inkml:channelProperty channel="OE" name="resolution" value="1000" units="1/deg"/>
+        </inkml:channelProperties>
+      </inkml:inkSource>
+      <inkml:timestamp xml:id="ts0" timeString="2021-05-12T19:35:05.493"/>
+    </inkml:context>
+    <inkml:brush xml:id="br0">
+      <inkml:brushProperty name="width" value="0.05" units="cm"/>
+      <inkml:brushProperty name="height" value="0.05" units="cm"/>
+      <inkml:brushProperty name="color" value="#FF0066"/>
+    </inkml:brush>
+  </inkml:definitions>
+  <inkml:trace contextRef="#ctx0" brushRef="#br0">0 150 21103 0 0,'0'0'2120'0'0,"12"-14"-1776"0"0,-4 8 625 0 0,1 0-1 0 0,-1 0 0 0 0,1 0 1 0 0,0 1-1 0 0,19-7 1 0 0,52-13 25 0 0,-32 11-367 0 0,7 0-111 0 0,1 1 1 0 0,76-7-1 0 0,-111 18-457 0 0,50-4 99 0 0,-63 6-169 0 0,0 0-1 0 0,0 1 1 0 0,0 0 0 0 0,0 1-1 0 0,0 0 1 0 0,13 4 0 0 0,-20-5-404 0 0,-5 4-3500 0 0,1-3 3188 0 0,-1 0 0 0 0,1 0 0 0 0,0-1 0 0 0,-1 1 0 0 0,1-1-1 0 0,-1 0 1 0 0,0 0 0 0 0,1 0 0 0 0,-1-1 0 0 0,-5 1 0 0 0,6-1 263 0 0,-11 3-1607 0 0</inkml:trace>
+</inkml:ink>
+</file>
+
+<file path=ppt/ink/ink67.xml><?xml version="1.0" encoding="utf-8"?>
+<inkml:ink xmlns:inkml="http://www.w3.org/2003/InkML">
+  <inkml:definitions>
+    <inkml:context xml:id="ctx0">
+      <inkml:inkSource xml:id="inkSrc0">
+        <inkml:traceFormat>
+          <inkml:channel name="X" type="integer" min="-2.14748E9" max="2.14748E9" units="cm"/>
+          <inkml:channel name="Y" type="integer" min="-2.14748E9" max="2.14748E9" units="cm"/>
+          <inkml:channel name="F" type="integer" max="32767" units="dev"/>
+          <inkml:channel name="OA" type="integer" max="360" units="deg"/>
+          <inkml:channel name="OE" type="integer" max="90" units="deg"/>
+        </inkml:traceFormat>
+        <inkml:channelProperties>
+          <inkml:channelProperty channel="X" name="resolution" value="1000" units="1/cm"/>
+          <inkml:channelProperty channel="Y" name="resolution" value="1000" units="1/cm"/>
+          <inkml:channelProperty channel="F" name="resolution" value="0" units="1/dev"/>
+          <inkml:channelProperty channel="OA" name="resolution" value="1000" units="1/deg"/>
+          <inkml:channelProperty channel="OE" name="resolution" value="1000" units="1/deg"/>
+        </inkml:channelProperties>
+      </inkml:inkSource>
+      <inkml:timestamp xml:id="ts0" timeString="2021-05-12T19:35:05.896"/>
+    </inkml:context>
+    <inkml:brush xml:id="br0">
+      <inkml:brushProperty name="width" value="0.05" units="cm"/>
+      <inkml:brushProperty name="height" value="0.05" units="cm"/>
+      <inkml:brushProperty name="color" value="#FF0066"/>
+    </inkml:brush>
+  </inkml:definitions>
+  <inkml:trace contextRef="#ctx0" brushRef="#br0">228 1 3224 0 0,'-36'5'25537'0'0,"36"3"-21706"0"0,-1 5-4914 0 0,1 0-966 0 0,-1-7 4180 0 0,-3 15-2037 0 0,-1-1-1 0 0,0 0 1 0 0,-2-1-1 0 0,-15 31 1 0 0,18-40-42 0 0,-52 95 107 0 0,19-37-102 0 0,-9 19-1925 0 0,43-82 1661 0 0</inkml:trace>
+</inkml:ink>
+</file>
+
+<file path=ppt/ink/ink68.xml><?xml version="1.0" encoding="utf-8"?>
+<inkml:ink xmlns:inkml="http://www.w3.org/2003/InkML">
+  <inkml:definitions>
+    <inkml:context xml:id="ctx0">
+      <inkml:inkSource xml:id="inkSrc0">
+        <inkml:traceFormat>
+          <inkml:channel name="X" type="integer" min="-2.14748E9" max="2.14748E9" units="cm"/>
+          <inkml:channel name="Y" type="integer" min="-2.14748E9" max="2.14748E9" units="cm"/>
+          <inkml:channel name="F" type="integer" max="32767" units="dev"/>
+          <inkml:channel name="OA" type="integer" max="360" units="deg"/>
+          <inkml:channel name="OE" type="integer" max="90" units="deg"/>
+        </inkml:traceFormat>
+        <inkml:channelProperties>
+          <inkml:channelProperty channel="X" name="resolution" value="1000" units="1/cm"/>
+          <inkml:channelProperty channel="Y" name="resolution" value="1000" units="1/cm"/>
+          <inkml:channelProperty channel="F" name="resolution" value="0" units="1/dev"/>
+          <inkml:channelProperty channel="OA" name="resolution" value="1000" units="1/deg"/>
+          <inkml:channelProperty channel="OE" name="resolution" value="1000" units="1/deg"/>
+        </inkml:channelProperties>
+      </inkml:inkSource>
+      <inkml:timestamp xml:id="ts0" timeString="2021-05-12T19:35:06.522"/>
+    </inkml:context>
+    <inkml:brush xml:id="br0">
+      <inkml:brushProperty name="width" value="0.05" units="cm"/>
+      <inkml:brushProperty name="height" value="0.05" units="cm"/>
+      <inkml:brushProperty name="color" value="#FF0066"/>
+    </inkml:brush>
+  </inkml:definitions>
+  <inkml:trace contextRef="#ctx0" brushRef="#br0">5 54 19783 0 0,'0'0'1499'0'0,"-2"-3"-848"0"0,-1-1-509 0 0,12-10 3150 0 0,-4 12-2805 0 0,0-1-1 0 0,0 1 0 0 0,0 0 1 0 0,1 0-1 0 0,-1 0 0 0 0,0 1 0 0 0,1-1 1 0 0,-1 1-1 0 0,1 1 0 0 0,7-1 1 0 0,-9 1-254 0 0,121-6 732 0 0,-109 4-891 0 0,0-1 55 0 0,1 1 1 0 0,-1 1 0 0 0,1 0 0 0 0,-1 1-1 0 0,23 4 1 0 0,-17-1-724 0 0,-17-3 346 0 0,-1 0 1 0 0,0 1 0 0 0,0-1-1 0 0,0 1 1 0 0,0 0 0 0 0,0 0 0 0 0,0 0-1 0 0,0 1 1 0 0,0 0 0 0 0,0-1-1 0 0,-1 1 1 0 0,7 4 0 0 0,-10-5 142 0 0,0-1 0 0 0,0 0 0 0 0,1 0 0 0 0,-1 0 0 0 0,0 0 0 0 0,0 0 0 0 0,0 0 0 0 0,0 1 0 0 0,0-1 1 0 0,0 0-1 0 0,0 0 0 0 0,1 0 0 0 0,-1 0 0 0 0,0 1 0 0 0,0-1 0 0 0,0 0 0 0 0,0 0 0 0 0,0 0 0 0 0,0 0 0 0 0,0 1 0 0 0,0-1 0 0 0,0 0 1 0 0,0 0-1 0 0,0 0 0 0 0,0 1 0 0 0,0-1 0 0 0,0 0 0 0 0,0 0 0 0 0,0 0 0 0 0,0 1 0 0 0,0-1 0 0 0,0 0 0 0 0,-1 0 0 0 0,1 0 0 0 0,0 0 1 0 0,0 0-1 0 0,0 1 0 0 0,0-1 0 0 0,0 0 0 0 0,0 0 0 0 0,0 0 0 0 0,-1 0 0 0 0,1 0 0 0 0,0 1 0 0 0,0-1 0 0 0,0 0 0 0 0,0 0 0 0 0,0 0 0 0 0,-1 0 1 0 0,1 0-1 0 0,0 0 0 0 0,0 0 0 0 0,0 0 0 0 0,-1 0 0 0 0,1 0 0 0 0,0 0 0 0 0,0 0 0 0 0,0 0 0 0 0,0 0 0 0 0,-1 0 0 0 0,1 0 0 0 0,0 0 1 0 0,0 0-1 0 0,0 0 0 0 0,-1 0 0 0 0,1 0 0 0 0,0 0 0 0 0,0 0 0 0 0,-9 0-2094 0 0</inkml:trace>
+</inkml:ink>
+</file>
+
+<file path=ppt/ink/ink69.xml><?xml version="1.0" encoding="utf-8"?>
+<inkml:ink xmlns:inkml="http://www.w3.org/2003/InkML">
+  <inkml:definitions>
+    <inkml:context xml:id="ctx0">
+      <inkml:inkSource xml:id="inkSrc0">
+        <inkml:traceFormat>
+          <inkml:channel name="X" type="integer" min="-2.14748E9" max="2.14748E9" units="cm"/>
+          <inkml:channel name="Y" type="integer" min="-2.14748E9" max="2.14748E9" units="cm"/>
+          <inkml:channel name="F" type="integer" max="32767" units="dev"/>
+          <inkml:channel name="OA" type="integer" max="360" units="deg"/>
+          <inkml:channel name="OE" type="integer" max="90" units="deg"/>
+        </inkml:traceFormat>
+        <inkml:channelProperties>
+          <inkml:channelProperty channel="X" name="resolution" value="1000" units="1/cm"/>
+          <inkml:channelProperty channel="Y" name="resolution" value="1000" units="1/cm"/>
+          <inkml:channelProperty channel="F" name="resolution" value="0" units="1/dev"/>
+          <inkml:channelProperty channel="OA" name="resolution" value="1000" units="1/deg"/>
+          <inkml:channelProperty channel="OE" name="resolution" value="1000" units="1/deg"/>
+        </inkml:channelProperties>
+      </inkml:inkSource>
+      <inkml:timestamp xml:id="ts0" timeString="2021-05-12T19:35:06.893"/>
+    </inkml:context>
+    <inkml:brush xml:id="br0">
+      <inkml:brushProperty name="width" value="0.05" units="cm"/>
+      <inkml:brushProperty name="height" value="0.05" units="cm"/>
+      <inkml:brushProperty name="color" value="#FF0066"/>
+    </inkml:brush>
+  </inkml:definitions>
+  <inkml:trace contextRef="#ctx0" brushRef="#br0">51 1 23039 0 0,'0'0'2315'0'0,"0"16"-1659"0"0,-3-2-15 0 0,1-5-183 0 0,0 0-1 0 0,0 15 0 0 0,-5 69 1568 0 0,5-54-1466 0 0,-2 0 0 0 0,-12 48-1 0 0,5-17-299 0 0,10-55-235 0 0,0-6-36 0 0,1 0 1 0 0,2 16-1 0 0,-1 3-46 0 0,2-15 943 0 0,-1-8-3504 0 0</inkml:trace>
+</inkml:ink>
+</file>
+
+<file path=ppt/ink/ink7.xml><?xml version="1.0" encoding="utf-8"?>
+<inkml:ink xmlns:inkml="http://www.w3.org/2003/InkML">
+  <inkml:definitions>
+    <inkml:context xml:id="ctx0">
+      <inkml:inkSource xml:id="inkSrc0">
+        <inkml:traceFormat>
+          <inkml:channel name="X" type="integer" min="-2.14748E9" max="2.14748E9" units="cm"/>
+          <inkml:channel name="Y" type="integer" min="-2.14748E9" max="2.14748E9" units="cm"/>
+          <inkml:channel name="F" type="integer" max="32767" units="dev"/>
+          <inkml:channel name="OA" type="integer" max="360" units="deg"/>
+          <inkml:channel name="OE" type="integer" max="90" units="deg"/>
+        </inkml:traceFormat>
+        <inkml:channelProperties>
+          <inkml:channelProperty channel="X" name="resolution" value="1000" units="1/cm"/>
+          <inkml:channelProperty channel="Y" name="resolution" value="1000" units="1/cm"/>
+          <inkml:channelProperty channel="F" name="resolution" value="0" units="1/dev"/>
+          <inkml:channelProperty channel="OA" name="resolution" value="1000" units="1/deg"/>
+          <inkml:channelProperty channel="OE" name="resolution" value="1000" units="1/deg"/>
+        </inkml:channelProperties>
+      </inkml:inkSource>
+      <inkml:timestamp xml:id="ts0" timeString="2021-05-12T19:00:53.281"/>
+    </inkml:context>
+    <inkml:brush xml:id="br0">
+      <inkml:brushProperty name="width" value="0.05" units="cm"/>
+      <inkml:brushProperty name="height" value="0.05" units="cm"/>
+      <inkml:brushProperty name="color" value="#FF0066"/>
+    </inkml:brush>
+  </inkml:definitions>
+  <inkml:trace contextRef="#ctx0" brushRef="#br0">80 160 3224 0 0,'-4'0'374'0'0,"0"0"0"0"0,0 0 0 0 0,0 0 0 0 0,0 1 0 0 0,0-1 0 0 0,1 1 0 0 0,-7 2 1 0 0,-1 0 2274 0 0,10-2-2220 0 0,-1-1 0 0 0,1 0 0 0 0,-1 0 0 0 0,1 0 0 0 0,-1 0 0 0 0,1 0 0 0 0,-1 0-1 0 0,1 0 1 0 0,0 0 0 0 0,-1-1 0 0 0,1 1 0 0 0,-1 0 0 0 0,1-1 0 0 0,0 1 0 0 0,-1-1-1 0 0,1 0 1 0 0,0 1 0 0 0,-1-1 0 0 0,1 0 0 0 0,-2-1 0 0 0,3 1-377 0 0,0 1 1 0 0,0 0 0 0 0,0 0-1 0 0,0-1 1 0 0,-1 1-1 0 0,1 0 1 0 0,0-1-1 0 0,0 1 1 0 0,0 0 0 0 0,0-1-1 0 0,0 1 1 0 0,0 0-1 0 0,0 0 1 0 0,0-1 0 0 0,0 1-1 0 0,1 0 1 0 0,-1-1-1 0 0,0 1 1 0 0,0 0-1 0 0,0-1 1 0 0,0 1 0 0 0,0 0-1 0 0,0 0 1 0 0,1-1-1 0 0,-1 1 1 0 0,0 0 0 0 0,0 0-1 0 0,0-1 1 0 0,1 1-1 0 0,-1 0 1 0 0,0 0-1 0 0,0 0 1 0 0,1-1 0 0 0,-1 1-1 0 0,0 0 1 0 0,1 0-1 0 0,9-8 1993 0 0,-1 7-1563 0 0,1 1-1 0 0,-1-1 1 0 0,0 1 0 0 0,0 1-1 0 0,13 2 1 0 0,-17-2-381 0 0,191 28 1736 0 0,-155-22-1666 0 0,-1 1 5 0 0,1-2 0 0 0,0-2 1 0 0,58-1-1 0 0,-89-5-131 0 0,1 0 0 0 0,-1 0-1 0 0,0-1 1 0 0,0 0 0 0 0,12-6-1 0 0,-14 5 176 0 0,-7 4-198 0 0,-1 0-1 0 0,0-1 1 0 0,1 1-1 0 0,-1 0 1 0 0,0-1 0 0 0,0 1-1 0 0,0-1 1 0 0,1 1-1 0 0,-1-1 1 0 0,0 1-1 0 0,0-1 1 0 0,0 1 0 0 0,0 0-1 0 0,0-1 1 0 0,0 1-1 0 0,1-1 1 0 0,-1 1 0 0 0,0-1-1 0 0,-1 1 1 0 0,1-1-1 0 0,0 1 1 0 0,0-1-1 0 0,0 1 1 0 0,0-1 0 0 0,0 1-1 0 0,0-1 1 0 0,-1 1-1 0 0,1 0 1 0 0,0-1-1 0 0,-7-14 180 0 0,2 10-160 0 0,0 0 1 0 0,-1 0-1 0 0,0 0 0 0 0,0 1 0 0 0,0 0 0 0 0,-1 0 0 0 0,1 1 1 0 0,-1-1-1 0 0,-10-3 0 0 0,-10-5 27 0 0,-150-67 159 0 0,168 75-249 0 0,1 1-1 0 0,-14-3 1 0 0,64 18-119 0 0,-5-6 183 0 0,0-2 1 0 0,1-2 0 0 0,-1-1-1 0 0,47-6 1 0 0,-49 5 161 0 0,43 4 0 0 0,-64-3-108 0 0,-12-1-70 0 0,-1 0 0 0 0,1 1-1 0 0,0-1 1 0 0,0 0 0 0 0,-1 0 0 0 0,1 1 0 0 0,0-1-1 0 0,-1 1 1 0 0,1 0 0 0 0,0-1 0 0 0,-1 1 0 0 0,1 0-1 0 0,-1 0 1 0 0,1 0 0 0 0,-1 0 0 0 0,0 0 0 0 0,1 0-1 0 0,1 3 1 0 0,-2-3 8 0 0,-1 0 1 0 0,1 1-1 0 0,-1-1 0 0 0,0 0 0 0 0,1 1 1 0 0,-1-1-1 0 0,0 0 0 0 0,0 1 0 0 0,0-1 1 0 0,0 0-1 0 0,0 1 0 0 0,0-1 0 0 0,0 1 1 0 0,-1-1-1 0 0,1 0 0 0 0,0 1 0 0 0,-1-1 1 0 0,1 0-1 0 0,-1 0 0 0 0,1 1 0 0 0,-1-1 1 0 0,0 0-1 0 0,-1 2 0 0 0,-7 10 12 0 0,0-1-1 0 0,-1-1 1 0 0,0 0-1 0 0,-19 15 0 0 0,1 1-24 0 0,9-8-14 0 0,-5 5 38 0 0,0-1-1 0 0,-39 28 0 0 0,-21 11-272 0 0,70-59-316 0 0</inkml:trace>
+</inkml:ink>
+</file>
+
+<file path=ppt/ink/ink8.xml><?xml version="1.0" encoding="utf-8"?>
+<inkml:ink xmlns:inkml="http://www.w3.org/2003/InkML">
+  <inkml:definitions>
+    <inkml:context xml:id="ctx0">
+      <inkml:inkSource xml:id="inkSrc0">
+        <inkml:traceFormat>
+          <inkml:channel name="X" type="integer" min="-2.14748E9" max="2.14748E9" units="cm"/>
+          <inkml:channel name="Y" type="integer" min="-2.14748E9" max="2.14748E9" units="cm"/>
+          <inkml:channel name="F" type="integer" max="32767" units="dev"/>
+          <inkml:channel name="OA" type="integer" max="360" units="deg"/>
+          <inkml:channel name="OE" type="integer" max="90" units="deg"/>
+        </inkml:traceFormat>
+        <inkml:channelProperties>
+          <inkml:channelProperty channel="X" name="resolution" value="1000" units="1/cm"/>
+          <inkml:channelProperty channel="Y" name="resolution" value="1000" units="1/cm"/>
+          <inkml:channelProperty channel="F" name="resolution" value="0" units="1/dev"/>
+          <inkml:channelProperty channel="OA" name="resolution" value="1000" units="1/deg"/>
+          <inkml:channelProperty channel="OE" name="resolution" value="1000" units="1/deg"/>
+        </inkml:channelProperties>
+      </inkml:inkSource>
+      <inkml:timestamp xml:id="ts0" timeString="2021-05-12T19:00:57.646"/>
+    </inkml:context>
+    <inkml:brush xml:id="br0">
+      <inkml:brushProperty name="width" value="0.05" units="cm"/>
+      <inkml:brushProperty name="height" value="0.05" units="cm"/>
+      <inkml:brushProperty name="color" value="#FF0066"/>
+    </inkml:brush>
+  </inkml:definitions>
+  <inkml:trace contextRef="#ctx0" brushRef="#br0">6 110 3224 0 0,'-5'11'18022'0'0,"8"-10"-17843"0"0,0-1 1 0 0,1 1-1 0 0,-1-1 0 0 0,0 0 1 0 0,1 0-1 0 0,4-1 0 0 0,7 0 551 0 0,42-4-338 0 0,-48 4-267 0 0,1 0 0 0 0,-1 1 0 0 0,11 1 0 0 0,3 0 311 0 0,-16-1-360 0 0,4 3 35 0 0,0-1-70 0 0,-11-2-39 0 0,1 0 0 0 0,-1 0 0 0 0,0 0 0 0 0,0 0 0 0 0,1 0 1 0 0,-1 0-1 0 0,0 0 0 0 0,1 0 0 0 0,-1 0 0 0 0,0 0 0 0 0,0 0 0 0 0,1 0 0 0 0,-1 0 0 0 0,0 0 0 0 0,0 0 0 0 0,1 0 0 0 0,-1 1 0 0 0,0-1 0 0 0,0 0 0 0 0,0 0 0 0 0,1 0 0 0 0,-1 0 0 0 0,0 1 0 0 0,0-1 0 0 0,0 0 0 0 0,0 0 1 0 0,1 0-1 0 0,-1 1 0 0 0,0-1 0 0 0,0 1 1 0 0,1-1 0 0 0,-1 0-1 0 0,0 1 1 0 0,0-1-1 0 0,1 0 1 0 0,-1 0 0 0 0,0 1-1 0 0,1-1 1 0 0,-1 0 0 0 0,0 0-1 0 0,1 1 1 0 0,-1-1 0 0 0,0 0-1 0 0,1 0 1 0 0,-1 0 0 0 0,1 0-1 0 0,-1 0 1 0 0,0 0-1 0 0,1 0 1 0 0,-1 0 0 0 0,1 1-1 0 0,-1-1 1 0 0,0 0 0 0 0,1-1-1 0 0,-1 1 1 0 0,1 0 0 0 0,-1 0-1 0 0,13 3 126 0 0,-12-2-114 0 0,0 0 0 0 0,1-1 0 0 0,-1 1 0 0 0,0-1 0 0 0,1 1 0 0 0,-1-1 0 0 0,1 0 0 0 0,-1 0 0 0 0,3 0 0 0 0,20 0 125 0 0,-10-1-81 0 0,0 1 0 0 0,1 1 0 0 0,-1 0 0 0 0,16 4 1 0 0,1-3-49 0 0,8 7 54 0 0,-16-6-35 0 0,-19-3-22 0 0,0 1 0 0 0,0-1 0 0 0,0 1 0 0 0,7 1 0 0 0,-9-1-2 0 0,-1 0 1 0 0,1 0-1 0 0,-1-1 0 0 0,1 1 1 0 0,-1-1-1 0 0,1 1 0 0 0,0-1 1 0 0,0 0-1 0 0,-1 1 0 0 0,1-1 0 0 0,0 0 1 0 0,-1 0-1 0 0,1 0 0 0 0,0 0 1 0 0,0-1-1 0 0,-1 1 0 0 0,1 0 0 0 0,0-1 1 0 0,-1 1-1 0 0,1-1 0 0 0,-1 0 1 0 0,1 1-1 0 0,-1-1 0 0 0,1 0 0 0 0,-1 0 1 0 0,1 0-1 0 0,-1 0 0 0 0,2-2 1 0 0,3-1 10 0 0,0-1 1 0 0,-1 1 0 0 0,2 1 0 0 0,-1-1 0 0 0,0 1-1 0 0,1 0 1 0 0,-1 1 0 0 0,13-4 0 0 0,-6 3 12 0 0,0 1 0 0 0,0 0 0 0 0,23 0 1 0 0,11 8-20 0 0,-3 1 54 0 0,-41-8-58 0 0,14 5 54 0 0,-5-2-1 0 0,0-1 0 0 0,0 0 0 0 0,0 0 0 0 0,22-3 0 0 0,0 1 50 0 0,81 1 172 0 0,59 0 16 0 0,-59-2 20 0 0,-102 1-266 0 0,-1 0 0 0 0,0-1 0 0 0,21-5 0 0 0,-21 3-26 0 0,0 2-1 0 0,0-1 0 0 0,21 0 1 0 0,79 0 28 0 0,91-6 147 0 0,-57 7-70 0 0,-75 4-88 0 0,148 5 269 0 0,-174-7-205 0 0,0 1 72 0 0,-1-2 0 0 0,63-9 0 0 0,38-10 246 0 0,-24 10-164 0 0,-53 6-102 0 0,-9-2 112 0 0,-54 6-221 0 0,-1-1 1 0 0,0 1 0 0 0,0-1-1 0 0,0-1 1 0 0,0 1 0 0 0,0 0-1 0 0,4-3 1 0 0,-3 1 50 0 0,1-1 38 0 0,-8-9 13 0 0,2 2-174 0 0,11 4-8391 0 0</inkml:trace>
+</inkml:ink>
+</file>
+
+<file path=ppt/ink/ink9.xml><?xml version="1.0" encoding="utf-8"?>
+<inkml:ink xmlns:inkml="http://www.w3.org/2003/InkML">
+  <inkml:definitions>
+    <inkml:context xml:id="ctx0">
+      <inkml:inkSource xml:id="inkSrc0">
+        <inkml:traceFormat>
+          <inkml:channel name="X" type="integer" min="-2.14748E9" max="2.14748E9" units="cm"/>
+          <inkml:channel name="Y" type="integer" min="-2.14748E9" max="2.14748E9" units="cm"/>
+          <inkml:channel name="F" type="integer" max="32767" units="dev"/>
+          <inkml:channel name="OA" type="integer" max="360" units="deg"/>
+          <inkml:channel name="OE" type="integer" max="90" units="deg"/>
+        </inkml:traceFormat>
+        <inkml:channelProperties>
+          <inkml:channelProperty channel="X" name="resolution" value="1000" units="1/cm"/>
+          <inkml:channelProperty channel="Y" name="resolution" value="1000" units="1/cm"/>
+          <inkml:channelProperty channel="F" name="resolution" value="0" units="1/dev"/>
+          <inkml:channelProperty channel="OA" name="resolution" value="1000" units="1/deg"/>
+          <inkml:channelProperty channel="OE" name="resolution" value="1000" units="1/deg"/>
+        </inkml:channelProperties>
+      </inkml:inkSource>
+      <inkml:timestamp xml:id="ts0" timeString="2021-05-12T19:29:07.731"/>
+    </inkml:context>
+    <inkml:brush xml:id="br0">
+      <inkml:brushProperty name="width" value="0.05" units="cm"/>
+      <inkml:brushProperty name="height" value="0.05" units="cm"/>
+      <inkml:brushProperty name="color" value="#FF0066"/>
+    </inkml:brush>
+  </inkml:definitions>
+  <inkml:trace contextRef="#ctx0" brushRef="#br0">50 8 2304 0 0,'0'0'557'0'0,"-20"-8"6738"0"0,19 8-7086 0 0,0 0-1 0 0,-1 0 1 0 0,1 1 0 0 0,0-1 0 0 0,0 0 0 0 0,0 0 0 0 0,0 1 0 0 0,0-1-1 0 0,0 1 1 0 0,-1-1 0 0 0,1 1 0 0 0,0-1 0 0 0,0 1 0 0 0,0 0 0 0 0,0-1-1 0 0,1 1 1 0 0,-1 0 0 0 0,0 0 0 0 0,-1 1 0 0 0,-6 3 6593 0 0,9-3-6702 0 0,1 0-1 0 0,-1 0 0 0 0,0 0 0 0 0,1-1 0 0 0,0 1 0 0 0,-1 0 1 0 0,1-1-1 0 0,0 1 0 0 0,0-1 0 0 0,0 1 0 0 0,0-1 0 0 0,0 0 1 0 0,0 0-1 0 0,0 0 0 0 0,0 0 0 0 0,0 0 0 0 0,1-1 0 0 0,-1 1 1 0 0,0 0-1 0 0,1-1 0 0 0,3 0 0 0 0,9 2 26 0 0,0-1 0 0 0,19-2 1 0 0,-15 1 348 0 0,34-2-269 0 0,-26 1-25 0 0,1 1-1 0 0,50 6 1 0 0,-50-4-180 0 0,-22-2 16 0 0,-4 0-10 0 0,-1-1-1 0 0,1 1 0 0 0,0 0 1 0 0,-1 1-1 0 0,1-1 0 0 0,0 0 1 0 0,-1 0-1 0 0,1 1 0 0 0,0-1 1 0 0,1 2-1 0 0,50 8 123 0 0,-50-8-115 0 0,-1-1-1 0 0,1 0 1 0 0,0 0 0 0 0,0 0-1 0 0,0 0 1 0 0,0-1 0 0 0,0 1 0 0 0,0-1-1 0 0,4 1 1 0 0,2 0 31 0 0,24 3 224 0 0,1-1 1 0 0,49-2-1 0 0,-47-2-183 0 0,-8 3-85 0 0,30 4 0 0 0,-34-3 0 0 0,-12-1-13 0 0,-1-1-1 0 0,1-1 1 0 0,0 0-1 0 0,0 0 0 0 0,13-3 1 0 0,-19 3 0 0 0,0 0-1 0 0,-1 0 1 0 0,1 0 0 0 0,7 2-1 0 0,9 0-6 0 0,-8-1 20 0 0,4-1 0 0 0,-5-3 0 0 0,1 2 0 0 0,24 0 0 0 0,-18 1 21 0 0,-11 1 1 0 0,-1-1 1 0 0,0 0-1 0 0,0 0 1 0 0,15-4 0 0 0,-20 4-22 0 0,0-1 1 0 0,0 1 0 0 0,-1 0 0 0 0,1 0 0 0 0,0 0 0 0 0,4 1 0 0 0,15-1-5 0 0,-12-1 51 0 0,1 0 0 0 0,14 1 0 0 0,-14 0 0 0 0,-1 0 0 0 0,15-3 0 0 0,-12 1-48 0 0,0 2 0 0 0,16-1 0 0 0,-16 1 0 0 0,5 1-5 0 0,-7-1 46 0 0,0 0 0 0 0,22-3 0 0 0,68-15 451 0 0,-16 6-398 0 0,-72 10-92 0 0,26-5 29 0 0,64-2 0 0 0,-72 5-31 0 0,9 2 76 0 0,-29 2-38 0 0,0 0 1 0 0,21-3 0 0 0,-26 2-39 0 0,1 0 0 0 0,-1 1 0 0 0,12 0 0 0 0,12-1 0 0 0,-13 0 0 0 0,0 0 0 0 0,34 3 0 0 0,-23 2-48 0 0,-8-1-36 0 0,24-1 0 0 0,3 4 84 0 0,-23-3 0 0 0,63 4 328 0 0,22 2-173 0 0,-79-8-98 0 0,-18 0 59 0 0,-1 0 0 0 0,21-3 0 0 0,16 2-20 0 0,-33-1-48 0 0,0 0 0 0 0,0 1 0 0 0,22 3-1 0 0,16 1 50 0 0,38-1-169 0 0,-37-1 126 0 0,-26-1 13 0 0,33-2 0 0 0,-41 0-10 0 0,0 0-1 0 0,0 2 1 0 0,0 0-1 0 0,0 1 1 0 0,0 1 0 0 0,24 7-1 0 0,-41-8 20 0 0,-1-2-59 0 0,-1 1-1 0 0,0 0 0 0 0,1 0 1 0 0,-1-1-1 0 0,1 1 0 0 0,-1-1 0 0 0,1 1 1 0 0,-1-1-1 0 0,1 0 0 0 0,-1 1 1 0 0,1-1-1 0 0,1 0 0 0 0,17 4 968 0 0,-16-3-984 0 0,1-1 0 0 0,0-1 0 0 0,1-1 0 0 0,-1 0-96 0 0,-4 2-411 0 0,3 0-3022 0 0</inkml:trace>
+</inkml:ink>
 </file>
 
 <file path=ppt/notesMasters/notesMaster1.xml><?xml version="1.0" encoding="utf-8"?>
@@ -5014,6 +7231,282 @@
           </a:p>
         </p:txBody>
       </p:sp>
+      <mc:AlternateContent xmlns:mc="http://schemas.openxmlformats.org/markup-compatibility/2006">
+        <mc:Choice xmlns:p14="http://schemas.microsoft.com/office/powerpoint/2010/main" Requires="p14">
+          <p:contentPart p14:bwMode="auto" r:id="rId3">
+            <p14:nvContentPartPr>
+              <p14:cNvPr id="24" name="Ink 23">
+                <a:extLst>
+                  <a:ext uri="{FF2B5EF4-FFF2-40B4-BE49-F238E27FC236}">
+                    <a16:creationId xmlns:a16="http://schemas.microsoft.com/office/drawing/2014/main" id="{901C4FDD-E950-438E-ACD4-219E364A3794}"/>
+                  </a:ext>
+                </a:extLst>
+              </p14:cNvPr>
+              <p14:cNvContentPartPr/>
+              <p14:nvPr/>
+            </p14:nvContentPartPr>
+            <p14:xfrm>
+              <a:off x="305766" y="4483899"/>
+              <a:ext cx="200880" cy="180360"/>
+            </p14:xfrm>
+          </p:contentPart>
+        </mc:Choice>
+        <mc:Fallback>
+          <p:pic>
+            <p:nvPicPr>
+              <p:cNvPr id="24" name="Ink 23">
+                <a:extLst>
+                  <a:ext uri="{FF2B5EF4-FFF2-40B4-BE49-F238E27FC236}">
+                    <a16:creationId xmlns:a16="http://schemas.microsoft.com/office/drawing/2014/main" id="{901C4FDD-E950-438E-ACD4-219E364A3794}"/>
+                  </a:ext>
+                </a:extLst>
+              </p:cNvPr>
+              <p:cNvPicPr/>
+              <p:nvPr/>
+            </p:nvPicPr>
+            <p:blipFill>
+              <a:blip r:embed="rId4"/>
+              <a:stretch>
+                <a:fillRect/>
+              </a:stretch>
+            </p:blipFill>
+            <p:spPr>
+              <a:xfrm>
+                <a:off x="297126" y="4475259"/>
+                <a:ext cx="218520" cy="198000"/>
+              </a:xfrm>
+              <a:prstGeom prst="rect">
+                <a:avLst/>
+              </a:prstGeom>
+            </p:spPr>
+          </p:pic>
+        </mc:Fallback>
+      </mc:AlternateContent>
+      <mc:AlternateContent xmlns:mc="http://schemas.openxmlformats.org/markup-compatibility/2006">
+        <mc:Choice xmlns:p14="http://schemas.microsoft.com/office/powerpoint/2010/main" Requires="p14">
+          <p:contentPart p14:bwMode="auto" r:id="rId5">
+            <p14:nvContentPartPr>
+              <p14:cNvPr id="25" name="Ink 24">
+                <a:extLst>
+                  <a:ext uri="{FF2B5EF4-FFF2-40B4-BE49-F238E27FC236}">
+                    <a16:creationId xmlns:a16="http://schemas.microsoft.com/office/drawing/2014/main" id="{D1CE940A-DFAD-4548-87B0-38BE9918949E}"/>
+                  </a:ext>
+                </a:extLst>
+              </p14:cNvPr>
+              <p14:cNvContentPartPr/>
+              <p14:nvPr/>
+            </p14:nvContentPartPr>
+            <p14:xfrm>
+              <a:off x="301086" y="4063419"/>
+              <a:ext cx="215640" cy="225000"/>
+            </p14:xfrm>
+          </p:contentPart>
+        </mc:Choice>
+        <mc:Fallback>
+          <p:pic>
+            <p:nvPicPr>
+              <p:cNvPr id="25" name="Ink 24">
+                <a:extLst>
+                  <a:ext uri="{FF2B5EF4-FFF2-40B4-BE49-F238E27FC236}">
+                    <a16:creationId xmlns:a16="http://schemas.microsoft.com/office/drawing/2014/main" id="{D1CE940A-DFAD-4548-87B0-38BE9918949E}"/>
+                  </a:ext>
+                </a:extLst>
+              </p:cNvPr>
+              <p:cNvPicPr/>
+              <p:nvPr/>
+            </p:nvPicPr>
+            <p:blipFill>
+              <a:blip r:embed="rId6"/>
+              <a:stretch>
+                <a:fillRect/>
+              </a:stretch>
+            </p:blipFill>
+            <p:spPr>
+              <a:xfrm>
+                <a:off x="292086" y="4054419"/>
+                <a:ext cx="233280" cy="242640"/>
+              </a:xfrm>
+              <a:prstGeom prst="rect">
+                <a:avLst/>
+              </a:prstGeom>
+            </p:spPr>
+          </p:pic>
+        </mc:Fallback>
+      </mc:AlternateContent>
+      <p:grpSp>
+        <p:nvGrpSpPr>
+          <p:cNvPr id="28" name="Group 27">
+            <a:extLst>
+              <a:ext uri="{FF2B5EF4-FFF2-40B4-BE49-F238E27FC236}">
+                <a16:creationId xmlns:a16="http://schemas.microsoft.com/office/drawing/2014/main" id="{95A4D945-B85D-4FF0-8A65-3A0ED01D90B9}"/>
+              </a:ext>
+            </a:extLst>
+          </p:cNvPr>
+          <p:cNvGrpSpPr/>
+          <p:nvPr/>
+        </p:nvGrpSpPr>
+        <p:grpSpPr>
+          <a:xfrm>
+            <a:off x="1880406" y="580419"/>
+            <a:ext cx="212760" cy="651960"/>
+            <a:chOff x="1880406" y="580419"/>
+            <a:chExt cx="212760" cy="651960"/>
+          </a:xfrm>
+        </p:grpSpPr>
+        <mc:AlternateContent xmlns:mc="http://schemas.openxmlformats.org/markup-compatibility/2006">
+          <mc:Choice xmlns:p14="http://schemas.microsoft.com/office/powerpoint/2010/main" Requires="p14">
+            <p:contentPart p14:bwMode="auto" r:id="rId7">
+              <p14:nvContentPartPr>
+                <p14:cNvPr id="26" name="Ink 25">
+                  <a:extLst>
+                    <a:ext uri="{FF2B5EF4-FFF2-40B4-BE49-F238E27FC236}">
+                      <a16:creationId xmlns:a16="http://schemas.microsoft.com/office/drawing/2014/main" id="{740213D5-8A8F-46E4-A48A-8D1F21934E38}"/>
+                    </a:ext>
+                  </a:extLst>
+                </p14:cNvPr>
+                <p14:cNvContentPartPr/>
+                <p14:nvPr/>
+              </p14:nvContentPartPr>
+              <p14:xfrm>
+                <a:off x="1972926" y="580419"/>
+                <a:ext cx="120240" cy="38880"/>
+              </p14:xfrm>
+            </p:contentPart>
+          </mc:Choice>
+          <mc:Fallback>
+            <p:pic>
+              <p:nvPicPr>
+                <p:cNvPr id="26" name="Ink 25">
+                  <a:extLst>
+                    <a:ext uri="{FF2B5EF4-FFF2-40B4-BE49-F238E27FC236}">
+                      <a16:creationId xmlns:a16="http://schemas.microsoft.com/office/drawing/2014/main" id="{740213D5-8A8F-46E4-A48A-8D1F21934E38}"/>
+                    </a:ext>
+                  </a:extLst>
+                </p:cNvPr>
+                <p:cNvPicPr/>
+                <p:nvPr/>
+              </p:nvPicPr>
+              <p:blipFill>
+                <a:blip r:embed="rId8"/>
+                <a:stretch>
+                  <a:fillRect/>
+                </a:stretch>
+              </p:blipFill>
+              <p:spPr>
+                <a:xfrm>
+                  <a:off x="1963926" y="571779"/>
+                  <a:ext cx="137880" cy="56520"/>
+                </a:xfrm>
+                <a:prstGeom prst="rect">
+                  <a:avLst/>
+                </a:prstGeom>
+              </p:spPr>
+            </p:pic>
+          </mc:Fallback>
+        </mc:AlternateContent>
+        <mc:AlternateContent xmlns:mc="http://schemas.openxmlformats.org/markup-compatibility/2006">
+          <mc:Choice xmlns:p14="http://schemas.microsoft.com/office/powerpoint/2010/main" Requires="p14">
+            <p:contentPart p14:bwMode="auto" r:id="rId9">
+              <p14:nvContentPartPr>
+                <p14:cNvPr id="27" name="Ink 26">
+                  <a:extLst>
+                    <a:ext uri="{FF2B5EF4-FFF2-40B4-BE49-F238E27FC236}">
+                      <a16:creationId xmlns:a16="http://schemas.microsoft.com/office/drawing/2014/main" id="{2940420E-486F-4E13-91A5-8FC72643EE5E}"/>
+                    </a:ext>
+                  </a:extLst>
+                </p14:cNvPr>
+                <p14:cNvContentPartPr/>
+                <p14:nvPr/>
+              </p14:nvContentPartPr>
+              <p14:xfrm>
+                <a:off x="1880406" y="630819"/>
+                <a:ext cx="208800" cy="601560"/>
+              </p14:xfrm>
+            </p:contentPart>
+          </mc:Choice>
+          <mc:Fallback>
+            <p:pic>
+              <p:nvPicPr>
+                <p:cNvPr id="27" name="Ink 26">
+                  <a:extLst>
+                    <a:ext uri="{FF2B5EF4-FFF2-40B4-BE49-F238E27FC236}">
+                      <a16:creationId xmlns:a16="http://schemas.microsoft.com/office/drawing/2014/main" id="{2940420E-486F-4E13-91A5-8FC72643EE5E}"/>
+                    </a:ext>
+                  </a:extLst>
+                </p:cNvPr>
+                <p:cNvPicPr/>
+                <p:nvPr/>
+              </p:nvPicPr>
+              <p:blipFill>
+                <a:blip r:embed="rId10"/>
+                <a:stretch>
+                  <a:fillRect/>
+                </a:stretch>
+              </p:blipFill>
+              <p:spPr>
+                <a:xfrm>
+                  <a:off x="1871766" y="622179"/>
+                  <a:ext cx="226440" cy="619200"/>
+                </a:xfrm>
+                <a:prstGeom prst="rect">
+                  <a:avLst/>
+                </a:prstGeom>
+              </p:spPr>
+            </p:pic>
+          </mc:Fallback>
+        </mc:AlternateContent>
+      </p:grpSp>
+      <mc:AlternateContent xmlns:mc="http://schemas.openxmlformats.org/markup-compatibility/2006">
+        <mc:Choice xmlns:p14="http://schemas.microsoft.com/office/powerpoint/2010/main" Requires="p14">
+          <p:contentPart p14:bwMode="auto" r:id="rId11">
+            <p14:nvContentPartPr>
+              <p14:cNvPr id="29" name="Ink 28">
+                <a:extLst>
+                  <a:ext uri="{FF2B5EF4-FFF2-40B4-BE49-F238E27FC236}">
+                    <a16:creationId xmlns:a16="http://schemas.microsoft.com/office/drawing/2014/main" id="{74981CA5-82A0-40BD-AC3C-B7F9F5105EE7}"/>
+                  </a:ext>
+                </a:extLst>
+              </p14:cNvPr>
+              <p14:cNvContentPartPr/>
+              <p14:nvPr/>
+            </p14:nvContentPartPr>
+            <p14:xfrm>
+              <a:off x="4581126" y="496539"/>
+              <a:ext cx="959040" cy="69840"/>
+            </p14:xfrm>
+          </p:contentPart>
+        </mc:Choice>
+        <mc:Fallback>
+          <p:pic>
+            <p:nvPicPr>
+              <p:cNvPr id="29" name="Ink 28">
+                <a:extLst>
+                  <a:ext uri="{FF2B5EF4-FFF2-40B4-BE49-F238E27FC236}">
+                    <a16:creationId xmlns:a16="http://schemas.microsoft.com/office/drawing/2014/main" id="{74981CA5-82A0-40BD-AC3C-B7F9F5105EE7}"/>
+                  </a:ext>
+                </a:extLst>
+              </p:cNvPr>
+              <p:cNvPicPr/>
+              <p:nvPr/>
+            </p:nvPicPr>
+            <p:blipFill>
+              <a:blip r:embed="rId12"/>
+              <a:stretch>
+                <a:fillRect/>
+              </a:stretch>
+            </p:blipFill>
+            <p:spPr>
+              <a:xfrm>
+                <a:off x="4572486" y="487899"/>
+                <a:ext cx="976680" cy="87480"/>
+              </a:xfrm>
+              <a:prstGeom prst="rect">
+                <a:avLst/>
+              </a:prstGeom>
+            </p:spPr>
+          </p:pic>
+        </mc:Fallback>
+      </mc:AlternateContent>
     </p:spTree>
     <p:extLst>
       <p:ext uri="{BB962C8B-B14F-4D97-AF65-F5344CB8AC3E}">
@@ -5387,6 +7880,894 @@
           </a:p>
         </p:txBody>
       </p:sp>
+      <p:grpSp>
+        <p:nvGrpSpPr>
+          <p:cNvPr id="27" name="Group 26">
+            <a:extLst>
+              <a:ext uri="{FF2B5EF4-FFF2-40B4-BE49-F238E27FC236}">
+                <a16:creationId xmlns:a16="http://schemas.microsoft.com/office/drawing/2014/main" id="{930DBE93-8F22-48E0-A001-6440885FEDB3}"/>
+              </a:ext>
+            </a:extLst>
+          </p:cNvPr>
+          <p:cNvGrpSpPr/>
+          <p:nvPr/>
+        </p:nvGrpSpPr>
+        <p:grpSpPr>
+          <a:xfrm>
+            <a:off x="4143726" y="838899"/>
+            <a:ext cx="2782080" cy="526680"/>
+            <a:chOff x="4143726" y="838899"/>
+            <a:chExt cx="2782080" cy="526680"/>
+          </a:xfrm>
+        </p:grpSpPr>
+        <mc:AlternateContent xmlns:mc="http://schemas.openxmlformats.org/markup-compatibility/2006">
+          <mc:Choice xmlns:p14="http://schemas.microsoft.com/office/powerpoint/2010/main" Requires="p14">
+            <p:contentPart p14:bwMode="auto" r:id="rId7">
+              <p14:nvContentPartPr>
+                <p14:cNvPr id="8" name="Ink 7">
+                  <a:extLst>
+                    <a:ext uri="{FF2B5EF4-FFF2-40B4-BE49-F238E27FC236}">
+                      <a16:creationId xmlns:a16="http://schemas.microsoft.com/office/drawing/2014/main" id="{1A6567BE-B5DA-461A-B156-3B0F1AE337B4}"/>
+                    </a:ext>
+                  </a:extLst>
+                </p14:cNvPr>
+                <p14:cNvContentPartPr/>
+                <p14:nvPr/>
+              </p14:nvContentPartPr>
+              <p14:xfrm>
+                <a:off x="4143726" y="1130859"/>
+                <a:ext cx="309600" cy="234720"/>
+              </p14:xfrm>
+            </p:contentPart>
+          </mc:Choice>
+          <mc:Fallback>
+            <p:pic>
+              <p:nvPicPr>
+                <p:cNvPr id="8" name="Ink 7">
+                  <a:extLst>
+                    <a:ext uri="{FF2B5EF4-FFF2-40B4-BE49-F238E27FC236}">
+                      <a16:creationId xmlns:a16="http://schemas.microsoft.com/office/drawing/2014/main" id="{1A6567BE-B5DA-461A-B156-3B0F1AE337B4}"/>
+                    </a:ext>
+                  </a:extLst>
+                </p:cNvPr>
+                <p:cNvPicPr/>
+                <p:nvPr/>
+              </p:nvPicPr>
+              <p:blipFill>
+                <a:blip r:embed="rId8"/>
+                <a:stretch>
+                  <a:fillRect/>
+                </a:stretch>
+              </p:blipFill>
+              <p:spPr>
+                <a:xfrm>
+                  <a:off x="4135086" y="1121859"/>
+                  <a:ext cx="327240" cy="252360"/>
+                </a:xfrm>
+                <a:prstGeom prst="rect">
+                  <a:avLst/>
+                </a:prstGeom>
+              </p:spPr>
+            </p:pic>
+          </mc:Fallback>
+        </mc:AlternateContent>
+        <mc:AlternateContent xmlns:mc="http://schemas.openxmlformats.org/markup-compatibility/2006">
+          <mc:Choice xmlns:p14="http://schemas.microsoft.com/office/powerpoint/2010/main" Requires="p14">
+            <p:contentPart p14:bwMode="auto" r:id="rId9">
+              <p14:nvContentPartPr>
+                <p14:cNvPr id="9" name="Ink 8">
+                  <a:extLst>
+                    <a:ext uri="{FF2B5EF4-FFF2-40B4-BE49-F238E27FC236}">
+                      <a16:creationId xmlns:a16="http://schemas.microsoft.com/office/drawing/2014/main" id="{408C2418-E964-4458-85D0-1323E72B4F88}"/>
+                    </a:ext>
+                  </a:extLst>
+                </p14:cNvPr>
+                <p14:cNvContentPartPr/>
+                <p14:nvPr/>
+              </p14:nvContentPartPr>
+              <p14:xfrm>
+                <a:off x="4679406" y="951219"/>
+                <a:ext cx="100440" cy="134640"/>
+              </p14:xfrm>
+            </p:contentPart>
+          </mc:Choice>
+          <mc:Fallback>
+            <p:pic>
+              <p:nvPicPr>
+                <p:cNvPr id="9" name="Ink 8">
+                  <a:extLst>
+                    <a:ext uri="{FF2B5EF4-FFF2-40B4-BE49-F238E27FC236}">
+                      <a16:creationId xmlns:a16="http://schemas.microsoft.com/office/drawing/2014/main" id="{408C2418-E964-4458-85D0-1323E72B4F88}"/>
+                    </a:ext>
+                  </a:extLst>
+                </p:cNvPr>
+                <p:cNvPicPr/>
+                <p:nvPr/>
+              </p:nvPicPr>
+              <p:blipFill>
+                <a:blip r:embed="rId10"/>
+                <a:stretch>
+                  <a:fillRect/>
+                </a:stretch>
+              </p:blipFill>
+              <p:spPr>
+                <a:xfrm>
+                  <a:off x="4670406" y="942579"/>
+                  <a:ext cx="118080" cy="152280"/>
+                </a:xfrm>
+                <a:prstGeom prst="rect">
+                  <a:avLst/>
+                </a:prstGeom>
+              </p:spPr>
+            </p:pic>
+          </mc:Fallback>
+        </mc:AlternateContent>
+        <mc:AlternateContent xmlns:mc="http://schemas.openxmlformats.org/markup-compatibility/2006">
+          <mc:Choice xmlns:p14="http://schemas.microsoft.com/office/powerpoint/2010/main" Requires="p14">
+            <p:contentPart p14:bwMode="auto" r:id="rId11">
+              <p14:nvContentPartPr>
+                <p14:cNvPr id="10" name="Ink 9">
+                  <a:extLst>
+                    <a:ext uri="{FF2B5EF4-FFF2-40B4-BE49-F238E27FC236}">
+                      <a16:creationId xmlns:a16="http://schemas.microsoft.com/office/drawing/2014/main" id="{3DCF4E23-A14E-42AC-A8F2-7068EBA6F890}"/>
+                    </a:ext>
+                  </a:extLst>
+                </p14:cNvPr>
+                <p14:cNvContentPartPr/>
+                <p14:nvPr/>
+              </p14:nvContentPartPr>
+              <p14:xfrm>
+                <a:off x="4721166" y="1181979"/>
+                <a:ext cx="21600" cy="11880"/>
+              </p14:xfrm>
+            </p:contentPart>
+          </mc:Choice>
+          <mc:Fallback>
+            <p:pic>
+              <p:nvPicPr>
+                <p:cNvPr id="10" name="Ink 9">
+                  <a:extLst>
+                    <a:ext uri="{FF2B5EF4-FFF2-40B4-BE49-F238E27FC236}">
+                      <a16:creationId xmlns:a16="http://schemas.microsoft.com/office/drawing/2014/main" id="{3DCF4E23-A14E-42AC-A8F2-7068EBA6F890}"/>
+                    </a:ext>
+                  </a:extLst>
+                </p:cNvPr>
+                <p:cNvPicPr/>
+                <p:nvPr/>
+              </p:nvPicPr>
+              <p:blipFill>
+                <a:blip r:embed="rId12"/>
+                <a:stretch>
+                  <a:fillRect/>
+                </a:stretch>
+              </p:blipFill>
+              <p:spPr>
+                <a:xfrm>
+                  <a:off x="4712166" y="1173339"/>
+                  <a:ext cx="39240" cy="29520"/>
+                </a:xfrm>
+                <a:prstGeom prst="rect">
+                  <a:avLst/>
+                </a:prstGeom>
+              </p:spPr>
+            </p:pic>
+          </mc:Fallback>
+        </mc:AlternateContent>
+        <mc:AlternateContent xmlns:mc="http://schemas.openxmlformats.org/markup-compatibility/2006">
+          <mc:Choice xmlns:p14="http://schemas.microsoft.com/office/powerpoint/2010/main" Requires="p14">
+            <p:contentPart p14:bwMode="auto" r:id="rId13">
+              <p14:nvContentPartPr>
+                <p14:cNvPr id="11" name="Ink 10">
+                  <a:extLst>
+                    <a:ext uri="{FF2B5EF4-FFF2-40B4-BE49-F238E27FC236}">
+                      <a16:creationId xmlns:a16="http://schemas.microsoft.com/office/drawing/2014/main" id="{8B7BEE91-6448-4EC9-B35B-4FAEAF691A51}"/>
+                    </a:ext>
+                  </a:extLst>
+                </p14:cNvPr>
+                <p14:cNvContentPartPr/>
+                <p14:nvPr/>
+              </p14:nvContentPartPr>
+              <p14:xfrm>
+                <a:off x="4909806" y="1026819"/>
+                <a:ext cx="160560" cy="120600"/>
+              </p14:xfrm>
+            </p:contentPart>
+          </mc:Choice>
+          <mc:Fallback>
+            <p:pic>
+              <p:nvPicPr>
+                <p:cNvPr id="11" name="Ink 10">
+                  <a:extLst>
+                    <a:ext uri="{FF2B5EF4-FFF2-40B4-BE49-F238E27FC236}">
+                      <a16:creationId xmlns:a16="http://schemas.microsoft.com/office/drawing/2014/main" id="{8B7BEE91-6448-4EC9-B35B-4FAEAF691A51}"/>
+                    </a:ext>
+                  </a:extLst>
+                </p:cNvPr>
+                <p:cNvPicPr/>
+                <p:nvPr/>
+              </p:nvPicPr>
+              <p:blipFill>
+                <a:blip r:embed="rId14"/>
+                <a:stretch>
+                  <a:fillRect/>
+                </a:stretch>
+              </p:blipFill>
+              <p:spPr>
+                <a:xfrm>
+                  <a:off x="4900806" y="1018179"/>
+                  <a:ext cx="178200" cy="138240"/>
+                </a:xfrm>
+                <a:prstGeom prst="rect">
+                  <a:avLst/>
+                </a:prstGeom>
+              </p:spPr>
+            </p:pic>
+          </mc:Fallback>
+        </mc:AlternateContent>
+        <mc:AlternateContent xmlns:mc="http://schemas.openxmlformats.org/markup-compatibility/2006">
+          <mc:Choice xmlns:p14="http://schemas.microsoft.com/office/powerpoint/2010/main" Requires="p14">
+            <p:contentPart p14:bwMode="auto" r:id="rId15">
+              <p14:nvContentPartPr>
+                <p14:cNvPr id="12" name="Ink 11">
+                  <a:extLst>
+                    <a:ext uri="{FF2B5EF4-FFF2-40B4-BE49-F238E27FC236}">
+                      <a16:creationId xmlns:a16="http://schemas.microsoft.com/office/drawing/2014/main" id="{0CED0063-EAA1-4E76-B67F-F481CA4D6192}"/>
+                    </a:ext>
+                  </a:extLst>
+                </p14:cNvPr>
+                <p14:cNvContentPartPr/>
+                <p14:nvPr/>
+              </p14:nvContentPartPr>
+              <p14:xfrm>
+                <a:off x="5112486" y="1025019"/>
+                <a:ext cx="118080" cy="118800"/>
+              </p14:xfrm>
+            </p:contentPart>
+          </mc:Choice>
+          <mc:Fallback>
+            <p:pic>
+              <p:nvPicPr>
+                <p:cNvPr id="12" name="Ink 11">
+                  <a:extLst>
+                    <a:ext uri="{FF2B5EF4-FFF2-40B4-BE49-F238E27FC236}">
+                      <a16:creationId xmlns:a16="http://schemas.microsoft.com/office/drawing/2014/main" id="{0CED0063-EAA1-4E76-B67F-F481CA4D6192}"/>
+                    </a:ext>
+                  </a:extLst>
+                </p:cNvPr>
+                <p:cNvPicPr/>
+                <p:nvPr/>
+              </p:nvPicPr>
+              <p:blipFill>
+                <a:blip r:embed="rId16"/>
+                <a:stretch>
+                  <a:fillRect/>
+                </a:stretch>
+              </p:blipFill>
+              <p:spPr>
+                <a:xfrm>
+                  <a:off x="5103486" y="1016019"/>
+                  <a:ext cx="135720" cy="136440"/>
+                </a:xfrm>
+                <a:prstGeom prst="rect">
+                  <a:avLst/>
+                </a:prstGeom>
+              </p:spPr>
+            </p:pic>
+          </mc:Fallback>
+        </mc:AlternateContent>
+        <mc:AlternateContent xmlns:mc="http://schemas.openxmlformats.org/markup-compatibility/2006">
+          <mc:Choice xmlns:p14="http://schemas.microsoft.com/office/powerpoint/2010/main" Requires="p14">
+            <p:contentPart p14:bwMode="auto" r:id="rId17">
+              <p14:nvContentPartPr>
+                <p14:cNvPr id="13" name="Ink 12">
+                  <a:extLst>
+                    <a:ext uri="{FF2B5EF4-FFF2-40B4-BE49-F238E27FC236}">
+                      <a16:creationId xmlns:a16="http://schemas.microsoft.com/office/drawing/2014/main" id="{38F8711F-4DF1-4E14-A4D3-19870729E9F0}"/>
+                    </a:ext>
+                  </a:extLst>
+                </p14:cNvPr>
+                <p14:cNvContentPartPr/>
+                <p14:nvPr/>
+              </p14:nvContentPartPr>
+              <p14:xfrm>
+                <a:off x="5270166" y="918459"/>
+                <a:ext cx="108720" cy="177840"/>
+              </p14:xfrm>
+            </p:contentPart>
+          </mc:Choice>
+          <mc:Fallback>
+            <p:pic>
+              <p:nvPicPr>
+                <p:cNvPr id="13" name="Ink 12">
+                  <a:extLst>
+                    <a:ext uri="{FF2B5EF4-FFF2-40B4-BE49-F238E27FC236}">
+                      <a16:creationId xmlns:a16="http://schemas.microsoft.com/office/drawing/2014/main" id="{38F8711F-4DF1-4E14-A4D3-19870729E9F0}"/>
+                    </a:ext>
+                  </a:extLst>
+                </p:cNvPr>
+                <p:cNvPicPr/>
+                <p:nvPr/>
+              </p:nvPicPr>
+              <p:blipFill>
+                <a:blip r:embed="rId18"/>
+                <a:stretch>
+                  <a:fillRect/>
+                </a:stretch>
+              </p:blipFill>
+              <p:spPr>
+                <a:xfrm>
+                  <a:off x="5261166" y="909459"/>
+                  <a:ext cx="126360" cy="195480"/>
+                </a:xfrm>
+                <a:prstGeom prst="rect">
+                  <a:avLst/>
+                </a:prstGeom>
+              </p:spPr>
+            </p:pic>
+          </mc:Fallback>
+        </mc:AlternateContent>
+        <mc:AlternateContent xmlns:mc="http://schemas.openxmlformats.org/markup-compatibility/2006">
+          <mc:Choice xmlns:p14="http://schemas.microsoft.com/office/powerpoint/2010/main" Requires="p14">
+            <p:contentPart p14:bwMode="auto" r:id="rId19">
+              <p14:nvContentPartPr>
+                <p14:cNvPr id="14" name="Ink 13">
+                  <a:extLst>
+                    <a:ext uri="{FF2B5EF4-FFF2-40B4-BE49-F238E27FC236}">
+                      <a16:creationId xmlns:a16="http://schemas.microsoft.com/office/drawing/2014/main" id="{31E13E9A-B7EB-4FA1-91A0-AED74639C8B9}"/>
+                    </a:ext>
+                  </a:extLst>
+                </p14:cNvPr>
+                <p14:cNvContentPartPr/>
+                <p14:nvPr/>
+              </p14:nvContentPartPr>
+              <p14:xfrm>
+                <a:off x="5412006" y="1021779"/>
+                <a:ext cx="63360" cy="95040"/>
+              </p14:xfrm>
+            </p:contentPart>
+          </mc:Choice>
+          <mc:Fallback>
+            <p:pic>
+              <p:nvPicPr>
+                <p:cNvPr id="14" name="Ink 13">
+                  <a:extLst>
+                    <a:ext uri="{FF2B5EF4-FFF2-40B4-BE49-F238E27FC236}">
+                      <a16:creationId xmlns:a16="http://schemas.microsoft.com/office/drawing/2014/main" id="{31E13E9A-B7EB-4FA1-91A0-AED74639C8B9}"/>
+                    </a:ext>
+                  </a:extLst>
+                </p:cNvPr>
+                <p:cNvPicPr/>
+                <p:nvPr/>
+              </p:nvPicPr>
+              <p:blipFill>
+                <a:blip r:embed="rId20"/>
+                <a:stretch>
+                  <a:fillRect/>
+                </a:stretch>
+              </p:blipFill>
+              <p:spPr>
+                <a:xfrm>
+                  <a:off x="5403006" y="1012779"/>
+                  <a:ext cx="81000" cy="112680"/>
+                </a:xfrm>
+                <a:prstGeom prst="rect">
+                  <a:avLst/>
+                </a:prstGeom>
+              </p:spPr>
+            </p:pic>
+          </mc:Fallback>
+        </mc:AlternateContent>
+        <mc:AlternateContent xmlns:mc="http://schemas.openxmlformats.org/markup-compatibility/2006">
+          <mc:Choice xmlns:p14="http://schemas.microsoft.com/office/powerpoint/2010/main" Requires="p14">
+            <p:contentPart p14:bwMode="auto" r:id="rId21">
+              <p14:nvContentPartPr>
+                <p14:cNvPr id="15" name="Ink 14">
+                  <a:extLst>
+                    <a:ext uri="{FF2B5EF4-FFF2-40B4-BE49-F238E27FC236}">
+                      <a16:creationId xmlns:a16="http://schemas.microsoft.com/office/drawing/2014/main" id="{AB07A571-877F-4899-8638-E5AA68457CB5}"/>
+                    </a:ext>
+                  </a:extLst>
+                </p14:cNvPr>
+                <p14:cNvContentPartPr/>
+                <p14:nvPr/>
+              </p14:nvContentPartPr>
+              <p14:xfrm>
+                <a:off x="5511006" y="922059"/>
+                <a:ext cx="216720" cy="203760"/>
+              </p14:xfrm>
+            </p:contentPart>
+          </mc:Choice>
+          <mc:Fallback>
+            <p:pic>
+              <p:nvPicPr>
+                <p:cNvPr id="15" name="Ink 14">
+                  <a:extLst>
+                    <a:ext uri="{FF2B5EF4-FFF2-40B4-BE49-F238E27FC236}">
+                      <a16:creationId xmlns:a16="http://schemas.microsoft.com/office/drawing/2014/main" id="{AB07A571-877F-4899-8638-E5AA68457CB5}"/>
+                    </a:ext>
+                  </a:extLst>
+                </p:cNvPr>
+                <p:cNvPicPr/>
+                <p:nvPr/>
+              </p:nvPicPr>
+              <p:blipFill>
+                <a:blip r:embed="rId22"/>
+                <a:stretch>
+                  <a:fillRect/>
+                </a:stretch>
+              </p:blipFill>
+              <p:spPr>
+                <a:xfrm>
+                  <a:off x="5502006" y="913059"/>
+                  <a:ext cx="234360" cy="221400"/>
+                </a:xfrm>
+                <a:prstGeom prst="rect">
+                  <a:avLst/>
+                </a:prstGeom>
+              </p:spPr>
+            </p:pic>
+          </mc:Fallback>
+        </mc:AlternateContent>
+        <mc:AlternateContent xmlns:mc="http://schemas.openxmlformats.org/markup-compatibility/2006">
+          <mc:Choice xmlns:p14="http://schemas.microsoft.com/office/powerpoint/2010/main" Requires="p14">
+            <p:contentPart p14:bwMode="auto" r:id="rId23">
+              <p14:nvContentPartPr>
+                <p14:cNvPr id="16" name="Ink 15">
+                  <a:extLst>
+                    <a:ext uri="{FF2B5EF4-FFF2-40B4-BE49-F238E27FC236}">
+                      <a16:creationId xmlns:a16="http://schemas.microsoft.com/office/drawing/2014/main" id="{D12D9836-2F9E-4CA2-A6E9-4336EA6D8467}"/>
+                    </a:ext>
+                  </a:extLst>
+                </p14:cNvPr>
+                <p14:cNvContentPartPr/>
+                <p14:nvPr/>
+              </p14:nvContentPartPr>
+              <p14:xfrm>
+                <a:off x="5887566" y="862299"/>
+                <a:ext cx="183240" cy="280800"/>
+              </p14:xfrm>
+            </p:contentPart>
+          </mc:Choice>
+          <mc:Fallback>
+            <p:pic>
+              <p:nvPicPr>
+                <p:cNvPr id="16" name="Ink 15">
+                  <a:extLst>
+                    <a:ext uri="{FF2B5EF4-FFF2-40B4-BE49-F238E27FC236}">
+                      <a16:creationId xmlns:a16="http://schemas.microsoft.com/office/drawing/2014/main" id="{D12D9836-2F9E-4CA2-A6E9-4336EA6D8467}"/>
+                    </a:ext>
+                  </a:extLst>
+                </p:cNvPr>
+                <p:cNvPicPr/>
+                <p:nvPr/>
+              </p:nvPicPr>
+              <p:blipFill>
+                <a:blip r:embed="rId24"/>
+                <a:stretch>
+                  <a:fillRect/>
+                </a:stretch>
+              </p:blipFill>
+              <p:spPr>
+                <a:xfrm>
+                  <a:off x="5878926" y="853659"/>
+                  <a:ext cx="200880" cy="298440"/>
+                </a:xfrm>
+                <a:prstGeom prst="rect">
+                  <a:avLst/>
+                </a:prstGeom>
+              </p:spPr>
+            </p:pic>
+          </mc:Fallback>
+        </mc:AlternateContent>
+        <mc:AlternateContent xmlns:mc="http://schemas.openxmlformats.org/markup-compatibility/2006">
+          <mc:Choice xmlns:p14="http://schemas.microsoft.com/office/powerpoint/2010/main" Requires="p14">
+            <p:contentPart p14:bwMode="auto" r:id="rId25">
+              <p14:nvContentPartPr>
+                <p14:cNvPr id="17" name="Ink 16">
+                  <a:extLst>
+                    <a:ext uri="{FF2B5EF4-FFF2-40B4-BE49-F238E27FC236}">
+                      <a16:creationId xmlns:a16="http://schemas.microsoft.com/office/drawing/2014/main" id="{E072BE1D-79CE-4BBA-8BF8-D3D65DD3FAB5}"/>
+                    </a:ext>
+                  </a:extLst>
+                </p14:cNvPr>
+                <p14:cNvContentPartPr/>
+                <p14:nvPr/>
+              </p14:nvContentPartPr>
+              <p14:xfrm>
+                <a:off x="5934366" y="1025739"/>
+                <a:ext cx="136800" cy="41040"/>
+              </p14:xfrm>
+            </p:contentPart>
+          </mc:Choice>
+          <mc:Fallback>
+            <p:pic>
+              <p:nvPicPr>
+                <p:cNvPr id="17" name="Ink 16">
+                  <a:extLst>
+                    <a:ext uri="{FF2B5EF4-FFF2-40B4-BE49-F238E27FC236}">
+                      <a16:creationId xmlns:a16="http://schemas.microsoft.com/office/drawing/2014/main" id="{E072BE1D-79CE-4BBA-8BF8-D3D65DD3FAB5}"/>
+                    </a:ext>
+                  </a:extLst>
+                </p:cNvPr>
+                <p:cNvPicPr/>
+                <p:nvPr/>
+              </p:nvPicPr>
+              <p:blipFill>
+                <a:blip r:embed="rId26"/>
+                <a:stretch>
+                  <a:fillRect/>
+                </a:stretch>
+              </p:blipFill>
+              <p:spPr>
+                <a:xfrm>
+                  <a:off x="5925366" y="1016739"/>
+                  <a:ext cx="154440" cy="58680"/>
+                </a:xfrm>
+                <a:prstGeom prst="rect">
+                  <a:avLst/>
+                </a:prstGeom>
+              </p:spPr>
+            </p:pic>
+          </mc:Fallback>
+        </mc:AlternateContent>
+        <mc:AlternateContent xmlns:mc="http://schemas.openxmlformats.org/markup-compatibility/2006">
+          <mc:Choice xmlns:p14="http://schemas.microsoft.com/office/powerpoint/2010/main" Requires="p14">
+            <p:contentPart p14:bwMode="auto" r:id="rId27">
+              <p14:nvContentPartPr>
+                <p14:cNvPr id="18" name="Ink 17">
+                  <a:extLst>
+                    <a:ext uri="{FF2B5EF4-FFF2-40B4-BE49-F238E27FC236}">
+                      <a16:creationId xmlns:a16="http://schemas.microsoft.com/office/drawing/2014/main" id="{63B74057-6E38-4D29-9643-91BBCFF3F400}"/>
+                    </a:ext>
+                  </a:extLst>
+                </p14:cNvPr>
+                <p14:cNvContentPartPr/>
+                <p14:nvPr/>
+              </p14:nvContentPartPr>
+              <p14:xfrm>
+                <a:off x="6125526" y="981099"/>
+                <a:ext cx="178200" cy="154440"/>
+              </p14:xfrm>
+            </p:contentPart>
+          </mc:Choice>
+          <mc:Fallback>
+            <p:pic>
+              <p:nvPicPr>
+                <p:cNvPr id="18" name="Ink 17">
+                  <a:extLst>
+                    <a:ext uri="{FF2B5EF4-FFF2-40B4-BE49-F238E27FC236}">
+                      <a16:creationId xmlns:a16="http://schemas.microsoft.com/office/drawing/2014/main" id="{63B74057-6E38-4D29-9643-91BBCFF3F400}"/>
+                    </a:ext>
+                  </a:extLst>
+                </p:cNvPr>
+                <p:cNvPicPr/>
+                <p:nvPr/>
+              </p:nvPicPr>
+              <p:blipFill>
+                <a:blip r:embed="rId28"/>
+                <a:stretch>
+                  <a:fillRect/>
+                </a:stretch>
+              </p:blipFill>
+              <p:spPr>
+                <a:xfrm>
+                  <a:off x="6116526" y="972099"/>
+                  <a:ext cx="195840" cy="172080"/>
+                </a:xfrm>
+                <a:prstGeom prst="rect">
+                  <a:avLst/>
+                </a:prstGeom>
+              </p:spPr>
+            </p:pic>
+          </mc:Fallback>
+        </mc:AlternateContent>
+        <mc:AlternateContent xmlns:mc="http://schemas.openxmlformats.org/markup-compatibility/2006">
+          <mc:Choice xmlns:p14="http://schemas.microsoft.com/office/powerpoint/2010/main" Requires="p14">
+            <p:contentPart p14:bwMode="auto" r:id="rId29">
+              <p14:nvContentPartPr>
+                <p14:cNvPr id="19" name="Ink 18">
+                  <a:extLst>
+                    <a:ext uri="{FF2B5EF4-FFF2-40B4-BE49-F238E27FC236}">
+                      <a16:creationId xmlns:a16="http://schemas.microsoft.com/office/drawing/2014/main" id="{E91184CF-25AF-432B-8FE8-6790B8F0D6DB}"/>
+                    </a:ext>
+                  </a:extLst>
+                </p14:cNvPr>
+                <p14:cNvContentPartPr/>
+                <p14:nvPr/>
+              </p14:nvContentPartPr>
+              <p14:xfrm>
+                <a:off x="6353766" y="838899"/>
+                <a:ext cx="7560" cy="56520"/>
+              </p14:xfrm>
+            </p:contentPart>
+          </mc:Choice>
+          <mc:Fallback>
+            <p:pic>
+              <p:nvPicPr>
+                <p:cNvPr id="19" name="Ink 18">
+                  <a:extLst>
+                    <a:ext uri="{FF2B5EF4-FFF2-40B4-BE49-F238E27FC236}">
+                      <a16:creationId xmlns:a16="http://schemas.microsoft.com/office/drawing/2014/main" id="{E91184CF-25AF-432B-8FE8-6790B8F0D6DB}"/>
+                    </a:ext>
+                  </a:extLst>
+                </p:cNvPr>
+                <p:cNvPicPr/>
+                <p:nvPr/>
+              </p:nvPicPr>
+              <p:blipFill>
+                <a:blip r:embed="rId30"/>
+                <a:stretch>
+                  <a:fillRect/>
+                </a:stretch>
+              </p:blipFill>
+              <p:spPr>
+                <a:xfrm>
+                  <a:off x="6344766" y="829899"/>
+                  <a:ext cx="25200" cy="74160"/>
+                </a:xfrm>
+                <a:prstGeom prst="rect">
+                  <a:avLst/>
+                </a:prstGeom>
+              </p:spPr>
+            </p:pic>
+          </mc:Fallback>
+        </mc:AlternateContent>
+        <mc:AlternateContent xmlns:mc="http://schemas.openxmlformats.org/markup-compatibility/2006">
+          <mc:Choice xmlns:p14="http://schemas.microsoft.com/office/powerpoint/2010/main" Requires="p14">
+            <p:contentPart p14:bwMode="auto" r:id="rId31">
+              <p14:nvContentPartPr>
+                <p14:cNvPr id="20" name="Ink 19">
+                  <a:extLst>
+                    <a:ext uri="{FF2B5EF4-FFF2-40B4-BE49-F238E27FC236}">
+                      <a16:creationId xmlns:a16="http://schemas.microsoft.com/office/drawing/2014/main" id="{649DB6EF-D8AE-4F66-AF05-18F5B5FC609C}"/>
+                    </a:ext>
+                  </a:extLst>
+                </p14:cNvPr>
+                <p14:cNvContentPartPr/>
+                <p14:nvPr/>
+              </p14:nvContentPartPr>
+              <p14:xfrm>
+                <a:off x="6366366" y="998379"/>
+                <a:ext cx="213480" cy="110160"/>
+              </p14:xfrm>
+            </p:contentPart>
+          </mc:Choice>
+          <mc:Fallback>
+            <p:pic>
+              <p:nvPicPr>
+                <p:cNvPr id="20" name="Ink 19">
+                  <a:extLst>
+                    <a:ext uri="{FF2B5EF4-FFF2-40B4-BE49-F238E27FC236}">
+                      <a16:creationId xmlns:a16="http://schemas.microsoft.com/office/drawing/2014/main" id="{649DB6EF-D8AE-4F66-AF05-18F5B5FC609C}"/>
+                    </a:ext>
+                  </a:extLst>
+                </p:cNvPr>
+                <p:cNvPicPr/>
+                <p:nvPr/>
+              </p:nvPicPr>
+              <p:blipFill>
+                <a:blip r:embed="rId32"/>
+                <a:stretch>
+                  <a:fillRect/>
+                </a:stretch>
+              </p:blipFill>
+              <p:spPr>
+                <a:xfrm>
+                  <a:off x="6357726" y="989379"/>
+                  <a:ext cx="231120" cy="127800"/>
+                </a:xfrm>
+                <a:prstGeom prst="rect">
+                  <a:avLst/>
+                </a:prstGeom>
+              </p:spPr>
+            </p:pic>
+          </mc:Fallback>
+        </mc:AlternateContent>
+        <mc:AlternateContent xmlns:mc="http://schemas.openxmlformats.org/markup-compatibility/2006">
+          <mc:Choice xmlns:p14="http://schemas.microsoft.com/office/powerpoint/2010/main" Requires="p14">
+            <p:contentPart p14:bwMode="auto" r:id="rId33">
+              <p14:nvContentPartPr>
+                <p14:cNvPr id="21" name="Ink 20">
+                  <a:extLst>
+                    <a:ext uri="{FF2B5EF4-FFF2-40B4-BE49-F238E27FC236}">
+                      <a16:creationId xmlns:a16="http://schemas.microsoft.com/office/drawing/2014/main" id="{82A664DC-5E6F-470C-9115-ED9FC1146A51}"/>
+                    </a:ext>
+                  </a:extLst>
+                </p14:cNvPr>
+                <p14:cNvContentPartPr/>
+                <p14:nvPr/>
+              </p14:nvContentPartPr>
+              <p14:xfrm>
+                <a:off x="6615846" y="888579"/>
+                <a:ext cx="44640" cy="229680"/>
+              </p14:xfrm>
+            </p:contentPart>
+          </mc:Choice>
+          <mc:Fallback>
+            <p:pic>
+              <p:nvPicPr>
+                <p:cNvPr id="21" name="Ink 20">
+                  <a:extLst>
+                    <a:ext uri="{FF2B5EF4-FFF2-40B4-BE49-F238E27FC236}">
+                      <a16:creationId xmlns:a16="http://schemas.microsoft.com/office/drawing/2014/main" id="{82A664DC-5E6F-470C-9115-ED9FC1146A51}"/>
+                    </a:ext>
+                  </a:extLst>
+                </p:cNvPr>
+                <p:cNvPicPr/>
+                <p:nvPr/>
+              </p:nvPicPr>
+              <p:blipFill>
+                <a:blip r:embed="rId34"/>
+                <a:stretch>
+                  <a:fillRect/>
+                </a:stretch>
+              </p:blipFill>
+              <p:spPr>
+                <a:xfrm>
+                  <a:off x="6606846" y="879939"/>
+                  <a:ext cx="62280" cy="247320"/>
+                </a:xfrm>
+                <a:prstGeom prst="rect">
+                  <a:avLst/>
+                </a:prstGeom>
+              </p:spPr>
+            </p:pic>
+          </mc:Fallback>
+        </mc:AlternateContent>
+        <mc:AlternateContent xmlns:mc="http://schemas.openxmlformats.org/markup-compatibility/2006">
+          <mc:Choice xmlns:p14="http://schemas.microsoft.com/office/powerpoint/2010/main" Requires="p14">
+            <p:contentPart p14:bwMode="auto" r:id="rId35">
+              <p14:nvContentPartPr>
+                <p14:cNvPr id="26" name="Ink 25">
+                  <a:extLst>
+                    <a:ext uri="{FF2B5EF4-FFF2-40B4-BE49-F238E27FC236}">
+                      <a16:creationId xmlns:a16="http://schemas.microsoft.com/office/drawing/2014/main" id="{27A7FB15-AB02-483D-9086-722B79FBA5A4}"/>
+                    </a:ext>
+                  </a:extLst>
+                </p14:cNvPr>
+                <p14:cNvContentPartPr/>
+                <p14:nvPr/>
+              </p14:nvContentPartPr>
+              <p14:xfrm>
+                <a:off x="4578966" y="1256139"/>
+                <a:ext cx="2346840" cy="53640"/>
+              </p14:xfrm>
+            </p:contentPart>
+          </mc:Choice>
+          <mc:Fallback>
+            <p:pic>
+              <p:nvPicPr>
+                <p:cNvPr id="26" name="Ink 25">
+                  <a:extLst>
+                    <a:ext uri="{FF2B5EF4-FFF2-40B4-BE49-F238E27FC236}">
+                      <a16:creationId xmlns:a16="http://schemas.microsoft.com/office/drawing/2014/main" id="{27A7FB15-AB02-483D-9086-722B79FBA5A4}"/>
+                    </a:ext>
+                  </a:extLst>
+                </p:cNvPr>
+                <p:cNvPicPr/>
+                <p:nvPr/>
+              </p:nvPicPr>
+              <p:blipFill>
+                <a:blip r:embed="rId36"/>
+                <a:stretch>
+                  <a:fillRect/>
+                </a:stretch>
+              </p:blipFill>
+              <p:spPr>
+                <a:xfrm>
+                  <a:off x="4569966" y="1247499"/>
+                  <a:ext cx="2364480" cy="71280"/>
+                </a:xfrm>
+                <a:prstGeom prst="rect">
+                  <a:avLst/>
+                </a:prstGeom>
+              </p:spPr>
+            </p:pic>
+          </mc:Fallback>
+        </mc:AlternateContent>
+      </p:grpSp>
+      <mc:AlternateContent xmlns:mc="http://schemas.openxmlformats.org/markup-compatibility/2006">
+        <mc:Choice xmlns:p14="http://schemas.microsoft.com/office/powerpoint/2010/main" Requires="p14">
+          <p:contentPart p14:bwMode="auto" r:id="rId37">
+            <p14:nvContentPartPr>
+              <p14:cNvPr id="28" name="Ink 27">
+                <a:extLst>
+                  <a:ext uri="{FF2B5EF4-FFF2-40B4-BE49-F238E27FC236}">
+                    <a16:creationId xmlns:a16="http://schemas.microsoft.com/office/drawing/2014/main" id="{687F5BC4-E9AF-406F-A979-E5208467DE7F}"/>
+                  </a:ext>
+                </a:extLst>
+              </p14:cNvPr>
+              <p14:cNvContentPartPr/>
+              <p14:nvPr/>
+            </p14:nvContentPartPr>
+            <p14:xfrm>
+              <a:off x="1627326" y="2446299"/>
+              <a:ext cx="1539000" cy="72360"/>
+            </p14:xfrm>
+          </p:contentPart>
+        </mc:Choice>
+        <mc:Fallback>
+          <p:pic>
+            <p:nvPicPr>
+              <p:cNvPr id="28" name="Ink 27">
+                <a:extLst>
+                  <a:ext uri="{FF2B5EF4-FFF2-40B4-BE49-F238E27FC236}">
+                    <a16:creationId xmlns:a16="http://schemas.microsoft.com/office/drawing/2014/main" id="{687F5BC4-E9AF-406F-A979-E5208467DE7F}"/>
+                  </a:ext>
+                </a:extLst>
+              </p:cNvPr>
+              <p:cNvPicPr/>
+              <p:nvPr/>
+            </p:nvPicPr>
+            <p:blipFill>
+              <a:blip r:embed="rId38"/>
+              <a:stretch>
+                <a:fillRect/>
+              </a:stretch>
+            </p:blipFill>
+            <p:spPr>
+              <a:xfrm>
+                <a:off x="1618686" y="2437299"/>
+                <a:ext cx="1556640" cy="90000"/>
+              </a:xfrm>
+              <a:prstGeom prst="rect">
+                <a:avLst/>
+              </a:prstGeom>
+            </p:spPr>
+          </p:pic>
+        </mc:Fallback>
+      </mc:AlternateContent>
+      <mc:AlternateContent xmlns:mc="http://schemas.openxmlformats.org/markup-compatibility/2006">
+        <mc:Choice xmlns:p14="http://schemas.microsoft.com/office/powerpoint/2010/main" Requires="p14">
+          <p:contentPart p14:bwMode="auto" r:id="rId39">
+            <p14:nvContentPartPr>
+              <p14:cNvPr id="29" name="Ink 28">
+                <a:extLst>
+                  <a:ext uri="{FF2B5EF4-FFF2-40B4-BE49-F238E27FC236}">
+                    <a16:creationId xmlns:a16="http://schemas.microsoft.com/office/drawing/2014/main" id="{9063F588-836D-4508-847D-F8F883217F6B}"/>
+                  </a:ext>
+                </a:extLst>
+              </p14:cNvPr>
+              <p14:cNvContentPartPr/>
+              <p14:nvPr/>
+            </p14:nvContentPartPr>
+            <p14:xfrm>
+              <a:off x="1639206" y="2009979"/>
+              <a:ext cx="902880" cy="72360"/>
+            </p14:xfrm>
+          </p:contentPart>
+        </mc:Choice>
+        <mc:Fallback>
+          <p:pic>
+            <p:nvPicPr>
+              <p:cNvPr id="29" name="Ink 28">
+                <a:extLst>
+                  <a:ext uri="{FF2B5EF4-FFF2-40B4-BE49-F238E27FC236}">
+                    <a16:creationId xmlns:a16="http://schemas.microsoft.com/office/drawing/2014/main" id="{9063F588-836D-4508-847D-F8F883217F6B}"/>
+                  </a:ext>
+                </a:extLst>
+              </p:cNvPr>
+              <p:cNvPicPr/>
+              <p:nvPr/>
+            </p:nvPicPr>
+            <p:blipFill>
+              <a:blip r:embed="rId40"/>
+              <a:stretch>
+                <a:fillRect/>
+              </a:stretch>
+            </p:blipFill>
+            <p:spPr>
+              <a:xfrm>
+                <a:off x="1630566" y="2000979"/>
+                <a:ext cx="920520" cy="90000"/>
+              </a:xfrm>
+              <a:prstGeom prst="rect">
+                <a:avLst/>
+              </a:prstGeom>
+            </p:spPr>
+          </p:pic>
+        </mc:Fallback>
+      </mc:AlternateContent>
     </p:spTree>
     <p:extLst>
       <p:ext uri="{BB962C8B-B14F-4D97-AF65-F5344CB8AC3E}">
@@ -5676,6 +9057,1437 @@
           </a:p>
         </p:txBody>
       </p:sp>
+      <mc:AlternateContent xmlns:mc="http://schemas.openxmlformats.org/markup-compatibility/2006">
+        <mc:Choice xmlns:p14="http://schemas.microsoft.com/office/powerpoint/2010/main" Requires="p14">
+          <p:contentPart p14:bwMode="auto" r:id="rId4">
+            <p14:nvContentPartPr>
+              <p14:cNvPr id="2" name="Ink 1">
+                <a:extLst>
+                  <a:ext uri="{FF2B5EF4-FFF2-40B4-BE49-F238E27FC236}">
+                    <a16:creationId xmlns:a16="http://schemas.microsoft.com/office/drawing/2014/main" id="{5EE680BF-03AA-4321-8C30-4D8282332012}"/>
+                  </a:ext>
+                </a:extLst>
+              </p14:cNvPr>
+              <p14:cNvContentPartPr/>
+              <p14:nvPr/>
+            </p14:nvContentPartPr>
+            <p14:xfrm>
+              <a:off x="688284" y="3496785"/>
+              <a:ext cx="277920" cy="335160"/>
+            </p14:xfrm>
+          </p:contentPart>
+        </mc:Choice>
+        <mc:Fallback>
+          <p:pic>
+            <p:nvPicPr>
+              <p:cNvPr id="2" name="Ink 1">
+                <a:extLst>
+                  <a:ext uri="{FF2B5EF4-FFF2-40B4-BE49-F238E27FC236}">
+                    <a16:creationId xmlns:a16="http://schemas.microsoft.com/office/drawing/2014/main" id="{5EE680BF-03AA-4321-8C30-4D8282332012}"/>
+                  </a:ext>
+                </a:extLst>
+              </p:cNvPr>
+              <p:cNvPicPr/>
+              <p:nvPr/>
+            </p:nvPicPr>
+            <p:blipFill>
+              <a:blip r:embed="rId5"/>
+              <a:stretch>
+                <a:fillRect/>
+              </a:stretch>
+            </p:blipFill>
+            <p:spPr>
+              <a:xfrm>
+                <a:off x="679644" y="3488145"/>
+                <a:ext cx="295560" cy="352800"/>
+              </a:xfrm>
+              <a:prstGeom prst="rect">
+                <a:avLst/>
+              </a:prstGeom>
+            </p:spPr>
+          </p:pic>
+        </mc:Fallback>
+      </mc:AlternateContent>
+      <mc:AlternateContent xmlns:mc="http://schemas.openxmlformats.org/markup-compatibility/2006">
+        <mc:Choice xmlns:p14="http://schemas.microsoft.com/office/powerpoint/2010/main" Requires="p14">
+          <p:contentPart p14:bwMode="auto" r:id="rId6">
+            <p14:nvContentPartPr>
+              <p14:cNvPr id="6" name="Ink 5">
+                <a:extLst>
+                  <a:ext uri="{FF2B5EF4-FFF2-40B4-BE49-F238E27FC236}">
+                    <a16:creationId xmlns:a16="http://schemas.microsoft.com/office/drawing/2014/main" id="{23D7300E-4077-4FA8-9E0D-EA918054C9A1}"/>
+                  </a:ext>
+                </a:extLst>
+              </p14:cNvPr>
+              <p14:cNvContentPartPr/>
+              <p14:nvPr/>
+            </p14:nvContentPartPr>
+            <p14:xfrm>
+              <a:off x="3545964" y="2583105"/>
+              <a:ext cx="111240" cy="105120"/>
+            </p14:xfrm>
+          </p:contentPart>
+        </mc:Choice>
+        <mc:Fallback>
+          <p:pic>
+            <p:nvPicPr>
+              <p:cNvPr id="6" name="Ink 5">
+                <a:extLst>
+                  <a:ext uri="{FF2B5EF4-FFF2-40B4-BE49-F238E27FC236}">
+                    <a16:creationId xmlns:a16="http://schemas.microsoft.com/office/drawing/2014/main" id="{23D7300E-4077-4FA8-9E0D-EA918054C9A1}"/>
+                  </a:ext>
+                </a:extLst>
+              </p:cNvPr>
+              <p:cNvPicPr/>
+              <p:nvPr/>
+            </p:nvPicPr>
+            <p:blipFill>
+              <a:blip r:embed="rId7"/>
+              <a:stretch>
+                <a:fillRect/>
+              </a:stretch>
+            </p:blipFill>
+            <p:spPr>
+              <a:xfrm>
+                <a:off x="3537324" y="2574105"/>
+                <a:ext cx="128880" cy="122760"/>
+              </a:xfrm>
+              <a:prstGeom prst="rect">
+                <a:avLst/>
+              </a:prstGeom>
+            </p:spPr>
+          </p:pic>
+        </mc:Fallback>
+      </mc:AlternateContent>
+      <mc:AlternateContent xmlns:mc="http://schemas.openxmlformats.org/markup-compatibility/2006">
+        <mc:Choice xmlns:p14="http://schemas.microsoft.com/office/powerpoint/2010/main" Requires="p14">
+          <p:contentPart p14:bwMode="auto" r:id="rId8">
+            <p14:nvContentPartPr>
+              <p14:cNvPr id="7" name="Ink 6">
+                <a:extLst>
+                  <a:ext uri="{FF2B5EF4-FFF2-40B4-BE49-F238E27FC236}">
+                    <a16:creationId xmlns:a16="http://schemas.microsoft.com/office/drawing/2014/main" id="{3806B84D-2364-4553-B9B7-85158687FDB3}"/>
+                  </a:ext>
+                </a:extLst>
+              </p14:cNvPr>
+              <p14:cNvContentPartPr/>
+              <p14:nvPr/>
+            </p14:nvContentPartPr>
+            <p14:xfrm>
+              <a:off x="3624444" y="2789385"/>
+              <a:ext cx="23760" cy="29520"/>
+            </p14:xfrm>
+          </p:contentPart>
+        </mc:Choice>
+        <mc:Fallback>
+          <p:pic>
+            <p:nvPicPr>
+              <p:cNvPr id="7" name="Ink 6">
+                <a:extLst>
+                  <a:ext uri="{FF2B5EF4-FFF2-40B4-BE49-F238E27FC236}">
+                    <a16:creationId xmlns:a16="http://schemas.microsoft.com/office/drawing/2014/main" id="{3806B84D-2364-4553-B9B7-85158687FDB3}"/>
+                  </a:ext>
+                </a:extLst>
+              </p:cNvPr>
+              <p:cNvPicPr/>
+              <p:nvPr/>
+            </p:nvPicPr>
+            <p:blipFill>
+              <a:blip r:embed="rId9"/>
+              <a:stretch>
+                <a:fillRect/>
+              </a:stretch>
+            </p:blipFill>
+            <p:spPr>
+              <a:xfrm>
+                <a:off x="3615804" y="2780385"/>
+                <a:ext cx="41400" cy="47160"/>
+              </a:xfrm>
+              <a:prstGeom prst="rect">
+                <a:avLst/>
+              </a:prstGeom>
+            </p:spPr>
+          </p:pic>
+        </mc:Fallback>
+      </mc:AlternateContent>
+      <p:grpSp>
+        <p:nvGrpSpPr>
+          <p:cNvPr id="19" name="Group 18">
+            <a:extLst>
+              <a:ext uri="{FF2B5EF4-FFF2-40B4-BE49-F238E27FC236}">
+                <a16:creationId xmlns:a16="http://schemas.microsoft.com/office/drawing/2014/main" id="{CBC26793-A90E-4EC3-9B24-FFA88EE391F5}"/>
+              </a:ext>
+            </a:extLst>
+          </p:cNvPr>
+          <p:cNvGrpSpPr/>
+          <p:nvPr/>
+        </p:nvGrpSpPr>
+        <p:grpSpPr>
+          <a:xfrm>
+            <a:off x="3954204" y="2582385"/>
+            <a:ext cx="986400" cy="225720"/>
+            <a:chOff x="3954204" y="2582385"/>
+            <a:chExt cx="986400" cy="225720"/>
+          </a:xfrm>
+        </p:grpSpPr>
+        <mc:AlternateContent xmlns:mc="http://schemas.openxmlformats.org/markup-compatibility/2006">
+          <mc:Choice xmlns:p14="http://schemas.microsoft.com/office/powerpoint/2010/main" Requires="p14">
+            <p:contentPart p14:bwMode="auto" r:id="rId10">
+              <p14:nvContentPartPr>
+                <p14:cNvPr id="8" name="Ink 7">
+                  <a:extLst>
+                    <a:ext uri="{FF2B5EF4-FFF2-40B4-BE49-F238E27FC236}">
+                      <a16:creationId xmlns:a16="http://schemas.microsoft.com/office/drawing/2014/main" id="{B17A3F35-2742-42C9-8DD6-9DD023F58866}"/>
+                    </a:ext>
+                  </a:extLst>
+                </p14:cNvPr>
+                <p14:cNvContentPartPr/>
+                <p14:nvPr/>
+              </p14:nvContentPartPr>
+              <p14:xfrm>
+                <a:off x="3954204" y="2672385"/>
+                <a:ext cx="177840" cy="113400"/>
+              </p14:xfrm>
+            </p:contentPart>
+          </mc:Choice>
+          <mc:Fallback>
+            <p:pic>
+              <p:nvPicPr>
+                <p:cNvPr id="8" name="Ink 7">
+                  <a:extLst>
+                    <a:ext uri="{FF2B5EF4-FFF2-40B4-BE49-F238E27FC236}">
+                      <a16:creationId xmlns:a16="http://schemas.microsoft.com/office/drawing/2014/main" id="{B17A3F35-2742-42C9-8DD6-9DD023F58866}"/>
+                    </a:ext>
+                  </a:extLst>
+                </p:cNvPr>
+                <p:cNvPicPr/>
+                <p:nvPr/>
+              </p:nvPicPr>
+              <p:blipFill>
+                <a:blip r:embed="rId11"/>
+                <a:stretch>
+                  <a:fillRect/>
+                </a:stretch>
+              </p:blipFill>
+              <p:spPr>
+                <a:xfrm>
+                  <a:off x="3945204" y="2663745"/>
+                  <a:ext cx="195480" cy="131040"/>
+                </a:xfrm>
+                <a:prstGeom prst="rect">
+                  <a:avLst/>
+                </a:prstGeom>
+              </p:spPr>
+            </p:pic>
+          </mc:Fallback>
+        </mc:AlternateContent>
+        <mc:AlternateContent xmlns:mc="http://schemas.openxmlformats.org/markup-compatibility/2006">
+          <mc:Choice xmlns:p14="http://schemas.microsoft.com/office/powerpoint/2010/main" Requires="p14">
+            <p:contentPart p14:bwMode="auto" r:id="rId12">
+              <p14:nvContentPartPr>
+                <p14:cNvPr id="9" name="Ink 8">
+                  <a:extLst>
+                    <a:ext uri="{FF2B5EF4-FFF2-40B4-BE49-F238E27FC236}">
+                      <a16:creationId xmlns:a16="http://schemas.microsoft.com/office/drawing/2014/main" id="{C3CE5EE3-13D0-4DEA-B468-95D114D7CAD4}"/>
+                    </a:ext>
+                  </a:extLst>
+                </p14:cNvPr>
+                <p14:cNvContentPartPr/>
+                <p14:nvPr/>
+              </p14:nvContentPartPr>
+              <p14:xfrm>
+                <a:off x="4166964" y="2676345"/>
+                <a:ext cx="121320" cy="103320"/>
+              </p14:xfrm>
+            </p:contentPart>
+          </mc:Choice>
+          <mc:Fallback>
+            <p:pic>
+              <p:nvPicPr>
+                <p:cNvPr id="9" name="Ink 8">
+                  <a:extLst>
+                    <a:ext uri="{FF2B5EF4-FFF2-40B4-BE49-F238E27FC236}">
+                      <a16:creationId xmlns:a16="http://schemas.microsoft.com/office/drawing/2014/main" id="{C3CE5EE3-13D0-4DEA-B468-95D114D7CAD4}"/>
+                    </a:ext>
+                  </a:extLst>
+                </p:cNvPr>
+                <p:cNvPicPr/>
+                <p:nvPr/>
+              </p:nvPicPr>
+              <p:blipFill>
+                <a:blip r:embed="rId13"/>
+                <a:stretch>
+                  <a:fillRect/>
+                </a:stretch>
+              </p:blipFill>
+              <p:spPr>
+                <a:xfrm>
+                  <a:off x="4158324" y="2667345"/>
+                  <a:ext cx="138960" cy="120960"/>
+                </a:xfrm>
+                <a:prstGeom prst="rect">
+                  <a:avLst/>
+                </a:prstGeom>
+              </p:spPr>
+            </p:pic>
+          </mc:Fallback>
+        </mc:AlternateContent>
+        <mc:AlternateContent xmlns:mc="http://schemas.openxmlformats.org/markup-compatibility/2006">
+          <mc:Choice xmlns:p14="http://schemas.microsoft.com/office/powerpoint/2010/main" Requires="p14">
+            <p:contentPart p14:bwMode="auto" r:id="rId14">
+              <p14:nvContentPartPr>
+                <p14:cNvPr id="10" name="Ink 9">
+                  <a:extLst>
+                    <a:ext uri="{FF2B5EF4-FFF2-40B4-BE49-F238E27FC236}">
+                      <a16:creationId xmlns:a16="http://schemas.microsoft.com/office/drawing/2014/main" id="{ABE236F1-10A7-40D0-BD6F-25F828340C1E}"/>
+                    </a:ext>
+                  </a:extLst>
+                </p14:cNvPr>
+                <p14:cNvContentPartPr/>
+                <p14:nvPr/>
+              </p14:nvContentPartPr>
+              <p14:xfrm>
+                <a:off x="4326084" y="2582385"/>
+                <a:ext cx="95400" cy="205560"/>
+              </p14:xfrm>
+            </p:contentPart>
+          </mc:Choice>
+          <mc:Fallback>
+            <p:pic>
+              <p:nvPicPr>
+                <p:cNvPr id="10" name="Ink 9">
+                  <a:extLst>
+                    <a:ext uri="{FF2B5EF4-FFF2-40B4-BE49-F238E27FC236}">
+                      <a16:creationId xmlns:a16="http://schemas.microsoft.com/office/drawing/2014/main" id="{ABE236F1-10A7-40D0-BD6F-25F828340C1E}"/>
+                    </a:ext>
+                  </a:extLst>
+                </p:cNvPr>
+                <p:cNvPicPr/>
+                <p:nvPr/>
+              </p:nvPicPr>
+              <p:blipFill>
+                <a:blip r:embed="rId15"/>
+                <a:stretch>
+                  <a:fillRect/>
+                </a:stretch>
+              </p:blipFill>
+              <p:spPr>
+                <a:xfrm>
+                  <a:off x="4317444" y="2573385"/>
+                  <a:ext cx="113040" cy="223200"/>
+                </a:xfrm>
+                <a:prstGeom prst="rect">
+                  <a:avLst/>
+                </a:prstGeom>
+              </p:spPr>
+            </p:pic>
+          </mc:Fallback>
+        </mc:AlternateContent>
+        <mc:AlternateContent xmlns:mc="http://schemas.openxmlformats.org/markup-compatibility/2006">
+          <mc:Choice xmlns:p14="http://schemas.microsoft.com/office/powerpoint/2010/main" Requires="p14">
+            <p:contentPart p14:bwMode="auto" r:id="rId16">
+              <p14:nvContentPartPr>
+                <p14:cNvPr id="11" name="Ink 10">
+                  <a:extLst>
+                    <a:ext uri="{FF2B5EF4-FFF2-40B4-BE49-F238E27FC236}">
+                      <a16:creationId xmlns:a16="http://schemas.microsoft.com/office/drawing/2014/main" id="{94CE75AC-ADC0-456B-800B-5BD39A4EFE23}"/>
+                    </a:ext>
+                  </a:extLst>
+                </p14:cNvPr>
+                <p14:cNvContentPartPr/>
+                <p14:nvPr/>
+              </p14:nvContentPartPr>
+              <p14:xfrm>
+                <a:off x="4463604" y="2661945"/>
+                <a:ext cx="90000" cy="117360"/>
+              </p14:xfrm>
+            </p:contentPart>
+          </mc:Choice>
+          <mc:Fallback>
+            <p:pic>
+              <p:nvPicPr>
+                <p:cNvPr id="11" name="Ink 10">
+                  <a:extLst>
+                    <a:ext uri="{FF2B5EF4-FFF2-40B4-BE49-F238E27FC236}">
+                      <a16:creationId xmlns:a16="http://schemas.microsoft.com/office/drawing/2014/main" id="{94CE75AC-ADC0-456B-800B-5BD39A4EFE23}"/>
+                    </a:ext>
+                  </a:extLst>
+                </p:cNvPr>
+                <p:cNvPicPr/>
+                <p:nvPr/>
+              </p:nvPicPr>
+              <p:blipFill>
+                <a:blip r:embed="rId17"/>
+                <a:stretch>
+                  <a:fillRect/>
+                </a:stretch>
+              </p:blipFill>
+              <p:spPr>
+                <a:xfrm>
+                  <a:off x="4454604" y="2652945"/>
+                  <a:ext cx="107640" cy="135000"/>
+                </a:xfrm>
+                <a:prstGeom prst="rect">
+                  <a:avLst/>
+                </a:prstGeom>
+              </p:spPr>
+            </p:pic>
+          </mc:Fallback>
+        </mc:AlternateContent>
+        <mc:AlternateContent xmlns:mc="http://schemas.openxmlformats.org/markup-compatibility/2006">
+          <mc:Choice xmlns:p14="http://schemas.microsoft.com/office/powerpoint/2010/main" Requires="p14">
+            <p:contentPart p14:bwMode="auto" r:id="rId18">
+              <p14:nvContentPartPr>
+                <p14:cNvPr id="12" name="Ink 11">
+                  <a:extLst>
+                    <a:ext uri="{FF2B5EF4-FFF2-40B4-BE49-F238E27FC236}">
+                      <a16:creationId xmlns:a16="http://schemas.microsoft.com/office/drawing/2014/main" id="{D4E42843-8E3E-4B55-88A3-5B478E5E7C34}"/>
+                    </a:ext>
+                  </a:extLst>
+                </p14:cNvPr>
+                <p14:cNvContentPartPr/>
+                <p14:nvPr/>
+              </p14:nvContentPartPr>
+              <p14:xfrm>
+                <a:off x="4570524" y="2702985"/>
+                <a:ext cx="174240" cy="105120"/>
+              </p14:xfrm>
+            </p:contentPart>
+          </mc:Choice>
+          <mc:Fallback>
+            <p:pic>
+              <p:nvPicPr>
+                <p:cNvPr id="12" name="Ink 11">
+                  <a:extLst>
+                    <a:ext uri="{FF2B5EF4-FFF2-40B4-BE49-F238E27FC236}">
+                      <a16:creationId xmlns:a16="http://schemas.microsoft.com/office/drawing/2014/main" id="{D4E42843-8E3E-4B55-88A3-5B478E5E7C34}"/>
+                    </a:ext>
+                  </a:extLst>
+                </p:cNvPr>
+                <p:cNvPicPr/>
+                <p:nvPr/>
+              </p:nvPicPr>
+              <p:blipFill>
+                <a:blip r:embed="rId19"/>
+                <a:stretch>
+                  <a:fillRect/>
+                </a:stretch>
+              </p:blipFill>
+              <p:spPr>
+                <a:xfrm>
+                  <a:off x="4561884" y="2694345"/>
+                  <a:ext cx="191880" cy="122760"/>
+                </a:xfrm>
+                <a:prstGeom prst="rect">
+                  <a:avLst/>
+                </a:prstGeom>
+              </p:spPr>
+            </p:pic>
+          </mc:Fallback>
+        </mc:AlternateContent>
+        <mc:AlternateContent xmlns:mc="http://schemas.openxmlformats.org/markup-compatibility/2006">
+          <mc:Choice xmlns:p14="http://schemas.microsoft.com/office/powerpoint/2010/main" Requires="p14">
+            <p:contentPart p14:bwMode="auto" r:id="rId20">
+              <p14:nvContentPartPr>
+                <p14:cNvPr id="13" name="Ink 12">
+                  <a:extLst>
+                    <a:ext uri="{FF2B5EF4-FFF2-40B4-BE49-F238E27FC236}">
+                      <a16:creationId xmlns:a16="http://schemas.microsoft.com/office/drawing/2014/main" id="{19A70041-9AB3-466C-B4BF-CE0CA3764F3F}"/>
+                    </a:ext>
+                  </a:extLst>
+                </p14:cNvPr>
+                <p14:cNvContentPartPr/>
+                <p14:nvPr/>
+              </p14:nvContentPartPr>
+              <p14:xfrm>
+                <a:off x="4728204" y="2584905"/>
+                <a:ext cx="110880" cy="192240"/>
+              </p14:xfrm>
+            </p:contentPart>
+          </mc:Choice>
+          <mc:Fallback>
+            <p:pic>
+              <p:nvPicPr>
+                <p:cNvPr id="13" name="Ink 12">
+                  <a:extLst>
+                    <a:ext uri="{FF2B5EF4-FFF2-40B4-BE49-F238E27FC236}">
+                      <a16:creationId xmlns:a16="http://schemas.microsoft.com/office/drawing/2014/main" id="{19A70041-9AB3-466C-B4BF-CE0CA3764F3F}"/>
+                    </a:ext>
+                  </a:extLst>
+                </p:cNvPr>
+                <p:cNvPicPr/>
+                <p:nvPr/>
+              </p:nvPicPr>
+              <p:blipFill>
+                <a:blip r:embed="rId21"/>
+                <a:stretch>
+                  <a:fillRect/>
+                </a:stretch>
+              </p:blipFill>
+              <p:spPr>
+                <a:xfrm>
+                  <a:off x="4719564" y="2575905"/>
+                  <a:ext cx="128520" cy="209880"/>
+                </a:xfrm>
+                <a:prstGeom prst="rect">
+                  <a:avLst/>
+                </a:prstGeom>
+              </p:spPr>
+            </p:pic>
+          </mc:Fallback>
+        </mc:AlternateContent>
+        <mc:AlternateContent xmlns:mc="http://schemas.openxmlformats.org/markup-compatibility/2006">
+          <mc:Choice xmlns:p14="http://schemas.microsoft.com/office/powerpoint/2010/main" Requires="p14">
+            <p:contentPart p14:bwMode="auto" r:id="rId22">
+              <p14:nvContentPartPr>
+                <p14:cNvPr id="14" name="Ink 13">
+                  <a:extLst>
+                    <a:ext uri="{FF2B5EF4-FFF2-40B4-BE49-F238E27FC236}">
+                      <a16:creationId xmlns:a16="http://schemas.microsoft.com/office/drawing/2014/main" id="{F4F1546C-C475-4AED-BA0A-135F151C13BD}"/>
+                    </a:ext>
+                  </a:extLst>
+                </p14:cNvPr>
+                <p14:cNvContentPartPr/>
+                <p14:nvPr/>
+              </p14:nvContentPartPr>
+              <p14:xfrm>
+                <a:off x="4876164" y="2654025"/>
+                <a:ext cx="64440" cy="85680"/>
+              </p14:xfrm>
+            </p:contentPart>
+          </mc:Choice>
+          <mc:Fallback>
+            <p:pic>
+              <p:nvPicPr>
+                <p:cNvPr id="14" name="Ink 13">
+                  <a:extLst>
+                    <a:ext uri="{FF2B5EF4-FFF2-40B4-BE49-F238E27FC236}">
+                      <a16:creationId xmlns:a16="http://schemas.microsoft.com/office/drawing/2014/main" id="{F4F1546C-C475-4AED-BA0A-135F151C13BD}"/>
+                    </a:ext>
+                  </a:extLst>
+                </p:cNvPr>
+                <p:cNvPicPr/>
+                <p:nvPr/>
+              </p:nvPicPr>
+              <p:blipFill>
+                <a:blip r:embed="rId23"/>
+                <a:stretch>
+                  <a:fillRect/>
+                </a:stretch>
+              </p:blipFill>
+              <p:spPr>
+                <a:xfrm>
+                  <a:off x="4867524" y="2645025"/>
+                  <a:ext cx="82080" cy="103320"/>
+                </a:xfrm>
+                <a:prstGeom prst="rect">
+                  <a:avLst/>
+                </a:prstGeom>
+              </p:spPr>
+            </p:pic>
+          </mc:Fallback>
+        </mc:AlternateContent>
+      </p:grpSp>
+      <p:grpSp>
+        <p:nvGrpSpPr>
+          <p:cNvPr id="18" name="Group 17">
+            <a:extLst>
+              <a:ext uri="{FF2B5EF4-FFF2-40B4-BE49-F238E27FC236}">
+                <a16:creationId xmlns:a16="http://schemas.microsoft.com/office/drawing/2014/main" id="{FCC2B79E-7222-4D78-AA4A-5542FB843F3D}"/>
+              </a:ext>
+            </a:extLst>
+          </p:cNvPr>
+          <p:cNvGrpSpPr/>
+          <p:nvPr/>
+        </p:nvGrpSpPr>
+        <p:grpSpPr>
+          <a:xfrm>
+            <a:off x="5259204" y="2537745"/>
+            <a:ext cx="182160" cy="212400"/>
+            <a:chOff x="5259204" y="2537745"/>
+            <a:chExt cx="182160" cy="212400"/>
+          </a:xfrm>
+        </p:grpSpPr>
+        <mc:AlternateContent xmlns:mc="http://schemas.openxmlformats.org/markup-compatibility/2006">
+          <mc:Choice xmlns:p14="http://schemas.microsoft.com/office/powerpoint/2010/main" Requires="p14">
+            <p:contentPart p14:bwMode="auto" r:id="rId24">
+              <p14:nvContentPartPr>
+                <p14:cNvPr id="15" name="Ink 14">
+                  <a:extLst>
+                    <a:ext uri="{FF2B5EF4-FFF2-40B4-BE49-F238E27FC236}">
+                      <a16:creationId xmlns:a16="http://schemas.microsoft.com/office/drawing/2014/main" id="{BB108474-D7BE-4666-8C96-3D7AE2A99B60}"/>
+                    </a:ext>
+                  </a:extLst>
+                </p14:cNvPr>
+                <p14:cNvContentPartPr/>
+                <p14:nvPr/>
+              </p14:nvContentPartPr>
+              <p14:xfrm>
+                <a:off x="5261364" y="2537745"/>
+                <a:ext cx="37080" cy="212400"/>
+              </p14:xfrm>
+            </p:contentPart>
+          </mc:Choice>
+          <mc:Fallback>
+            <p:pic>
+              <p:nvPicPr>
+                <p:cNvPr id="15" name="Ink 14">
+                  <a:extLst>
+                    <a:ext uri="{FF2B5EF4-FFF2-40B4-BE49-F238E27FC236}">
+                      <a16:creationId xmlns:a16="http://schemas.microsoft.com/office/drawing/2014/main" id="{BB108474-D7BE-4666-8C96-3D7AE2A99B60}"/>
+                    </a:ext>
+                  </a:extLst>
+                </p:cNvPr>
+                <p:cNvPicPr/>
+                <p:nvPr/>
+              </p:nvPicPr>
+              <p:blipFill>
+                <a:blip r:embed="rId25"/>
+                <a:stretch>
+                  <a:fillRect/>
+                </a:stretch>
+              </p:blipFill>
+              <p:spPr>
+                <a:xfrm>
+                  <a:off x="5252724" y="2529105"/>
+                  <a:ext cx="54720" cy="230040"/>
+                </a:xfrm>
+                <a:prstGeom prst="rect">
+                  <a:avLst/>
+                </a:prstGeom>
+              </p:spPr>
+            </p:pic>
+          </mc:Fallback>
+        </mc:AlternateContent>
+        <mc:AlternateContent xmlns:mc="http://schemas.openxmlformats.org/markup-compatibility/2006">
+          <mc:Choice xmlns:p14="http://schemas.microsoft.com/office/powerpoint/2010/main" Requires="p14">
+            <p:contentPart p14:bwMode="auto" r:id="rId26">
+              <p14:nvContentPartPr>
+                <p14:cNvPr id="16" name="Ink 15">
+                  <a:extLst>
+                    <a:ext uri="{FF2B5EF4-FFF2-40B4-BE49-F238E27FC236}">
+                      <a16:creationId xmlns:a16="http://schemas.microsoft.com/office/drawing/2014/main" id="{BA3B8787-B2BA-4621-BD81-B7600E847AFA}"/>
+                    </a:ext>
+                  </a:extLst>
+                </p14:cNvPr>
+                <p14:cNvContentPartPr/>
+                <p14:nvPr/>
+              </p14:nvContentPartPr>
+              <p14:xfrm>
+                <a:off x="5267844" y="2540265"/>
+                <a:ext cx="173520" cy="46080"/>
+              </p14:xfrm>
+            </p:contentPart>
+          </mc:Choice>
+          <mc:Fallback>
+            <p:pic>
+              <p:nvPicPr>
+                <p:cNvPr id="16" name="Ink 15">
+                  <a:extLst>
+                    <a:ext uri="{FF2B5EF4-FFF2-40B4-BE49-F238E27FC236}">
+                      <a16:creationId xmlns:a16="http://schemas.microsoft.com/office/drawing/2014/main" id="{BA3B8787-B2BA-4621-BD81-B7600E847AFA}"/>
+                    </a:ext>
+                  </a:extLst>
+                </p:cNvPr>
+                <p:cNvPicPr/>
+                <p:nvPr/>
+              </p:nvPicPr>
+              <p:blipFill>
+                <a:blip r:embed="rId27"/>
+                <a:stretch>
+                  <a:fillRect/>
+                </a:stretch>
+              </p:blipFill>
+              <p:spPr>
+                <a:xfrm>
+                  <a:off x="5259204" y="2531265"/>
+                  <a:ext cx="191160" cy="63720"/>
+                </a:xfrm>
+                <a:prstGeom prst="rect">
+                  <a:avLst/>
+                </a:prstGeom>
+              </p:spPr>
+            </p:pic>
+          </mc:Fallback>
+        </mc:AlternateContent>
+        <mc:AlternateContent xmlns:mc="http://schemas.openxmlformats.org/markup-compatibility/2006">
+          <mc:Choice xmlns:p14="http://schemas.microsoft.com/office/powerpoint/2010/main" Requires="p14">
+            <p:contentPart p14:bwMode="auto" r:id="rId28">
+              <p14:nvContentPartPr>
+                <p14:cNvPr id="17" name="Ink 16">
+                  <a:extLst>
+                    <a:ext uri="{FF2B5EF4-FFF2-40B4-BE49-F238E27FC236}">
+                      <a16:creationId xmlns:a16="http://schemas.microsoft.com/office/drawing/2014/main" id="{3F7F8798-3F85-4606-9BB1-0B41DB44DE80}"/>
+                    </a:ext>
+                  </a:extLst>
+                </p14:cNvPr>
+                <p14:cNvContentPartPr/>
+                <p14:nvPr/>
+              </p14:nvContentPartPr>
+              <p14:xfrm>
+                <a:off x="5259204" y="2618385"/>
+                <a:ext cx="147240" cy="128880"/>
+              </p14:xfrm>
+            </p:contentPart>
+          </mc:Choice>
+          <mc:Fallback>
+            <p:pic>
+              <p:nvPicPr>
+                <p:cNvPr id="17" name="Ink 16">
+                  <a:extLst>
+                    <a:ext uri="{FF2B5EF4-FFF2-40B4-BE49-F238E27FC236}">
+                      <a16:creationId xmlns:a16="http://schemas.microsoft.com/office/drawing/2014/main" id="{3F7F8798-3F85-4606-9BB1-0B41DB44DE80}"/>
+                    </a:ext>
+                  </a:extLst>
+                </p:cNvPr>
+                <p:cNvPicPr/>
+                <p:nvPr/>
+              </p:nvPicPr>
+              <p:blipFill>
+                <a:blip r:embed="rId29"/>
+                <a:stretch>
+                  <a:fillRect/>
+                </a:stretch>
+              </p:blipFill>
+              <p:spPr>
+                <a:xfrm>
+                  <a:off x="5250204" y="2609745"/>
+                  <a:ext cx="164880" cy="146520"/>
+                </a:xfrm>
+                <a:prstGeom prst="rect">
+                  <a:avLst/>
+                </a:prstGeom>
+              </p:spPr>
+            </p:pic>
+          </mc:Fallback>
+        </mc:AlternateContent>
+      </p:grpSp>
+      <p:grpSp>
+        <p:nvGrpSpPr>
+          <p:cNvPr id="32" name="Group 31">
+            <a:extLst>
+              <a:ext uri="{FF2B5EF4-FFF2-40B4-BE49-F238E27FC236}">
+                <a16:creationId xmlns:a16="http://schemas.microsoft.com/office/drawing/2014/main" id="{B7868B10-D0DB-4E5A-8CB1-3C2F66257224}"/>
+              </a:ext>
+            </a:extLst>
+          </p:cNvPr>
+          <p:cNvGrpSpPr/>
+          <p:nvPr/>
+        </p:nvGrpSpPr>
+        <p:grpSpPr>
+          <a:xfrm>
+            <a:off x="5218164" y="3020865"/>
+            <a:ext cx="648720" cy="309240"/>
+            <a:chOff x="5218164" y="3020865"/>
+            <a:chExt cx="648720" cy="309240"/>
+          </a:xfrm>
+        </p:grpSpPr>
+        <mc:AlternateContent xmlns:mc="http://schemas.openxmlformats.org/markup-compatibility/2006">
+          <mc:Choice xmlns:p14="http://schemas.microsoft.com/office/powerpoint/2010/main" Requires="p14">
+            <p:contentPart p14:bwMode="auto" r:id="rId30">
+              <p14:nvContentPartPr>
+                <p14:cNvPr id="22" name="Ink 21">
+                  <a:extLst>
+                    <a:ext uri="{FF2B5EF4-FFF2-40B4-BE49-F238E27FC236}">
+                      <a16:creationId xmlns:a16="http://schemas.microsoft.com/office/drawing/2014/main" id="{0BF0AD35-A612-4C1C-8ECF-9E23DA489BB7}"/>
+                    </a:ext>
+                  </a:extLst>
+                </p14:cNvPr>
+                <p14:cNvContentPartPr/>
+                <p14:nvPr/>
+              </p14:nvContentPartPr>
+              <p14:xfrm>
+                <a:off x="5218164" y="3113385"/>
+                <a:ext cx="113760" cy="216720"/>
+              </p14:xfrm>
+            </p:contentPart>
+          </mc:Choice>
+          <mc:Fallback>
+            <p:pic>
+              <p:nvPicPr>
+                <p:cNvPr id="22" name="Ink 21">
+                  <a:extLst>
+                    <a:ext uri="{FF2B5EF4-FFF2-40B4-BE49-F238E27FC236}">
+                      <a16:creationId xmlns:a16="http://schemas.microsoft.com/office/drawing/2014/main" id="{0BF0AD35-A612-4C1C-8ECF-9E23DA489BB7}"/>
+                    </a:ext>
+                  </a:extLst>
+                </p:cNvPr>
+                <p:cNvPicPr/>
+                <p:nvPr/>
+              </p:nvPicPr>
+              <p:blipFill>
+                <a:blip r:embed="rId31"/>
+                <a:stretch>
+                  <a:fillRect/>
+                </a:stretch>
+              </p:blipFill>
+              <p:spPr>
+                <a:xfrm>
+                  <a:off x="5209524" y="3104385"/>
+                  <a:ext cx="131400" cy="234360"/>
+                </a:xfrm>
+                <a:prstGeom prst="rect">
+                  <a:avLst/>
+                </a:prstGeom>
+              </p:spPr>
+            </p:pic>
+          </mc:Fallback>
+        </mc:AlternateContent>
+        <mc:AlternateContent xmlns:mc="http://schemas.openxmlformats.org/markup-compatibility/2006">
+          <mc:Choice xmlns:p14="http://schemas.microsoft.com/office/powerpoint/2010/main" Requires="p14">
+            <p:contentPart p14:bwMode="auto" r:id="rId32">
+              <p14:nvContentPartPr>
+                <p14:cNvPr id="23" name="Ink 22">
+                  <a:extLst>
+                    <a:ext uri="{FF2B5EF4-FFF2-40B4-BE49-F238E27FC236}">
+                      <a16:creationId xmlns:a16="http://schemas.microsoft.com/office/drawing/2014/main" id="{24DA5844-8BB0-4162-B13B-9CE092FD5322}"/>
+                    </a:ext>
+                  </a:extLst>
+                </p14:cNvPr>
+                <p14:cNvContentPartPr/>
+                <p14:nvPr/>
+              </p14:nvContentPartPr>
+              <p14:xfrm>
+                <a:off x="5262444" y="3236505"/>
+                <a:ext cx="94680" cy="24480"/>
+              </p14:xfrm>
+            </p:contentPart>
+          </mc:Choice>
+          <mc:Fallback>
+            <p:pic>
+              <p:nvPicPr>
+                <p:cNvPr id="23" name="Ink 22">
+                  <a:extLst>
+                    <a:ext uri="{FF2B5EF4-FFF2-40B4-BE49-F238E27FC236}">
+                      <a16:creationId xmlns:a16="http://schemas.microsoft.com/office/drawing/2014/main" id="{24DA5844-8BB0-4162-B13B-9CE092FD5322}"/>
+                    </a:ext>
+                  </a:extLst>
+                </p:cNvPr>
+                <p:cNvPicPr/>
+                <p:nvPr/>
+              </p:nvPicPr>
+              <p:blipFill>
+                <a:blip r:embed="rId33"/>
+                <a:stretch>
+                  <a:fillRect/>
+                </a:stretch>
+              </p:blipFill>
+              <p:spPr>
+                <a:xfrm>
+                  <a:off x="5253444" y="3227505"/>
+                  <a:ext cx="112320" cy="42120"/>
+                </a:xfrm>
+                <a:prstGeom prst="rect">
+                  <a:avLst/>
+                </a:prstGeom>
+              </p:spPr>
+            </p:pic>
+          </mc:Fallback>
+        </mc:AlternateContent>
+        <mc:AlternateContent xmlns:mc="http://schemas.openxmlformats.org/markup-compatibility/2006">
+          <mc:Choice xmlns:p14="http://schemas.microsoft.com/office/powerpoint/2010/main" Requires="p14">
+            <p:contentPart p14:bwMode="auto" r:id="rId34">
+              <p14:nvContentPartPr>
+                <p14:cNvPr id="24" name="Ink 23">
+                  <a:extLst>
+                    <a:ext uri="{FF2B5EF4-FFF2-40B4-BE49-F238E27FC236}">
+                      <a16:creationId xmlns:a16="http://schemas.microsoft.com/office/drawing/2014/main" id="{C5D2A33D-DC73-4576-9008-D6CD7220A020}"/>
+                    </a:ext>
+                  </a:extLst>
+                </p14:cNvPr>
+                <p14:cNvContentPartPr/>
+                <p14:nvPr/>
+              </p14:nvContentPartPr>
+              <p14:xfrm>
+                <a:off x="5390244" y="3141465"/>
+                <a:ext cx="185400" cy="170640"/>
+              </p14:xfrm>
+            </p:contentPart>
+          </mc:Choice>
+          <mc:Fallback>
+            <p:pic>
+              <p:nvPicPr>
+                <p:cNvPr id="24" name="Ink 23">
+                  <a:extLst>
+                    <a:ext uri="{FF2B5EF4-FFF2-40B4-BE49-F238E27FC236}">
+                      <a16:creationId xmlns:a16="http://schemas.microsoft.com/office/drawing/2014/main" id="{C5D2A33D-DC73-4576-9008-D6CD7220A020}"/>
+                    </a:ext>
+                  </a:extLst>
+                </p:cNvPr>
+                <p:cNvPicPr/>
+                <p:nvPr/>
+              </p:nvPicPr>
+              <p:blipFill>
+                <a:blip r:embed="rId35"/>
+                <a:stretch>
+                  <a:fillRect/>
+                </a:stretch>
+              </p:blipFill>
+              <p:spPr>
+                <a:xfrm>
+                  <a:off x="5381244" y="3132465"/>
+                  <a:ext cx="203040" cy="188280"/>
+                </a:xfrm>
+                <a:prstGeom prst="rect">
+                  <a:avLst/>
+                </a:prstGeom>
+              </p:spPr>
+            </p:pic>
+          </mc:Fallback>
+        </mc:AlternateContent>
+        <mc:AlternateContent xmlns:mc="http://schemas.openxmlformats.org/markup-compatibility/2006">
+          <mc:Choice xmlns:p14="http://schemas.microsoft.com/office/powerpoint/2010/main" Requires="p14">
+            <p:contentPart p14:bwMode="auto" r:id="rId36">
+              <p14:nvContentPartPr>
+                <p14:cNvPr id="25" name="Ink 24">
+                  <a:extLst>
+                    <a:ext uri="{FF2B5EF4-FFF2-40B4-BE49-F238E27FC236}">
+                      <a16:creationId xmlns:a16="http://schemas.microsoft.com/office/drawing/2014/main" id="{F098CCA5-4BB4-4CBF-B770-4D81F2077F4C}"/>
+                    </a:ext>
+                  </a:extLst>
+                </p14:cNvPr>
+                <p14:cNvContentPartPr/>
+                <p14:nvPr/>
+              </p14:nvContentPartPr>
+              <p14:xfrm>
+                <a:off x="5592204" y="3020865"/>
+                <a:ext cx="6840" cy="41760"/>
+              </p14:xfrm>
+            </p:contentPart>
+          </mc:Choice>
+          <mc:Fallback>
+            <p:pic>
+              <p:nvPicPr>
+                <p:cNvPr id="25" name="Ink 24">
+                  <a:extLst>
+                    <a:ext uri="{FF2B5EF4-FFF2-40B4-BE49-F238E27FC236}">
+                      <a16:creationId xmlns:a16="http://schemas.microsoft.com/office/drawing/2014/main" id="{F098CCA5-4BB4-4CBF-B770-4D81F2077F4C}"/>
+                    </a:ext>
+                  </a:extLst>
+                </p:cNvPr>
+                <p:cNvPicPr/>
+                <p:nvPr/>
+              </p:nvPicPr>
+              <p:blipFill>
+                <a:blip r:embed="rId37"/>
+                <a:stretch>
+                  <a:fillRect/>
+                </a:stretch>
+              </p:blipFill>
+              <p:spPr>
+                <a:xfrm>
+                  <a:off x="5583564" y="3012225"/>
+                  <a:ext cx="24480" cy="59400"/>
+                </a:xfrm>
+                <a:prstGeom prst="rect">
+                  <a:avLst/>
+                </a:prstGeom>
+              </p:spPr>
+            </p:pic>
+          </mc:Fallback>
+        </mc:AlternateContent>
+        <mc:AlternateContent xmlns:mc="http://schemas.openxmlformats.org/markup-compatibility/2006">
+          <mc:Choice xmlns:p14="http://schemas.microsoft.com/office/powerpoint/2010/main" Requires="p14">
+            <p:contentPart p14:bwMode="auto" r:id="rId38">
+              <p14:nvContentPartPr>
+                <p14:cNvPr id="26" name="Ink 25">
+                  <a:extLst>
+                    <a:ext uri="{FF2B5EF4-FFF2-40B4-BE49-F238E27FC236}">
+                      <a16:creationId xmlns:a16="http://schemas.microsoft.com/office/drawing/2014/main" id="{853B0382-09A6-4561-A694-A1F64D883E19}"/>
+                    </a:ext>
+                  </a:extLst>
+                </p14:cNvPr>
+                <p14:cNvContentPartPr/>
+                <p14:nvPr/>
+              </p14:nvContentPartPr>
+              <p14:xfrm>
+                <a:off x="5599764" y="3165945"/>
+                <a:ext cx="213480" cy="123480"/>
+              </p14:xfrm>
+            </p:contentPart>
+          </mc:Choice>
+          <mc:Fallback>
+            <p:pic>
+              <p:nvPicPr>
+                <p:cNvPr id="26" name="Ink 25">
+                  <a:extLst>
+                    <a:ext uri="{FF2B5EF4-FFF2-40B4-BE49-F238E27FC236}">
+                      <a16:creationId xmlns:a16="http://schemas.microsoft.com/office/drawing/2014/main" id="{853B0382-09A6-4561-A694-A1F64D883E19}"/>
+                    </a:ext>
+                  </a:extLst>
+                </p:cNvPr>
+                <p:cNvPicPr/>
+                <p:nvPr/>
+              </p:nvPicPr>
+              <p:blipFill>
+                <a:blip r:embed="rId39"/>
+                <a:stretch>
+                  <a:fillRect/>
+                </a:stretch>
+              </p:blipFill>
+              <p:spPr>
+                <a:xfrm>
+                  <a:off x="5591124" y="3157305"/>
+                  <a:ext cx="231120" cy="141120"/>
+                </a:xfrm>
+                <a:prstGeom prst="rect">
+                  <a:avLst/>
+                </a:prstGeom>
+              </p:spPr>
+            </p:pic>
+          </mc:Fallback>
+        </mc:AlternateContent>
+        <mc:AlternateContent xmlns:mc="http://schemas.openxmlformats.org/markup-compatibility/2006">
+          <mc:Choice xmlns:p14="http://schemas.microsoft.com/office/powerpoint/2010/main" Requires="p14">
+            <p:contentPart p14:bwMode="auto" r:id="rId40">
+              <p14:nvContentPartPr>
+                <p14:cNvPr id="27" name="Ink 26">
+                  <a:extLst>
+                    <a:ext uri="{FF2B5EF4-FFF2-40B4-BE49-F238E27FC236}">
+                      <a16:creationId xmlns:a16="http://schemas.microsoft.com/office/drawing/2014/main" id="{A8E07BF7-D081-4745-A60E-3709C9B41DED}"/>
+                    </a:ext>
+                  </a:extLst>
+                </p14:cNvPr>
+                <p14:cNvContentPartPr/>
+                <p14:nvPr/>
+              </p14:nvContentPartPr>
+              <p14:xfrm>
+                <a:off x="5853924" y="3078825"/>
+                <a:ext cx="12960" cy="200880"/>
+              </p14:xfrm>
+            </p:contentPart>
+          </mc:Choice>
+          <mc:Fallback>
+            <p:pic>
+              <p:nvPicPr>
+                <p:cNvPr id="27" name="Ink 26">
+                  <a:extLst>
+                    <a:ext uri="{FF2B5EF4-FFF2-40B4-BE49-F238E27FC236}">
+                      <a16:creationId xmlns:a16="http://schemas.microsoft.com/office/drawing/2014/main" id="{A8E07BF7-D081-4745-A60E-3709C9B41DED}"/>
+                    </a:ext>
+                  </a:extLst>
+                </p:cNvPr>
+                <p:cNvPicPr/>
+                <p:nvPr/>
+              </p:nvPicPr>
+              <p:blipFill>
+                <a:blip r:embed="rId41"/>
+                <a:stretch>
+                  <a:fillRect/>
+                </a:stretch>
+              </p:blipFill>
+              <p:spPr>
+                <a:xfrm>
+                  <a:off x="5845284" y="3070185"/>
+                  <a:ext cx="30600" cy="218520"/>
+                </a:xfrm>
+                <a:prstGeom prst="rect">
+                  <a:avLst/>
+                </a:prstGeom>
+              </p:spPr>
+            </p:pic>
+          </mc:Fallback>
+        </mc:AlternateContent>
+      </p:grpSp>
+      <p:grpSp>
+        <p:nvGrpSpPr>
+          <p:cNvPr id="31" name="Group 30">
+            <a:extLst>
+              <a:ext uri="{FF2B5EF4-FFF2-40B4-BE49-F238E27FC236}">
+                <a16:creationId xmlns:a16="http://schemas.microsoft.com/office/drawing/2014/main" id="{EC863C4C-F722-4ECF-BAE0-CDADCFE71B54}"/>
+              </a:ext>
+            </a:extLst>
+          </p:cNvPr>
+          <p:cNvGrpSpPr/>
+          <p:nvPr/>
+        </p:nvGrpSpPr>
+        <p:grpSpPr>
+          <a:xfrm>
+            <a:off x="5367924" y="3643305"/>
+            <a:ext cx="370800" cy="317160"/>
+            <a:chOff x="5367924" y="3643305"/>
+            <a:chExt cx="370800" cy="317160"/>
+          </a:xfrm>
+        </p:grpSpPr>
+        <mc:AlternateContent xmlns:mc="http://schemas.openxmlformats.org/markup-compatibility/2006">
+          <mc:Choice xmlns:p14="http://schemas.microsoft.com/office/powerpoint/2010/main" Requires="p14">
+            <p:contentPart p14:bwMode="auto" r:id="rId42">
+              <p14:nvContentPartPr>
+                <p14:cNvPr id="28" name="Ink 27">
+                  <a:extLst>
+                    <a:ext uri="{FF2B5EF4-FFF2-40B4-BE49-F238E27FC236}">
+                      <a16:creationId xmlns:a16="http://schemas.microsoft.com/office/drawing/2014/main" id="{3CAD9C76-30DC-442F-AD44-23712274C2E7}"/>
+                    </a:ext>
+                  </a:extLst>
+                </p14:cNvPr>
+                <p14:cNvContentPartPr/>
+                <p14:nvPr/>
+              </p14:nvContentPartPr>
+              <p14:xfrm>
+                <a:off x="5367924" y="3643305"/>
+                <a:ext cx="251640" cy="176760"/>
+              </p14:xfrm>
+            </p:contentPart>
+          </mc:Choice>
+          <mc:Fallback>
+            <p:pic>
+              <p:nvPicPr>
+                <p:cNvPr id="28" name="Ink 27">
+                  <a:extLst>
+                    <a:ext uri="{FF2B5EF4-FFF2-40B4-BE49-F238E27FC236}">
+                      <a16:creationId xmlns:a16="http://schemas.microsoft.com/office/drawing/2014/main" id="{3CAD9C76-30DC-442F-AD44-23712274C2E7}"/>
+                    </a:ext>
+                  </a:extLst>
+                </p:cNvPr>
+                <p:cNvPicPr/>
+                <p:nvPr/>
+              </p:nvPicPr>
+              <p:blipFill>
+                <a:blip r:embed="rId43"/>
+                <a:stretch>
+                  <a:fillRect/>
+                </a:stretch>
+              </p:blipFill>
+              <p:spPr>
+                <a:xfrm>
+                  <a:off x="5358924" y="3634305"/>
+                  <a:ext cx="269280" cy="194400"/>
+                </a:xfrm>
+                <a:prstGeom prst="rect">
+                  <a:avLst/>
+                </a:prstGeom>
+              </p:spPr>
+            </p:pic>
+          </mc:Fallback>
+        </mc:AlternateContent>
+        <mc:AlternateContent xmlns:mc="http://schemas.openxmlformats.org/markup-compatibility/2006">
+          <mc:Choice xmlns:p14="http://schemas.microsoft.com/office/powerpoint/2010/main" Requires="p14">
+            <p:contentPart p14:bwMode="auto" r:id="rId44">
+              <p14:nvContentPartPr>
+                <p14:cNvPr id="29" name="Ink 28">
+                  <a:extLst>
+                    <a:ext uri="{FF2B5EF4-FFF2-40B4-BE49-F238E27FC236}">
+                      <a16:creationId xmlns:a16="http://schemas.microsoft.com/office/drawing/2014/main" id="{1EB25611-98F4-4611-B36B-B80DAA937C57}"/>
+                    </a:ext>
+                  </a:extLst>
+                </p14:cNvPr>
+                <p14:cNvContentPartPr/>
+                <p14:nvPr/>
+              </p14:nvContentPartPr>
+              <p14:xfrm>
+                <a:off x="5556924" y="3745905"/>
+                <a:ext cx="181800" cy="214560"/>
+              </p14:xfrm>
+            </p:contentPart>
+          </mc:Choice>
+          <mc:Fallback>
+            <p:pic>
+              <p:nvPicPr>
+                <p:cNvPr id="29" name="Ink 28">
+                  <a:extLst>
+                    <a:ext uri="{FF2B5EF4-FFF2-40B4-BE49-F238E27FC236}">
+                      <a16:creationId xmlns:a16="http://schemas.microsoft.com/office/drawing/2014/main" id="{1EB25611-98F4-4611-B36B-B80DAA937C57}"/>
+                    </a:ext>
+                  </a:extLst>
+                </p:cNvPr>
+                <p:cNvPicPr/>
+                <p:nvPr/>
+              </p:nvPicPr>
+              <p:blipFill>
+                <a:blip r:embed="rId45"/>
+                <a:stretch>
+                  <a:fillRect/>
+                </a:stretch>
+              </p:blipFill>
+              <p:spPr>
+                <a:xfrm>
+                  <a:off x="5547924" y="3736905"/>
+                  <a:ext cx="199440" cy="232200"/>
+                </a:xfrm>
+                <a:prstGeom prst="rect">
+                  <a:avLst/>
+                </a:prstGeom>
+              </p:spPr>
+            </p:pic>
+          </mc:Fallback>
+        </mc:AlternateContent>
+      </p:grpSp>
+      <mc:AlternateContent xmlns:mc="http://schemas.openxmlformats.org/markup-compatibility/2006">
+        <mc:Choice xmlns:p14="http://schemas.microsoft.com/office/powerpoint/2010/main" Requires="p14">
+          <p:contentPart p14:bwMode="auto" r:id="rId46">
+            <p14:nvContentPartPr>
+              <p14:cNvPr id="30" name="Ink 29">
+                <a:extLst>
+                  <a:ext uri="{FF2B5EF4-FFF2-40B4-BE49-F238E27FC236}">
+                    <a16:creationId xmlns:a16="http://schemas.microsoft.com/office/drawing/2014/main" id="{0174AB02-CC48-4F77-9175-2A605220BE4F}"/>
+                  </a:ext>
+                </a:extLst>
+              </p14:cNvPr>
+              <p14:cNvContentPartPr/>
+              <p14:nvPr/>
+            </p14:nvContentPartPr>
+            <p14:xfrm>
+              <a:off x="4766364" y="3263145"/>
+              <a:ext cx="225000" cy="76320"/>
+            </p14:xfrm>
+          </p:contentPart>
+        </mc:Choice>
+        <mc:Fallback>
+          <p:pic>
+            <p:nvPicPr>
+              <p:cNvPr id="30" name="Ink 29">
+                <a:extLst>
+                  <a:ext uri="{FF2B5EF4-FFF2-40B4-BE49-F238E27FC236}">
+                    <a16:creationId xmlns:a16="http://schemas.microsoft.com/office/drawing/2014/main" id="{0174AB02-CC48-4F77-9175-2A605220BE4F}"/>
+                  </a:ext>
+                </a:extLst>
+              </p:cNvPr>
+              <p:cNvPicPr/>
+              <p:nvPr/>
+            </p:nvPicPr>
+            <p:blipFill>
+              <a:blip r:embed="rId47"/>
+              <a:stretch>
+                <a:fillRect/>
+              </a:stretch>
+            </p:blipFill>
+            <p:spPr>
+              <a:xfrm>
+                <a:off x="4757364" y="3254145"/>
+                <a:ext cx="242640" cy="93960"/>
+              </a:xfrm>
+              <a:prstGeom prst="rect">
+                <a:avLst/>
+              </a:prstGeom>
+            </p:spPr>
+          </p:pic>
+        </mc:Fallback>
+      </mc:AlternateContent>
+      <p:grpSp>
+        <p:nvGrpSpPr>
+          <p:cNvPr id="37" name="Group 36">
+            <a:extLst>
+              <a:ext uri="{FF2B5EF4-FFF2-40B4-BE49-F238E27FC236}">
+                <a16:creationId xmlns:a16="http://schemas.microsoft.com/office/drawing/2014/main" id="{CA941920-321F-42A4-AA6A-35D9763C3464}"/>
+              </a:ext>
+            </a:extLst>
+          </p:cNvPr>
+          <p:cNvGrpSpPr/>
+          <p:nvPr/>
+        </p:nvGrpSpPr>
+        <p:grpSpPr>
+          <a:xfrm>
+            <a:off x="5324724" y="4042545"/>
+            <a:ext cx="471960" cy="252000"/>
+            <a:chOff x="5324724" y="4042545"/>
+            <a:chExt cx="471960" cy="252000"/>
+          </a:xfrm>
+        </p:grpSpPr>
+        <mc:AlternateContent xmlns:mc="http://schemas.openxmlformats.org/markup-compatibility/2006">
+          <mc:Choice xmlns:p14="http://schemas.microsoft.com/office/powerpoint/2010/main" Requires="p14">
+            <p:contentPart p14:bwMode="auto" r:id="rId48">
+              <p14:nvContentPartPr>
+                <p14:cNvPr id="33" name="Ink 32">
+                  <a:extLst>
+                    <a:ext uri="{FF2B5EF4-FFF2-40B4-BE49-F238E27FC236}">
+                      <a16:creationId xmlns:a16="http://schemas.microsoft.com/office/drawing/2014/main" id="{9E24257D-18F9-4880-8091-E18A7907CE46}"/>
+                    </a:ext>
+                  </a:extLst>
+                </p14:cNvPr>
+                <p14:cNvContentPartPr/>
+                <p14:nvPr/>
+              </p14:nvContentPartPr>
+              <p14:xfrm>
+                <a:off x="5324724" y="4081065"/>
+                <a:ext cx="192960" cy="213480"/>
+              </p14:xfrm>
+            </p:contentPart>
+          </mc:Choice>
+          <mc:Fallback>
+            <p:pic>
+              <p:nvPicPr>
+                <p:cNvPr id="33" name="Ink 32">
+                  <a:extLst>
+                    <a:ext uri="{FF2B5EF4-FFF2-40B4-BE49-F238E27FC236}">
+                      <a16:creationId xmlns:a16="http://schemas.microsoft.com/office/drawing/2014/main" id="{9E24257D-18F9-4880-8091-E18A7907CE46}"/>
+                    </a:ext>
+                  </a:extLst>
+                </p:cNvPr>
+                <p:cNvPicPr/>
+                <p:nvPr/>
+              </p:nvPicPr>
+              <p:blipFill>
+                <a:blip r:embed="rId49"/>
+                <a:stretch>
+                  <a:fillRect/>
+                </a:stretch>
+              </p:blipFill>
+              <p:spPr>
+                <a:xfrm>
+                  <a:off x="5316084" y="4072065"/>
+                  <a:ext cx="210600" cy="231120"/>
+                </a:xfrm>
+                <a:prstGeom prst="rect">
+                  <a:avLst/>
+                </a:prstGeom>
+              </p:spPr>
+            </p:pic>
+          </mc:Fallback>
+        </mc:AlternateContent>
+        <mc:AlternateContent xmlns:mc="http://schemas.openxmlformats.org/markup-compatibility/2006">
+          <mc:Choice xmlns:p14="http://schemas.microsoft.com/office/powerpoint/2010/main" Requires="p14">
+            <p:contentPart p14:bwMode="auto" r:id="rId50">
+              <p14:nvContentPartPr>
+                <p14:cNvPr id="34" name="Ink 33">
+                  <a:extLst>
+                    <a:ext uri="{FF2B5EF4-FFF2-40B4-BE49-F238E27FC236}">
+                      <a16:creationId xmlns:a16="http://schemas.microsoft.com/office/drawing/2014/main" id="{5462FE3B-B241-4429-91B8-F4201E509BA4}"/>
+                    </a:ext>
+                  </a:extLst>
+                </p14:cNvPr>
+                <p14:cNvContentPartPr/>
+                <p14:nvPr/>
+              </p14:nvContentPartPr>
+              <p14:xfrm>
+                <a:off x="5497884" y="4207065"/>
+                <a:ext cx="159480" cy="72000"/>
+              </p14:xfrm>
+            </p:contentPart>
+          </mc:Choice>
+          <mc:Fallback>
+            <p:pic>
+              <p:nvPicPr>
+                <p:cNvPr id="34" name="Ink 33">
+                  <a:extLst>
+                    <a:ext uri="{FF2B5EF4-FFF2-40B4-BE49-F238E27FC236}">
+                      <a16:creationId xmlns:a16="http://schemas.microsoft.com/office/drawing/2014/main" id="{5462FE3B-B241-4429-91B8-F4201E509BA4}"/>
+                    </a:ext>
+                  </a:extLst>
+                </p:cNvPr>
+                <p:cNvPicPr/>
+                <p:nvPr/>
+              </p:nvPicPr>
+              <p:blipFill>
+                <a:blip r:embed="rId51"/>
+                <a:stretch>
+                  <a:fillRect/>
+                </a:stretch>
+              </p:blipFill>
+              <p:spPr>
+                <a:xfrm>
+                  <a:off x="5489244" y="4198065"/>
+                  <a:ext cx="177120" cy="89640"/>
+                </a:xfrm>
+                <a:prstGeom prst="rect">
+                  <a:avLst/>
+                </a:prstGeom>
+              </p:spPr>
+            </p:pic>
+          </mc:Fallback>
+        </mc:AlternateContent>
+        <mc:AlternateContent xmlns:mc="http://schemas.openxmlformats.org/markup-compatibility/2006">
+          <mc:Choice xmlns:p14="http://schemas.microsoft.com/office/powerpoint/2010/main" Requires="p14">
+            <p:contentPart p14:bwMode="auto" r:id="rId52">
+              <p14:nvContentPartPr>
+                <p14:cNvPr id="35" name="Ink 34">
+                  <a:extLst>
+                    <a:ext uri="{FF2B5EF4-FFF2-40B4-BE49-F238E27FC236}">
+                      <a16:creationId xmlns:a16="http://schemas.microsoft.com/office/drawing/2014/main" id="{194D660B-EF55-4441-9150-DCADA08207A7}"/>
+                    </a:ext>
+                  </a:extLst>
+                </p14:cNvPr>
+                <p14:cNvContentPartPr/>
+                <p14:nvPr/>
+              </p14:nvContentPartPr>
+              <p14:xfrm>
+                <a:off x="5649444" y="4042545"/>
+                <a:ext cx="147240" cy="250920"/>
+              </p14:xfrm>
+            </p:contentPart>
+          </mc:Choice>
+          <mc:Fallback>
+            <p:pic>
+              <p:nvPicPr>
+                <p:cNvPr id="35" name="Ink 34">
+                  <a:extLst>
+                    <a:ext uri="{FF2B5EF4-FFF2-40B4-BE49-F238E27FC236}">
+                      <a16:creationId xmlns:a16="http://schemas.microsoft.com/office/drawing/2014/main" id="{194D660B-EF55-4441-9150-DCADA08207A7}"/>
+                    </a:ext>
+                  </a:extLst>
+                </p:cNvPr>
+                <p:cNvPicPr/>
+                <p:nvPr/>
+              </p:nvPicPr>
+              <p:blipFill>
+                <a:blip r:embed="rId53"/>
+                <a:stretch>
+                  <a:fillRect/>
+                </a:stretch>
+              </p:blipFill>
+              <p:spPr>
+                <a:xfrm>
+                  <a:off x="5640804" y="4033905"/>
+                  <a:ext cx="164880" cy="268560"/>
+                </a:xfrm>
+                <a:prstGeom prst="rect">
+                  <a:avLst/>
+                </a:prstGeom>
+              </p:spPr>
+            </p:pic>
+          </mc:Fallback>
+        </mc:AlternateContent>
+      </p:grpSp>
+      <mc:AlternateContent xmlns:mc="http://schemas.openxmlformats.org/markup-compatibility/2006">
+        <mc:Choice xmlns:p14="http://schemas.microsoft.com/office/powerpoint/2010/main" Requires="p14">
+          <p:contentPart p14:bwMode="auto" r:id="rId54">
+            <p14:nvContentPartPr>
+              <p14:cNvPr id="36" name="Ink 35">
+                <a:extLst>
+                  <a:ext uri="{FF2B5EF4-FFF2-40B4-BE49-F238E27FC236}">
+                    <a16:creationId xmlns:a16="http://schemas.microsoft.com/office/drawing/2014/main" id="{17FC5CF0-9C05-4865-9F9B-674A385FAACC}"/>
+                  </a:ext>
+                </a:extLst>
+              </p14:cNvPr>
+              <p14:cNvContentPartPr/>
+              <p14:nvPr/>
+            </p14:nvContentPartPr>
+            <p14:xfrm>
+              <a:off x="4736484" y="3424785"/>
+              <a:ext cx="271080" cy="240840"/>
+            </p14:xfrm>
+          </p:contentPart>
+        </mc:Choice>
+        <mc:Fallback>
+          <p:pic>
+            <p:nvPicPr>
+              <p:cNvPr id="36" name="Ink 35">
+                <a:extLst>
+                  <a:ext uri="{FF2B5EF4-FFF2-40B4-BE49-F238E27FC236}">
+                    <a16:creationId xmlns:a16="http://schemas.microsoft.com/office/drawing/2014/main" id="{17FC5CF0-9C05-4865-9F9B-674A385FAACC}"/>
+                  </a:ext>
+                </a:extLst>
+              </p:cNvPr>
+              <p:cNvPicPr/>
+              <p:nvPr/>
+            </p:nvPicPr>
+            <p:blipFill>
+              <a:blip r:embed="rId55"/>
+              <a:stretch>
+                <a:fillRect/>
+              </a:stretch>
+            </p:blipFill>
+            <p:spPr>
+              <a:xfrm>
+                <a:off x="4727484" y="3416145"/>
+                <a:ext cx="288720" cy="258480"/>
+              </a:xfrm>
+              <a:prstGeom prst="rect">
+                <a:avLst/>
+              </a:prstGeom>
+            </p:spPr>
+          </p:pic>
+        </mc:Fallback>
+      </mc:AlternateContent>
     </p:spTree>
     <p:extLst>
       <p:ext uri="{BB962C8B-B14F-4D97-AF65-F5344CB8AC3E}">
@@ -6195,6 +11007,303 @@
           </a:p>
         </p:txBody>
       </p:sp>
+      <mc:AlternateContent xmlns:mc="http://schemas.openxmlformats.org/markup-compatibility/2006">
+        <mc:Choice xmlns:p14="http://schemas.microsoft.com/office/powerpoint/2010/main" Requires="p14">
+          <p:contentPart p14:bwMode="auto" r:id="rId3">
+            <p14:nvContentPartPr>
+              <p14:cNvPr id="2" name="Ink 1">
+                <a:extLst>
+                  <a:ext uri="{FF2B5EF4-FFF2-40B4-BE49-F238E27FC236}">
+                    <a16:creationId xmlns:a16="http://schemas.microsoft.com/office/drawing/2014/main" id="{A21C1C53-BE65-4B27-BD66-040F9EB52BD7}"/>
+                  </a:ext>
+                </a:extLst>
+              </p14:cNvPr>
+              <p14:cNvContentPartPr/>
+              <p14:nvPr/>
+            </p14:nvContentPartPr>
+            <p14:xfrm>
+              <a:off x="5668164" y="2573025"/>
+              <a:ext cx="252000" cy="194760"/>
+            </p14:xfrm>
+          </p:contentPart>
+        </mc:Choice>
+        <mc:Fallback>
+          <p:pic>
+            <p:nvPicPr>
+              <p:cNvPr id="2" name="Ink 1">
+                <a:extLst>
+                  <a:ext uri="{FF2B5EF4-FFF2-40B4-BE49-F238E27FC236}">
+                    <a16:creationId xmlns:a16="http://schemas.microsoft.com/office/drawing/2014/main" id="{A21C1C53-BE65-4B27-BD66-040F9EB52BD7}"/>
+                  </a:ext>
+                </a:extLst>
+              </p:cNvPr>
+              <p:cNvPicPr/>
+              <p:nvPr/>
+            </p:nvPicPr>
+            <p:blipFill>
+              <a:blip r:embed="rId4"/>
+              <a:stretch>
+                <a:fillRect/>
+              </a:stretch>
+            </p:blipFill>
+            <p:spPr>
+              <a:xfrm>
+                <a:off x="5659164" y="2564025"/>
+                <a:ext cx="269640" cy="212400"/>
+              </a:xfrm>
+              <a:prstGeom prst="rect">
+                <a:avLst/>
+              </a:prstGeom>
+            </p:spPr>
+          </p:pic>
+        </mc:Fallback>
+      </mc:AlternateContent>
+      <p:grpSp>
+        <p:nvGrpSpPr>
+          <p:cNvPr id="14" name="Group 13">
+            <a:extLst>
+              <a:ext uri="{FF2B5EF4-FFF2-40B4-BE49-F238E27FC236}">
+                <a16:creationId xmlns:a16="http://schemas.microsoft.com/office/drawing/2014/main" id="{EC837256-BA49-4896-87CC-A08D58A31A18}"/>
+              </a:ext>
+            </a:extLst>
+          </p:cNvPr>
+          <p:cNvGrpSpPr/>
+          <p:nvPr/>
+        </p:nvGrpSpPr>
+        <p:grpSpPr>
+          <a:xfrm>
+            <a:off x="4346604" y="3659145"/>
+            <a:ext cx="222120" cy="178560"/>
+            <a:chOff x="4346604" y="3659145"/>
+            <a:chExt cx="222120" cy="178560"/>
+          </a:xfrm>
+        </p:grpSpPr>
+        <mc:AlternateContent xmlns:mc="http://schemas.openxmlformats.org/markup-compatibility/2006">
+          <mc:Choice xmlns:p14="http://schemas.microsoft.com/office/powerpoint/2010/main" Requires="p14">
+            <p:contentPart p14:bwMode="auto" r:id="rId5">
+              <p14:nvContentPartPr>
+                <p14:cNvPr id="9" name="Ink 8">
+                  <a:extLst>
+                    <a:ext uri="{FF2B5EF4-FFF2-40B4-BE49-F238E27FC236}">
+                      <a16:creationId xmlns:a16="http://schemas.microsoft.com/office/drawing/2014/main" id="{0461EA62-D90C-45C6-A1C2-950E954A3E13}"/>
+                    </a:ext>
+                  </a:extLst>
+                </p14:cNvPr>
+                <p14:cNvContentPartPr/>
+                <p14:nvPr/>
+              </p14:nvContentPartPr>
+              <p14:xfrm>
+                <a:off x="4346604" y="3659145"/>
+                <a:ext cx="222120" cy="54000"/>
+              </p14:xfrm>
+            </p:contentPart>
+          </mc:Choice>
+          <mc:Fallback>
+            <p:pic>
+              <p:nvPicPr>
+                <p:cNvPr id="9" name="Ink 8">
+                  <a:extLst>
+                    <a:ext uri="{FF2B5EF4-FFF2-40B4-BE49-F238E27FC236}">
+                      <a16:creationId xmlns:a16="http://schemas.microsoft.com/office/drawing/2014/main" id="{0461EA62-D90C-45C6-A1C2-950E954A3E13}"/>
+                    </a:ext>
+                  </a:extLst>
+                </p:cNvPr>
+                <p:cNvPicPr/>
+                <p:nvPr/>
+              </p:nvPicPr>
+              <p:blipFill>
+                <a:blip r:embed="rId6"/>
+                <a:stretch>
+                  <a:fillRect/>
+                </a:stretch>
+              </p:blipFill>
+              <p:spPr>
+                <a:xfrm>
+                  <a:off x="4337604" y="3650505"/>
+                  <a:ext cx="239760" cy="71640"/>
+                </a:xfrm>
+                <a:prstGeom prst="rect">
+                  <a:avLst/>
+                </a:prstGeom>
+              </p:spPr>
+            </p:pic>
+          </mc:Fallback>
+        </mc:AlternateContent>
+        <mc:AlternateContent xmlns:mc="http://schemas.openxmlformats.org/markup-compatibility/2006">
+          <mc:Choice xmlns:p14="http://schemas.microsoft.com/office/powerpoint/2010/main" Requires="p14">
+            <p:contentPart p14:bwMode="auto" r:id="rId7">
+              <p14:nvContentPartPr>
+                <p14:cNvPr id="10" name="Ink 9">
+                  <a:extLst>
+                    <a:ext uri="{FF2B5EF4-FFF2-40B4-BE49-F238E27FC236}">
+                      <a16:creationId xmlns:a16="http://schemas.microsoft.com/office/drawing/2014/main" id="{476C3A5D-8565-4BEA-A199-448EC09F79D8}"/>
+                    </a:ext>
+                  </a:extLst>
+                </p14:cNvPr>
+                <p14:cNvContentPartPr/>
+                <p14:nvPr/>
+              </p14:nvContentPartPr>
+              <p14:xfrm>
+                <a:off x="4407804" y="3675345"/>
+                <a:ext cx="82080" cy="162360"/>
+              </p14:xfrm>
+            </p:contentPart>
+          </mc:Choice>
+          <mc:Fallback>
+            <p:pic>
+              <p:nvPicPr>
+                <p:cNvPr id="10" name="Ink 9">
+                  <a:extLst>
+                    <a:ext uri="{FF2B5EF4-FFF2-40B4-BE49-F238E27FC236}">
+                      <a16:creationId xmlns:a16="http://schemas.microsoft.com/office/drawing/2014/main" id="{476C3A5D-8565-4BEA-A199-448EC09F79D8}"/>
+                    </a:ext>
+                  </a:extLst>
+                </p:cNvPr>
+                <p:cNvPicPr/>
+                <p:nvPr/>
+              </p:nvPicPr>
+              <p:blipFill>
+                <a:blip r:embed="rId8"/>
+                <a:stretch>
+                  <a:fillRect/>
+                </a:stretch>
+              </p:blipFill>
+              <p:spPr>
+                <a:xfrm>
+                  <a:off x="4399164" y="3666705"/>
+                  <a:ext cx="99720" cy="180000"/>
+                </a:xfrm>
+                <a:prstGeom prst="rect">
+                  <a:avLst/>
+                </a:prstGeom>
+              </p:spPr>
+            </p:pic>
+          </mc:Fallback>
+        </mc:AlternateContent>
+      </p:grpSp>
+      <p:grpSp>
+        <p:nvGrpSpPr>
+          <p:cNvPr id="13" name="Group 12">
+            <a:extLst>
+              <a:ext uri="{FF2B5EF4-FFF2-40B4-BE49-F238E27FC236}">
+                <a16:creationId xmlns:a16="http://schemas.microsoft.com/office/drawing/2014/main" id="{71393D0D-7028-4A8F-8469-99C3F9E17B09}"/>
+              </a:ext>
+            </a:extLst>
+          </p:cNvPr>
+          <p:cNvGrpSpPr/>
+          <p:nvPr/>
+        </p:nvGrpSpPr>
+        <p:grpSpPr>
+          <a:xfrm>
+            <a:off x="6912684" y="3648705"/>
+            <a:ext cx="152280" cy="181800"/>
+            <a:chOff x="6912684" y="3648705"/>
+            <a:chExt cx="152280" cy="181800"/>
+          </a:xfrm>
+        </p:grpSpPr>
+        <mc:AlternateContent xmlns:mc="http://schemas.openxmlformats.org/markup-compatibility/2006">
+          <mc:Choice xmlns:p14="http://schemas.microsoft.com/office/powerpoint/2010/main" Requires="p14">
+            <p:contentPart p14:bwMode="auto" r:id="rId9">
+              <p14:nvContentPartPr>
+                <p14:cNvPr id="11" name="Ink 10">
+                  <a:extLst>
+                    <a:ext uri="{FF2B5EF4-FFF2-40B4-BE49-F238E27FC236}">
+                      <a16:creationId xmlns:a16="http://schemas.microsoft.com/office/drawing/2014/main" id="{7B7011CB-B70E-49E0-9F8C-B477F991E495}"/>
+                    </a:ext>
+                  </a:extLst>
+                </p14:cNvPr>
+                <p14:cNvContentPartPr/>
+                <p14:nvPr/>
+              </p14:nvContentPartPr>
+              <p14:xfrm>
+                <a:off x="6912684" y="3656265"/>
+                <a:ext cx="152280" cy="19800"/>
+              </p14:xfrm>
+            </p:contentPart>
+          </mc:Choice>
+          <mc:Fallback>
+            <p:pic>
+              <p:nvPicPr>
+                <p:cNvPr id="11" name="Ink 10">
+                  <a:extLst>
+                    <a:ext uri="{FF2B5EF4-FFF2-40B4-BE49-F238E27FC236}">
+                      <a16:creationId xmlns:a16="http://schemas.microsoft.com/office/drawing/2014/main" id="{7B7011CB-B70E-49E0-9F8C-B477F991E495}"/>
+                    </a:ext>
+                  </a:extLst>
+                </p:cNvPr>
+                <p:cNvPicPr/>
+                <p:nvPr/>
+              </p:nvPicPr>
+              <p:blipFill>
+                <a:blip r:embed="rId10"/>
+                <a:stretch>
+                  <a:fillRect/>
+                </a:stretch>
+              </p:blipFill>
+              <p:spPr>
+                <a:xfrm>
+                  <a:off x="6903684" y="3647265"/>
+                  <a:ext cx="169920" cy="37440"/>
+                </a:xfrm>
+                <a:prstGeom prst="rect">
+                  <a:avLst/>
+                </a:prstGeom>
+              </p:spPr>
+            </p:pic>
+          </mc:Fallback>
+        </mc:AlternateContent>
+        <mc:AlternateContent xmlns:mc="http://schemas.openxmlformats.org/markup-compatibility/2006">
+          <mc:Choice xmlns:p14="http://schemas.microsoft.com/office/powerpoint/2010/main" Requires="p14">
+            <p:contentPart p14:bwMode="auto" r:id="rId11">
+              <p14:nvContentPartPr>
+                <p14:cNvPr id="12" name="Ink 11">
+                  <a:extLst>
+                    <a:ext uri="{FF2B5EF4-FFF2-40B4-BE49-F238E27FC236}">
+                      <a16:creationId xmlns:a16="http://schemas.microsoft.com/office/drawing/2014/main" id="{20550F60-4126-43B3-8FF3-50AE28F8DAD1}"/>
+                    </a:ext>
+                  </a:extLst>
+                </p14:cNvPr>
+                <p14:cNvContentPartPr/>
+                <p14:nvPr/>
+              </p14:nvContentPartPr>
+              <p14:xfrm>
+                <a:off x="6975324" y="3648705"/>
+                <a:ext cx="18720" cy="181800"/>
+              </p14:xfrm>
+            </p:contentPart>
+          </mc:Choice>
+          <mc:Fallback>
+            <p:pic>
+              <p:nvPicPr>
+                <p:cNvPr id="12" name="Ink 11">
+                  <a:extLst>
+                    <a:ext uri="{FF2B5EF4-FFF2-40B4-BE49-F238E27FC236}">
+                      <a16:creationId xmlns:a16="http://schemas.microsoft.com/office/drawing/2014/main" id="{20550F60-4126-43B3-8FF3-50AE28F8DAD1}"/>
+                    </a:ext>
+                  </a:extLst>
+                </p:cNvPr>
+                <p:cNvPicPr/>
+                <p:nvPr/>
+              </p:nvPicPr>
+              <p:blipFill>
+                <a:blip r:embed="rId12"/>
+                <a:stretch>
+                  <a:fillRect/>
+                </a:stretch>
+              </p:blipFill>
+              <p:spPr>
+                <a:xfrm>
+                  <a:off x="6966324" y="3640065"/>
+                  <a:ext cx="36360" cy="199440"/>
+                </a:xfrm>
+                <a:prstGeom prst="rect">
+                  <a:avLst/>
+                </a:prstGeom>
+              </p:spPr>
+            </p:pic>
+          </mc:Fallback>
+        </mc:AlternateContent>
+      </p:grpSp>
     </p:spTree>
     <p:extLst>
       <p:ext uri="{BB962C8B-B14F-4D97-AF65-F5344CB8AC3E}">
@@ -6403,6 +11512,435 @@
           </a:p>
         </p:txBody>
       </p:sp>
+      <mc:AlternateContent xmlns:mc="http://schemas.openxmlformats.org/markup-compatibility/2006">
+        <mc:Choice xmlns:p14="http://schemas.microsoft.com/office/powerpoint/2010/main" Requires="p14">
+          <p:contentPart p14:bwMode="auto" r:id="rId2">
+            <p14:nvContentPartPr>
+              <p14:cNvPr id="4" name="Ink 3">
+                <a:extLst>
+                  <a:ext uri="{FF2B5EF4-FFF2-40B4-BE49-F238E27FC236}">
+                    <a16:creationId xmlns:a16="http://schemas.microsoft.com/office/drawing/2014/main" id="{52C96B8A-0EA6-4141-9806-D6912C3C9999}"/>
+                  </a:ext>
+                </a:extLst>
+              </p14:cNvPr>
+              <p14:cNvContentPartPr/>
+              <p14:nvPr/>
+            </p14:nvContentPartPr>
+            <p14:xfrm>
+              <a:off x="2101249" y="1638619"/>
+              <a:ext cx="603720" cy="34560"/>
+            </p14:xfrm>
+          </p:contentPart>
+        </mc:Choice>
+        <mc:Fallback>
+          <p:pic>
+            <p:nvPicPr>
+              <p:cNvPr id="4" name="Ink 3">
+                <a:extLst>
+                  <a:ext uri="{FF2B5EF4-FFF2-40B4-BE49-F238E27FC236}">
+                    <a16:creationId xmlns:a16="http://schemas.microsoft.com/office/drawing/2014/main" id="{52C96B8A-0EA6-4141-9806-D6912C3C9999}"/>
+                  </a:ext>
+                </a:extLst>
+              </p:cNvPr>
+              <p:cNvPicPr/>
+              <p:nvPr/>
+            </p:nvPicPr>
+            <p:blipFill>
+              <a:blip r:embed="rId3"/>
+              <a:stretch>
+                <a:fillRect/>
+              </a:stretch>
+            </p:blipFill>
+            <p:spPr>
+              <a:xfrm>
+                <a:off x="2092609" y="1629979"/>
+                <a:ext cx="621360" cy="52200"/>
+              </a:xfrm>
+              <a:prstGeom prst="rect">
+                <a:avLst/>
+              </a:prstGeom>
+            </p:spPr>
+          </p:pic>
+        </mc:Fallback>
+      </mc:AlternateContent>
+      <mc:AlternateContent xmlns:mc="http://schemas.openxmlformats.org/markup-compatibility/2006">
+        <mc:Choice xmlns:p14="http://schemas.microsoft.com/office/powerpoint/2010/main" Requires="p14">
+          <p:contentPart p14:bwMode="auto" r:id="rId4">
+            <p14:nvContentPartPr>
+              <p14:cNvPr id="5" name="Ink 4">
+                <a:extLst>
+                  <a:ext uri="{FF2B5EF4-FFF2-40B4-BE49-F238E27FC236}">
+                    <a16:creationId xmlns:a16="http://schemas.microsoft.com/office/drawing/2014/main" id="{AA923758-F27D-4806-9DFA-32E075EE4F29}"/>
+                  </a:ext>
+                </a:extLst>
+              </p14:cNvPr>
+              <p14:cNvContentPartPr/>
+              <p14:nvPr/>
+            </p14:nvContentPartPr>
+            <p14:xfrm>
+              <a:off x="797689" y="2001859"/>
+              <a:ext cx="446400" cy="77040"/>
+            </p14:xfrm>
+          </p:contentPart>
+        </mc:Choice>
+        <mc:Fallback>
+          <p:pic>
+            <p:nvPicPr>
+              <p:cNvPr id="5" name="Ink 4">
+                <a:extLst>
+                  <a:ext uri="{FF2B5EF4-FFF2-40B4-BE49-F238E27FC236}">
+                    <a16:creationId xmlns:a16="http://schemas.microsoft.com/office/drawing/2014/main" id="{AA923758-F27D-4806-9DFA-32E075EE4F29}"/>
+                  </a:ext>
+                </a:extLst>
+              </p:cNvPr>
+              <p:cNvPicPr/>
+              <p:nvPr/>
+            </p:nvPicPr>
+            <p:blipFill>
+              <a:blip r:embed="rId5"/>
+              <a:stretch>
+                <a:fillRect/>
+              </a:stretch>
+            </p:blipFill>
+            <p:spPr>
+              <a:xfrm>
+                <a:off x="789049" y="1992859"/>
+                <a:ext cx="464040" cy="94680"/>
+              </a:xfrm>
+              <a:prstGeom prst="rect">
+                <a:avLst/>
+              </a:prstGeom>
+            </p:spPr>
+          </p:pic>
+        </mc:Fallback>
+      </mc:AlternateContent>
+      <mc:AlternateContent xmlns:mc="http://schemas.openxmlformats.org/markup-compatibility/2006">
+        <mc:Choice xmlns:p14="http://schemas.microsoft.com/office/powerpoint/2010/main" Requires="p14">
+          <p:contentPart p14:bwMode="auto" r:id="rId6">
+            <p14:nvContentPartPr>
+              <p14:cNvPr id="6" name="Ink 5">
+                <a:extLst>
+                  <a:ext uri="{FF2B5EF4-FFF2-40B4-BE49-F238E27FC236}">
+                    <a16:creationId xmlns:a16="http://schemas.microsoft.com/office/drawing/2014/main" id="{9579F6B1-6189-4D3B-A45C-BF1F7337DA7B}"/>
+                  </a:ext>
+                </a:extLst>
+              </p14:cNvPr>
+              <p14:cNvContentPartPr/>
+              <p14:nvPr/>
+            </p14:nvContentPartPr>
+            <p14:xfrm>
+              <a:off x="2163529" y="2393539"/>
+              <a:ext cx="609120" cy="29520"/>
+            </p14:xfrm>
+          </p:contentPart>
+        </mc:Choice>
+        <mc:Fallback>
+          <p:pic>
+            <p:nvPicPr>
+              <p:cNvPr id="6" name="Ink 5">
+                <a:extLst>
+                  <a:ext uri="{FF2B5EF4-FFF2-40B4-BE49-F238E27FC236}">
+                    <a16:creationId xmlns:a16="http://schemas.microsoft.com/office/drawing/2014/main" id="{9579F6B1-6189-4D3B-A45C-BF1F7337DA7B}"/>
+                  </a:ext>
+                </a:extLst>
+              </p:cNvPr>
+              <p:cNvPicPr/>
+              <p:nvPr/>
+            </p:nvPicPr>
+            <p:blipFill>
+              <a:blip r:embed="rId7"/>
+              <a:stretch>
+                <a:fillRect/>
+              </a:stretch>
+            </p:blipFill>
+            <p:spPr>
+              <a:xfrm>
+                <a:off x="2154529" y="2384899"/>
+                <a:ext cx="626760" cy="47160"/>
+              </a:xfrm>
+              <a:prstGeom prst="rect">
+                <a:avLst/>
+              </a:prstGeom>
+            </p:spPr>
+          </p:pic>
+        </mc:Fallback>
+      </mc:AlternateContent>
+      <p:grpSp>
+        <p:nvGrpSpPr>
+          <p:cNvPr id="9" name="Group 8">
+            <a:extLst>
+              <a:ext uri="{FF2B5EF4-FFF2-40B4-BE49-F238E27FC236}">
+                <a16:creationId xmlns:a16="http://schemas.microsoft.com/office/drawing/2014/main" id="{EE0CFB61-49F3-46F0-A1AF-EF5D0BB4AC8A}"/>
+              </a:ext>
+            </a:extLst>
+          </p:cNvPr>
+          <p:cNvGrpSpPr/>
+          <p:nvPr/>
+        </p:nvGrpSpPr>
+        <p:grpSpPr>
+          <a:xfrm>
+            <a:off x="486649" y="2570659"/>
+            <a:ext cx="294120" cy="2421720"/>
+            <a:chOff x="486649" y="2570659"/>
+            <a:chExt cx="294120" cy="2421720"/>
+          </a:xfrm>
+        </p:grpSpPr>
+        <mc:AlternateContent xmlns:mc="http://schemas.openxmlformats.org/markup-compatibility/2006">
+          <mc:Choice xmlns:p14="http://schemas.microsoft.com/office/powerpoint/2010/main" Requires="p14">
+            <p:contentPart p14:bwMode="auto" r:id="rId8">
+              <p14:nvContentPartPr>
+                <p14:cNvPr id="7" name="Ink 6">
+                  <a:extLst>
+                    <a:ext uri="{FF2B5EF4-FFF2-40B4-BE49-F238E27FC236}">
+                      <a16:creationId xmlns:a16="http://schemas.microsoft.com/office/drawing/2014/main" id="{6E539522-9DD1-411E-B2CF-F861B0145E23}"/>
+                    </a:ext>
+                  </a:extLst>
+                </p14:cNvPr>
+                <p14:cNvContentPartPr/>
+                <p14:nvPr/>
+              </p14:nvContentPartPr>
+              <p14:xfrm>
+                <a:off x="613729" y="2570659"/>
+                <a:ext cx="83160" cy="73440"/>
+              </p14:xfrm>
+            </p:contentPart>
+          </mc:Choice>
+          <mc:Fallback>
+            <p:pic>
+              <p:nvPicPr>
+                <p:cNvPr id="7" name="Ink 6">
+                  <a:extLst>
+                    <a:ext uri="{FF2B5EF4-FFF2-40B4-BE49-F238E27FC236}">
+                      <a16:creationId xmlns:a16="http://schemas.microsoft.com/office/drawing/2014/main" id="{6E539522-9DD1-411E-B2CF-F861B0145E23}"/>
+                    </a:ext>
+                  </a:extLst>
+                </p:cNvPr>
+                <p:cNvPicPr/>
+                <p:nvPr/>
+              </p:nvPicPr>
+              <p:blipFill>
+                <a:blip r:embed="rId9"/>
+                <a:stretch>
+                  <a:fillRect/>
+                </a:stretch>
+              </p:blipFill>
+              <p:spPr>
+                <a:xfrm>
+                  <a:off x="605089" y="2561659"/>
+                  <a:ext cx="100800" cy="91080"/>
+                </a:xfrm>
+                <a:prstGeom prst="rect">
+                  <a:avLst/>
+                </a:prstGeom>
+              </p:spPr>
+            </p:pic>
+          </mc:Fallback>
+        </mc:AlternateContent>
+        <mc:AlternateContent xmlns:mc="http://schemas.openxmlformats.org/markup-compatibility/2006">
+          <mc:Choice xmlns:p14="http://schemas.microsoft.com/office/powerpoint/2010/main" Requires="p14">
+            <p:contentPart p14:bwMode="auto" r:id="rId10">
+              <p14:nvContentPartPr>
+                <p14:cNvPr id="8" name="Ink 7">
+                  <a:extLst>
+                    <a:ext uri="{FF2B5EF4-FFF2-40B4-BE49-F238E27FC236}">
+                      <a16:creationId xmlns:a16="http://schemas.microsoft.com/office/drawing/2014/main" id="{E4AE2AAF-6897-42CD-8097-116B4AB44953}"/>
+                    </a:ext>
+                  </a:extLst>
+                </p14:cNvPr>
+                <p14:cNvContentPartPr/>
+                <p14:nvPr/>
+              </p14:nvContentPartPr>
+              <p14:xfrm>
+                <a:off x="486649" y="2639779"/>
+                <a:ext cx="294120" cy="2352600"/>
+              </p14:xfrm>
+            </p:contentPart>
+          </mc:Choice>
+          <mc:Fallback>
+            <p:pic>
+              <p:nvPicPr>
+                <p:cNvPr id="8" name="Ink 7">
+                  <a:extLst>
+                    <a:ext uri="{FF2B5EF4-FFF2-40B4-BE49-F238E27FC236}">
+                      <a16:creationId xmlns:a16="http://schemas.microsoft.com/office/drawing/2014/main" id="{E4AE2AAF-6897-42CD-8097-116B4AB44953}"/>
+                    </a:ext>
+                  </a:extLst>
+                </p:cNvPr>
+                <p:cNvPicPr/>
+                <p:nvPr/>
+              </p:nvPicPr>
+              <p:blipFill>
+                <a:blip r:embed="rId11"/>
+                <a:stretch>
+                  <a:fillRect/>
+                </a:stretch>
+              </p:blipFill>
+              <p:spPr>
+                <a:xfrm>
+                  <a:off x="477649" y="2631139"/>
+                  <a:ext cx="311760" cy="2370240"/>
+                </a:xfrm>
+                <a:prstGeom prst="rect">
+                  <a:avLst/>
+                </a:prstGeom>
+              </p:spPr>
+            </p:pic>
+          </mc:Fallback>
+        </mc:AlternateContent>
+      </p:grpSp>
+      <mc:AlternateContent xmlns:mc="http://schemas.openxmlformats.org/markup-compatibility/2006">
+        <mc:Choice xmlns:p14="http://schemas.microsoft.com/office/powerpoint/2010/main" Requires="p14">
+          <p:contentPart p14:bwMode="auto" r:id="rId12">
+            <p14:nvContentPartPr>
+              <p14:cNvPr id="10" name="Ink 9">
+                <a:extLst>
+                  <a:ext uri="{FF2B5EF4-FFF2-40B4-BE49-F238E27FC236}">
+                    <a16:creationId xmlns:a16="http://schemas.microsoft.com/office/drawing/2014/main" id="{BBF5BC2F-C644-419A-B88B-EFE3C9A5B833}"/>
+                  </a:ext>
+                </a:extLst>
+              </p14:cNvPr>
+              <p14:cNvContentPartPr/>
+              <p14:nvPr/>
+            </p14:nvContentPartPr>
+            <p14:xfrm>
+              <a:off x="3775609" y="2751379"/>
+              <a:ext cx="266040" cy="585360"/>
+            </p14:xfrm>
+          </p:contentPart>
+        </mc:Choice>
+        <mc:Fallback>
+          <p:pic>
+            <p:nvPicPr>
+              <p:cNvPr id="10" name="Ink 9">
+                <a:extLst>
+                  <a:ext uri="{FF2B5EF4-FFF2-40B4-BE49-F238E27FC236}">
+                    <a16:creationId xmlns:a16="http://schemas.microsoft.com/office/drawing/2014/main" id="{BBF5BC2F-C644-419A-B88B-EFE3C9A5B833}"/>
+                  </a:ext>
+                </a:extLst>
+              </p:cNvPr>
+              <p:cNvPicPr/>
+              <p:nvPr/>
+            </p:nvPicPr>
+            <p:blipFill>
+              <a:blip r:embed="rId13"/>
+              <a:stretch>
+                <a:fillRect/>
+              </a:stretch>
+            </p:blipFill>
+            <p:spPr>
+              <a:xfrm>
+                <a:off x="3766609" y="2742739"/>
+                <a:ext cx="283680" cy="603000"/>
+              </a:xfrm>
+              <a:prstGeom prst="rect">
+                <a:avLst/>
+              </a:prstGeom>
+            </p:spPr>
+          </p:pic>
+        </mc:Fallback>
+      </mc:AlternateContent>
+      <mc:AlternateContent xmlns:mc="http://schemas.openxmlformats.org/markup-compatibility/2006">
+        <mc:Choice xmlns:p14="http://schemas.microsoft.com/office/powerpoint/2010/main" Requires="p14">
+          <p:contentPart p14:bwMode="auto" r:id="rId14">
+            <p14:nvContentPartPr>
+              <p14:cNvPr id="11" name="Ink 10">
+                <a:extLst>
+                  <a:ext uri="{FF2B5EF4-FFF2-40B4-BE49-F238E27FC236}">
+                    <a16:creationId xmlns:a16="http://schemas.microsoft.com/office/drawing/2014/main" id="{ADDC0BE2-FBED-4D83-987D-4C39E2C9AE98}"/>
+                  </a:ext>
+                </a:extLst>
+              </p14:cNvPr>
+              <p14:cNvContentPartPr/>
+              <p14:nvPr/>
+            </p14:nvContentPartPr>
+            <p14:xfrm>
+              <a:off x="1147609" y="3700699"/>
+              <a:ext cx="268560" cy="128160"/>
+            </p14:xfrm>
+          </p:contentPart>
+        </mc:Choice>
+        <mc:Fallback>
+          <p:pic>
+            <p:nvPicPr>
+              <p:cNvPr id="11" name="Ink 10">
+                <a:extLst>
+                  <a:ext uri="{FF2B5EF4-FFF2-40B4-BE49-F238E27FC236}">
+                    <a16:creationId xmlns:a16="http://schemas.microsoft.com/office/drawing/2014/main" id="{ADDC0BE2-FBED-4D83-987D-4C39E2C9AE98}"/>
+                  </a:ext>
+                </a:extLst>
+              </p:cNvPr>
+              <p:cNvPicPr/>
+              <p:nvPr/>
+            </p:nvPicPr>
+            <p:blipFill>
+              <a:blip r:embed="rId15"/>
+              <a:stretch>
+                <a:fillRect/>
+              </a:stretch>
+            </p:blipFill>
+            <p:spPr>
+              <a:xfrm>
+                <a:off x="1138609" y="3691699"/>
+                <a:ext cx="286200" cy="145800"/>
+              </a:xfrm>
+              <a:prstGeom prst="rect">
+                <a:avLst/>
+              </a:prstGeom>
+            </p:spPr>
+          </p:pic>
+        </mc:Fallback>
+      </mc:AlternateContent>
+      <mc:AlternateContent xmlns:mc="http://schemas.openxmlformats.org/markup-compatibility/2006">
+        <mc:Choice xmlns:p14="http://schemas.microsoft.com/office/powerpoint/2010/main" Requires="p14">
+          <p:contentPart p14:bwMode="auto" r:id="rId16">
+            <p14:nvContentPartPr>
+              <p14:cNvPr id="12" name="Ink 11">
+                <a:extLst>
+                  <a:ext uri="{FF2B5EF4-FFF2-40B4-BE49-F238E27FC236}">
+                    <a16:creationId xmlns:a16="http://schemas.microsoft.com/office/drawing/2014/main" id="{36693882-5669-444C-8078-A138F5990076}"/>
+                  </a:ext>
+                </a:extLst>
+              </p14:cNvPr>
+              <p14:cNvContentPartPr/>
+              <p14:nvPr/>
+            </p14:nvContentPartPr>
+            <p14:xfrm>
+              <a:off x="2416249" y="4050259"/>
+              <a:ext cx="1037160" cy="59760"/>
+            </p14:xfrm>
+          </p:contentPart>
+        </mc:Choice>
+        <mc:Fallback>
+          <p:pic>
+            <p:nvPicPr>
+              <p:cNvPr id="12" name="Ink 11">
+                <a:extLst>
+                  <a:ext uri="{FF2B5EF4-FFF2-40B4-BE49-F238E27FC236}">
+                    <a16:creationId xmlns:a16="http://schemas.microsoft.com/office/drawing/2014/main" id="{36693882-5669-444C-8078-A138F5990076}"/>
+                  </a:ext>
+                </a:extLst>
+              </p:cNvPr>
+              <p:cNvPicPr/>
+              <p:nvPr/>
+            </p:nvPicPr>
+            <p:blipFill>
+              <a:blip r:embed="rId17"/>
+              <a:stretch>
+                <a:fillRect/>
+              </a:stretch>
+            </p:blipFill>
+            <p:spPr>
+              <a:xfrm>
+                <a:off x="2407609" y="4041259"/>
+                <a:ext cx="1054800" cy="77400"/>
+              </a:xfrm>
+              <a:prstGeom prst="rect">
+                <a:avLst/>
+              </a:prstGeom>
+            </p:spPr>
+          </p:pic>
+        </mc:Fallback>
+      </mc:AlternateContent>
     </p:spTree>
     <p:extLst>
       <p:ext uri="{BB962C8B-B14F-4D97-AF65-F5344CB8AC3E}">
@@ -9478,6 +15016,57 @@
           </a:p>
         </p:txBody>
       </p:sp>
+      <mc:AlternateContent xmlns:mc="http://schemas.openxmlformats.org/markup-compatibility/2006">
+        <mc:Choice xmlns:p14="http://schemas.microsoft.com/office/powerpoint/2010/main" Requires="p14">
+          <p:contentPart p14:bwMode="auto" r:id="rId2">
+            <p14:nvContentPartPr>
+              <p14:cNvPr id="6" name="Ink 5">
+                <a:extLst>
+                  <a:ext uri="{FF2B5EF4-FFF2-40B4-BE49-F238E27FC236}">
+                    <a16:creationId xmlns:a16="http://schemas.microsoft.com/office/drawing/2014/main" id="{B8764D71-EB4B-4AFB-9270-ABB54FD2977D}"/>
+                  </a:ext>
+                </a:extLst>
+              </p14:cNvPr>
+              <p14:cNvContentPartPr/>
+              <p14:nvPr/>
+            </p14:nvContentPartPr>
+            <p14:xfrm>
+              <a:off x="4384369" y="696859"/>
+              <a:ext cx="1105920" cy="34560"/>
+            </p14:xfrm>
+          </p:contentPart>
+        </mc:Choice>
+        <mc:Fallback>
+          <p:pic>
+            <p:nvPicPr>
+              <p:cNvPr id="6" name="Ink 5">
+                <a:extLst>
+                  <a:ext uri="{FF2B5EF4-FFF2-40B4-BE49-F238E27FC236}">
+                    <a16:creationId xmlns:a16="http://schemas.microsoft.com/office/drawing/2014/main" id="{B8764D71-EB4B-4AFB-9270-ABB54FD2977D}"/>
+                  </a:ext>
+                </a:extLst>
+              </p:cNvPr>
+              <p:cNvPicPr/>
+              <p:nvPr/>
+            </p:nvPicPr>
+            <p:blipFill>
+              <a:blip r:embed="rId3"/>
+              <a:stretch>
+                <a:fillRect/>
+              </a:stretch>
+            </p:blipFill>
+            <p:spPr>
+              <a:xfrm>
+                <a:off x="4375369" y="687859"/>
+                <a:ext cx="1123560" cy="52200"/>
+              </a:xfrm>
+              <a:prstGeom prst="rect">
+                <a:avLst/>
+              </a:prstGeom>
+            </p:spPr>
+          </p:pic>
+        </mc:Fallback>
+      </mc:AlternateContent>
     </p:spTree>
     <p:extLst>
       <p:ext uri="{BB962C8B-B14F-4D97-AF65-F5344CB8AC3E}">
@@ -9822,6 +15411,384 @@
           </a:p>
         </p:txBody>
       </p:sp>
+      <p:grpSp>
+        <p:nvGrpSpPr>
+          <p:cNvPr id="21" name="Group 20">
+            <a:extLst>
+              <a:ext uri="{FF2B5EF4-FFF2-40B4-BE49-F238E27FC236}">
+                <a16:creationId xmlns:a16="http://schemas.microsoft.com/office/drawing/2014/main" id="{31F39372-65C0-4846-A805-7232FC5B2036}"/>
+              </a:ext>
+            </a:extLst>
+          </p:cNvPr>
+          <p:cNvGrpSpPr/>
+          <p:nvPr/>
+        </p:nvGrpSpPr>
+        <p:grpSpPr>
+          <a:xfrm>
+            <a:off x="2521950" y="3834810"/>
+            <a:ext cx="1654920" cy="403920"/>
+            <a:chOff x="2521950" y="3834810"/>
+            <a:chExt cx="1654920" cy="403920"/>
+          </a:xfrm>
+        </p:grpSpPr>
+        <mc:AlternateContent xmlns:mc="http://schemas.openxmlformats.org/markup-compatibility/2006">
+          <mc:Choice xmlns:p14="http://schemas.microsoft.com/office/powerpoint/2010/main" Requires="p14">
+            <p:contentPart p14:bwMode="auto" r:id="rId3">
+              <p14:nvContentPartPr>
+                <p14:cNvPr id="15" name="Ink 14">
+                  <a:extLst>
+                    <a:ext uri="{FF2B5EF4-FFF2-40B4-BE49-F238E27FC236}">
+                      <a16:creationId xmlns:a16="http://schemas.microsoft.com/office/drawing/2014/main" id="{E247A623-98BC-4046-9B1E-138E9CF3E468}"/>
+                    </a:ext>
+                  </a:extLst>
+                </p14:cNvPr>
+                <p14:cNvContentPartPr/>
+                <p14:nvPr/>
+              </p14:nvContentPartPr>
+              <p14:xfrm>
+                <a:off x="2521950" y="4004370"/>
+                <a:ext cx="120600" cy="140760"/>
+              </p14:xfrm>
+            </p:contentPart>
+          </mc:Choice>
+          <mc:Fallback>
+            <p:pic>
+              <p:nvPicPr>
+                <p:cNvPr id="15" name="Ink 14">
+                  <a:extLst>
+                    <a:ext uri="{FF2B5EF4-FFF2-40B4-BE49-F238E27FC236}">
+                      <a16:creationId xmlns:a16="http://schemas.microsoft.com/office/drawing/2014/main" id="{E247A623-98BC-4046-9B1E-138E9CF3E468}"/>
+                    </a:ext>
+                  </a:extLst>
+                </p:cNvPr>
+                <p:cNvPicPr/>
+                <p:nvPr/>
+              </p:nvPicPr>
+              <p:blipFill>
+                <a:blip r:embed="rId4"/>
+                <a:stretch>
+                  <a:fillRect/>
+                </a:stretch>
+              </p:blipFill>
+              <p:spPr>
+                <a:xfrm>
+                  <a:off x="2513310" y="3995370"/>
+                  <a:ext cx="138240" cy="158400"/>
+                </a:xfrm>
+                <a:prstGeom prst="rect">
+                  <a:avLst/>
+                </a:prstGeom>
+              </p:spPr>
+            </p:pic>
+          </mc:Fallback>
+        </mc:AlternateContent>
+        <mc:AlternateContent xmlns:mc="http://schemas.openxmlformats.org/markup-compatibility/2006">
+          <mc:Choice xmlns:p14="http://schemas.microsoft.com/office/powerpoint/2010/main" Requires="p14">
+            <p:contentPart p14:bwMode="auto" r:id="rId5">
+              <p14:nvContentPartPr>
+                <p14:cNvPr id="16" name="Ink 15">
+                  <a:extLst>
+                    <a:ext uri="{FF2B5EF4-FFF2-40B4-BE49-F238E27FC236}">
+                      <a16:creationId xmlns:a16="http://schemas.microsoft.com/office/drawing/2014/main" id="{7064A9C1-C937-41FC-94E6-0271E44B08FC}"/>
+                    </a:ext>
+                  </a:extLst>
+                </p14:cNvPr>
+                <p14:cNvContentPartPr/>
+                <p14:nvPr/>
+              </p14:nvContentPartPr>
+              <p14:xfrm>
+                <a:off x="2644710" y="4020930"/>
+                <a:ext cx="127800" cy="121680"/>
+              </p14:xfrm>
+            </p:contentPart>
+          </mc:Choice>
+          <mc:Fallback>
+            <p:pic>
+              <p:nvPicPr>
+                <p:cNvPr id="16" name="Ink 15">
+                  <a:extLst>
+                    <a:ext uri="{FF2B5EF4-FFF2-40B4-BE49-F238E27FC236}">
+                      <a16:creationId xmlns:a16="http://schemas.microsoft.com/office/drawing/2014/main" id="{7064A9C1-C937-41FC-94E6-0271E44B08FC}"/>
+                    </a:ext>
+                  </a:extLst>
+                </p:cNvPr>
+                <p:cNvPicPr/>
+                <p:nvPr/>
+              </p:nvPicPr>
+              <p:blipFill>
+                <a:blip r:embed="rId6"/>
+                <a:stretch>
+                  <a:fillRect/>
+                </a:stretch>
+              </p:blipFill>
+              <p:spPr>
+                <a:xfrm>
+                  <a:off x="2636070" y="4011930"/>
+                  <a:ext cx="145440" cy="139320"/>
+                </a:xfrm>
+                <a:prstGeom prst="rect">
+                  <a:avLst/>
+                </a:prstGeom>
+              </p:spPr>
+            </p:pic>
+          </mc:Fallback>
+        </mc:AlternateContent>
+        <mc:AlternateContent xmlns:mc="http://schemas.openxmlformats.org/markup-compatibility/2006">
+          <mc:Choice xmlns:p14="http://schemas.microsoft.com/office/powerpoint/2010/main" Requires="p14">
+            <p:contentPart p14:bwMode="auto" r:id="rId7">
+              <p14:nvContentPartPr>
+                <p14:cNvPr id="17" name="Ink 16">
+                  <a:extLst>
+                    <a:ext uri="{FF2B5EF4-FFF2-40B4-BE49-F238E27FC236}">
+                      <a16:creationId xmlns:a16="http://schemas.microsoft.com/office/drawing/2014/main" id="{B8AB00F1-2C85-466C-8B5B-EDFA0BD736CF}"/>
+                    </a:ext>
+                  </a:extLst>
+                </p14:cNvPr>
+                <p14:cNvContentPartPr/>
+                <p14:nvPr/>
+              </p14:nvContentPartPr>
+              <p14:xfrm>
+                <a:off x="2804550" y="4031010"/>
+                <a:ext cx="264240" cy="207720"/>
+              </p14:xfrm>
+            </p:contentPart>
+          </mc:Choice>
+          <mc:Fallback>
+            <p:pic>
+              <p:nvPicPr>
+                <p:cNvPr id="17" name="Ink 16">
+                  <a:extLst>
+                    <a:ext uri="{FF2B5EF4-FFF2-40B4-BE49-F238E27FC236}">
+                      <a16:creationId xmlns:a16="http://schemas.microsoft.com/office/drawing/2014/main" id="{B8AB00F1-2C85-466C-8B5B-EDFA0BD736CF}"/>
+                    </a:ext>
+                  </a:extLst>
+                </p:cNvPr>
+                <p:cNvPicPr/>
+                <p:nvPr/>
+              </p:nvPicPr>
+              <p:blipFill>
+                <a:blip r:embed="rId8"/>
+                <a:stretch>
+                  <a:fillRect/>
+                </a:stretch>
+              </p:blipFill>
+              <p:spPr>
+                <a:xfrm>
+                  <a:off x="2795550" y="4022010"/>
+                  <a:ext cx="281880" cy="225360"/>
+                </a:xfrm>
+                <a:prstGeom prst="rect">
+                  <a:avLst/>
+                </a:prstGeom>
+              </p:spPr>
+            </p:pic>
+          </mc:Fallback>
+        </mc:AlternateContent>
+        <mc:AlternateContent xmlns:mc="http://schemas.openxmlformats.org/markup-compatibility/2006">
+          <mc:Choice xmlns:p14="http://schemas.microsoft.com/office/powerpoint/2010/main" Requires="p14">
+            <p:contentPart p14:bwMode="auto" r:id="rId9">
+              <p14:nvContentPartPr>
+                <p14:cNvPr id="18" name="Ink 17">
+                  <a:extLst>
+                    <a:ext uri="{FF2B5EF4-FFF2-40B4-BE49-F238E27FC236}">
+                      <a16:creationId xmlns:a16="http://schemas.microsoft.com/office/drawing/2014/main" id="{CBA15825-0186-4799-85DE-F168568ED0F5}"/>
+                    </a:ext>
+                  </a:extLst>
+                </p14:cNvPr>
+                <p14:cNvContentPartPr/>
+                <p14:nvPr/>
+              </p14:nvContentPartPr>
+              <p14:xfrm>
+                <a:off x="3122790" y="3990690"/>
+                <a:ext cx="15120" cy="127080"/>
+              </p14:xfrm>
+            </p:contentPart>
+          </mc:Choice>
+          <mc:Fallback>
+            <p:pic>
+              <p:nvPicPr>
+                <p:cNvPr id="18" name="Ink 17">
+                  <a:extLst>
+                    <a:ext uri="{FF2B5EF4-FFF2-40B4-BE49-F238E27FC236}">
+                      <a16:creationId xmlns:a16="http://schemas.microsoft.com/office/drawing/2014/main" id="{CBA15825-0186-4799-85DE-F168568ED0F5}"/>
+                    </a:ext>
+                  </a:extLst>
+                </p:cNvPr>
+                <p:cNvPicPr/>
+                <p:nvPr/>
+              </p:nvPicPr>
+              <p:blipFill>
+                <a:blip r:embed="rId10"/>
+                <a:stretch>
+                  <a:fillRect/>
+                </a:stretch>
+              </p:blipFill>
+              <p:spPr>
+                <a:xfrm>
+                  <a:off x="3114150" y="3982050"/>
+                  <a:ext cx="32760" cy="144720"/>
+                </a:xfrm>
+                <a:prstGeom prst="rect">
+                  <a:avLst/>
+                </a:prstGeom>
+              </p:spPr>
+            </p:pic>
+          </mc:Fallback>
+        </mc:AlternateContent>
+        <mc:AlternateContent xmlns:mc="http://schemas.openxmlformats.org/markup-compatibility/2006">
+          <mc:Choice xmlns:p14="http://schemas.microsoft.com/office/powerpoint/2010/main" Requires="p14">
+            <p:contentPart p14:bwMode="auto" r:id="rId11">
+              <p14:nvContentPartPr>
+                <p14:cNvPr id="19" name="Ink 18">
+                  <a:extLst>
+                    <a:ext uri="{FF2B5EF4-FFF2-40B4-BE49-F238E27FC236}">
+                      <a16:creationId xmlns:a16="http://schemas.microsoft.com/office/drawing/2014/main" id="{BB591ECE-9370-4C48-9C7F-336675F99A67}"/>
+                    </a:ext>
+                  </a:extLst>
+                </p14:cNvPr>
+                <p14:cNvContentPartPr/>
+                <p14:nvPr/>
+              </p14:nvContentPartPr>
+              <p14:xfrm>
+                <a:off x="3189750" y="3834810"/>
+                <a:ext cx="276840" cy="284760"/>
+              </p14:xfrm>
+            </p:contentPart>
+          </mc:Choice>
+          <mc:Fallback>
+            <p:pic>
+              <p:nvPicPr>
+                <p:cNvPr id="19" name="Ink 18">
+                  <a:extLst>
+                    <a:ext uri="{FF2B5EF4-FFF2-40B4-BE49-F238E27FC236}">
+                      <a16:creationId xmlns:a16="http://schemas.microsoft.com/office/drawing/2014/main" id="{BB591ECE-9370-4C48-9C7F-336675F99A67}"/>
+                    </a:ext>
+                  </a:extLst>
+                </p:cNvPr>
+                <p:cNvPicPr/>
+                <p:nvPr/>
+              </p:nvPicPr>
+              <p:blipFill>
+                <a:blip r:embed="rId12"/>
+                <a:stretch>
+                  <a:fillRect/>
+                </a:stretch>
+              </p:blipFill>
+              <p:spPr>
+                <a:xfrm>
+                  <a:off x="3180750" y="3825810"/>
+                  <a:ext cx="294480" cy="302400"/>
+                </a:xfrm>
+                <a:prstGeom prst="rect">
+                  <a:avLst/>
+                </a:prstGeom>
+              </p:spPr>
+            </p:pic>
+          </mc:Fallback>
+        </mc:AlternateContent>
+        <mc:AlternateContent xmlns:mc="http://schemas.openxmlformats.org/markup-compatibility/2006">
+          <mc:Choice xmlns:p14="http://schemas.microsoft.com/office/powerpoint/2010/main" Requires="p14">
+            <p:contentPart p14:bwMode="auto" r:id="rId13">
+              <p14:nvContentPartPr>
+                <p14:cNvPr id="20" name="Ink 19">
+                  <a:extLst>
+                    <a:ext uri="{FF2B5EF4-FFF2-40B4-BE49-F238E27FC236}">
+                      <a16:creationId xmlns:a16="http://schemas.microsoft.com/office/drawing/2014/main" id="{B90E5F31-06A3-444B-BF69-FDCB600844AD}"/>
+                    </a:ext>
+                  </a:extLst>
+                </p14:cNvPr>
+                <p14:cNvContentPartPr/>
+                <p14:nvPr/>
+              </p14:nvContentPartPr>
+              <p14:xfrm>
+                <a:off x="3620670" y="3990690"/>
+                <a:ext cx="556200" cy="104760"/>
+              </p14:xfrm>
+            </p:contentPart>
+          </mc:Choice>
+          <mc:Fallback>
+            <p:pic>
+              <p:nvPicPr>
+                <p:cNvPr id="20" name="Ink 19">
+                  <a:extLst>
+                    <a:ext uri="{FF2B5EF4-FFF2-40B4-BE49-F238E27FC236}">
+                      <a16:creationId xmlns:a16="http://schemas.microsoft.com/office/drawing/2014/main" id="{B90E5F31-06A3-444B-BF69-FDCB600844AD}"/>
+                    </a:ext>
+                  </a:extLst>
+                </p:cNvPr>
+                <p:cNvPicPr/>
+                <p:nvPr/>
+              </p:nvPicPr>
+              <p:blipFill>
+                <a:blip r:embed="rId14"/>
+                <a:stretch>
+                  <a:fillRect/>
+                </a:stretch>
+              </p:blipFill>
+              <p:spPr>
+                <a:xfrm>
+                  <a:off x="3611670" y="3982050"/>
+                  <a:ext cx="573840" cy="122400"/>
+                </a:xfrm>
+                <a:prstGeom prst="rect">
+                  <a:avLst/>
+                </a:prstGeom>
+              </p:spPr>
+            </p:pic>
+          </mc:Fallback>
+        </mc:AlternateContent>
+      </p:grpSp>
+      <mc:AlternateContent xmlns:mc="http://schemas.openxmlformats.org/markup-compatibility/2006">
+        <mc:Choice xmlns:p14="http://schemas.microsoft.com/office/powerpoint/2010/main" Requires="p14">
+          <p:contentPart p14:bwMode="auto" r:id="rId15">
+            <p14:nvContentPartPr>
+              <p14:cNvPr id="22" name="Ink 21">
+                <a:extLst>
+                  <a:ext uri="{FF2B5EF4-FFF2-40B4-BE49-F238E27FC236}">
+                    <a16:creationId xmlns:a16="http://schemas.microsoft.com/office/drawing/2014/main" id="{6CB0B057-6E7B-4649-B849-FFCED3189CA6}"/>
+                  </a:ext>
+                </a:extLst>
+              </p14:cNvPr>
+              <p14:cNvContentPartPr/>
+              <p14:nvPr/>
+            </p14:nvContentPartPr>
+            <p14:xfrm>
+              <a:off x="1634190" y="4007250"/>
+              <a:ext cx="528840" cy="107280"/>
+            </p14:xfrm>
+          </p:contentPart>
+        </mc:Choice>
+        <mc:Fallback>
+          <p:pic>
+            <p:nvPicPr>
+              <p:cNvPr id="22" name="Ink 21">
+                <a:extLst>
+                  <a:ext uri="{FF2B5EF4-FFF2-40B4-BE49-F238E27FC236}">
+                    <a16:creationId xmlns:a16="http://schemas.microsoft.com/office/drawing/2014/main" id="{6CB0B057-6E7B-4649-B849-FFCED3189CA6}"/>
+                  </a:ext>
+                </a:extLst>
+              </p:cNvPr>
+              <p:cNvPicPr/>
+              <p:nvPr/>
+            </p:nvPicPr>
+            <p:blipFill>
+              <a:blip r:embed="rId16"/>
+              <a:stretch>
+                <a:fillRect/>
+              </a:stretch>
+            </p:blipFill>
+            <p:spPr>
+              <a:xfrm>
+                <a:off x="1625550" y="3998250"/>
+                <a:ext cx="546480" cy="124920"/>
+              </a:xfrm>
+              <a:prstGeom prst="rect">
+                <a:avLst/>
+              </a:prstGeom>
+            </p:spPr>
+          </p:pic>
+        </mc:Fallback>
+      </mc:AlternateContent>
     </p:spTree>
     <p:extLst>
       <p:ext uri="{BB962C8B-B14F-4D97-AF65-F5344CB8AC3E}">
